--- a/docs/slides/esquio-overview-101.pptx
+++ b/docs/slides/esquio-overview-101.pptx
@@ -8,33 +8,39 @@
     <p:sldId id="256" r:id="rId2"/>
     <p:sldId id="260" r:id="rId3"/>
     <p:sldId id="274" r:id="rId4"/>
-    <p:sldId id="258" r:id="rId5"/>
-    <p:sldId id="257" r:id="rId6"/>
-    <p:sldId id="261" r:id="rId7"/>
-    <p:sldId id="262" r:id="rId8"/>
-    <p:sldId id="263" r:id="rId9"/>
-    <p:sldId id="264" r:id="rId10"/>
-    <p:sldId id="265" r:id="rId11"/>
-    <p:sldId id="266" r:id="rId12"/>
-    <p:sldId id="267" r:id="rId13"/>
-    <p:sldId id="279" r:id="rId14"/>
-    <p:sldId id="280" r:id="rId15"/>
-    <p:sldId id="281" r:id="rId16"/>
-    <p:sldId id="282" r:id="rId17"/>
-    <p:sldId id="270" r:id="rId18"/>
-    <p:sldId id="271" r:id="rId19"/>
-    <p:sldId id="287" r:id="rId20"/>
-    <p:sldId id="289" r:id="rId21"/>
-    <p:sldId id="272" r:id="rId22"/>
-    <p:sldId id="273" r:id="rId23"/>
-    <p:sldId id="275" r:id="rId24"/>
-    <p:sldId id="276" r:id="rId25"/>
-    <p:sldId id="283" r:id="rId26"/>
-    <p:sldId id="284" r:id="rId27"/>
-    <p:sldId id="285" r:id="rId28"/>
-    <p:sldId id="286" r:id="rId29"/>
-    <p:sldId id="290" r:id="rId30"/>
-    <p:sldId id="291" r:id="rId31"/>
+    <p:sldId id="294" r:id="rId5"/>
+    <p:sldId id="295" r:id="rId6"/>
+    <p:sldId id="296" r:id="rId7"/>
+    <p:sldId id="258" r:id="rId8"/>
+    <p:sldId id="257" r:id="rId9"/>
+    <p:sldId id="261" r:id="rId10"/>
+    <p:sldId id="262" r:id="rId11"/>
+    <p:sldId id="263" r:id="rId12"/>
+    <p:sldId id="264" r:id="rId13"/>
+    <p:sldId id="265" r:id="rId14"/>
+    <p:sldId id="266" r:id="rId15"/>
+    <p:sldId id="267" r:id="rId16"/>
+    <p:sldId id="279" r:id="rId17"/>
+    <p:sldId id="280" r:id="rId18"/>
+    <p:sldId id="281" r:id="rId19"/>
+    <p:sldId id="282" r:id="rId20"/>
+    <p:sldId id="270" r:id="rId21"/>
+    <p:sldId id="271" r:id="rId22"/>
+    <p:sldId id="287" r:id="rId23"/>
+    <p:sldId id="289" r:id="rId24"/>
+    <p:sldId id="272" r:id="rId25"/>
+    <p:sldId id="273" r:id="rId26"/>
+    <p:sldId id="275" r:id="rId27"/>
+    <p:sldId id="276" r:id="rId28"/>
+    <p:sldId id="283" r:id="rId29"/>
+    <p:sldId id="284" r:id="rId30"/>
+    <p:sldId id="285" r:id="rId31"/>
+    <p:sldId id="286" r:id="rId32"/>
+    <p:sldId id="297" r:id="rId33"/>
+    <p:sldId id="291" r:id="rId34"/>
+    <p:sldId id="292" r:id="rId35"/>
+    <p:sldId id="298" r:id="rId36"/>
+    <p:sldId id="300" r:id="rId37"/>
   </p:sldIdLst>
   <p:sldSz cx="12192000" cy="6858000"/>
   <p:notesSz cx="6858000" cy="9144000"/>
@@ -134,6 +140,70 @@
     </a:lvl9pPr>
   </p:defaultTextStyle>
   <p:extLst>
+    <p:ext uri="{521415D9-36F7-43E2-AB2F-B90AF26B5E84}">
+      <p14:sectionLst xmlns:p14="http://schemas.microsoft.com/office/powerpoint/2010/main">
+        <p14:section name="Introduction" id="{B3EFDFCF-D481-46F3-8A05-504D33B469C9}">
+          <p14:sldIdLst>
+            <p14:sldId id="256"/>
+            <p14:sldId id="260"/>
+            <p14:sldId id="274"/>
+            <p14:sldId id="294"/>
+            <p14:sldId id="295"/>
+            <p14:sldId id="296"/>
+            <p14:sldId id="258"/>
+            <p14:sldId id="257"/>
+          </p14:sldIdLst>
+        </p14:section>
+        <p14:section name="ASP.NET Core" id="{740C7AE1-B239-4E16-B41B-C5D02247AD38}">
+          <p14:sldIdLst>
+            <p14:sldId id="261"/>
+            <p14:sldId id="262"/>
+            <p14:sldId id="263"/>
+            <p14:sldId id="264"/>
+            <p14:sldId id="265"/>
+            <p14:sldId id="266"/>
+            <p14:sldId id="267"/>
+            <p14:sldId id="279"/>
+            <p14:sldId id="280"/>
+            <p14:sldId id="281"/>
+            <p14:sldId id="282"/>
+            <p14:sldId id="270"/>
+            <p14:sldId id="271"/>
+          </p14:sldIdLst>
+        </p14:section>
+        <p14:section name="Toggles" id="{C4DF5FCD-8657-4365-96BC-4FF545B9F81D}">
+          <p14:sldIdLst>
+            <p14:sldId id="287"/>
+            <p14:sldId id="289"/>
+          </p14:sldIdLst>
+        </p14:section>
+        <p14:section name="Configuration" id="{4F30A3C1-D819-43CF-8302-752E1A81E817}">
+          <p14:sldIdLst>
+            <p14:sldId id="272"/>
+            <p14:sldId id="273"/>
+            <p14:sldId id="275"/>
+            <p14:sldId id="276"/>
+          </p14:sldIdLst>
+        </p14:section>
+        <p14:section name="UI" id="{A6253592-32D7-4543-B009-96D329702D6D}">
+          <p14:sldIdLst>
+            <p14:sldId id="283"/>
+            <p14:sldId id="284"/>
+            <p14:sldId id="285"/>
+            <p14:sldId id="286"/>
+          </p14:sldIdLst>
+        </p14:section>
+        <p14:section name="Observability and Measure" id="{BE07450E-6DB6-4146-9A75-623E7417DA9E}">
+          <p14:sldIdLst>
+            <p14:sldId id="297"/>
+            <p14:sldId id="291"/>
+            <p14:sldId id="292"/>
+            <p14:sldId id="298"/>
+            <p14:sldId id="300"/>
+          </p14:sldIdLst>
+        </p14:section>
+      </p14:sectionLst>
+    </p:ext>
     <p:ext uri="{EFAFB233-063F-42B5-8137-9DF3F51BA10A}">
       <p15:sldGuideLst xmlns:p15="http://schemas.microsoft.com/office/powerpoint/2012/main"/>
     </p:ext>
@@ -290,7 +360,7 @@
           <a:p>
             <a:fld id="{C312A4EA-1502-4072-B979-7D64E5120D8C}" type="datetimeFigureOut">
               <a:rPr lang="es-ES" smtClean="0"/>
-              <a:t>17/09/2019</a:t>
+              <a:t>18/09/2019</a:t>
             </a:fld>
             <a:endParaRPr lang="es-ES"/>
           </a:p>
@@ -490,7 +560,7 @@
           <a:p>
             <a:fld id="{C312A4EA-1502-4072-B979-7D64E5120D8C}" type="datetimeFigureOut">
               <a:rPr lang="es-ES" smtClean="0"/>
-              <a:t>17/09/2019</a:t>
+              <a:t>18/09/2019</a:t>
             </a:fld>
             <a:endParaRPr lang="es-ES"/>
           </a:p>
@@ -700,7 +770,7 @@
           <a:p>
             <a:fld id="{C312A4EA-1502-4072-B979-7D64E5120D8C}" type="datetimeFigureOut">
               <a:rPr lang="es-ES" smtClean="0"/>
-              <a:t>17/09/2019</a:t>
+              <a:t>18/09/2019</a:t>
             </a:fld>
             <a:endParaRPr lang="es-ES"/>
           </a:p>
@@ -900,7 +970,7 @@
           <a:p>
             <a:fld id="{C312A4EA-1502-4072-B979-7D64E5120D8C}" type="datetimeFigureOut">
               <a:rPr lang="es-ES" smtClean="0"/>
-              <a:t>17/09/2019</a:t>
+              <a:t>18/09/2019</a:t>
             </a:fld>
             <a:endParaRPr lang="es-ES"/>
           </a:p>
@@ -1176,7 +1246,7 @@
           <a:p>
             <a:fld id="{C312A4EA-1502-4072-B979-7D64E5120D8C}" type="datetimeFigureOut">
               <a:rPr lang="es-ES" smtClean="0"/>
-              <a:t>17/09/2019</a:t>
+              <a:t>18/09/2019</a:t>
             </a:fld>
             <a:endParaRPr lang="es-ES"/>
           </a:p>
@@ -1444,7 +1514,7 @@
           <a:p>
             <a:fld id="{C312A4EA-1502-4072-B979-7D64E5120D8C}" type="datetimeFigureOut">
               <a:rPr lang="es-ES" smtClean="0"/>
-              <a:t>17/09/2019</a:t>
+              <a:t>18/09/2019</a:t>
             </a:fld>
             <a:endParaRPr lang="es-ES"/>
           </a:p>
@@ -1859,7 +1929,7 @@
           <a:p>
             <a:fld id="{C312A4EA-1502-4072-B979-7D64E5120D8C}" type="datetimeFigureOut">
               <a:rPr lang="es-ES" smtClean="0"/>
-              <a:t>17/09/2019</a:t>
+              <a:t>18/09/2019</a:t>
             </a:fld>
             <a:endParaRPr lang="es-ES"/>
           </a:p>
@@ -2001,7 +2071,7 @@
           <a:p>
             <a:fld id="{C312A4EA-1502-4072-B979-7D64E5120D8C}" type="datetimeFigureOut">
               <a:rPr lang="es-ES" smtClean="0"/>
-              <a:t>17/09/2019</a:t>
+              <a:t>18/09/2019</a:t>
             </a:fld>
             <a:endParaRPr lang="es-ES"/>
           </a:p>
@@ -2114,7 +2184,7 @@
           <a:p>
             <a:fld id="{C312A4EA-1502-4072-B979-7D64E5120D8C}" type="datetimeFigureOut">
               <a:rPr lang="es-ES" smtClean="0"/>
-              <a:t>17/09/2019</a:t>
+              <a:t>18/09/2019</a:t>
             </a:fld>
             <a:endParaRPr lang="es-ES"/>
           </a:p>
@@ -2427,7 +2497,7 @@
           <a:p>
             <a:fld id="{C312A4EA-1502-4072-B979-7D64E5120D8C}" type="datetimeFigureOut">
               <a:rPr lang="es-ES" smtClean="0"/>
-              <a:t>17/09/2019</a:t>
+              <a:t>18/09/2019</a:t>
             </a:fld>
             <a:endParaRPr lang="es-ES"/>
           </a:p>
@@ -2716,7 +2786,7 @@
           <a:p>
             <a:fld id="{C312A4EA-1502-4072-B979-7D64E5120D8C}" type="datetimeFigureOut">
               <a:rPr lang="es-ES" smtClean="0"/>
-              <a:t>17/09/2019</a:t>
+              <a:t>18/09/2019</a:t>
             </a:fld>
             <a:endParaRPr lang="es-ES"/>
           </a:p>
@@ -2959,7 +3029,7 @@
           <a:p>
             <a:fld id="{C312A4EA-1502-4072-B979-7D64E5120D8C}" type="datetimeFigureOut">
               <a:rPr lang="es-ES" smtClean="0"/>
-              <a:t>17/09/2019</a:t>
+              <a:t>18/09/2019</a:t>
             </a:fld>
             <a:endParaRPr lang="es-ES"/>
           </a:p>
@@ -4271,7 +4341,7 @@
         </p:nvSpPr>
         <p:spPr>
           <a:xfrm>
-            <a:off x="1136428" y="1750094"/>
+            <a:off x="1136428" y="1703692"/>
             <a:ext cx="6467867" cy="3450613"/>
           </a:xfrm>
         </p:spPr>
@@ -4283,15 +4353,30 @@
           <a:p>
             <a:r>
               <a:rPr lang="es-ES" sz="2400" i="1" dirty="0" err="1"/>
-              <a:t>FeatureFilter</a:t>
-            </a:r>
-            <a:endParaRPr lang="es-ES" sz="2400" i="1" dirty="0"/>
+              <a:t>FeatureTagHelper</a:t>
+            </a:r>
+            <a:r>
+              <a:rPr lang="es-ES" sz="2400" i="1" dirty="0"/>
+              <a:t> </a:t>
+            </a:r>
           </a:p>
           <a:p>
             <a:pPr lvl="1"/>
             <a:r>
+              <a:rPr lang="es-ES" sz="2000" i="1" dirty="0" err="1"/>
+              <a:t>Enable</a:t>
+            </a:r>
+            <a:r>
               <a:rPr lang="es-ES" sz="2000" i="1" dirty="0"/>
-              <a:t>Enable or </a:t>
+              <a:t> </a:t>
+            </a:r>
+            <a:r>
+              <a:rPr lang="es-ES" sz="2000" i="1" dirty="0" err="1"/>
+              <a:t>or</a:t>
+            </a:r>
+            <a:r>
+              <a:rPr lang="es-ES" sz="2000" i="1" dirty="0"/>
+              <a:t> </a:t>
             </a:r>
             <a:r>
               <a:rPr lang="es-ES" sz="2000" i="1" dirty="0" err="1"/>
@@ -4299,15 +4384,23 @@
             </a:r>
             <a:r>
               <a:rPr lang="es-ES" sz="2000" i="1" dirty="0"/>
-              <a:t> MVC </a:t>
+              <a:t> </a:t>
+            </a:r>
+            <a:r>
+              <a:rPr lang="es-ES" sz="2000" b="1" i="1" dirty="0" err="1"/>
+              <a:t>Razor</a:t>
+            </a:r>
+            <a:r>
+              <a:rPr lang="es-ES" sz="2000" i="1" dirty="0"/>
+              <a:t> </a:t>
             </a:r>
             <a:r>
               <a:rPr lang="es-ES" sz="2000" i="1" dirty="0" err="1"/>
-              <a:t>controller</a:t>
+              <a:t>content</a:t>
             </a:r>
             <a:r>
               <a:rPr lang="es-ES" sz="2000" i="1" dirty="0"/>
-              <a:t>(s) or MVC action(s) </a:t>
+              <a:t> </a:t>
             </a:r>
             <a:r>
               <a:rPr lang="es-ES" sz="2000" i="1" dirty="0" err="1"/>
@@ -4315,7 +4408,23 @@
             </a:r>
             <a:r>
               <a:rPr lang="es-ES" sz="2000" i="1" dirty="0"/>
-              <a:t> on feature(s) </a:t>
+              <a:t> </a:t>
+            </a:r>
+            <a:r>
+              <a:rPr lang="es-ES" sz="2000" i="1" dirty="0" err="1"/>
+              <a:t>on</a:t>
+            </a:r>
+            <a:r>
+              <a:rPr lang="es-ES" sz="2000" i="1" dirty="0"/>
+              <a:t> </a:t>
+            </a:r>
+            <a:r>
+              <a:rPr lang="es-ES" sz="2000" i="1" dirty="0" err="1"/>
+              <a:t>feature</a:t>
+            </a:r>
+            <a:r>
+              <a:rPr lang="es-ES" sz="2000" i="1" dirty="0"/>
+              <a:t>(s) </a:t>
             </a:r>
             <a:r>
               <a:rPr lang="es-ES" sz="2000" i="1" dirty="0" err="1"/>
@@ -4334,11 +4443,71 @@
             </a:r>
             <a:r>
               <a:rPr lang="es-ES" sz="2000" b="1" i="1" dirty="0"/>
+              <a:t>, </a:t>
+            </a:r>
+            <a:r>
+              <a:rPr lang="es-ES" sz="2000" b="1" i="1" dirty="0" err="1"/>
+              <a:t>Include</a:t>
+            </a:r>
+            <a:r>
+              <a:rPr lang="es-ES" sz="2000" b="1" i="1" dirty="0"/>
+              <a:t>, </a:t>
+            </a:r>
+            <a:r>
+              <a:rPr lang="es-ES" sz="2000" b="1" i="1" dirty="0" err="1"/>
+              <a:t>Exclude</a:t>
+            </a:r>
+            <a:r>
+              <a:rPr lang="es-ES" sz="2000" i="1" dirty="0"/>
               <a:t> </a:t>
             </a:r>
             <a:r>
+              <a:rPr lang="es-ES" sz="2000" i="1" dirty="0" err="1"/>
+              <a:t>properties</a:t>
+            </a:r>
+            <a:r>
               <a:rPr lang="es-ES" sz="2000" i="1" dirty="0"/>
-              <a:t>to specify </a:t>
+              <a:t> </a:t>
+            </a:r>
+            <a:r>
+              <a:rPr lang="es-ES" sz="2000" i="1" dirty="0" err="1"/>
+              <a:t>to</a:t>
+            </a:r>
+            <a:r>
+              <a:rPr lang="es-ES" sz="2000" i="1" dirty="0"/>
+              <a:t> </a:t>
+            </a:r>
+            <a:r>
+              <a:rPr lang="es-ES" sz="2000" i="1" dirty="0" err="1"/>
+              <a:t>specify</a:t>
+            </a:r>
+            <a:r>
+              <a:rPr lang="es-ES" sz="2000" i="1" dirty="0"/>
+              <a:t> </a:t>
+            </a:r>
+            <a:r>
+              <a:rPr lang="es-ES" sz="2000" i="1" dirty="0" err="1"/>
+              <a:t>one</a:t>
+            </a:r>
+            <a:r>
+              <a:rPr lang="es-ES" sz="2000" i="1" dirty="0"/>
+              <a:t> </a:t>
+            </a:r>
+            <a:r>
+              <a:rPr lang="es-ES" sz="2000" i="1" dirty="0" err="1"/>
+              <a:t>or</a:t>
+            </a:r>
+            <a:r>
+              <a:rPr lang="es-ES" sz="2000" i="1" dirty="0"/>
+              <a:t> </a:t>
+            </a:r>
+            <a:r>
+              <a:rPr lang="es-ES" sz="2000" i="1" dirty="0" err="1"/>
+              <a:t>many</a:t>
+            </a:r>
+            <a:r>
+              <a:rPr lang="es-ES" sz="2000" i="1" dirty="0"/>
+              <a:t> </a:t>
             </a:r>
             <a:r>
               <a:rPr lang="es-ES" sz="2000" i="1" dirty="0" err="1"/>
@@ -4346,7 +4515,15 @@
             </a:r>
             <a:r>
               <a:rPr lang="es-ES" sz="2000" i="1" dirty="0"/>
-              <a:t> to be </a:t>
+              <a:t> </a:t>
+            </a:r>
+            <a:r>
+              <a:rPr lang="es-ES" sz="2000" i="1" dirty="0" err="1"/>
+              <a:t>to</a:t>
+            </a:r>
+            <a:r>
+              <a:rPr lang="es-ES" sz="2000" i="1" dirty="0"/>
+              <a:t> be </a:t>
             </a:r>
             <a:r>
               <a:rPr lang="es-ES" sz="2000" i="1" dirty="0" err="1"/>
@@ -4356,7 +4533,6 @@
               <a:rPr lang="es-ES" sz="2000" i="1" dirty="0"/>
               <a:t>.</a:t>
             </a:r>
-            <a:endParaRPr lang="es-ES" sz="2000" b="1" i="1" dirty="0"/>
           </a:p>
           <a:p>
             <a:pPr lvl="1"/>
@@ -4380,57 +4556,14 @@
               <a:rPr lang="es-ES" sz="2000" i="1" dirty="0" err="1"/>
               <a:t>optional</a:t>
             </a:r>
-            <a:r>
-              <a:rPr lang="es-ES" sz="2000" i="1" dirty="0"/>
-              <a:t> as </a:t>
-            </a:r>
-            <a:r>
-              <a:rPr lang="es-ES" sz="2000" i="1" dirty="0" err="1"/>
-              <a:t>well</a:t>
-            </a:r>
-            <a:r>
-              <a:rPr lang="es-ES" sz="2000" i="1" dirty="0"/>
-              <a:t>.</a:t>
-            </a:r>
-          </a:p>
-          <a:p>
-            <a:pPr lvl="1"/>
-            <a:r>
-              <a:rPr lang="es-ES" sz="2000" i="1" dirty="0" err="1"/>
-              <a:t>Working</a:t>
-            </a:r>
-            <a:r>
-              <a:rPr lang="es-ES" sz="2000" i="1" dirty="0"/>
-              <a:t> as </a:t>
-            </a:r>
-            <a:r>
-              <a:rPr lang="es-ES" sz="2000" i="1" dirty="0" err="1"/>
-              <a:t>route</a:t>
-            </a:r>
-            <a:r>
-              <a:rPr lang="es-ES" sz="2000" i="1" dirty="0"/>
-              <a:t> </a:t>
-            </a:r>
-            <a:r>
-              <a:rPr lang="es-ES" sz="2000" i="1" dirty="0" err="1"/>
-              <a:t>constraint</a:t>
-            </a:r>
-            <a:r>
-              <a:rPr lang="es-ES" sz="2000" i="1" dirty="0"/>
-              <a:t> / </a:t>
-            </a:r>
-            <a:r>
-              <a:rPr lang="es-ES" sz="2000" i="1" dirty="0" err="1"/>
-              <a:t>metadata</a:t>
-            </a:r>
-            <a:endParaRPr lang="es-ES" sz="2000" i="1" dirty="0"/>
+            <a:endParaRPr lang="es-ES" sz="2000" b="1" i="1" dirty="0"/>
           </a:p>
         </p:txBody>
       </p:sp>
     </p:spTree>
     <p:extLst>
       <p:ext uri="{BB962C8B-B14F-4D97-AF65-F5344CB8AC3E}">
-        <p14:creationId xmlns:p14="http://schemas.microsoft.com/office/powerpoint/2010/main" val="1715571668"/>
+        <p14:creationId xmlns:p14="http://schemas.microsoft.com/office/powerpoint/2010/main" val="697742857"/>
       </p:ext>
     </p:extLst>
   </p:cSld>
@@ -4494,21 +4627,14 @@
           <a:lstStyle/>
           <a:p>
             <a:r>
+              <a:rPr lang="es-ES" dirty="0"/>
+              <a:t>ASP.NET Core 3 + </a:t>
+            </a:r>
+            <a:r>
               <a:rPr lang="es-ES" dirty="0" err="1"/>
               <a:t>Esquio</a:t>
             </a:r>
-            <a:r>
-              <a:rPr lang="es-ES" dirty="0"/>
-              <a:t> </a:t>
-            </a:r>
-            <a:r>
-              <a:rPr lang="es-ES" dirty="0" err="1"/>
-              <a:t>with</a:t>
-            </a:r>
-            <a:r>
-              <a:rPr lang="es-ES" dirty="0"/>
-              <a:t> ASP.NET Core 3</a:t>
-            </a:r>
+            <a:endParaRPr lang="es-ES" dirty="0"/>
           </a:p>
         </p:txBody>
       </p:sp>
@@ -4678,10 +4804,10 @@
       </p:pic>
       <p:pic>
         <p:nvPicPr>
-          <p:cNvPr id="7" name="Picture 6">
-            <a:extLst>
-              <a:ext uri="{FF2B5EF4-FFF2-40B4-BE49-F238E27FC236}">
-                <a16:creationId xmlns:a16="http://schemas.microsoft.com/office/drawing/2014/main" id="{47987F3C-D37A-4F91-95DF-C113B9CE4025}"/>
+          <p:cNvPr id="9" name="Picture 8">
+            <a:extLst>
+              <a:ext uri="{FF2B5EF4-FFF2-40B4-BE49-F238E27FC236}">
+                <a16:creationId xmlns:a16="http://schemas.microsoft.com/office/drawing/2014/main" id="{B3668CC8-D29F-4B68-9C6E-59E00FC3D756}"/>
               </a:ext>
             </a:extLst>
           </p:cNvPr>
@@ -4698,8 +4824,8 @@
         </p:blipFill>
         <p:spPr>
           <a:xfrm>
-            <a:off x="591635" y="2505074"/>
-            <a:ext cx="6791325" cy="1847850"/>
+            <a:off x="509919" y="2562227"/>
+            <a:ext cx="8164475" cy="2140172"/>
           </a:xfrm>
           <a:prstGeom prst="rect">
             <a:avLst/>
@@ -4709,7 +4835,7 @@
     </p:spTree>
     <p:extLst>
       <p:ext uri="{BB962C8B-B14F-4D97-AF65-F5344CB8AC3E}">
-        <p14:creationId xmlns:p14="http://schemas.microsoft.com/office/powerpoint/2010/main" val="720608071"/>
+        <p14:creationId xmlns:p14="http://schemas.microsoft.com/office/powerpoint/2010/main" val="1743945250"/>
       </p:ext>
     </p:extLst>
   </p:cSld>
@@ -4950,10 +5076,10 @@
       </p:pic>
       <p:pic>
         <p:nvPicPr>
-          <p:cNvPr id="3" name="Picture 2">
-            <a:extLst>
-              <a:ext uri="{FF2B5EF4-FFF2-40B4-BE49-F238E27FC236}">
-                <a16:creationId xmlns:a16="http://schemas.microsoft.com/office/drawing/2014/main" id="{91322447-3E28-42F9-8877-4ECE15940A52}"/>
+          <p:cNvPr id="6" name="Picture 5">
+            <a:extLst>
+              <a:ext uri="{FF2B5EF4-FFF2-40B4-BE49-F238E27FC236}">
+                <a16:creationId xmlns:a16="http://schemas.microsoft.com/office/drawing/2014/main" id="{C8AB4A07-9E76-454F-9F68-A8F17456E697}"/>
               </a:ext>
             </a:extLst>
           </p:cNvPr>
@@ -4970,8 +5096,8 @@
         </p:blipFill>
         <p:spPr>
           <a:xfrm>
-            <a:off x="444960" y="1619249"/>
-            <a:ext cx="7096260" cy="4762500"/>
+            <a:off x="0" y="2336870"/>
+            <a:ext cx="8685896" cy="2568004"/>
           </a:xfrm>
           <a:prstGeom prst="rect">
             <a:avLst/>
@@ -4981,7 +5107,7 @@
     </p:spTree>
     <p:extLst>
       <p:ext uri="{BB962C8B-B14F-4D97-AF65-F5344CB8AC3E}">
-        <p14:creationId xmlns:p14="http://schemas.microsoft.com/office/powerpoint/2010/main" val="1159429947"/>
+        <p14:creationId xmlns:p14="http://schemas.microsoft.com/office/powerpoint/2010/main" val="2798875696"/>
       </p:ext>
     </p:extLst>
   </p:cSld>
@@ -5238,8 +5364,8 @@
         </p:nvSpPr>
         <p:spPr>
           <a:xfrm>
-            <a:off x="784090" y="1719742"/>
-            <a:ext cx="8015961" cy="3791824"/>
+            <a:off x="1136428" y="1750094"/>
+            <a:ext cx="6467867" cy="3450613"/>
           </a:xfrm>
         </p:spPr>
         <p:txBody>
@@ -5249,28 +5375,95 @@
           <a:lstStyle/>
           <a:p>
             <a:r>
-              <a:rPr lang="es-ES" sz="2400" i="1" dirty="0"/>
-              <a:t>ASP.NET Core 3 </a:t>
-            </a:r>
-            <a:r>
               <a:rPr lang="es-ES" sz="2400" i="1" dirty="0" err="1"/>
-              <a:t>Endpoint</a:t>
-            </a:r>
-            <a:r>
-              <a:rPr lang="es-ES" sz="2400" i="1" dirty="0"/>
+              <a:t>FeatureFilter</a:t>
+            </a:r>
+            <a:endParaRPr lang="es-ES" sz="2400" i="1" dirty="0"/>
+          </a:p>
+          <a:p>
+            <a:pPr lvl="1"/>
+            <a:r>
+              <a:rPr lang="es-ES" sz="2000" i="1" dirty="0"/>
+              <a:t>Enable or </a:t>
+            </a:r>
+            <a:r>
+              <a:rPr lang="es-ES" sz="2000" i="1" dirty="0" err="1"/>
+              <a:t>disable</a:t>
+            </a:r>
+            <a:r>
+              <a:rPr lang="es-ES" sz="2000" i="1" dirty="0"/>
+              <a:t> MVC </a:t>
+            </a:r>
+            <a:r>
+              <a:rPr lang="es-ES" sz="2000" i="1" dirty="0" err="1"/>
+              <a:t>controller</a:t>
+            </a:r>
+            <a:r>
+              <a:rPr lang="es-ES" sz="2000" i="1" dirty="0"/>
+              <a:t>(s) or MVC action(s) </a:t>
+            </a:r>
+            <a:r>
+              <a:rPr lang="es-ES" sz="2000" i="1" dirty="0" err="1"/>
+              <a:t>depending</a:t>
+            </a:r>
+            <a:r>
+              <a:rPr lang="es-ES" sz="2000" i="1" dirty="0"/>
+              <a:t> on feature(s) </a:t>
+            </a:r>
+            <a:r>
+              <a:rPr lang="es-ES" sz="2000" i="1" dirty="0" err="1"/>
+              <a:t>state</a:t>
+            </a:r>
+            <a:r>
+              <a:rPr lang="es-ES" sz="2000" i="1" dirty="0"/>
+              <a:t>.</a:t>
+            </a:r>
+          </a:p>
+          <a:p>
+            <a:pPr lvl="1"/>
+            <a:r>
+              <a:rPr lang="es-ES" sz="2000" b="1" i="1" dirty="0" err="1"/>
+              <a:t>Names</a:t>
+            </a:r>
+            <a:r>
+              <a:rPr lang="es-ES" sz="2000" b="1" i="1" dirty="0"/>
               <a:t> </a:t>
             </a:r>
             <a:r>
-              <a:rPr lang="es-ES" sz="2400" i="1" dirty="0" err="1"/>
-              <a:t>integration</a:t>
-            </a:r>
-            <a:endParaRPr lang="es-ES" sz="2400" i="1" dirty="0"/>
+              <a:rPr lang="es-ES" sz="2000" i="1" dirty="0"/>
+              <a:t>to specify </a:t>
+            </a:r>
+            <a:r>
+              <a:rPr lang="es-ES" sz="2000" i="1" dirty="0" err="1"/>
+              <a:t>features</a:t>
+            </a:r>
+            <a:r>
+              <a:rPr lang="es-ES" sz="2000" i="1" dirty="0"/>
+              <a:t> to be </a:t>
+            </a:r>
+            <a:r>
+              <a:rPr lang="es-ES" sz="2000" i="1" dirty="0" err="1"/>
+              <a:t>evaluated</a:t>
+            </a:r>
+            <a:r>
+              <a:rPr lang="es-ES" sz="2000" i="1" dirty="0"/>
+              <a:t>.</a:t>
+            </a:r>
+            <a:endParaRPr lang="es-ES" sz="2000" b="1" i="1" dirty="0"/>
           </a:p>
           <a:p>
             <a:pPr lvl="1"/>
             <a:r>
               <a:rPr lang="es-ES" sz="2000" b="1" i="1" dirty="0" err="1"/>
-              <a:t>RequireFeature</a:t>
+              <a:t>Product</a:t>
+            </a:r>
+            <a:r>
+              <a:rPr lang="es-ES" sz="2000" b="1" i="1" dirty="0"/>
+              <a:t> </a:t>
+            </a:r>
+            <a:r>
+              <a:rPr lang="es-ES" sz="2000" i="1" dirty="0" err="1"/>
+              <a:t>is</a:t>
             </a:r>
             <a:r>
               <a:rPr lang="es-ES" sz="2000" i="1" dirty="0"/>
@@ -5278,7 +5471,34 @@
             </a:r>
             <a:r>
               <a:rPr lang="es-ES" sz="2000" i="1" dirty="0" err="1"/>
-              <a:t>extension</a:t>
+              <a:t>optional</a:t>
+            </a:r>
+            <a:r>
+              <a:rPr lang="es-ES" sz="2000" i="1" dirty="0"/>
+              <a:t> as </a:t>
+            </a:r>
+            <a:r>
+              <a:rPr lang="es-ES" sz="2000" i="1" dirty="0" err="1"/>
+              <a:t>well</a:t>
+            </a:r>
+            <a:r>
+              <a:rPr lang="es-ES" sz="2000" i="1" dirty="0"/>
+              <a:t>.</a:t>
+            </a:r>
+          </a:p>
+          <a:p>
+            <a:pPr lvl="1"/>
+            <a:r>
+              <a:rPr lang="es-ES" sz="2000" i="1" dirty="0" err="1"/>
+              <a:t>Working</a:t>
+            </a:r>
+            <a:r>
+              <a:rPr lang="es-ES" sz="2000" i="1" dirty="0"/>
+              <a:t> as </a:t>
+            </a:r>
+            <a:r>
+              <a:rPr lang="es-ES" sz="2000" i="1" dirty="0" err="1"/>
+              <a:t>route</a:t>
             </a:r>
             <a:r>
               <a:rPr lang="es-ES" sz="2000" i="1" dirty="0"/>
@@ -5286,97 +5506,16 @@
             </a:r>
             <a:r>
               <a:rPr lang="es-ES" sz="2000" i="1" dirty="0" err="1"/>
-              <a:t>method</a:t>
+              <a:t>constraint</a:t>
             </a:r>
             <a:r>
               <a:rPr lang="es-ES" sz="2000" i="1" dirty="0"/>
-              <a:t> for </a:t>
-            </a:r>
-            <a:r>
-              <a:rPr lang="es-ES" sz="2000" i="1" dirty="0" err="1"/>
-              <a:t>IEndpointConventionBuilder</a:t>
-            </a:r>
-            <a:r>
-              <a:rPr lang="es-ES" sz="2000" i="1" dirty="0"/>
-              <a:t>.</a:t>
-            </a:r>
-          </a:p>
-          <a:p>
-            <a:pPr lvl="1"/>
-            <a:r>
-              <a:rPr lang="es-ES" sz="2000" i="1" dirty="0"/>
-              <a:t>Enable or </a:t>
-            </a:r>
-            <a:r>
-              <a:rPr lang="es-ES" sz="2000" i="1" dirty="0" err="1"/>
-              <a:t>disable</a:t>
-            </a:r>
-            <a:r>
-              <a:rPr lang="es-ES" sz="2000" i="1" dirty="0"/>
-              <a:t> </a:t>
-            </a:r>
-            <a:r>
-              <a:rPr lang="es-ES" sz="2000" i="1" dirty="0" err="1"/>
-              <a:t>routes</a:t>
-            </a:r>
-            <a:r>
-              <a:rPr lang="es-ES" sz="2000" i="1" dirty="0"/>
-              <a:t> using custom </a:t>
-            </a:r>
-            <a:r>
-              <a:rPr lang="es-ES" sz="2000" i="1" dirty="0" err="1"/>
-              <a:t>MatcherPolicy</a:t>
-            </a:r>
-            <a:endParaRPr lang="es-ES" sz="2000" i="1" dirty="0"/>
-          </a:p>
-          <a:p>
-            <a:pPr lvl="1"/>
-            <a:r>
-              <a:rPr lang="es-ES" sz="2000" i="1" dirty="0"/>
-              <a:t>Can use </a:t>
-            </a:r>
-            <a:r>
-              <a:rPr lang="es-ES" sz="2000" i="1" dirty="0" err="1"/>
-              <a:t>multiple</a:t>
-            </a:r>
-            <a:r>
-              <a:rPr lang="es-ES" sz="2000" i="1" dirty="0"/>
-              <a:t> </a:t>
+              <a:t> / </a:t>
             </a:r>
             <a:r>
               <a:rPr lang="es-ES" sz="2000" i="1" dirty="0" err="1"/>
               <a:t>metadata</a:t>
             </a:r>
-            <a:r>
-              <a:rPr lang="es-ES" sz="2000" i="1" dirty="0"/>
-              <a:t> </a:t>
-            </a:r>
-            <a:r>
-              <a:rPr lang="es-ES" sz="2000" i="1" dirty="0" err="1"/>
-              <a:t>endpoint</a:t>
-            </a:r>
-            <a:r>
-              <a:rPr lang="es-ES" sz="2000" i="1" dirty="0"/>
-              <a:t> + </a:t>
-            </a:r>
-            <a:r>
-              <a:rPr lang="es-ES" sz="2000" i="1" dirty="0" err="1"/>
-              <a:t>action</a:t>
-            </a:r>
-            <a:r>
-              <a:rPr lang="es-ES" sz="2000" i="1" dirty="0"/>
-              <a:t> </a:t>
-            </a:r>
-            <a:r>
-              <a:rPr lang="es-ES" sz="2000" i="1" dirty="0" err="1"/>
-              <a:t>filter</a:t>
-            </a:r>
-            <a:endParaRPr lang="es-ES" sz="2000" i="1" dirty="0"/>
-          </a:p>
-          <a:p>
-            <a:pPr marL="457200" lvl="1" indent="0">
-              <a:buNone/>
-            </a:pPr>
             <a:endParaRPr lang="es-ES" sz="2000" i="1" dirty="0"/>
           </a:p>
         </p:txBody>
@@ -5384,7 +5523,7 @@
     </p:spTree>
     <p:extLst>
       <p:ext uri="{BB962C8B-B14F-4D97-AF65-F5344CB8AC3E}">
-        <p14:creationId xmlns:p14="http://schemas.microsoft.com/office/powerpoint/2010/main" val="2534301550"/>
+        <p14:creationId xmlns:p14="http://schemas.microsoft.com/office/powerpoint/2010/main" val="1715571668"/>
       </p:ext>
     </p:extLst>
   </p:cSld>
@@ -5448,21 +5587,14 @@
           <a:lstStyle/>
           <a:p>
             <a:r>
+              <a:rPr lang="es-ES" dirty="0"/>
+              <a:t>ASP.NET Core 3 + </a:t>
+            </a:r>
+            <a:r>
               <a:rPr lang="es-ES" dirty="0" err="1"/>
               <a:t>Esquio</a:t>
             </a:r>
-            <a:r>
-              <a:rPr lang="es-ES" dirty="0"/>
-              <a:t> </a:t>
-            </a:r>
-            <a:r>
-              <a:rPr lang="es-ES" dirty="0" err="1"/>
-              <a:t>with</a:t>
-            </a:r>
-            <a:r>
-              <a:rPr lang="es-ES" dirty="0"/>
-              <a:t> ASP.NET Core 3</a:t>
-            </a:r>
+            <a:endParaRPr lang="es-ES" dirty="0"/>
           </a:p>
         </p:txBody>
       </p:sp>
@@ -5635,7 +5767,7 @@
           <p:cNvPr id="7" name="Picture 6">
             <a:extLst>
               <a:ext uri="{FF2B5EF4-FFF2-40B4-BE49-F238E27FC236}">
-                <a16:creationId xmlns:a16="http://schemas.microsoft.com/office/drawing/2014/main" id="{2E1A6045-7326-4F2C-87F3-9324085765EA}"/>
+                <a16:creationId xmlns:a16="http://schemas.microsoft.com/office/drawing/2014/main" id="{47987F3C-D37A-4F91-95DF-C113B9CE4025}"/>
               </a:ext>
             </a:extLst>
           </p:cNvPr>
@@ -5652,8 +5784,8 @@
         </p:blipFill>
         <p:spPr>
           <a:xfrm>
-            <a:off x="-101858" y="2358913"/>
-            <a:ext cx="8863810" cy="2144595"/>
+            <a:off x="591635" y="2505074"/>
+            <a:ext cx="6791325" cy="1847850"/>
           </a:xfrm>
           <a:prstGeom prst="rect">
             <a:avLst/>
@@ -5663,7 +5795,7 @@
     </p:spTree>
     <p:extLst>
       <p:ext uri="{BB962C8B-B14F-4D97-AF65-F5344CB8AC3E}">
-        <p14:creationId xmlns:p14="http://schemas.microsoft.com/office/powerpoint/2010/main" val="3665986074"/>
+        <p14:creationId xmlns:p14="http://schemas.microsoft.com/office/powerpoint/2010/main" val="720608071"/>
       </p:ext>
     </p:extLst>
   </p:cSld>
@@ -5727,21 +5859,14 @@
           <a:lstStyle/>
           <a:p>
             <a:r>
+              <a:rPr lang="es-ES" dirty="0"/>
+              <a:t>ASP.NET Core 3 + </a:t>
+            </a:r>
+            <a:r>
               <a:rPr lang="es-ES" dirty="0" err="1"/>
               <a:t>Esquio</a:t>
             </a:r>
-            <a:r>
-              <a:rPr lang="es-ES" dirty="0"/>
-              <a:t> </a:t>
-            </a:r>
-            <a:r>
-              <a:rPr lang="es-ES" dirty="0" err="1"/>
-              <a:t>with</a:t>
-            </a:r>
-            <a:r>
-              <a:rPr lang="es-ES" dirty="0"/>
-              <a:t> ASP.NET Core 3</a:t>
-            </a:r>
+            <a:endParaRPr lang="es-ES" dirty="0"/>
           </a:p>
         </p:txBody>
       </p:sp>
@@ -5909,163 +6034,40 @@
           </a:prstGeom>
         </p:spPr>
       </p:pic>
-      <p:sp>
-        <p:nvSpPr>
-          <p:cNvPr id="13" name="Content Placeholder 2">
-            <a:extLst>
-              <a:ext uri="{FF2B5EF4-FFF2-40B4-BE49-F238E27FC236}">
-                <a16:creationId xmlns:a16="http://schemas.microsoft.com/office/drawing/2014/main" id="{E2C51F17-13DC-4F64-BCEF-91C2F0AFCBF4}"/>
-              </a:ext>
-            </a:extLst>
-          </p:cNvPr>
-          <p:cNvSpPr>
-            <a:spLocks noGrp="1"/>
-          </p:cNvSpPr>
-          <p:nvPr>
-            <p:ph idx="1"/>
-          </p:nvPr>
-        </p:nvSpPr>
-        <p:spPr>
-          <a:xfrm>
-            <a:off x="1212581" y="1540369"/>
-            <a:ext cx="7655147" cy="3450613"/>
-          </a:xfrm>
-        </p:spPr>
-        <p:txBody>
-          <a:bodyPr anchor="ctr">
-            <a:normAutofit/>
-          </a:bodyPr>
-          <a:lstStyle/>
-          <a:p>
-            <a:r>
-              <a:rPr lang="es-ES" sz="2400" i="1" dirty="0"/>
-              <a:t>HTTP </a:t>
-            </a:r>
-            <a:r>
-              <a:rPr lang="es-ES" sz="2400" i="1" dirty="0" err="1"/>
-              <a:t>Endpoint</a:t>
-            </a:r>
-            <a:r>
-              <a:rPr lang="es-ES" sz="2400" i="1" dirty="0"/>
-              <a:t> for </a:t>
-            </a:r>
-            <a:r>
-              <a:rPr lang="es-ES" sz="2400" i="1" dirty="0" err="1"/>
-              <a:t>SPA’s</a:t>
-            </a:r>
-            <a:r>
-              <a:rPr lang="es-ES" sz="2400" i="1" dirty="0"/>
-              <a:t> &amp; Non browser apps</a:t>
-            </a:r>
-          </a:p>
-          <a:p>
-            <a:pPr lvl="1"/>
-            <a:r>
-              <a:rPr lang="es-ES" sz="2000" i="1" dirty="0"/>
-              <a:t>New </a:t>
-            </a:r>
-            <a:r>
-              <a:rPr lang="es-ES" sz="2000" i="1" dirty="0" err="1"/>
-              <a:t>endpoint</a:t>
-            </a:r>
-            <a:r>
-              <a:rPr lang="es-ES" sz="2000" i="1" dirty="0"/>
-              <a:t> </a:t>
-            </a:r>
-            <a:r>
-              <a:rPr lang="es-ES" sz="2000" i="1" dirty="0" err="1"/>
-              <a:t>created</a:t>
-            </a:r>
-            <a:r>
-              <a:rPr lang="es-ES" sz="2000" i="1" dirty="0"/>
-              <a:t> with </a:t>
-            </a:r>
-            <a:r>
-              <a:rPr lang="es-ES" sz="2000" b="1" i="1" dirty="0" err="1"/>
-              <a:t>MapEsquio</a:t>
-            </a:r>
-            <a:r>
-              <a:rPr lang="es-ES" sz="2000" i="1" dirty="0"/>
-              <a:t> </a:t>
-            </a:r>
-            <a:r>
-              <a:rPr lang="es-ES" sz="2000" i="1" dirty="0" err="1"/>
-              <a:t>extension</a:t>
-            </a:r>
-            <a:r>
-              <a:rPr lang="es-ES" sz="2000" i="1" dirty="0"/>
-              <a:t> </a:t>
-            </a:r>
-            <a:r>
-              <a:rPr lang="es-ES" sz="2000" i="1" dirty="0" err="1"/>
-              <a:t>method</a:t>
-            </a:r>
-            <a:endParaRPr lang="es-ES" sz="2000" i="1" dirty="0"/>
-          </a:p>
-          <a:p>
-            <a:pPr lvl="1"/>
-            <a:r>
-              <a:rPr lang="es-ES" sz="2000" i="1" dirty="0"/>
-              <a:t>Configurable </a:t>
-            </a:r>
-            <a:r>
-              <a:rPr lang="es-ES" sz="2000" i="1" dirty="0" err="1"/>
-              <a:t>route</a:t>
-            </a:r>
-            <a:r>
-              <a:rPr lang="es-ES" sz="2000" i="1" dirty="0"/>
-              <a:t> </a:t>
-            </a:r>
-            <a:r>
-              <a:rPr lang="es-ES" sz="2000" i="1" dirty="0" err="1"/>
-              <a:t>path</a:t>
-            </a:r>
-            <a:endParaRPr lang="es-ES" sz="2000" i="1" dirty="0"/>
-          </a:p>
-          <a:p>
-            <a:pPr lvl="1"/>
-            <a:r>
-              <a:rPr lang="es-ES" sz="2000" i="1" dirty="0" err="1"/>
-              <a:t>Only</a:t>
-            </a:r>
-            <a:r>
-              <a:rPr lang="es-ES" sz="2000" i="1" dirty="0"/>
-              <a:t> for </a:t>
-            </a:r>
-            <a:r>
-              <a:rPr lang="es-ES" sz="2000" i="1" dirty="0" err="1"/>
-              <a:t>query</a:t>
-            </a:r>
-            <a:r>
-              <a:rPr lang="es-ES" sz="2000" i="1" dirty="0"/>
-              <a:t> </a:t>
-            </a:r>
-            <a:r>
-              <a:rPr lang="es-ES" sz="2000" i="1" dirty="0" err="1"/>
-              <a:t>feature</a:t>
-            </a:r>
-            <a:r>
-              <a:rPr lang="es-ES" sz="2000" i="1" dirty="0"/>
-              <a:t>(s) </a:t>
-            </a:r>
-            <a:r>
-              <a:rPr lang="es-ES" sz="2000" i="1" dirty="0" err="1"/>
-              <a:t>state</a:t>
-            </a:r>
-            <a:endParaRPr lang="es-ES" sz="2000" i="1" dirty="0"/>
-          </a:p>
-          <a:p>
-            <a:pPr marL="457200" lvl="1" indent="0">
-              <a:buNone/>
-            </a:pPr>
-            <a:endParaRPr lang="es-ES" sz="2000" i="1" dirty="0"/>
-          </a:p>
-        </p:txBody>
-      </p:sp>
+      <p:pic>
+        <p:nvPicPr>
+          <p:cNvPr id="3" name="Picture 2">
+            <a:extLst>
+              <a:ext uri="{FF2B5EF4-FFF2-40B4-BE49-F238E27FC236}">
+                <a16:creationId xmlns:a16="http://schemas.microsoft.com/office/drawing/2014/main" id="{91322447-3E28-42F9-8877-4ECE15940A52}"/>
+              </a:ext>
+            </a:extLst>
+          </p:cNvPr>
+          <p:cNvPicPr>
+            <a:picLocks noChangeAspect="1"/>
+          </p:cNvPicPr>
+          <p:nvPr/>
+        </p:nvPicPr>
+        <p:blipFill>
+          <a:blip r:embed="rId3"/>
+          <a:stretch>
+            <a:fillRect/>
+          </a:stretch>
+        </p:blipFill>
+        <p:spPr>
+          <a:xfrm>
+            <a:off x="444960" y="1619249"/>
+            <a:ext cx="7096260" cy="4762500"/>
+          </a:xfrm>
+          <a:prstGeom prst="rect">
+            <a:avLst/>
+          </a:prstGeom>
+        </p:spPr>
+      </p:pic>
     </p:spTree>
     <p:extLst>
       <p:ext uri="{BB962C8B-B14F-4D97-AF65-F5344CB8AC3E}">
-        <p14:creationId xmlns:p14="http://schemas.microsoft.com/office/powerpoint/2010/main" val="371444429"/>
+        <p14:creationId xmlns:p14="http://schemas.microsoft.com/office/powerpoint/2010/main" val="1159429947"/>
       </p:ext>
     </p:extLst>
   </p:cSld>
@@ -6129,21 +6131,14 @@
           <a:lstStyle/>
           <a:p>
             <a:r>
+              <a:rPr lang="es-ES" dirty="0"/>
+              <a:t>ASP.NET Core 3 + </a:t>
+            </a:r>
+            <a:r>
               <a:rPr lang="es-ES" dirty="0" err="1"/>
               <a:t>Esquio</a:t>
             </a:r>
-            <a:r>
-              <a:rPr lang="es-ES" dirty="0"/>
-              <a:t> </a:t>
-            </a:r>
-            <a:r>
-              <a:rPr lang="es-ES" dirty="0" err="1"/>
-              <a:t>with</a:t>
-            </a:r>
-            <a:r>
-              <a:rPr lang="es-ES" dirty="0"/>
-              <a:t> ASP.NET Core 3</a:t>
-            </a:r>
+            <a:endParaRPr lang="es-ES" dirty="0"/>
           </a:p>
         </p:txBody>
       </p:sp>
@@ -6311,110 +6306,171 @@
           </a:prstGeom>
         </p:spPr>
       </p:pic>
-      <p:pic>
-        <p:nvPicPr>
-          <p:cNvPr id="4" name="Picture 3">
-            <a:extLst>
-              <a:ext uri="{FF2B5EF4-FFF2-40B4-BE49-F238E27FC236}">
-                <a16:creationId xmlns:a16="http://schemas.microsoft.com/office/drawing/2014/main" id="{043C27D2-6971-4EB6-ADB3-472A951BB4AB}"/>
-              </a:ext>
-            </a:extLst>
-          </p:cNvPr>
-          <p:cNvPicPr>
-            <a:picLocks noChangeAspect="1"/>
-          </p:cNvPicPr>
-          <p:nvPr/>
-        </p:nvPicPr>
-        <p:blipFill>
-          <a:blip r:embed="rId3"/>
-          <a:stretch>
-            <a:fillRect/>
-          </a:stretch>
-        </p:blipFill>
-        <p:spPr>
-          <a:xfrm>
-            <a:off x="215823" y="4000499"/>
-            <a:ext cx="6872124" cy="2859264"/>
-          </a:xfrm>
-          <a:prstGeom prst="rect">
-            <a:avLst/>
-          </a:prstGeom>
-        </p:spPr>
-      </p:pic>
-      <p:sp>
-        <p:nvSpPr>
-          <p:cNvPr id="9" name="Rectangle 8">
-            <a:extLst>
-              <a:ext uri="{FF2B5EF4-FFF2-40B4-BE49-F238E27FC236}">
-                <a16:creationId xmlns:a16="http://schemas.microsoft.com/office/drawing/2014/main" id="{2D4F613B-6BD2-4671-84A5-89C51C1342E8}"/>
-              </a:ext>
-            </a:extLst>
-          </p:cNvPr>
-          <p:cNvSpPr/>
-          <p:nvPr/>
-        </p:nvSpPr>
-        <p:spPr>
-          <a:xfrm>
-            <a:off x="1019284" y="6252373"/>
-            <a:ext cx="8458149" cy="369332"/>
-          </a:xfrm>
-          <a:prstGeom prst="rect">
-            <a:avLst/>
-          </a:prstGeom>
-        </p:spPr>
-        <p:txBody>
-          <a:bodyPr wrap="none">
-            <a:spAutoFit/>
+      <p:sp>
+        <p:nvSpPr>
+          <p:cNvPr id="13" name="Content Placeholder 2">
+            <a:extLst>
+              <a:ext uri="{FF2B5EF4-FFF2-40B4-BE49-F238E27FC236}">
+                <a16:creationId xmlns:a16="http://schemas.microsoft.com/office/drawing/2014/main" id="{E2C51F17-13DC-4F64-BCEF-91C2F0AFCBF4}"/>
+              </a:ext>
+            </a:extLst>
+          </p:cNvPr>
+          <p:cNvSpPr>
+            <a:spLocks noGrp="1"/>
+          </p:cNvSpPr>
+          <p:nvPr>
+            <p:ph idx="1"/>
+          </p:nvPr>
+        </p:nvSpPr>
+        <p:spPr>
+          <a:xfrm>
+            <a:off x="784090" y="1719742"/>
+            <a:ext cx="8015961" cy="3791824"/>
+          </a:xfrm>
+        </p:spPr>
+        <p:txBody>
+          <a:bodyPr anchor="ctr">
+            <a:normAutofit/>
           </a:bodyPr>
           <a:lstStyle/>
           <a:p>
             <a:r>
-              <a:rPr lang="es-ES" dirty="0">
-                <a:hlinkClick r:id="rId4"/>
-              </a:rPr>
-              <a:t>https://[yourwebproject]/[esquio]?featureName=MatchScore&amp;featureName=BuyTickets</a:t>
-            </a:r>
-            <a:r>
-              <a:rPr lang="es-ES" dirty="0"/>
+              <a:rPr lang="es-ES" sz="2400" i="1" dirty="0"/>
+              <a:t>ASP.NET Core 3 </a:t>
+            </a:r>
+            <a:r>
+              <a:rPr lang="es-ES" sz="2400" i="1" dirty="0" err="1"/>
+              <a:t>Endpoint</a:t>
+            </a:r>
+            <a:r>
+              <a:rPr lang="es-ES" sz="2400" i="1" dirty="0"/>
               <a:t> </a:t>
             </a:r>
-          </a:p>
-        </p:txBody>
-      </p:sp>
-      <p:pic>
-        <p:nvPicPr>
-          <p:cNvPr id="11" name="Picture 10">
-            <a:extLst>
-              <a:ext uri="{FF2B5EF4-FFF2-40B4-BE49-F238E27FC236}">
-                <a16:creationId xmlns:a16="http://schemas.microsoft.com/office/drawing/2014/main" id="{1D4AFAD8-4736-46B3-809E-D1E16CB5108F}"/>
-              </a:ext>
-            </a:extLst>
-          </p:cNvPr>
-          <p:cNvPicPr>
-            <a:picLocks noChangeAspect="1"/>
-          </p:cNvPicPr>
-          <p:nvPr/>
-        </p:nvPicPr>
-        <p:blipFill>
-          <a:blip r:embed="rId5"/>
-          <a:stretch>
-            <a:fillRect/>
-          </a:stretch>
-        </p:blipFill>
-        <p:spPr>
-          <a:xfrm>
-            <a:off x="0" y="1690934"/>
-            <a:ext cx="8226152" cy="1990314"/>
-          </a:xfrm>
-          <a:prstGeom prst="rect">
-            <a:avLst/>
-          </a:prstGeom>
-        </p:spPr>
-      </p:pic>
+            <a:r>
+              <a:rPr lang="es-ES" sz="2400" i="1" dirty="0" err="1"/>
+              <a:t>integration</a:t>
+            </a:r>
+            <a:endParaRPr lang="es-ES" sz="2400" i="1" dirty="0"/>
+          </a:p>
+          <a:p>
+            <a:pPr lvl="1"/>
+            <a:r>
+              <a:rPr lang="es-ES" sz="2000" b="1" i="1" dirty="0" err="1"/>
+              <a:t>RequireFeature</a:t>
+            </a:r>
+            <a:r>
+              <a:rPr lang="es-ES" sz="2000" i="1" dirty="0"/>
+              <a:t> </a:t>
+            </a:r>
+            <a:r>
+              <a:rPr lang="es-ES" sz="2000" i="1" dirty="0" err="1"/>
+              <a:t>extension</a:t>
+            </a:r>
+            <a:r>
+              <a:rPr lang="es-ES" sz="2000" i="1" dirty="0"/>
+              <a:t> </a:t>
+            </a:r>
+            <a:r>
+              <a:rPr lang="es-ES" sz="2000" i="1" dirty="0" err="1"/>
+              <a:t>method</a:t>
+            </a:r>
+            <a:r>
+              <a:rPr lang="es-ES" sz="2000" i="1" dirty="0"/>
+              <a:t> for </a:t>
+            </a:r>
+            <a:r>
+              <a:rPr lang="es-ES" sz="2000" i="1" dirty="0" err="1"/>
+              <a:t>IEndpointConventionBuilder</a:t>
+            </a:r>
+            <a:r>
+              <a:rPr lang="es-ES" sz="2000" i="1" dirty="0"/>
+              <a:t>.</a:t>
+            </a:r>
+          </a:p>
+          <a:p>
+            <a:pPr lvl="1"/>
+            <a:r>
+              <a:rPr lang="es-ES" sz="2000" i="1" dirty="0"/>
+              <a:t>Enable or </a:t>
+            </a:r>
+            <a:r>
+              <a:rPr lang="es-ES" sz="2000" i="1" dirty="0" err="1"/>
+              <a:t>disable</a:t>
+            </a:r>
+            <a:r>
+              <a:rPr lang="es-ES" sz="2000" i="1" dirty="0"/>
+              <a:t> </a:t>
+            </a:r>
+            <a:r>
+              <a:rPr lang="es-ES" sz="2000" i="1" dirty="0" err="1"/>
+              <a:t>routes</a:t>
+            </a:r>
+            <a:r>
+              <a:rPr lang="es-ES" sz="2000" i="1" dirty="0"/>
+              <a:t> using custom </a:t>
+            </a:r>
+            <a:r>
+              <a:rPr lang="es-ES" sz="2000" i="1" dirty="0" err="1"/>
+              <a:t>MatcherPolicy</a:t>
+            </a:r>
+            <a:endParaRPr lang="es-ES" sz="2000" i="1" dirty="0"/>
+          </a:p>
+          <a:p>
+            <a:pPr lvl="1"/>
+            <a:r>
+              <a:rPr lang="es-ES" sz="2000" i="1" dirty="0"/>
+              <a:t>Can use </a:t>
+            </a:r>
+            <a:r>
+              <a:rPr lang="es-ES" sz="2000" i="1" dirty="0" err="1"/>
+              <a:t>multiple</a:t>
+            </a:r>
+            <a:r>
+              <a:rPr lang="es-ES" sz="2000" i="1" dirty="0"/>
+              <a:t> </a:t>
+            </a:r>
+            <a:r>
+              <a:rPr lang="es-ES" sz="2000" i="1" dirty="0" err="1"/>
+              <a:t>metadata</a:t>
+            </a:r>
+            <a:r>
+              <a:rPr lang="es-ES" sz="2000" i="1" dirty="0"/>
+              <a:t> </a:t>
+            </a:r>
+            <a:r>
+              <a:rPr lang="es-ES" sz="2000" i="1" dirty="0" err="1"/>
+              <a:t>endpoint</a:t>
+            </a:r>
+            <a:r>
+              <a:rPr lang="es-ES" sz="2000" i="1" dirty="0"/>
+              <a:t> + </a:t>
+            </a:r>
+            <a:r>
+              <a:rPr lang="es-ES" sz="2000" i="1" dirty="0" err="1"/>
+              <a:t>action</a:t>
+            </a:r>
+            <a:r>
+              <a:rPr lang="es-ES" sz="2000" i="1" dirty="0"/>
+              <a:t> </a:t>
+            </a:r>
+            <a:r>
+              <a:rPr lang="es-ES" sz="2000" i="1" dirty="0" err="1"/>
+              <a:t>filter</a:t>
+            </a:r>
+            <a:endParaRPr lang="es-ES" sz="2000" i="1" dirty="0"/>
+          </a:p>
+          <a:p>
+            <a:pPr marL="457200" lvl="1" indent="0">
+              <a:buNone/>
+            </a:pPr>
+            <a:endParaRPr lang="es-ES" sz="2000" i="1" dirty="0"/>
+          </a:p>
+        </p:txBody>
+      </p:sp>
     </p:spTree>
     <p:extLst>
       <p:ext uri="{BB962C8B-B14F-4D97-AF65-F5344CB8AC3E}">
-        <p14:creationId xmlns:p14="http://schemas.microsoft.com/office/powerpoint/2010/main" val="3655316780"/>
+        <p14:creationId xmlns:p14="http://schemas.microsoft.com/office/powerpoint/2010/main" val="2534301550"/>
       </p:ext>
     </p:extLst>
   </p:cSld>
@@ -6478,21 +6534,14 @@
           <a:lstStyle/>
           <a:p>
             <a:r>
+              <a:rPr lang="es-ES" dirty="0"/>
+              <a:t>ASP.NET Core 3 + </a:t>
+            </a:r>
+            <a:r>
               <a:rPr lang="es-ES" dirty="0" err="1"/>
               <a:t>Esquio</a:t>
             </a:r>
-            <a:r>
-              <a:rPr lang="es-ES" dirty="0"/>
-              <a:t> </a:t>
-            </a:r>
-            <a:r>
-              <a:rPr lang="es-ES" dirty="0" err="1"/>
-              <a:t>with</a:t>
-            </a:r>
-            <a:r>
-              <a:rPr lang="es-ES" dirty="0"/>
-              <a:t> ASP.NET Core 3</a:t>
-            </a:r>
+            <a:endParaRPr lang="es-ES" dirty="0"/>
           </a:p>
         </p:txBody>
       </p:sp>
@@ -6660,191 +6709,40 @@
           </a:prstGeom>
         </p:spPr>
       </p:pic>
-      <p:sp>
-        <p:nvSpPr>
-          <p:cNvPr id="13" name="Content Placeholder 2">
-            <a:extLst>
-              <a:ext uri="{FF2B5EF4-FFF2-40B4-BE49-F238E27FC236}">
-                <a16:creationId xmlns:a16="http://schemas.microsoft.com/office/drawing/2014/main" id="{E2C51F17-13DC-4F64-BCEF-91C2F0AFCBF4}"/>
-              </a:ext>
-            </a:extLst>
-          </p:cNvPr>
-          <p:cNvSpPr>
-            <a:spLocks noGrp="1"/>
-          </p:cNvSpPr>
-          <p:nvPr>
-            <p:ph idx="1"/>
-          </p:nvPr>
-        </p:nvSpPr>
-        <p:spPr>
-          <a:xfrm>
-            <a:off x="1203540" y="1879134"/>
-            <a:ext cx="6467867" cy="2725955"/>
-          </a:xfrm>
-        </p:spPr>
-        <p:txBody>
-          <a:bodyPr anchor="ctr">
-            <a:normAutofit/>
-          </a:bodyPr>
-          <a:lstStyle/>
-          <a:p>
-            <a:r>
-              <a:rPr lang="es-ES" sz="2400" i="1" dirty="0" err="1"/>
-              <a:t>IFeatureService</a:t>
-            </a:r>
-            <a:r>
-              <a:rPr lang="es-ES" sz="2400" i="1" dirty="0"/>
-              <a:t> </a:t>
-            </a:r>
-            <a:r>
-              <a:rPr lang="es-ES" sz="2400" i="1" dirty="0" err="1"/>
-              <a:t>dependency</a:t>
-            </a:r>
-            <a:endParaRPr lang="es-ES" sz="2400" i="1" dirty="0"/>
-          </a:p>
-          <a:p>
-            <a:pPr lvl="1"/>
-            <a:r>
-              <a:rPr lang="es-ES" sz="2000" i="1" dirty="0"/>
-              <a:t>Used </a:t>
-            </a:r>
-            <a:r>
-              <a:rPr lang="es-ES" sz="2000" i="1" dirty="0" err="1"/>
-              <a:t>internally</a:t>
-            </a:r>
-            <a:r>
-              <a:rPr lang="es-ES" sz="2000" i="1" dirty="0"/>
-              <a:t> to </a:t>
-            </a:r>
-            <a:r>
-              <a:rPr lang="es-ES" sz="2000" i="1" dirty="0" err="1"/>
-              <a:t>evaluate</a:t>
-            </a:r>
-            <a:r>
-              <a:rPr lang="es-ES" sz="2000" i="1" dirty="0"/>
-              <a:t> </a:t>
-            </a:r>
-            <a:r>
-              <a:rPr lang="es-ES" sz="2000" i="1" dirty="0" err="1"/>
-              <a:t>features</a:t>
-            </a:r>
-            <a:r>
-              <a:rPr lang="es-ES" sz="2000" i="1" dirty="0"/>
-              <a:t>.</a:t>
-            </a:r>
-          </a:p>
-          <a:p>
-            <a:pPr lvl="1"/>
-            <a:r>
-              <a:rPr lang="es-ES" sz="2000" i="1" dirty="0"/>
-              <a:t>Custom </a:t>
-            </a:r>
-            <a:r>
-              <a:rPr lang="es-ES" sz="2000" i="1" dirty="0" err="1"/>
-              <a:t>code</a:t>
-            </a:r>
-            <a:r>
-              <a:rPr lang="es-ES" sz="2000" i="1" dirty="0"/>
-              <a:t> to </a:t>
-            </a:r>
-            <a:r>
-              <a:rPr lang="es-ES" sz="2000" i="1" dirty="0" err="1"/>
-              <a:t>evaluate</a:t>
-            </a:r>
-            <a:r>
-              <a:rPr lang="es-ES" sz="2000" i="1" dirty="0"/>
-              <a:t> feature(s).</a:t>
-            </a:r>
-          </a:p>
-          <a:p>
-            <a:pPr lvl="1"/>
-            <a:r>
-              <a:rPr lang="es-ES" sz="2000" b="1" i="1" dirty="0" err="1"/>
-              <a:t>Names</a:t>
-            </a:r>
-            <a:r>
-              <a:rPr lang="es-ES" sz="2000" b="1" i="1" dirty="0"/>
-              <a:t> </a:t>
-            </a:r>
-            <a:r>
-              <a:rPr lang="es-ES" sz="2000" i="1" dirty="0" err="1"/>
-              <a:t>to</a:t>
-            </a:r>
-            <a:r>
-              <a:rPr lang="es-ES" sz="2000" i="1" dirty="0"/>
-              <a:t> </a:t>
-            </a:r>
-            <a:r>
-              <a:rPr lang="es-ES" sz="2000" i="1" dirty="0" err="1"/>
-              <a:t>specify</a:t>
-            </a:r>
-            <a:r>
-              <a:rPr lang="es-ES" sz="2000" i="1" dirty="0"/>
-              <a:t> </a:t>
-            </a:r>
-            <a:r>
-              <a:rPr lang="es-ES" sz="2000" i="1" dirty="0" err="1"/>
-              <a:t>features</a:t>
-            </a:r>
-            <a:r>
-              <a:rPr lang="es-ES" sz="2000" i="1" dirty="0"/>
-              <a:t> </a:t>
-            </a:r>
-            <a:r>
-              <a:rPr lang="es-ES" sz="2000" i="1" dirty="0" err="1"/>
-              <a:t>to</a:t>
-            </a:r>
-            <a:r>
-              <a:rPr lang="es-ES" sz="2000" i="1" dirty="0"/>
-              <a:t> be </a:t>
-            </a:r>
-            <a:r>
-              <a:rPr lang="es-ES" sz="2000" i="1" dirty="0" err="1"/>
-              <a:t>evaluated</a:t>
-            </a:r>
-            <a:endParaRPr lang="es-ES" sz="2000" b="1" i="1" dirty="0"/>
-          </a:p>
-          <a:p>
-            <a:pPr lvl="1"/>
-            <a:r>
-              <a:rPr lang="es-ES" sz="2000" b="1" i="1" dirty="0" err="1"/>
-              <a:t>Product</a:t>
-            </a:r>
-            <a:r>
-              <a:rPr lang="es-ES" sz="2000" b="1" i="1" dirty="0"/>
-              <a:t> </a:t>
-            </a:r>
-            <a:r>
-              <a:rPr lang="es-ES" sz="2000" i="1" dirty="0" err="1"/>
-              <a:t>is</a:t>
-            </a:r>
-            <a:r>
-              <a:rPr lang="es-ES" sz="2000" i="1" dirty="0"/>
-              <a:t> </a:t>
-            </a:r>
-            <a:r>
-              <a:rPr lang="es-ES" sz="2000" i="1" dirty="0" err="1"/>
-              <a:t>optional</a:t>
-            </a:r>
-            <a:r>
-              <a:rPr lang="es-ES" sz="2000" i="1" dirty="0"/>
-              <a:t> as </a:t>
-            </a:r>
-            <a:r>
-              <a:rPr lang="es-ES" sz="2000" i="1" dirty="0" err="1"/>
-              <a:t>well</a:t>
-            </a:r>
-            <a:r>
-              <a:rPr lang="es-ES" sz="2000" i="1" dirty="0"/>
-              <a:t>.</a:t>
-            </a:r>
-          </a:p>
-        </p:txBody>
-      </p:sp>
+      <p:pic>
+        <p:nvPicPr>
+          <p:cNvPr id="7" name="Picture 6">
+            <a:extLst>
+              <a:ext uri="{FF2B5EF4-FFF2-40B4-BE49-F238E27FC236}">
+                <a16:creationId xmlns:a16="http://schemas.microsoft.com/office/drawing/2014/main" id="{2E1A6045-7326-4F2C-87F3-9324085765EA}"/>
+              </a:ext>
+            </a:extLst>
+          </p:cNvPr>
+          <p:cNvPicPr>
+            <a:picLocks noChangeAspect="1"/>
+          </p:cNvPicPr>
+          <p:nvPr/>
+        </p:nvPicPr>
+        <p:blipFill>
+          <a:blip r:embed="rId3"/>
+          <a:stretch>
+            <a:fillRect/>
+          </a:stretch>
+        </p:blipFill>
+        <p:spPr>
+          <a:xfrm>
+            <a:off x="-101858" y="2358913"/>
+            <a:ext cx="8863810" cy="2144595"/>
+          </a:xfrm>
+          <a:prstGeom prst="rect">
+            <a:avLst/>
+          </a:prstGeom>
+        </p:spPr>
+      </p:pic>
     </p:spTree>
     <p:extLst>
       <p:ext uri="{BB962C8B-B14F-4D97-AF65-F5344CB8AC3E}">
-        <p14:creationId xmlns:p14="http://schemas.microsoft.com/office/powerpoint/2010/main" val="3961153864"/>
+        <p14:creationId xmlns:p14="http://schemas.microsoft.com/office/powerpoint/2010/main" val="3665986074"/>
       </p:ext>
     </p:extLst>
   </p:cSld>
@@ -6908,21 +6806,14 @@
           <a:lstStyle/>
           <a:p>
             <a:r>
+              <a:rPr lang="es-ES" dirty="0"/>
+              <a:t>ASP.NET Core 3 + </a:t>
+            </a:r>
+            <a:r>
               <a:rPr lang="es-ES" dirty="0" err="1"/>
               <a:t>Esquio</a:t>
             </a:r>
-            <a:r>
-              <a:rPr lang="es-ES" dirty="0"/>
-              <a:t> </a:t>
-            </a:r>
-            <a:r>
-              <a:rPr lang="es-ES" dirty="0" err="1"/>
-              <a:t>with</a:t>
-            </a:r>
-            <a:r>
-              <a:rPr lang="es-ES" dirty="0"/>
-              <a:t> ASP.NET Core 3</a:t>
-            </a:r>
+            <a:endParaRPr lang="es-ES" dirty="0"/>
           </a:p>
         </p:txBody>
       </p:sp>
@@ -7090,40 +6981,163 @@
           </a:prstGeom>
         </p:spPr>
       </p:pic>
-      <p:pic>
-        <p:nvPicPr>
-          <p:cNvPr id="9" name="Picture 8">
-            <a:extLst>
-              <a:ext uri="{FF2B5EF4-FFF2-40B4-BE49-F238E27FC236}">
-                <a16:creationId xmlns:a16="http://schemas.microsoft.com/office/drawing/2014/main" id="{854ED96B-7293-4C1C-8D30-2021F73F6F4A}"/>
-              </a:ext>
-            </a:extLst>
-          </p:cNvPr>
-          <p:cNvPicPr>
-            <a:picLocks noChangeAspect="1"/>
-          </p:cNvPicPr>
-          <p:nvPr/>
-        </p:nvPicPr>
-        <p:blipFill>
-          <a:blip r:embed="rId3"/>
-          <a:stretch>
-            <a:fillRect/>
-          </a:stretch>
-        </p:blipFill>
-        <p:spPr>
-          <a:xfrm>
-            <a:off x="206597" y="1953127"/>
-            <a:ext cx="8448675" cy="3733800"/>
-          </a:xfrm>
-          <a:prstGeom prst="rect">
-            <a:avLst/>
-          </a:prstGeom>
-        </p:spPr>
-      </p:pic>
+      <p:sp>
+        <p:nvSpPr>
+          <p:cNvPr id="13" name="Content Placeholder 2">
+            <a:extLst>
+              <a:ext uri="{FF2B5EF4-FFF2-40B4-BE49-F238E27FC236}">
+                <a16:creationId xmlns:a16="http://schemas.microsoft.com/office/drawing/2014/main" id="{E2C51F17-13DC-4F64-BCEF-91C2F0AFCBF4}"/>
+              </a:ext>
+            </a:extLst>
+          </p:cNvPr>
+          <p:cNvSpPr>
+            <a:spLocks noGrp="1"/>
+          </p:cNvSpPr>
+          <p:nvPr>
+            <p:ph idx="1"/>
+          </p:nvPr>
+        </p:nvSpPr>
+        <p:spPr>
+          <a:xfrm>
+            <a:off x="1212581" y="1540369"/>
+            <a:ext cx="7655147" cy="3450613"/>
+          </a:xfrm>
+        </p:spPr>
+        <p:txBody>
+          <a:bodyPr anchor="ctr">
+            <a:normAutofit/>
+          </a:bodyPr>
+          <a:lstStyle/>
+          <a:p>
+            <a:r>
+              <a:rPr lang="es-ES" sz="2400" i="1" dirty="0"/>
+              <a:t>HTTP </a:t>
+            </a:r>
+            <a:r>
+              <a:rPr lang="es-ES" sz="2400" i="1" dirty="0" err="1"/>
+              <a:t>Endpoint</a:t>
+            </a:r>
+            <a:r>
+              <a:rPr lang="es-ES" sz="2400" i="1" dirty="0"/>
+              <a:t> for </a:t>
+            </a:r>
+            <a:r>
+              <a:rPr lang="es-ES" sz="2400" i="1" dirty="0" err="1"/>
+              <a:t>SPA’s</a:t>
+            </a:r>
+            <a:r>
+              <a:rPr lang="es-ES" sz="2400" i="1" dirty="0"/>
+              <a:t> &amp; Non browser apps</a:t>
+            </a:r>
+          </a:p>
+          <a:p>
+            <a:pPr lvl="1"/>
+            <a:r>
+              <a:rPr lang="es-ES" sz="2000" i="1" dirty="0"/>
+              <a:t>New </a:t>
+            </a:r>
+            <a:r>
+              <a:rPr lang="es-ES" sz="2000" i="1" dirty="0" err="1"/>
+              <a:t>endpoint</a:t>
+            </a:r>
+            <a:r>
+              <a:rPr lang="es-ES" sz="2000" i="1" dirty="0"/>
+              <a:t> </a:t>
+            </a:r>
+            <a:r>
+              <a:rPr lang="es-ES" sz="2000" i="1" dirty="0" err="1"/>
+              <a:t>created</a:t>
+            </a:r>
+            <a:r>
+              <a:rPr lang="es-ES" sz="2000" i="1" dirty="0"/>
+              <a:t> with </a:t>
+            </a:r>
+            <a:r>
+              <a:rPr lang="es-ES" sz="2000" b="1" i="1" dirty="0" err="1"/>
+              <a:t>MapEsquio</a:t>
+            </a:r>
+            <a:r>
+              <a:rPr lang="es-ES" sz="2000" i="1" dirty="0"/>
+              <a:t> </a:t>
+            </a:r>
+            <a:r>
+              <a:rPr lang="es-ES" sz="2000" i="1" dirty="0" err="1"/>
+              <a:t>extension</a:t>
+            </a:r>
+            <a:r>
+              <a:rPr lang="es-ES" sz="2000" i="1" dirty="0"/>
+              <a:t> </a:t>
+            </a:r>
+            <a:r>
+              <a:rPr lang="es-ES" sz="2000" i="1" dirty="0" err="1"/>
+              <a:t>method</a:t>
+            </a:r>
+            <a:endParaRPr lang="es-ES" sz="2000" i="1" dirty="0"/>
+          </a:p>
+          <a:p>
+            <a:pPr lvl="1"/>
+            <a:r>
+              <a:rPr lang="es-ES" sz="2000" i="1" dirty="0"/>
+              <a:t>Configurable </a:t>
+            </a:r>
+            <a:r>
+              <a:rPr lang="es-ES" sz="2000" i="1" dirty="0" err="1"/>
+              <a:t>route</a:t>
+            </a:r>
+            <a:r>
+              <a:rPr lang="es-ES" sz="2000" i="1" dirty="0"/>
+              <a:t> </a:t>
+            </a:r>
+            <a:r>
+              <a:rPr lang="es-ES" sz="2000" i="1" dirty="0" err="1"/>
+              <a:t>path</a:t>
+            </a:r>
+            <a:endParaRPr lang="es-ES" sz="2000" i="1" dirty="0"/>
+          </a:p>
+          <a:p>
+            <a:pPr lvl="1"/>
+            <a:r>
+              <a:rPr lang="es-ES" sz="2000" i="1" dirty="0" err="1"/>
+              <a:t>Only</a:t>
+            </a:r>
+            <a:r>
+              <a:rPr lang="es-ES" sz="2000" i="1" dirty="0"/>
+              <a:t> for </a:t>
+            </a:r>
+            <a:r>
+              <a:rPr lang="es-ES" sz="2000" i="1" dirty="0" err="1"/>
+              <a:t>query</a:t>
+            </a:r>
+            <a:r>
+              <a:rPr lang="es-ES" sz="2000" i="1" dirty="0"/>
+              <a:t> </a:t>
+            </a:r>
+            <a:r>
+              <a:rPr lang="es-ES" sz="2000" i="1" dirty="0" err="1"/>
+              <a:t>feature</a:t>
+            </a:r>
+            <a:r>
+              <a:rPr lang="es-ES" sz="2000" i="1" dirty="0"/>
+              <a:t>(s) </a:t>
+            </a:r>
+            <a:r>
+              <a:rPr lang="es-ES" sz="2000" i="1" dirty="0" err="1"/>
+              <a:t>state</a:t>
+            </a:r>
+            <a:endParaRPr lang="es-ES" sz="2000" i="1" dirty="0"/>
+          </a:p>
+          <a:p>
+            <a:pPr marL="457200" lvl="1" indent="0">
+              <a:buNone/>
+            </a:pPr>
+            <a:endParaRPr lang="es-ES" sz="2000" i="1" dirty="0"/>
+          </a:p>
+        </p:txBody>
+      </p:sp>
     </p:spTree>
     <p:extLst>
       <p:ext uri="{BB962C8B-B14F-4D97-AF65-F5344CB8AC3E}">
-        <p14:creationId xmlns:p14="http://schemas.microsoft.com/office/powerpoint/2010/main" val="3064823774"/>
+        <p14:creationId xmlns:p14="http://schemas.microsoft.com/office/powerpoint/2010/main" val="371444429"/>
       </p:ext>
     </p:extLst>
   </p:cSld>
@@ -7187,32 +7201,12 @@
           <a:lstStyle/>
           <a:p>
             <a:r>
+              <a:rPr lang="es-ES" dirty="0"/>
+              <a:t>ASP.NET Core 3 + </a:t>
+            </a:r>
+            <a:r>
               <a:rPr lang="es-ES" dirty="0" err="1"/>
               <a:t>Esquio</a:t>
-            </a:r>
-            <a:r>
-              <a:rPr lang="es-ES" dirty="0"/>
-              <a:t> </a:t>
-            </a:r>
-            <a:r>
-              <a:rPr lang="es-ES" dirty="0" err="1"/>
-              <a:t>out</a:t>
-            </a:r>
-            <a:r>
-              <a:rPr lang="es-ES" dirty="0"/>
-              <a:t> </a:t>
-            </a:r>
-            <a:r>
-              <a:rPr lang="es-ES" dirty="0" err="1"/>
-              <a:t>of</a:t>
-            </a:r>
-            <a:r>
-              <a:rPr lang="es-ES" dirty="0"/>
-              <a:t> box </a:t>
-            </a:r>
-            <a:r>
-              <a:rPr lang="es-ES" dirty="0" err="1"/>
-              <a:t>toggles</a:t>
             </a:r>
             <a:endParaRPr lang="es-ES" dirty="0"/>
           </a:p>
@@ -7382,88 +7376,110 @@
           </a:prstGeom>
         </p:spPr>
       </p:pic>
-      <p:sp>
-        <p:nvSpPr>
-          <p:cNvPr id="13" name="Content Placeholder 2">
-            <a:extLst>
-              <a:ext uri="{FF2B5EF4-FFF2-40B4-BE49-F238E27FC236}">
-                <a16:creationId xmlns:a16="http://schemas.microsoft.com/office/drawing/2014/main" id="{E2C51F17-13DC-4F64-BCEF-91C2F0AFCBF4}"/>
-              </a:ext>
-            </a:extLst>
-          </p:cNvPr>
-          <p:cNvSpPr>
-            <a:spLocks noGrp="1"/>
-          </p:cNvSpPr>
-          <p:nvPr>
-            <p:ph idx="1"/>
-          </p:nvPr>
-        </p:nvSpPr>
-        <p:spPr>
-          <a:xfrm>
-            <a:off x="1136428" y="1750094"/>
-            <a:ext cx="6467867" cy="3450613"/>
-          </a:xfrm>
-        </p:spPr>
-        <p:txBody>
-          <a:bodyPr anchor="ctr">
-            <a:normAutofit/>
+      <p:pic>
+        <p:nvPicPr>
+          <p:cNvPr id="4" name="Picture 3">
+            <a:extLst>
+              <a:ext uri="{FF2B5EF4-FFF2-40B4-BE49-F238E27FC236}">
+                <a16:creationId xmlns:a16="http://schemas.microsoft.com/office/drawing/2014/main" id="{043C27D2-6971-4EB6-ADB3-472A951BB4AB}"/>
+              </a:ext>
+            </a:extLst>
+          </p:cNvPr>
+          <p:cNvPicPr>
+            <a:picLocks noChangeAspect="1"/>
+          </p:cNvPicPr>
+          <p:nvPr/>
+        </p:nvPicPr>
+        <p:blipFill>
+          <a:blip r:embed="rId3"/>
+          <a:stretch>
+            <a:fillRect/>
+          </a:stretch>
+        </p:blipFill>
+        <p:spPr>
+          <a:xfrm>
+            <a:off x="215823" y="4000499"/>
+            <a:ext cx="6872124" cy="2859264"/>
+          </a:xfrm>
+          <a:prstGeom prst="rect">
+            <a:avLst/>
+          </a:prstGeom>
+        </p:spPr>
+      </p:pic>
+      <p:sp>
+        <p:nvSpPr>
+          <p:cNvPr id="9" name="Rectangle 8">
+            <a:extLst>
+              <a:ext uri="{FF2B5EF4-FFF2-40B4-BE49-F238E27FC236}">
+                <a16:creationId xmlns:a16="http://schemas.microsoft.com/office/drawing/2014/main" id="{2D4F613B-6BD2-4671-84A5-89C51C1342E8}"/>
+              </a:ext>
+            </a:extLst>
+          </p:cNvPr>
+          <p:cNvSpPr/>
+          <p:nvPr/>
+        </p:nvSpPr>
+        <p:spPr>
+          <a:xfrm>
+            <a:off x="1019284" y="6252373"/>
+            <a:ext cx="8458149" cy="369332"/>
+          </a:xfrm>
+          <a:prstGeom prst="rect">
+            <a:avLst/>
+          </a:prstGeom>
+        </p:spPr>
+        <p:txBody>
+          <a:bodyPr wrap="none">
+            <a:spAutoFit/>
           </a:bodyPr>
           <a:lstStyle/>
           <a:p>
             <a:r>
-              <a:rPr lang="es-ES" sz="2400" i="1" dirty="0" err="1"/>
-              <a:t>OnToggle</a:t>
-            </a:r>
-            <a:endParaRPr lang="es-ES" sz="2400" i="1" dirty="0"/>
-          </a:p>
-          <a:p>
-            <a:r>
-              <a:rPr lang="es-ES" sz="2400" i="1" dirty="0" err="1"/>
-              <a:t>OffToggle</a:t>
-            </a:r>
-            <a:endParaRPr lang="es-ES" sz="2400" i="1" dirty="0"/>
-          </a:p>
-          <a:p>
-            <a:r>
-              <a:rPr lang="es-ES" sz="2400" i="1" dirty="0" err="1"/>
-              <a:t>FromToToggle</a:t>
-            </a:r>
-            <a:endParaRPr lang="es-ES" sz="2400" i="1" dirty="0"/>
-          </a:p>
-          <a:p>
-            <a:r>
-              <a:rPr lang="es-ES" sz="2400" i="1" dirty="0" err="1"/>
-              <a:t>EnvironmentToggle</a:t>
-            </a:r>
-            <a:endParaRPr lang="es-ES" sz="2400" i="1" dirty="0"/>
-          </a:p>
-          <a:p>
-            <a:r>
-              <a:rPr lang="es-ES" sz="2400" i="1" dirty="0" err="1"/>
-              <a:t>RoleNameToggle</a:t>
-            </a:r>
-            <a:endParaRPr lang="es-ES" sz="2400" i="1" dirty="0"/>
-          </a:p>
-          <a:p>
-            <a:r>
-              <a:rPr lang="es-ES" sz="2400" i="1" dirty="0" err="1"/>
-              <a:t>UserNameToggle</a:t>
-            </a:r>
-            <a:endParaRPr lang="es-ES" sz="2400" i="1" dirty="0"/>
-          </a:p>
-          <a:p>
-            <a:r>
-              <a:rPr lang="es-ES" sz="2400" i="1" dirty="0" err="1"/>
-              <a:t>GradualRolloutUserNameToggle</a:t>
-            </a:r>
-            <a:endParaRPr lang="es-ES" sz="2000" i="1" dirty="0"/>
-          </a:p>
-        </p:txBody>
-      </p:sp>
+              <a:rPr lang="es-ES" dirty="0">
+                <a:hlinkClick r:id="rId4"/>
+              </a:rPr>
+              <a:t>https://[yourwebproject]/[esquio]?featureName=MatchScore&amp;featureName=BuyTickets</a:t>
+            </a:r>
+            <a:r>
+              <a:rPr lang="es-ES" dirty="0"/>
+              <a:t> </a:t>
+            </a:r>
+          </a:p>
+        </p:txBody>
+      </p:sp>
+      <p:pic>
+        <p:nvPicPr>
+          <p:cNvPr id="11" name="Picture 10">
+            <a:extLst>
+              <a:ext uri="{FF2B5EF4-FFF2-40B4-BE49-F238E27FC236}">
+                <a16:creationId xmlns:a16="http://schemas.microsoft.com/office/drawing/2014/main" id="{1D4AFAD8-4736-46B3-809E-D1E16CB5108F}"/>
+              </a:ext>
+            </a:extLst>
+          </p:cNvPr>
+          <p:cNvPicPr>
+            <a:picLocks noChangeAspect="1"/>
+          </p:cNvPicPr>
+          <p:nvPr/>
+        </p:nvPicPr>
+        <p:blipFill>
+          <a:blip r:embed="rId5"/>
+          <a:stretch>
+            <a:fillRect/>
+          </a:stretch>
+        </p:blipFill>
+        <p:spPr>
+          <a:xfrm>
+            <a:off x="0" y="1690934"/>
+            <a:ext cx="8226152" cy="1990314"/>
+          </a:xfrm>
+          <a:prstGeom prst="rect">
+            <a:avLst/>
+          </a:prstGeom>
+        </p:spPr>
+      </p:pic>
     </p:spTree>
     <p:extLst>
       <p:ext uri="{BB962C8B-B14F-4D97-AF65-F5344CB8AC3E}">
-        <p14:creationId xmlns:p14="http://schemas.microsoft.com/office/powerpoint/2010/main" val="3099980202"/>
+        <p14:creationId xmlns:p14="http://schemas.microsoft.com/office/powerpoint/2010/main" val="3655316780"/>
       </p:ext>
     </p:extLst>
   </p:cSld>
@@ -7532,24 +7548,13 @@
             </a:r>
             <a:r>
               <a:rPr lang="es-ES" dirty="0"/>
-              <a:t> </a:t>
-            </a:r>
-            <a:r>
-              <a:rPr lang="es-ES" dirty="0" err="1"/>
-              <a:t>Feature</a:t>
-            </a:r>
-            <a:r>
-              <a:rPr lang="es-ES" dirty="0"/>
-              <a:t> </a:t>
+              <a:t> Feature </a:t>
             </a:r>
             <a:r>
               <a:rPr lang="es-ES" dirty="0" err="1"/>
               <a:t>Flags</a:t>
             </a:r>
-            <a:r>
-              <a:rPr lang="es-ES" dirty="0"/>
-              <a:t>?</a:t>
-            </a:r>
+            <a:endParaRPr lang="es-ES" dirty="0"/>
           </a:p>
         </p:txBody>
       </p:sp>
@@ -7854,40 +7859,12 @@
           <a:lstStyle/>
           <a:p>
             <a:r>
+              <a:rPr lang="es-ES" dirty="0"/>
+              <a:t>ASP.NET Core 3 + </a:t>
+            </a:r>
+            <a:r>
               <a:rPr lang="es-ES" dirty="0" err="1"/>
               <a:t>Esquio</a:t>
-            </a:r>
-            <a:r>
-              <a:rPr lang="es-ES" dirty="0"/>
-              <a:t> </a:t>
-            </a:r>
-            <a:r>
-              <a:rPr lang="es-ES" dirty="0" err="1"/>
-              <a:t>AspNetCore</a:t>
-            </a:r>
-            <a:r>
-              <a:rPr lang="es-ES" dirty="0"/>
-              <a:t> </a:t>
-            </a:r>
-            <a:r>
-              <a:rPr lang="es-ES" dirty="0" err="1"/>
-              <a:t>out</a:t>
-            </a:r>
-            <a:r>
-              <a:rPr lang="es-ES" dirty="0"/>
-              <a:t> </a:t>
-            </a:r>
-            <a:r>
-              <a:rPr lang="es-ES" dirty="0" err="1"/>
-              <a:t>of</a:t>
-            </a:r>
-            <a:r>
-              <a:rPr lang="es-ES" dirty="0"/>
-              <a:t> box </a:t>
-            </a:r>
-            <a:r>
-              <a:rPr lang="es-ES" dirty="0" err="1"/>
-              <a:t>toggles</a:t>
             </a:r>
             <a:endParaRPr lang="es-ES" dirty="0"/>
           </a:p>
@@ -8075,8 +8052,8 @@
         </p:nvSpPr>
         <p:spPr>
           <a:xfrm>
-            <a:off x="1136428" y="1750094"/>
-            <a:ext cx="6467867" cy="3450613"/>
+            <a:off x="1203540" y="1879134"/>
+            <a:ext cx="6467867" cy="2725955"/>
           </a:xfrm>
         </p:spPr>
         <p:txBody>
@@ -8087,40 +8064,161 @@
           <a:p>
             <a:r>
               <a:rPr lang="es-ES" sz="2400" i="1" dirty="0" err="1"/>
-              <a:t>ClaimValueToggle</a:t>
+              <a:t>IFeatureService</a:t>
+            </a:r>
+            <a:r>
+              <a:rPr lang="es-ES" sz="2400" i="1" dirty="0"/>
+              <a:t> </a:t>
+            </a:r>
+            <a:r>
+              <a:rPr lang="es-ES" sz="2400" i="1" dirty="0" err="1"/>
+              <a:t>dependency</a:t>
             </a:r>
             <a:endParaRPr lang="es-ES" sz="2400" i="1" dirty="0"/>
           </a:p>
           <a:p>
-            <a:r>
-              <a:rPr lang="es-ES" sz="2400" i="1" dirty="0" err="1"/>
-              <a:t>GradualRolloutClaimValueToggle</a:t>
-            </a:r>
-            <a:endParaRPr lang="es-ES" sz="2400" i="1" dirty="0"/>
-          </a:p>
-          <a:p>
-            <a:r>
-              <a:rPr lang="es-ES" sz="2400" i="1" dirty="0" err="1"/>
-              <a:t>GradualRolloutHeaderValueToggle</a:t>
-            </a:r>
-            <a:endParaRPr lang="es-ES" sz="2400" i="1" dirty="0"/>
-          </a:p>
-          <a:p>
-            <a:r>
-              <a:rPr lang="es-ES" sz="2400" i="1" dirty="0" err="1"/>
-              <a:t>GradualRolloutSessionToggle</a:t>
-            </a:r>
-            <a:endParaRPr lang="es-ES" sz="2000" i="1" dirty="0"/>
-          </a:p>
-          <a:p>
-            <a:endParaRPr lang="es-ES" sz="2000" i="1" dirty="0"/>
+            <a:pPr lvl="1"/>
+            <a:r>
+              <a:rPr lang="es-ES" sz="2000" i="1" dirty="0"/>
+              <a:t>Used </a:t>
+            </a:r>
+            <a:r>
+              <a:rPr lang="es-ES" sz="2000" i="1" dirty="0" err="1"/>
+              <a:t>internally</a:t>
+            </a:r>
+            <a:r>
+              <a:rPr lang="es-ES" sz="2000" i="1" dirty="0"/>
+              <a:t> to </a:t>
+            </a:r>
+            <a:r>
+              <a:rPr lang="es-ES" sz="2000" i="1" dirty="0" err="1"/>
+              <a:t>evaluate</a:t>
+            </a:r>
+            <a:r>
+              <a:rPr lang="es-ES" sz="2000" i="1" dirty="0"/>
+              <a:t> </a:t>
+            </a:r>
+            <a:r>
+              <a:rPr lang="es-ES" sz="2000" i="1" dirty="0" err="1"/>
+              <a:t>features</a:t>
+            </a:r>
+            <a:r>
+              <a:rPr lang="es-ES" sz="2000" i="1" dirty="0"/>
+              <a:t>.</a:t>
+            </a:r>
+          </a:p>
+          <a:p>
+            <a:pPr lvl="1"/>
+            <a:r>
+              <a:rPr lang="es-ES" sz="2000" i="1" dirty="0"/>
+              <a:t>Custom </a:t>
+            </a:r>
+            <a:r>
+              <a:rPr lang="es-ES" sz="2000" i="1" dirty="0" err="1"/>
+              <a:t>code</a:t>
+            </a:r>
+            <a:r>
+              <a:rPr lang="es-ES" sz="2000" i="1" dirty="0"/>
+              <a:t> to </a:t>
+            </a:r>
+            <a:r>
+              <a:rPr lang="es-ES" sz="2000" i="1" dirty="0" err="1"/>
+              <a:t>evaluate</a:t>
+            </a:r>
+            <a:r>
+              <a:rPr lang="es-ES" sz="2000" i="1" dirty="0"/>
+              <a:t> feature(s).</a:t>
+            </a:r>
+          </a:p>
+          <a:p>
+            <a:pPr lvl="1"/>
+            <a:r>
+              <a:rPr lang="es-ES" sz="2000" b="1" i="1" dirty="0" err="1"/>
+              <a:t>Names</a:t>
+            </a:r>
+            <a:r>
+              <a:rPr lang="es-ES" sz="2000" b="1" i="1" dirty="0"/>
+              <a:t> </a:t>
+            </a:r>
+            <a:r>
+              <a:rPr lang="es-ES" sz="2000" i="1" dirty="0" err="1"/>
+              <a:t>to</a:t>
+            </a:r>
+            <a:r>
+              <a:rPr lang="es-ES" sz="2000" i="1" dirty="0"/>
+              <a:t> </a:t>
+            </a:r>
+            <a:r>
+              <a:rPr lang="es-ES" sz="2000" i="1" dirty="0" err="1"/>
+              <a:t>specify</a:t>
+            </a:r>
+            <a:r>
+              <a:rPr lang="es-ES" sz="2000" i="1" dirty="0"/>
+              <a:t> </a:t>
+            </a:r>
+            <a:r>
+              <a:rPr lang="es-ES" sz="2000" i="1" dirty="0" err="1"/>
+              <a:t>features</a:t>
+            </a:r>
+            <a:r>
+              <a:rPr lang="es-ES" sz="2000" i="1" dirty="0"/>
+              <a:t> </a:t>
+            </a:r>
+            <a:r>
+              <a:rPr lang="es-ES" sz="2000" i="1" dirty="0" err="1"/>
+              <a:t>to</a:t>
+            </a:r>
+            <a:r>
+              <a:rPr lang="es-ES" sz="2000" i="1" dirty="0"/>
+              <a:t> be </a:t>
+            </a:r>
+            <a:r>
+              <a:rPr lang="es-ES" sz="2000" i="1" dirty="0" err="1"/>
+              <a:t>evaluated</a:t>
+            </a:r>
+            <a:endParaRPr lang="es-ES" sz="2000" b="1" i="1" dirty="0"/>
+          </a:p>
+          <a:p>
+            <a:pPr lvl="1"/>
+            <a:r>
+              <a:rPr lang="es-ES" sz="2000" b="1" i="1" dirty="0" err="1"/>
+              <a:t>Product</a:t>
+            </a:r>
+            <a:r>
+              <a:rPr lang="es-ES" sz="2000" b="1" i="1" dirty="0"/>
+              <a:t> </a:t>
+            </a:r>
+            <a:r>
+              <a:rPr lang="es-ES" sz="2000" i="1" dirty="0" err="1"/>
+              <a:t>is</a:t>
+            </a:r>
+            <a:r>
+              <a:rPr lang="es-ES" sz="2000" i="1" dirty="0"/>
+              <a:t> </a:t>
+            </a:r>
+            <a:r>
+              <a:rPr lang="es-ES" sz="2000" i="1" dirty="0" err="1"/>
+              <a:t>optional</a:t>
+            </a:r>
+            <a:r>
+              <a:rPr lang="es-ES" sz="2000" i="1" dirty="0"/>
+              <a:t> as </a:t>
+            </a:r>
+            <a:r>
+              <a:rPr lang="es-ES" sz="2000" i="1" dirty="0" err="1"/>
+              <a:t>well</a:t>
+            </a:r>
+            <a:r>
+              <a:rPr lang="es-ES" sz="2000" i="1" dirty="0"/>
+              <a:t>.</a:t>
+            </a:r>
           </a:p>
         </p:txBody>
       </p:sp>
     </p:spTree>
     <p:extLst>
       <p:ext uri="{BB962C8B-B14F-4D97-AF65-F5344CB8AC3E}">
-        <p14:creationId xmlns:p14="http://schemas.microsoft.com/office/powerpoint/2010/main" val="3347482999"/>
+        <p14:creationId xmlns:p14="http://schemas.microsoft.com/office/powerpoint/2010/main" val="3961153864"/>
       </p:ext>
     </p:extLst>
   </p:cSld>
@@ -8184,29 +8282,14 @@
           <a:lstStyle/>
           <a:p>
             <a:r>
+              <a:rPr lang="es-ES" dirty="0"/>
+              <a:t>ASP.NET Core 3 + </a:t>
+            </a:r>
+            <a:r>
               <a:rPr lang="es-ES" dirty="0" err="1"/>
               <a:t>Esquio</a:t>
             </a:r>
-            <a:r>
-              <a:rPr lang="es-ES" dirty="0"/>
-              <a:t> </a:t>
-            </a:r>
-            <a:r>
-              <a:rPr lang="es-ES" dirty="0" err="1"/>
-              <a:t>Configuration</a:t>
-            </a:r>
-            <a:r>
-              <a:rPr lang="es-ES" dirty="0"/>
-              <a:t> Store (</a:t>
-            </a:r>
-            <a:r>
-              <a:rPr lang="es-ES" dirty="0" err="1"/>
-              <a:t>Configuration</a:t>
-            </a:r>
-            <a:r>
-              <a:rPr lang="es-ES" dirty="0"/>
-              <a:t>)</a:t>
-            </a:r>
+            <a:endParaRPr lang="es-ES" dirty="0"/>
           </a:p>
         </p:txBody>
       </p:sp>
@@ -8374,185 +8457,40 @@
           </a:prstGeom>
         </p:spPr>
       </p:pic>
-      <p:sp>
-        <p:nvSpPr>
-          <p:cNvPr id="13" name="Content Placeholder 2">
-            <a:extLst>
-              <a:ext uri="{FF2B5EF4-FFF2-40B4-BE49-F238E27FC236}">
-                <a16:creationId xmlns:a16="http://schemas.microsoft.com/office/drawing/2014/main" id="{E2C51F17-13DC-4F64-BCEF-91C2F0AFCBF4}"/>
-              </a:ext>
-            </a:extLst>
-          </p:cNvPr>
-          <p:cNvSpPr>
-            <a:spLocks noGrp="1"/>
-          </p:cNvSpPr>
-          <p:nvPr>
-            <p:ph idx="1"/>
-          </p:nvPr>
-        </p:nvSpPr>
-        <p:spPr>
-          <a:xfrm>
-            <a:off x="1136428" y="1750094"/>
-            <a:ext cx="6467867" cy="3450613"/>
-          </a:xfrm>
-        </p:spPr>
-        <p:txBody>
-          <a:bodyPr anchor="ctr">
-            <a:normAutofit/>
-          </a:bodyPr>
-          <a:lstStyle/>
-          <a:p>
-            <a:r>
-              <a:rPr lang="es-ES" sz="2400" i="1" dirty="0" err="1"/>
-              <a:t>Based</a:t>
-            </a:r>
-            <a:r>
-              <a:rPr lang="es-ES" sz="2400" i="1" dirty="0"/>
-              <a:t> on </a:t>
-            </a:r>
-            <a:r>
-              <a:rPr lang="es-ES" sz="2400" i="1" dirty="0" err="1"/>
-              <a:t>Microsoft.Extension.Configuration</a:t>
-            </a:r>
-            <a:endParaRPr lang="es-ES" sz="2400" i="1" dirty="0"/>
-          </a:p>
-          <a:p>
-            <a:pPr lvl="1"/>
-            <a:r>
-              <a:rPr lang="es-ES" sz="1600" i="1" dirty="0" err="1"/>
-              <a:t>Json</a:t>
-            </a:r>
-            <a:r>
-              <a:rPr lang="es-ES" sz="1600" i="1" dirty="0"/>
-              <a:t>, Environment variables etc.</a:t>
-            </a:r>
-          </a:p>
-          <a:p>
-            <a:pPr lvl="1"/>
-            <a:r>
-              <a:rPr lang="es-ES" sz="1600" i="1" dirty="0"/>
-              <a:t>Azure App </a:t>
-            </a:r>
-            <a:r>
-              <a:rPr lang="es-ES" sz="1600" i="1" dirty="0" err="1"/>
-              <a:t>Configuration</a:t>
-            </a:r>
-            <a:r>
-              <a:rPr lang="es-ES" sz="1600" i="1" dirty="0"/>
-              <a:t> Service </a:t>
-            </a:r>
-            <a:r>
-              <a:rPr lang="es-ES" sz="1600" i="1" dirty="0" err="1"/>
-              <a:t>aware</a:t>
-            </a:r>
-            <a:r>
-              <a:rPr lang="es-ES" sz="1600" i="1" dirty="0"/>
-              <a:t>.</a:t>
-            </a:r>
-          </a:p>
-          <a:p>
-            <a:pPr lvl="1"/>
-            <a:r>
-              <a:rPr lang="es-ES" sz="1600" i="1" dirty="0"/>
-              <a:t>Ideal for Simple Apps</a:t>
-            </a:r>
-          </a:p>
-          <a:p>
-            <a:r>
-              <a:rPr lang="es-ES" sz="2000" i="1" dirty="0" err="1"/>
-              <a:t>Can’t</a:t>
-            </a:r>
-            <a:r>
-              <a:rPr lang="es-ES" sz="2000" i="1" dirty="0"/>
-              <a:t> be </a:t>
-            </a:r>
-            <a:r>
-              <a:rPr lang="es-ES" sz="2000" i="1" dirty="0" err="1"/>
-              <a:t>integrated</a:t>
-            </a:r>
-            <a:r>
-              <a:rPr lang="es-ES" sz="2000" i="1" dirty="0"/>
-              <a:t> with </a:t>
-            </a:r>
-            <a:r>
-              <a:rPr lang="es-ES" sz="2000" i="1" dirty="0" err="1"/>
-              <a:t>release</a:t>
-            </a:r>
-            <a:r>
-              <a:rPr lang="es-ES" sz="2000" i="1" dirty="0"/>
-              <a:t> pipelines </a:t>
-            </a:r>
-            <a:r>
-              <a:rPr lang="es-ES" sz="2000" i="1" dirty="0" err="1"/>
-              <a:t>easly</a:t>
-            </a:r>
-            <a:r>
-              <a:rPr lang="es-ES" sz="2000" i="1" dirty="0"/>
-              <a:t>.</a:t>
-            </a:r>
-          </a:p>
-          <a:p>
-            <a:r>
-              <a:rPr lang="es-ES" sz="2000" i="1" dirty="0" err="1"/>
-              <a:t>Hard</a:t>
-            </a:r>
-            <a:r>
-              <a:rPr lang="es-ES" sz="2000" i="1" dirty="0"/>
-              <a:t> to </a:t>
-            </a:r>
-            <a:r>
-              <a:rPr lang="es-ES" sz="2000" i="1" dirty="0" err="1"/>
-              <a:t>maintain</a:t>
-            </a:r>
-            <a:r>
-              <a:rPr lang="es-ES" sz="2000" i="1" dirty="0"/>
-              <a:t> for </a:t>
-            </a:r>
-            <a:r>
-              <a:rPr lang="es-ES" sz="2000" i="1" dirty="0" err="1"/>
-              <a:t>multiple</a:t>
-            </a:r>
-            <a:r>
-              <a:rPr lang="es-ES" sz="2000" i="1" dirty="0"/>
-              <a:t> </a:t>
-            </a:r>
-            <a:r>
-              <a:rPr lang="es-ES" sz="2000" i="1" dirty="0" err="1"/>
-              <a:t>products</a:t>
-            </a:r>
-            <a:r>
-              <a:rPr lang="es-ES" sz="2000" i="1" dirty="0"/>
-              <a:t> / </a:t>
-            </a:r>
-            <a:r>
-              <a:rPr lang="es-ES" sz="2000" i="1" dirty="0" err="1"/>
-              <a:t>flags</a:t>
-            </a:r>
-            <a:r>
-              <a:rPr lang="es-ES" sz="2000" i="1" dirty="0"/>
-              <a:t> / </a:t>
-            </a:r>
-            <a:r>
-              <a:rPr lang="es-ES" sz="2000" i="1" dirty="0" err="1"/>
-              <a:t>toggles</a:t>
-            </a:r>
-            <a:r>
-              <a:rPr lang="es-ES" sz="2000" i="1" dirty="0"/>
-              <a:t>.</a:t>
-            </a:r>
-          </a:p>
-          <a:p>
-            <a:pPr marL="0" indent="0">
-              <a:buNone/>
-            </a:pPr>
-            <a:endParaRPr lang="es-ES" sz="2000" i="1" dirty="0"/>
-          </a:p>
-        </p:txBody>
-      </p:sp>
+      <p:pic>
+        <p:nvPicPr>
+          <p:cNvPr id="9" name="Picture 8">
+            <a:extLst>
+              <a:ext uri="{FF2B5EF4-FFF2-40B4-BE49-F238E27FC236}">
+                <a16:creationId xmlns:a16="http://schemas.microsoft.com/office/drawing/2014/main" id="{854ED96B-7293-4C1C-8D30-2021F73F6F4A}"/>
+              </a:ext>
+            </a:extLst>
+          </p:cNvPr>
+          <p:cNvPicPr>
+            <a:picLocks noChangeAspect="1"/>
+          </p:cNvPicPr>
+          <p:nvPr/>
+        </p:nvPicPr>
+        <p:blipFill>
+          <a:blip r:embed="rId3"/>
+          <a:stretch>
+            <a:fillRect/>
+          </a:stretch>
+        </p:blipFill>
+        <p:spPr>
+          <a:xfrm>
+            <a:off x="206597" y="1953127"/>
+            <a:ext cx="8448675" cy="3733800"/>
+          </a:xfrm>
+          <a:prstGeom prst="rect">
+            <a:avLst/>
+          </a:prstGeom>
+        </p:spPr>
+      </p:pic>
     </p:spTree>
     <p:extLst>
       <p:ext uri="{BB962C8B-B14F-4D97-AF65-F5344CB8AC3E}">
-        <p14:creationId xmlns:p14="http://schemas.microsoft.com/office/powerpoint/2010/main" val="2986957493"/>
+        <p14:creationId xmlns:p14="http://schemas.microsoft.com/office/powerpoint/2010/main" val="3064823774"/>
       </p:ext>
     </p:extLst>
   </p:cSld>
@@ -8625,12 +8563,25 @@
             </a:r>
             <a:r>
               <a:rPr lang="es-ES" dirty="0" err="1"/>
-              <a:t>Configuration</a:t>
+              <a:t>out</a:t>
             </a:r>
             <a:r>
               <a:rPr lang="es-ES" dirty="0"/>
-              <a:t> Store</a:t>
-            </a:r>
+              <a:t> </a:t>
+            </a:r>
+            <a:r>
+              <a:rPr lang="es-ES" dirty="0" err="1"/>
+              <a:t>of</a:t>
+            </a:r>
+            <a:r>
+              <a:rPr lang="es-ES" dirty="0"/>
+              <a:t> box </a:t>
+            </a:r>
+            <a:r>
+              <a:rPr lang="es-ES" dirty="0" err="1"/>
+              <a:t>toggles</a:t>
+            </a:r>
+            <a:endParaRPr lang="es-ES" dirty="0"/>
           </a:p>
         </p:txBody>
       </p:sp>
@@ -8798,40 +8749,88 @@
           </a:prstGeom>
         </p:spPr>
       </p:pic>
-      <p:pic>
-        <p:nvPicPr>
-          <p:cNvPr id="9" name="Picture 8">
-            <a:extLst>
-              <a:ext uri="{FF2B5EF4-FFF2-40B4-BE49-F238E27FC236}">
-                <a16:creationId xmlns:a16="http://schemas.microsoft.com/office/drawing/2014/main" id="{D2C6A27E-FC19-4CD9-9952-99BE751FCE45}"/>
-              </a:ext>
-            </a:extLst>
-          </p:cNvPr>
-          <p:cNvPicPr>
-            <a:picLocks noChangeAspect="1"/>
-          </p:cNvPicPr>
-          <p:nvPr/>
-        </p:nvPicPr>
-        <p:blipFill>
-          <a:blip r:embed="rId3"/>
-          <a:stretch>
-            <a:fillRect/>
-          </a:stretch>
-        </p:blipFill>
-        <p:spPr>
-          <a:xfrm>
-            <a:off x="444960" y="1953127"/>
-            <a:ext cx="7620000" cy="3162300"/>
-          </a:xfrm>
-          <a:prstGeom prst="rect">
-            <a:avLst/>
-          </a:prstGeom>
-        </p:spPr>
-      </p:pic>
+      <p:sp>
+        <p:nvSpPr>
+          <p:cNvPr id="13" name="Content Placeholder 2">
+            <a:extLst>
+              <a:ext uri="{FF2B5EF4-FFF2-40B4-BE49-F238E27FC236}">
+                <a16:creationId xmlns:a16="http://schemas.microsoft.com/office/drawing/2014/main" id="{E2C51F17-13DC-4F64-BCEF-91C2F0AFCBF4}"/>
+              </a:ext>
+            </a:extLst>
+          </p:cNvPr>
+          <p:cNvSpPr>
+            <a:spLocks noGrp="1"/>
+          </p:cNvSpPr>
+          <p:nvPr>
+            <p:ph idx="1"/>
+          </p:nvPr>
+        </p:nvSpPr>
+        <p:spPr>
+          <a:xfrm>
+            <a:off x="1136428" y="1750094"/>
+            <a:ext cx="6467867" cy="3450613"/>
+          </a:xfrm>
+        </p:spPr>
+        <p:txBody>
+          <a:bodyPr anchor="ctr">
+            <a:normAutofit/>
+          </a:bodyPr>
+          <a:lstStyle/>
+          <a:p>
+            <a:r>
+              <a:rPr lang="es-ES" sz="2400" i="1" dirty="0" err="1"/>
+              <a:t>OnToggle</a:t>
+            </a:r>
+            <a:endParaRPr lang="es-ES" sz="2400" i="1" dirty="0"/>
+          </a:p>
+          <a:p>
+            <a:r>
+              <a:rPr lang="es-ES" sz="2400" i="1" dirty="0" err="1"/>
+              <a:t>OffToggle</a:t>
+            </a:r>
+            <a:endParaRPr lang="es-ES" sz="2400" i="1" dirty="0"/>
+          </a:p>
+          <a:p>
+            <a:r>
+              <a:rPr lang="es-ES" sz="2400" i="1" dirty="0" err="1"/>
+              <a:t>FromToToggle</a:t>
+            </a:r>
+            <a:endParaRPr lang="es-ES" sz="2400" i="1" dirty="0"/>
+          </a:p>
+          <a:p>
+            <a:r>
+              <a:rPr lang="es-ES" sz="2400" i="1" dirty="0" err="1"/>
+              <a:t>EnvironmentToggle</a:t>
+            </a:r>
+            <a:endParaRPr lang="es-ES" sz="2400" i="1" dirty="0"/>
+          </a:p>
+          <a:p>
+            <a:r>
+              <a:rPr lang="es-ES" sz="2400" i="1" dirty="0" err="1"/>
+              <a:t>RoleNameToggle</a:t>
+            </a:r>
+            <a:endParaRPr lang="es-ES" sz="2400" i="1" dirty="0"/>
+          </a:p>
+          <a:p>
+            <a:r>
+              <a:rPr lang="es-ES" sz="2400" i="1" dirty="0" err="1"/>
+              <a:t>UserNameToggle</a:t>
+            </a:r>
+            <a:endParaRPr lang="es-ES" sz="2400" i="1" dirty="0"/>
+          </a:p>
+          <a:p>
+            <a:r>
+              <a:rPr lang="es-ES" sz="2400" i="1" dirty="0" err="1"/>
+              <a:t>GradualRolloutUserNameToggle</a:t>
+            </a:r>
+            <a:endParaRPr lang="es-ES" sz="2000" i="1" dirty="0"/>
+          </a:p>
+        </p:txBody>
+      </p:sp>
     </p:spTree>
     <p:extLst>
       <p:ext uri="{BB962C8B-B14F-4D97-AF65-F5344CB8AC3E}">
-        <p14:creationId xmlns:p14="http://schemas.microsoft.com/office/powerpoint/2010/main" val="3989631533"/>
+        <p14:creationId xmlns:p14="http://schemas.microsoft.com/office/powerpoint/2010/main" val="3099980202"/>
       </p:ext>
     </p:extLst>
   </p:cSld>
@@ -8904,20 +8903,33 @@
             </a:r>
             <a:r>
               <a:rPr lang="es-ES" dirty="0" err="1"/>
-              <a:t>Configuration</a:t>
+              <a:t>AspNetCore</a:t>
             </a:r>
             <a:r>
               <a:rPr lang="es-ES" dirty="0"/>
-              <a:t> Store (</a:t>
+              <a:t> </a:t>
             </a:r>
             <a:r>
               <a:rPr lang="es-ES" dirty="0" err="1"/>
-              <a:t>Entity</a:t>
+              <a:t>out</a:t>
             </a:r>
             <a:r>
               <a:rPr lang="es-ES" dirty="0"/>
-              <a:t> Framework Core)</a:t>
-            </a:r>
+              <a:t> </a:t>
+            </a:r>
+            <a:r>
+              <a:rPr lang="es-ES" dirty="0" err="1"/>
+              <a:t>of</a:t>
+            </a:r>
+            <a:r>
+              <a:rPr lang="es-ES" dirty="0"/>
+              <a:t> box </a:t>
+            </a:r>
+            <a:r>
+              <a:rPr lang="es-ES" dirty="0" err="1"/>
+              <a:t>toggles</a:t>
+            </a:r>
+            <a:endParaRPr lang="es-ES" dirty="0"/>
           </a:p>
         </p:txBody>
       </p:sp>
@@ -9115,93 +9127,32 @@
           <a:p>
             <a:r>
               <a:rPr lang="es-ES" sz="2400" i="1" dirty="0" err="1"/>
-              <a:t>Centralized</a:t>
-            </a:r>
-            <a:r>
-              <a:rPr lang="es-ES" sz="2400" i="1" dirty="0"/>
-              <a:t> store for </a:t>
-            </a:r>
+              <a:t>ClaimValueToggle</a:t>
+            </a:r>
+            <a:endParaRPr lang="es-ES" sz="2400" i="1" dirty="0"/>
+          </a:p>
+          <a:p>
             <a:r>
               <a:rPr lang="es-ES" sz="2400" i="1" dirty="0" err="1"/>
-              <a:t>multiple</a:t>
-            </a:r>
-            <a:r>
-              <a:rPr lang="es-ES" sz="2400" i="1" dirty="0"/>
-              <a:t> </a:t>
-            </a:r>
-            <a:r>
-              <a:rPr lang="es-ES" sz="2400" b="1" i="1" dirty="0" err="1"/>
-              <a:t>products</a:t>
-            </a:r>
-            <a:r>
-              <a:rPr lang="es-ES" sz="2400" b="1" i="1" dirty="0"/>
-              <a:t> </a:t>
-            </a:r>
-            <a:r>
-              <a:rPr lang="es-ES" sz="2400" i="1" dirty="0"/>
-              <a:t>using </a:t>
-            </a:r>
+              <a:t>GradualRolloutClaimValueToggle</a:t>
+            </a:r>
+            <a:endParaRPr lang="es-ES" sz="2400" i="1" dirty="0"/>
+          </a:p>
+          <a:p>
             <a:r>
               <a:rPr lang="es-ES" sz="2400" i="1" dirty="0" err="1"/>
-              <a:t>Entity</a:t>
-            </a:r>
-            <a:r>
-              <a:rPr lang="es-ES" sz="2400" i="1" dirty="0"/>
-              <a:t> Framework Core.</a:t>
-            </a:r>
-            <a:endParaRPr lang="es-ES" sz="2400" b="1" i="1" dirty="0"/>
-          </a:p>
-          <a:p>
-            <a:r>
-              <a:rPr lang="es-ES" sz="2400" b="1" i="1" dirty="0" err="1"/>
-              <a:t>Product</a:t>
-            </a:r>
-            <a:r>
-              <a:rPr lang="es-ES" sz="2400" b="1" i="1" dirty="0"/>
-              <a:t>/</a:t>
-            </a:r>
-            <a:r>
-              <a:rPr lang="es-ES" sz="2400" b="1" i="1" dirty="0" err="1"/>
-              <a:t>Feature</a:t>
-            </a:r>
-            <a:r>
-              <a:rPr lang="es-ES" sz="2400" b="1" i="1" dirty="0"/>
-              <a:t>/</a:t>
-            </a:r>
-            <a:r>
-              <a:rPr lang="es-ES" sz="2400" b="1" i="1" dirty="0" err="1"/>
-              <a:t>Toggle</a:t>
-            </a:r>
-            <a:r>
-              <a:rPr lang="es-ES" sz="2400" b="1" i="1" dirty="0"/>
-              <a:t> </a:t>
-            </a:r>
-            <a:r>
-              <a:rPr lang="es-ES" sz="2400" i="1" dirty="0"/>
-              <a:t>can be extended </a:t>
-            </a:r>
+              <a:t>GradualRolloutHeaderValueToggle</a:t>
+            </a:r>
+            <a:endParaRPr lang="es-ES" sz="2400" i="1" dirty="0"/>
+          </a:p>
+          <a:p>
             <a:r>
               <a:rPr lang="es-ES" sz="2400" i="1" dirty="0" err="1"/>
-              <a:t>with</a:t>
-            </a:r>
-            <a:r>
-              <a:rPr lang="es-ES" sz="2400" i="1" dirty="0"/>
-              <a:t> new data.</a:t>
-            </a:r>
-          </a:p>
-          <a:p>
-            <a:r>
-              <a:rPr lang="es-ES" sz="2400" i="1" dirty="0"/>
-              <a:t>Easy to </a:t>
-            </a:r>
-            <a:r>
-              <a:rPr lang="es-ES" sz="2400" i="1" dirty="0" err="1"/>
-              <a:t>integrate</a:t>
-            </a:r>
-            <a:r>
-              <a:rPr lang="es-ES" sz="2400" i="1" dirty="0"/>
-              <a:t>.</a:t>
-            </a:r>
+              <a:t>GradualRolloutSessionToggle</a:t>
+            </a:r>
+            <a:endParaRPr lang="es-ES" sz="2000" i="1" dirty="0"/>
+          </a:p>
+          <a:p>
             <a:endParaRPr lang="es-ES" sz="2000" i="1" dirty="0"/>
           </a:p>
         </p:txBody>
@@ -9209,7 +9160,7 @@
     </p:spTree>
     <p:extLst>
       <p:ext uri="{BB962C8B-B14F-4D97-AF65-F5344CB8AC3E}">
-        <p14:creationId xmlns:p14="http://schemas.microsoft.com/office/powerpoint/2010/main" val="3436313732"/>
+        <p14:creationId xmlns:p14="http://schemas.microsoft.com/office/powerpoint/2010/main" val="3347482999"/>
       </p:ext>
     </p:extLst>
   </p:cSld>
@@ -9286,22 +9237,15 @@
             </a:r>
             <a:r>
               <a:rPr lang="es-ES" dirty="0"/>
-              <a:t> Store</a:t>
-            </a:r>
-            <a:br>
+              <a:t> Store (</a:t>
+            </a:r>
+            <a:r>
+              <a:rPr lang="es-ES" dirty="0" err="1"/>
+              <a:t>Configuration</a:t>
+            </a:r>
+            <a:r>
               <a:rPr lang="es-ES" dirty="0"/>
-            </a:br>
-            <a:r>
-              <a:rPr lang="es-ES" dirty="0"/>
-              <a:t>(</a:t>
-            </a:r>
-            <a:r>
-              <a:rPr lang="es-ES" dirty="0" err="1"/>
-              <a:t>Entity</a:t>
-            </a:r>
-            <a:r>
-              <a:rPr lang="es-ES" dirty="0"/>
-              <a:t> Framework Core)</a:t>
+              <a:t>)</a:t>
             </a:r>
           </a:p>
         </p:txBody>
@@ -9470,40 +9414,185 @@
           </a:prstGeom>
         </p:spPr>
       </p:pic>
-      <p:pic>
-        <p:nvPicPr>
-          <p:cNvPr id="7" name="Picture 6">
-            <a:extLst>
-              <a:ext uri="{FF2B5EF4-FFF2-40B4-BE49-F238E27FC236}">
-                <a16:creationId xmlns:a16="http://schemas.microsoft.com/office/drawing/2014/main" id="{B9C8DDDB-F364-4A44-9F91-6D94F9397421}"/>
-              </a:ext>
-            </a:extLst>
-          </p:cNvPr>
-          <p:cNvPicPr>
-            <a:picLocks noChangeAspect="1"/>
-          </p:cNvPicPr>
-          <p:nvPr/>
-        </p:nvPicPr>
-        <p:blipFill>
-          <a:blip r:embed="rId3"/>
-          <a:stretch>
-            <a:fillRect/>
-          </a:stretch>
-        </p:blipFill>
-        <p:spPr>
-          <a:xfrm>
-            <a:off x="96640" y="2358913"/>
-            <a:ext cx="8713985" cy="2354475"/>
-          </a:xfrm>
-          <a:prstGeom prst="rect">
-            <a:avLst/>
-          </a:prstGeom>
-        </p:spPr>
-      </p:pic>
+      <p:sp>
+        <p:nvSpPr>
+          <p:cNvPr id="13" name="Content Placeholder 2">
+            <a:extLst>
+              <a:ext uri="{FF2B5EF4-FFF2-40B4-BE49-F238E27FC236}">
+                <a16:creationId xmlns:a16="http://schemas.microsoft.com/office/drawing/2014/main" id="{E2C51F17-13DC-4F64-BCEF-91C2F0AFCBF4}"/>
+              </a:ext>
+            </a:extLst>
+          </p:cNvPr>
+          <p:cNvSpPr>
+            <a:spLocks noGrp="1"/>
+          </p:cNvSpPr>
+          <p:nvPr>
+            <p:ph idx="1"/>
+          </p:nvPr>
+        </p:nvSpPr>
+        <p:spPr>
+          <a:xfrm>
+            <a:off x="1136428" y="1750094"/>
+            <a:ext cx="6467867" cy="3450613"/>
+          </a:xfrm>
+        </p:spPr>
+        <p:txBody>
+          <a:bodyPr anchor="ctr">
+            <a:normAutofit/>
+          </a:bodyPr>
+          <a:lstStyle/>
+          <a:p>
+            <a:r>
+              <a:rPr lang="es-ES" sz="2400" i="1" dirty="0" err="1"/>
+              <a:t>Based</a:t>
+            </a:r>
+            <a:r>
+              <a:rPr lang="es-ES" sz="2400" i="1" dirty="0"/>
+              <a:t> on </a:t>
+            </a:r>
+            <a:r>
+              <a:rPr lang="es-ES" sz="2400" i="1" dirty="0" err="1"/>
+              <a:t>Microsoft.Extension.Configuration</a:t>
+            </a:r>
+            <a:endParaRPr lang="es-ES" sz="2400" i="1" dirty="0"/>
+          </a:p>
+          <a:p>
+            <a:pPr lvl="1"/>
+            <a:r>
+              <a:rPr lang="es-ES" sz="1600" i="1" dirty="0" err="1"/>
+              <a:t>Json</a:t>
+            </a:r>
+            <a:r>
+              <a:rPr lang="es-ES" sz="1600" i="1" dirty="0"/>
+              <a:t>, Environment variables etc.</a:t>
+            </a:r>
+          </a:p>
+          <a:p>
+            <a:pPr lvl="1"/>
+            <a:r>
+              <a:rPr lang="es-ES" sz="1600" i="1" dirty="0"/>
+              <a:t>Azure App </a:t>
+            </a:r>
+            <a:r>
+              <a:rPr lang="es-ES" sz="1600" i="1" dirty="0" err="1"/>
+              <a:t>Configuration</a:t>
+            </a:r>
+            <a:r>
+              <a:rPr lang="es-ES" sz="1600" i="1" dirty="0"/>
+              <a:t> Service </a:t>
+            </a:r>
+            <a:r>
+              <a:rPr lang="es-ES" sz="1600" i="1" dirty="0" err="1"/>
+              <a:t>aware</a:t>
+            </a:r>
+            <a:r>
+              <a:rPr lang="es-ES" sz="1600" i="1" dirty="0"/>
+              <a:t>.</a:t>
+            </a:r>
+          </a:p>
+          <a:p>
+            <a:pPr lvl="1"/>
+            <a:r>
+              <a:rPr lang="es-ES" sz="1600" i="1" dirty="0"/>
+              <a:t>Ideal for Simple Apps</a:t>
+            </a:r>
+          </a:p>
+          <a:p>
+            <a:r>
+              <a:rPr lang="es-ES" sz="2000" i="1" dirty="0" err="1"/>
+              <a:t>Can’t</a:t>
+            </a:r>
+            <a:r>
+              <a:rPr lang="es-ES" sz="2000" i="1" dirty="0"/>
+              <a:t> be </a:t>
+            </a:r>
+            <a:r>
+              <a:rPr lang="es-ES" sz="2000" i="1" dirty="0" err="1"/>
+              <a:t>integrated</a:t>
+            </a:r>
+            <a:r>
+              <a:rPr lang="es-ES" sz="2000" i="1" dirty="0"/>
+              <a:t> with </a:t>
+            </a:r>
+            <a:r>
+              <a:rPr lang="es-ES" sz="2000" i="1" dirty="0" err="1"/>
+              <a:t>release</a:t>
+            </a:r>
+            <a:r>
+              <a:rPr lang="es-ES" sz="2000" i="1" dirty="0"/>
+              <a:t> pipelines </a:t>
+            </a:r>
+            <a:r>
+              <a:rPr lang="es-ES" sz="2000" i="1" dirty="0" err="1"/>
+              <a:t>easly</a:t>
+            </a:r>
+            <a:r>
+              <a:rPr lang="es-ES" sz="2000" i="1" dirty="0"/>
+              <a:t>.</a:t>
+            </a:r>
+          </a:p>
+          <a:p>
+            <a:r>
+              <a:rPr lang="es-ES" sz="2000" i="1" dirty="0" err="1"/>
+              <a:t>Hard</a:t>
+            </a:r>
+            <a:r>
+              <a:rPr lang="es-ES" sz="2000" i="1" dirty="0"/>
+              <a:t> to </a:t>
+            </a:r>
+            <a:r>
+              <a:rPr lang="es-ES" sz="2000" i="1" dirty="0" err="1"/>
+              <a:t>maintain</a:t>
+            </a:r>
+            <a:r>
+              <a:rPr lang="es-ES" sz="2000" i="1" dirty="0"/>
+              <a:t> for </a:t>
+            </a:r>
+            <a:r>
+              <a:rPr lang="es-ES" sz="2000" i="1" dirty="0" err="1"/>
+              <a:t>multiple</a:t>
+            </a:r>
+            <a:r>
+              <a:rPr lang="es-ES" sz="2000" i="1" dirty="0"/>
+              <a:t> </a:t>
+            </a:r>
+            <a:r>
+              <a:rPr lang="es-ES" sz="2000" i="1" dirty="0" err="1"/>
+              <a:t>products</a:t>
+            </a:r>
+            <a:r>
+              <a:rPr lang="es-ES" sz="2000" i="1" dirty="0"/>
+              <a:t> / </a:t>
+            </a:r>
+            <a:r>
+              <a:rPr lang="es-ES" sz="2000" i="1" dirty="0" err="1"/>
+              <a:t>flags</a:t>
+            </a:r>
+            <a:r>
+              <a:rPr lang="es-ES" sz="2000" i="1" dirty="0"/>
+              <a:t> / </a:t>
+            </a:r>
+            <a:r>
+              <a:rPr lang="es-ES" sz="2000" i="1" dirty="0" err="1"/>
+              <a:t>toggles</a:t>
+            </a:r>
+            <a:r>
+              <a:rPr lang="es-ES" sz="2000" i="1" dirty="0"/>
+              <a:t>.</a:t>
+            </a:r>
+          </a:p>
+          <a:p>
+            <a:pPr marL="0" indent="0">
+              <a:buNone/>
+            </a:pPr>
+            <a:endParaRPr lang="es-ES" sz="2000" i="1" dirty="0"/>
+          </a:p>
+        </p:txBody>
+      </p:sp>
     </p:spTree>
     <p:extLst>
       <p:ext uri="{BB962C8B-B14F-4D97-AF65-F5344CB8AC3E}">
-        <p14:creationId xmlns:p14="http://schemas.microsoft.com/office/powerpoint/2010/main" val="1736611946"/>
+        <p14:creationId xmlns:p14="http://schemas.microsoft.com/office/powerpoint/2010/main" val="2986957493"/>
       </p:ext>
     </p:extLst>
   </p:cSld>
@@ -9572,7 +9661,15 @@
             </a:r>
             <a:r>
               <a:rPr lang="es-ES" dirty="0"/>
-              <a:t> UI</a:t>
+              <a:t> </a:t>
+            </a:r>
+            <a:r>
+              <a:rPr lang="es-ES" dirty="0" err="1"/>
+              <a:t>Configuration</a:t>
+            </a:r>
+            <a:r>
+              <a:rPr lang="es-ES" dirty="0"/>
+              <a:t> Store</a:t>
             </a:r>
           </a:p>
         </p:txBody>
@@ -9741,261 +9838,40 @@
           </a:prstGeom>
         </p:spPr>
       </p:pic>
-      <p:sp>
-        <p:nvSpPr>
-          <p:cNvPr id="13" name="Content Placeholder 2">
-            <a:extLst>
-              <a:ext uri="{FF2B5EF4-FFF2-40B4-BE49-F238E27FC236}">
-                <a16:creationId xmlns:a16="http://schemas.microsoft.com/office/drawing/2014/main" id="{E2C51F17-13DC-4F64-BCEF-91C2F0AFCBF4}"/>
-              </a:ext>
-            </a:extLst>
-          </p:cNvPr>
-          <p:cNvSpPr>
-            <a:spLocks noGrp="1"/>
-          </p:cNvSpPr>
-          <p:nvPr>
-            <p:ph idx="1"/>
-          </p:nvPr>
-        </p:nvSpPr>
-        <p:spPr>
-          <a:xfrm>
-            <a:off x="1136428" y="1750094"/>
-            <a:ext cx="7297358" cy="3567630"/>
-          </a:xfrm>
-        </p:spPr>
-        <p:txBody>
-          <a:bodyPr anchor="ctr">
-            <a:normAutofit/>
-          </a:bodyPr>
-          <a:lstStyle/>
-          <a:p>
-            <a:r>
-              <a:rPr lang="es-ES" sz="2400" i="1" dirty="0"/>
-              <a:t>Web App </a:t>
-            </a:r>
-            <a:r>
-              <a:rPr lang="es-ES" sz="2400" i="1" dirty="0" err="1"/>
-              <a:t>to</a:t>
-            </a:r>
-            <a:r>
-              <a:rPr lang="es-ES" sz="2400" i="1" dirty="0"/>
-              <a:t> </a:t>
-            </a:r>
-            <a:r>
-              <a:rPr lang="es-ES" sz="2400" i="1" dirty="0" err="1"/>
-              <a:t>manage</a:t>
-            </a:r>
-            <a:r>
-              <a:rPr lang="es-ES" sz="2400" i="1" dirty="0"/>
-              <a:t> </a:t>
-            </a:r>
-            <a:r>
-              <a:rPr lang="es-ES" sz="2400" i="1" dirty="0" err="1"/>
-              <a:t>Feature</a:t>
-            </a:r>
-            <a:r>
-              <a:rPr lang="es-ES" sz="2400" i="1" dirty="0"/>
-              <a:t> / </a:t>
-            </a:r>
-            <a:r>
-              <a:rPr lang="es-ES" sz="2400" i="1" dirty="0" err="1"/>
-              <a:t>Toggle</a:t>
-            </a:r>
-            <a:r>
-              <a:rPr lang="es-ES" sz="2400" i="1" dirty="0"/>
-              <a:t> / </a:t>
-            </a:r>
-            <a:r>
-              <a:rPr lang="es-ES" sz="2400" i="1" dirty="0" err="1"/>
-              <a:t>Parameters</a:t>
-            </a:r>
-            <a:r>
-              <a:rPr lang="es-ES" sz="2400" i="1" dirty="0"/>
-              <a:t> </a:t>
-            </a:r>
-            <a:r>
-              <a:rPr lang="es-ES" sz="2400" i="1" dirty="0" err="1"/>
-              <a:t>using</a:t>
-            </a:r>
-            <a:r>
-              <a:rPr lang="es-ES" sz="2400" i="1" dirty="0"/>
-              <a:t> </a:t>
-            </a:r>
-            <a:r>
-              <a:rPr lang="es-ES" sz="2400" i="1" dirty="0" err="1"/>
-              <a:t>the</a:t>
-            </a:r>
-            <a:r>
-              <a:rPr lang="es-ES" sz="2400" i="1" dirty="0"/>
-              <a:t> </a:t>
-            </a:r>
-            <a:r>
-              <a:rPr lang="es-ES" sz="2400" i="1" dirty="0" err="1"/>
-              <a:t>Entity</a:t>
-            </a:r>
-            <a:r>
-              <a:rPr lang="es-ES" sz="2400" i="1" dirty="0"/>
-              <a:t> Framework Store.</a:t>
-            </a:r>
-          </a:p>
-          <a:p>
-            <a:r>
-              <a:rPr lang="es-ES" sz="2400" i="1" dirty="0" err="1"/>
-              <a:t>Expose</a:t>
-            </a:r>
-            <a:r>
-              <a:rPr lang="es-ES" sz="2400" i="1" dirty="0"/>
-              <a:t> HTTP API for </a:t>
-            </a:r>
-            <a:r>
-              <a:rPr lang="es-ES" sz="2400" i="1" dirty="0" err="1"/>
-              <a:t>third</a:t>
-            </a:r>
-            <a:r>
-              <a:rPr lang="es-ES" sz="2400" i="1" dirty="0"/>
-              <a:t> </a:t>
-            </a:r>
-            <a:r>
-              <a:rPr lang="es-ES" sz="2400" i="1" dirty="0" err="1"/>
-              <a:t>party</a:t>
-            </a:r>
-            <a:r>
-              <a:rPr lang="es-ES" sz="2400" i="1" dirty="0"/>
-              <a:t> </a:t>
-            </a:r>
-            <a:r>
-              <a:rPr lang="es-ES" sz="2400" i="1" dirty="0" err="1"/>
-              <a:t>tools</a:t>
-            </a:r>
-            <a:r>
-              <a:rPr lang="es-ES" sz="2400" i="1" dirty="0"/>
-              <a:t> </a:t>
-            </a:r>
-            <a:r>
-              <a:rPr lang="es-ES" sz="2400" i="1" dirty="0" err="1"/>
-              <a:t>like</a:t>
-            </a:r>
-            <a:r>
-              <a:rPr lang="es-ES" sz="2400" i="1" dirty="0"/>
-              <a:t> Azure DevOps </a:t>
-            </a:r>
-            <a:r>
-              <a:rPr lang="es-ES" sz="2400" i="1" dirty="0" err="1"/>
-              <a:t>release</a:t>
-            </a:r>
-            <a:r>
-              <a:rPr lang="es-ES" sz="2400" i="1" dirty="0"/>
-              <a:t> </a:t>
-            </a:r>
-            <a:r>
-              <a:rPr lang="es-ES" sz="2400" i="1" dirty="0" err="1"/>
-              <a:t>tasks</a:t>
-            </a:r>
-            <a:r>
-              <a:rPr lang="es-ES" sz="2400" i="1" dirty="0"/>
-              <a:t>.</a:t>
-            </a:r>
-          </a:p>
-          <a:p>
-            <a:r>
-              <a:rPr lang="es-ES" sz="2400" i="1" dirty="0" err="1"/>
-              <a:t>Secured</a:t>
-            </a:r>
-            <a:r>
-              <a:rPr lang="es-ES" sz="2400" i="1" dirty="0"/>
-              <a:t> </a:t>
-            </a:r>
-            <a:r>
-              <a:rPr lang="es-ES" sz="2400" i="1" dirty="0" err="1"/>
-              <a:t>with</a:t>
-            </a:r>
-            <a:r>
-              <a:rPr lang="es-ES" sz="2400" i="1" dirty="0"/>
-              <a:t> </a:t>
-            </a:r>
-            <a:r>
-              <a:rPr lang="es-ES" sz="2400" i="1" dirty="0" err="1"/>
-              <a:t>OpenIdConnect</a:t>
-            </a:r>
-            <a:r>
-              <a:rPr lang="es-ES" sz="2400" i="1" dirty="0"/>
-              <a:t> and API Key</a:t>
-            </a:r>
-          </a:p>
-          <a:p>
-            <a:r>
-              <a:rPr lang="es-ES" sz="2400" i="1" dirty="0" err="1"/>
-              <a:t>Extend</a:t>
-            </a:r>
-            <a:r>
-              <a:rPr lang="es-ES" sz="2400" i="1" dirty="0"/>
-              <a:t> </a:t>
-            </a:r>
-            <a:r>
-              <a:rPr lang="es-ES" sz="2400" i="1" dirty="0" err="1"/>
-              <a:t>configuration</a:t>
-            </a:r>
-            <a:r>
-              <a:rPr lang="es-ES" sz="2400" i="1" dirty="0"/>
-              <a:t> store </a:t>
-            </a:r>
-            <a:r>
-              <a:rPr lang="es-ES" sz="2400" i="1" dirty="0" err="1"/>
-              <a:t>with</a:t>
-            </a:r>
-            <a:r>
-              <a:rPr lang="es-ES" sz="2400" i="1" dirty="0"/>
-              <a:t> new </a:t>
-            </a:r>
-            <a:r>
-              <a:rPr lang="es-ES" sz="2400" i="1" dirty="0" err="1"/>
-              <a:t>information</a:t>
-            </a:r>
-            <a:endParaRPr lang="es-ES" sz="2400" i="1" dirty="0"/>
-          </a:p>
-          <a:p>
-            <a:pPr lvl="1"/>
-            <a:r>
-              <a:rPr lang="es-ES" sz="2000" i="1" dirty="0" err="1"/>
-              <a:t>Feature</a:t>
-            </a:r>
-            <a:r>
-              <a:rPr lang="es-ES" sz="2000" i="1" dirty="0"/>
-              <a:t> tags</a:t>
-            </a:r>
-          </a:p>
-          <a:p>
-            <a:pPr lvl="1"/>
-            <a:r>
-              <a:rPr lang="es-ES" sz="2000" i="1" dirty="0"/>
-              <a:t>Change / </a:t>
-            </a:r>
-            <a:r>
-              <a:rPr lang="es-ES" sz="2000" i="1" dirty="0" err="1"/>
-              <a:t>Auditing</a:t>
-            </a:r>
-            <a:r>
-              <a:rPr lang="es-ES" sz="2000" i="1" dirty="0"/>
-              <a:t> </a:t>
-            </a:r>
-            <a:r>
-              <a:rPr lang="es-ES" sz="2000" i="1" dirty="0" err="1"/>
-              <a:t>History</a:t>
-            </a:r>
-            <a:endParaRPr lang="es-ES" sz="2000" i="1" dirty="0"/>
-          </a:p>
-          <a:p>
-            <a:pPr marL="0" indent="0">
-              <a:buNone/>
-            </a:pPr>
-            <a:endParaRPr lang="es-ES" sz="2000" i="1" dirty="0"/>
-          </a:p>
-        </p:txBody>
-      </p:sp>
+      <p:pic>
+        <p:nvPicPr>
+          <p:cNvPr id="9" name="Picture 8">
+            <a:extLst>
+              <a:ext uri="{FF2B5EF4-FFF2-40B4-BE49-F238E27FC236}">
+                <a16:creationId xmlns:a16="http://schemas.microsoft.com/office/drawing/2014/main" id="{D2C6A27E-FC19-4CD9-9952-99BE751FCE45}"/>
+              </a:ext>
+            </a:extLst>
+          </p:cNvPr>
+          <p:cNvPicPr>
+            <a:picLocks noChangeAspect="1"/>
+          </p:cNvPicPr>
+          <p:nvPr/>
+        </p:nvPicPr>
+        <p:blipFill>
+          <a:blip r:embed="rId3"/>
+          <a:stretch>
+            <a:fillRect/>
+          </a:stretch>
+        </p:blipFill>
+        <p:spPr>
+          <a:xfrm>
+            <a:off x="444960" y="1953127"/>
+            <a:ext cx="7620000" cy="3162300"/>
+          </a:xfrm>
+          <a:prstGeom prst="rect">
+            <a:avLst/>
+          </a:prstGeom>
+        </p:spPr>
+      </p:pic>
     </p:spTree>
     <p:extLst>
       <p:ext uri="{BB962C8B-B14F-4D97-AF65-F5344CB8AC3E}">
-        <p14:creationId xmlns:p14="http://schemas.microsoft.com/office/powerpoint/2010/main" val="2293670835"/>
+        <p14:creationId xmlns:p14="http://schemas.microsoft.com/office/powerpoint/2010/main" val="3989631533"/>
       </p:ext>
     </p:extLst>
   </p:cSld>
@@ -10032,6 +9908,61 @@
       </p:grpSpPr>
       <p:sp>
         <p:nvSpPr>
+          <p:cNvPr id="2" name="Title 1">
+            <a:extLst>
+              <a:ext uri="{FF2B5EF4-FFF2-40B4-BE49-F238E27FC236}">
+                <a16:creationId xmlns:a16="http://schemas.microsoft.com/office/drawing/2014/main" id="{AFA3AD09-7FD8-4A45-AAD7-343A60A2E56F}"/>
+              </a:ext>
+            </a:extLst>
+          </p:cNvPr>
+          <p:cNvSpPr>
+            <a:spLocks noGrp="1"/>
+          </p:cNvSpPr>
+          <p:nvPr>
+            <p:ph type="title"/>
+          </p:nvPr>
+        </p:nvSpPr>
+        <p:spPr>
+          <a:xfrm>
+            <a:off x="1136428" y="627564"/>
+            <a:ext cx="7474172" cy="1325563"/>
+          </a:xfrm>
+        </p:spPr>
+        <p:txBody>
+          <a:bodyPr>
+            <a:normAutofit/>
+          </a:bodyPr>
+          <a:lstStyle/>
+          <a:p>
+            <a:r>
+              <a:rPr lang="es-ES" dirty="0" err="1"/>
+              <a:t>Esquio</a:t>
+            </a:r>
+            <a:r>
+              <a:rPr lang="es-ES" dirty="0"/>
+              <a:t> </a:t>
+            </a:r>
+            <a:r>
+              <a:rPr lang="es-ES" dirty="0" err="1"/>
+              <a:t>Configuration</a:t>
+            </a:r>
+            <a:r>
+              <a:rPr lang="es-ES" dirty="0"/>
+              <a:t> Store (</a:t>
+            </a:r>
+            <a:r>
+              <a:rPr lang="es-ES" dirty="0" err="1"/>
+              <a:t>Entity</a:t>
+            </a:r>
+            <a:r>
+              <a:rPr lang="es-ES" dirty="0"/>
+              <a:t> Framework Core)</a:t>
+            </a:r>
+          </a:p>
+        </p:txBody>
+      </p:sp>
+      <p:sp>
+        <p:nvSpPr>
           <p:cNvPr id="10" name="Rectangle 9">
             <a:extLst>
               <a:ext uri="{FF2B5EF4-FFF2-40B4-BE49-F238E27FC236}">
@@ -10194,40 +10125,131 @@
           </a:prstGeom>
         </p:spPr>
       </p:pic>
-      <p:pic>
-        <p:nvPicPr>
-          <p:cNvPr id="3" name="Picture 2">
-            <a:extLst>
-              <a:ext uri="{FF2B5EF4-FFF2-40B4-BE49-F238E27FC236}">
-                <a16:creationId xmlns:a16="http://schemas.microsoft.com/office/drawing/2014/main" id="{C6F33A96-9E7E-4D67-820F-DF27C3605743}"/>
-              </a:ext>
-            </a:extLst>
-          </p:cNvPr>
-          <p:cNvPicPr>
-            <a:picLocks noChangeAspect="1"/>
-          </p:cNvPicPr>
-          <p:nvPr/>
-        </p:nvPicPr>
-        <p:blipFill>
-          <a:blip r:embed="rId3"/>
-          <a:stretch>
-            <a:fillRect/>
-          </a:stretch>
-        </p:blipFill>
-        <p:spPr>
-          <a:xfrm>
-            <a:off x="20858" y="0"/>
-            <a:ext cx="12171142" cy="6858000"/>
-          </a:xfrm>
-          <a:prstGeom prst="rect">
-            <a:avLst/>
-          </a:prstGeom>
-        </p:spPr>
-      </p:pic>
+      <p:sp>
+        <p:nvSpPr>
+          <p:cNvPr id="13" name="Content Placeholder 2">
+            <a:extLst>
+              <a:ext uri="{FF2B5EF4-FFF2-40B4-BE49-F238E27FC236}">
+                <a16:creationId xmlns:a16="http://schemas.microsoft.com/office/drawing/2014/main" id="{E2C51F17-13DC-4F64-BCEF-91C2F0AFCBF4}"/>
+              </a:ext>
+            </a:extLst>
+          </p:cNvPr>
+          <p:cNvSpPr>
+            <a:spLocks noGrp="1"/>
+          </p:cNvSpPr>
+          <p:nvPr>
+            <p:ph idx="1"/>
+          </p:nvPr>
+        </p:nvSpPr>
+        <p:spPr>
+          <a:xfrm>
+            <a:off x="1136428" y="1750094"/>
+            <a:ext cx="6467867" cy="3450613"/>
+          </a:xfrm>
+        </p:spPr>
+        <p:txBody>
+          <a:bodyPr anchor="ctr">
+            <a:normAutofit/>
+          </a:bodyPr>
+          <a:lstStyle/>
+          <a:p>
+            <a:r>
+              <a:rPr lang="es-ES" sz="2400" i="1" dirty="0" err="1"/>
+              <a:t>Centralized</a:t>
+            </a:r>
+            <a:r>
+              <a:rPr lang="es-ES" sz="2400" i="1" dirty="0"/>
+              <a:t> store for </a:t>
+            </a:r>
+            <a:r>
+              <a:rPr lang="es-ES" sz="2400" i="1" dirty="0" err="1"/>
+              <a:t>multiple</a:t>
+            </a:r>
+            <a:r>
+              <a:rPr lang="es-ES" sz="2400" i="1" dirty="0"/>
+              <a:t> </a:t>
+            </a:r>
+            <a:r>
+              <a:rPr lang="es-ES" sz="2400" b="1" i="1" dirty="0" err="1"/>
+              <a:t>products</a:t>
+            </a:r>
+            <a:r>
+              <a:rPr lang="es-ES" sz="2400" b="1" i="1" dirty="0"/>
+              <a:t> </a:t>
+            </a:r>
+            <a:r>
+              <a:rPr lang="es-ES" sz="2400" i="1" dirty="0"/>
+              <a:t>using </a:t>
+            </a:r>
+            <a:r>
+              <a:rPr lang="es-ES" sz="2400" i="1" dirty="0" err="1"/>
+              <a:t>Entity</a:t>
+            </a:r>
+            <a:r>
+              <a:rPr lang="es-ES" sz="2400" i="1" dirty="0"/>
+              <a:t> Framework Core.</a:t>
+            </a:r>
+            <a:endParaRPr lang="es-ES" sz="2400" b="1" i="1" dirty="0"/>
+          </a:p>
+          <a:p>
+            <a:r>
+              <a:rPr lang="es-ES" sz="2400" b="1" i="1" dirty="0" err="1"/>
+              <a:t>Product</a:t>
+            </a:r>
+            <a:r>
+              <a:rPr lang="es-ES" sz="2400" b="1" i="1" dirty="0"/>
+              <a:t>/</a:t>
+            </a:r>
+            <a:r>
+              <a:rPr lang="es-ES" sz="2400" b="1" i="1" dirty="0" err="1"/>
+              <a:t>Feature</a:t>
+            </a:r>
+            <a:r>
+              <a:rPr lang="es-ES" sz="2400" b="1" i="1" dirty="0"/>
+              <a:t>/</a:t>
+            </a:r>
+            <a:r>
+              <a:rPr lang="es-ES" sz="2400" b="1" i="1" dirty="0" err="1"/>
+              <a:t>Toggle</a:t>
+            </a:r>
+            <a:r>
+              <a:rPr lang="es-ES" sz="2400" b="1" i="1" dirty="0"/>
+              <a:t> </a:t>
+            </a:r>
+            <a:r>
+              <a:rPr lang="es-ES" sz="2400" i="1" dirty="0"/>
+              <a:t>can be extended </a:t>
+            </a:r>
+            <a:r>
+              <a:rPr lang="es-ES" sz="2400" i="1" dirty="0" err="1"/>
+              <a:t>with</a:t>
+            </a:r>
+            <a:r>
+              <a:rPr lang="es-ES" sz="2400" i="1" dirty="0"/>
+              <a:t> new data.</a:t>
+            </a:r>
+          </a:p>
+          <a:p>
+            <a:r>
+              <a:rPr lang="es-ES" sz="2400" i="1" dirty="0"/>
+              <a:t>Easy to </a:t>
+            </a:r>
+            <a:r>
+              <a:rPr lang="es-ES" sz="2400" i="1" dirty="0" err="1"/>
+              <a:t>integrate</a:t>
+            </a:r>
+            <a:r>
+              <a:rPr lang="es-ES" sz="2400" i="1" dirty="0"/>
+              <a:t>.</a:t>
+            </a:r>
+            <a:endParaRPr lang="es-ES" sz="2000" i="1" dirty="0"/>
+          </a:p>
+        </p:txBody>
+      </p:sp>
     </p:spTree>
     <p:extLst>
       <p:ext uri="{BB962C8B-B14F-4D97-AF65-F5344CB8AC3E}">
-        <p14:creationId xmlns:p14="http://schemas.microsoft.com/office/powerpoint/2010/main" val="2385487576"/>
+        <p14:creationId xmlns:p14="http://schemas.microsoft.com/office/powerpoint/2010/main" val="3436313732"/>
       </p:ext>
     </p:extLst>
   </p:cSld>
@@ -10240,6 +10262,14 @@
 <file path=ppt/slides/slide27.xml><?xml version="1.0" encoding="utf-8"?>
 <p:sld xmlns:a="http://schemas.openxmlformats.org/drawingml/2006/main" xmlns:r="http://schemas.openxmlformats.org/officeDocument/2006/relationships" xmlns:p="http://schemas.openxmlformats.org/presentationml/2006/main">
   <p:cSld>
+    <p:bg>
+      <p:bgPr>
+        <a:solidFill>
+          <a:schemeClr val="bg1"/>
+        </a:solidFill>
+        <a:effectLst/>
+      </p:bgPr>
+    </p:bg>
     <p:spTree>
       <p:nvGrpSpPr>
         <p:cNvPr id="1" name=""/>
@@ -10259,7 +10289,7 @@
           <p:cNvPr id="2" name="Title 1">
             <a:extLst>
               <a:ext uri="{FF2B5EF4-FFF2-40B4-BE49-F238E27FC236}">
-                <a16:creationId xmlns:a16="http://schemas.microsoft.com/office/drawing/2014/main" id="{77C820F3-4A66-4AD9-87A8-2CE6DB0780C2}"/>
+                <a16:creationId xmlns:a16="http://schemas.microsoft.com/office/drawing/2014/main" id="{AFA3AD09-7FD8-4A45-AAD7-343A60A2E56F}"/>
               </a:ext>
             </a:extLst>
           </p:cNvPr>
@@ -10270,46 +10300,186 @@
             <p:ph type="title"/>
           </p:nvPr>
         </p:nvSpPr>
-        <p:spPr/>
-        <p:txBody>
-          <a:bodyPr/>
-          <a:lstStyle/>
-          <a:p>
-            <a:endParaRPr lang="es-ES"/>
-          </a:p>
-        </p:txBody>
-      </p:sp>
-      <p:sp>
-        <p:nvSpPr>
-          <p:cNvPr id="3" name="Content Placeholder 2">
-            <a:extLst>
-              <a:ext uri="{FF2B5EF4-FFF2-40B4-BE49-F238E27FC236}">
-                <a16:creationId xmlns:a16="http://schemas.microsoft.com/office/drawing/2014/main" id="{5988E06E-9AEF-4298-BB31-D14C5E05A2C3}"/>
-              </a:ext>
-            </a:extLst>
-          </p:cNvPr>
-          <p:cNvSpPr>
-            <a:spLocks noGrp="1"/>
-          </p:cNvSpPr>
-          <p:nvPr>
-            <p:ph idx="1"/>
-          </p:nvPr>
-        </p:nvSpPr>
-        <p:spPr/>
-        <p:txBody>
-          <a:bodyPr/>
-          <a:lstStyle/>
-          <a:p>
-            <a:endParaRPr lang="es-ES" dirty="0"/>
+        <p:spPr>
+          <a:xfrm>
+            <a:off x="1136428" y="627564"/>
+            <a:ext cx="7474172" cy="1325563"/>
+          </a:xfrm>
+        </p:spPr>
+        <p:txBody>
+          <a:bodyPr>
+            <a:normAutofit/>
+          </a:bodyPr>
+          <a:lstStyle/>
+          <a:p>
+            <a:r>
+              <a:rPr lang="es-ES" dirty="0" err="1"/>
+              <a:t>Esquio</a:t>
+            </a:r>
+            <a:r>
+              <a:rPr lang="es-ES" dirty="0"/>
+              <a:t> </a:t>
+            </a:r>
+            <a:r>
+              <a:rPr lang="es-ES" dirty="0" err="1"/>
+              <a:t>Configuration</a:t>
+            </a:r>
+            <a:r>
+              <a:rPr lang="es-ES" dirty="0"/>
+              <a:t> Store</a:t>
+            </a:r>
+            <a:br>
+              <a:rPr lang="es-ES" dirty="0"/>
+            </a:br>
+            <a:r>
+              <a:rPr lang="es-ES" dirty="0"/>
+              <a:t>(</a:t>
+            </a:r>
+            <a:r>
+              <a:rPr lang="es-ES" dirty="0" err="1"/>
+              <a:t>Entity</a:t>
+            </a:r>
+            <a:r>
+              <a:rPr lang="es-ES" dirty="0"/>
+              <a:t> Framework Core)</a:t>
+            </a:r>
+          </a:p>
+        </p:txBody>
+      </p:sp>
+      <p:sp>
+        <p:nvSpPr>
+          <p:cNvPr id="10" name="Rectangle 9">
+            <a:extLst>
+              <a:ext uri="{FF2B5EF4-FFF2-40B4-BE49-F238E27FC236}">
+                <a16:creationId xmlns:a16="http://schemas.microsoft.com/office/drawing/2014/main" id="{59A309A7-1751-4ABE-A3C1-EEC40366AD89}"/>
+              </a:ext>
+              <a:ext uri="{C183D7F6-B498-43B3-948B-1728B52AA6E4}">
+                <adec:decorative xmlns:adec="http://schemas.microsoft.com/office/drawing/2017/decorative" val="1"/>
+              </a:ext>
+            </a:extLst>
+          </p:cNvPr>
+          <p:cNvSpPr>
+            <a:spLocks noGrp="1" noRot="1" noChangeAspect="1" noMove="1" noResize="1" noEditPoints="1" noAdjustHandles="1" noChangeArrowheads="1" noChangeShapeType="1" noTextEdit="1"/>
+          </p:cNvSpPr>
+          <p:nvPr>
+            <p:extLst>
+              <p:ext uri="{386F3935-93C4-4BCD-93E2-E3B085C9AB24}">
+                <p16:designElem xmlns:p16="http://schemas.microsoft.com/office/powerpoint/2015/main" val="1"/>
+              </p:ext>
+            </p:extLst>
+          </p:nvPr>
+        </p:nvSpPr>
+        <p:spPr>
+          <a:xfrm>
+            <a:off x="10088880" y="0"/>
+            <a:ext cx="2103120" cy="6858000"/>
+          </a:xfrm>
+          <a:prstGeom prst="rect">
+            <a:avLst/>
+          </a:prstGeom>
+          <a:solidFill>
+            <a:srgbClr val="1A5159"/>
+          </a:solidFill>
+          <a:ln>
+            <a:noFill/>
+          </a:ln>
+        </p:spPr>
+        <p:style>
+          <a:lnRef idx="2">
+            <a:schemeClr val="accent1">
+              <a:shade val="50000"/>
+            </a:schemeClr>
+          </a:lnRef>
+          <a:fillRef idx="1">
+            <a:schemeClr val="accent1"/>
+          </a:fillRef>
+          <a:effectRef idx="0">
+            <a:schemeClr val="accent1"/>
+          </a:effectRef>
+          <a:fontRef idx="minor">
+            <a:schemeClr val="lt1"/>
+          </a:fontRef>
+        </p:style>
+        <p:txBody>
+          <a:bodyPr rtlCol="0" anchor="ctr"/>
+          <a:lstStyle/>
+          <a:p>
+            <a:pPr algn="ctr"/>
+            <a:endParaRPr lang="en-US"/>
+          </a:p>
+        </p:txBody>
+      </p:sp>
+      <p:sp>
+        <p:nvSpPr>
+          <p:cNvPr id="12" name="Oval 11">
+            <a:extLst>
+              <a:ext uri="{FF2B5EF4-FFF2-40B4-BE49-F238E27FC236}">
+                <a16:creationId xmlns:a16="http://schemas.microsoft.com/office/drawing/2014/main" id="{967D8EB6-EAE1-4F9C-B398-83321E287204}"/>
+              </a:ext>
+              <a:ext uri="{C183D7F6-B498-43B3-948B-1728B52AA6E4}">
+                <adec:decorative xmlns:adec="http://schemas.microsoft.com/office/drawing/2017/decorative" val="1"/>
+              </a:ext>
+            </a:extLst>
+          </p:cNvPr>
+          <p:cNvSpPr>
+            <a:spLocks noGrp="1" noRot="1" noChangeAspect="1" noMove="1" noResize="1" noEditPoints="1" noAdjustHandles="1" noChangeArrowheads="1" noChangeShapeType="1" noTextEdit="1"/>
+          </p:cNvSpPr>
+          <p:nvPr>
+            <p:extLst>
+              <p:ext uri="{386F3935-93C4-4BCD-93E2-E3B085C9AB24}">
+                <p16:designElem xmlns:p16="http://schemas.microsoft.com/office/powerpoint/2015/main" val="1"/>
+              </p:ext>
+            </p:extLst>
+          </p:nvPr>
+        </p:nvSpPr>
+        <p:spPr>
+          <a:xfrm>
+            <a:off x="8915400" y="2358913"/>
+            <a:ext cx="2140172" cy="2140172"/>
+          </a:xfrm>
+          <a:prstGeom prst="ellipse">
+            <a:avLst/>
+          </a:prstGeom>
+          <a:solidFill>
+            <a:srgbClr val="FFFFFF"/>
+          </a:solidFill>
+          <a:ln w="22225">
+            <a:solidFill>
+              <a:srgbClr val="D5A556"/>
+            </a:solidFill>
+          </a:ln>
+        </p:spPr>
+        <p:style>
+          <a:lnRef idx="2">
+            <a:schemeClr val="accent1">
+              <a:shade val="50000"/>
+            </a:schemeClr>
+          </a:lnRef>
+          <a:fillRef idx="1">
+            <a:schemeClr val="accent1"/>
+          </a:fillRef>
+          <a:effectRef idx="0">
+            <a:schemeClr val="accent1"/>
+          </a:effectRef>
+          <a:fontRef idx="minor">
+            <a:schemeClr val="lt1"/>
+          </a:fontRef>
+        </p:style>
+        <p:txBody>
+          <a:bodyPr rtlCol="0" anchor="ctr"/>
+          <a:lstStyle/>
+          <a:p>
+            <a:pPr algn="ctr"/>
+            <a:endParaRPr lang="en-US"/>
           </a:p>
         </p:txBody>
       </p:sp>
       <p:pic>
         <p:nvPicPr>
-          <p:cNvPr id="4" name="Picture 3">
-            <a:extLst>
-              <a:ext uri="{FF2B5EF4-FFF2-40B4-BE49-F238E27FC236}">
-                <a16:creationId xmlns:a16="http://schemas.microsoft.com/office/drawing/2014/main" id="{CEDF0D01-FAC9-4EEA-8DA4-3E214162A50B}"/>
+          <p:cNvPr id="5" name="Picture 4" descr="A picture containing clipart&#10;&#10;Description automatically generated">
+            <a:extLst>
+              <a:ext uri="{FF2B5EF4-FFF2-40B4-BE49-F238E27FC236}">
+                <a16:creationId xmlns:a16="http://schemas.microsoft.com/office/drawing/2014/main" id="{4B98002B-827A-4805-ABAA-5A4E3B5F2B28}"/>
               </a:ext>
             </a:extLst>
           </p:cNvPr>
@@ -10319,15 +10489,51 @@
           <p:nvPr/>
         </p:nvPicPr>
         <p:blipFill>
-          <a:blip r:embed="rId2"/>
+          <a:blip r:embed="rId2">
+            <a:extLst>
+              <a:ext uri="{28A0092B-C50C-407E-A947-70E740481C1C}">
+                <a14:useLocalDpi xmlns:a14="http://schemas.microsoft.com/office/drawing/2010/main" val="0"/>
+              </a:ext>
+            </a:extLst>
+          </a:blip>
           <a:stretch>
             <a:fillRect/>
           </a:stretch>
         </p:blipFill>
         <p:spPr>
           <a:xfrm>
-            <a:off x="0" y="-1"/>
-            <a:ext cx="12192000" cy="6858001"/>
+            <a:off x="9606868" y="2857501"/>
+            <a:ext cx="757236" cy="1142998"/>
+          </a:xfrm>
+          <a:prstGeom prst="rect">
+            <a:avLst/>
+          </a:prstGeom>
+        </p:spPr>
+      </p:pic>
+      <p:pic>
+        <p:nvPicPr>
+          <p:cNvPr id="7" name="Picture 6">
+            <a:extLst>
+              <a:ext uri="{FF2B5EF4-FFF2-40B4-BE49-F238E27FC236}">
+                <a16:creationId xmlns:a16="http://schemas.microsoft.com/office/drawing/2014/main" id="{B9C8DDDB-F364-4A44-9F91-6D94F9397421}"/>
+              </a:ext>
+            </a:extLst>
+          </p:cNvPr>
+          <p:cNvPicPr>
+            <a:picLocks noChangeAspect="1"/>
+          </p:cNvPicPr>
+          <p:nvPr/>
+        </p:nvPicPr>
+        <p:blipFill>
+          <a:blip r:embed="rId3"/>
+          <a:stretch>
+            <a:fillRect/>
+          </a:stretch>
+        </p:blipFill>
+        <p:spPr>
+          <a:xfrm>
+            <a:off x="96640" y="2358913"/>
+            <a:ext cx="8713985" cy="2354475"/>
           </a:xfrm>
           <a:prstGeom prst="rect">
             <a:avLst/>
@@ -10337,7 +10543,7 @@
     </p:spTree>
     <p:extLst>
       <p:ext uri="{BB962C8B-B14F-4D97-AF65-F5344CB8AC3E}">
-        <p14:creationId xmlns:p14="http://schemas.microsoft.com/office/powerpoint/2010/main" val="3085403622"/>
+        <p14:creationId xmlns:p14="http://schemas.microsoft.com/office/powerpoint/2010/main" val="1736611946"/>
       </p:ext>
     </p:extLst>
   </p:cSld>
@@ -10350,6 +10556,14 @@
 <file path=ppt/slides/slide28.xml><?xml version="1.0" encoding="utf-8"?>
 <p:sld xmlns:a="http://schemas.openxmlformats.org/drawingml/2006/main" xmlns:r="http://schemas.openxmlformats.org/officeDocument/2006/relationships" xmlns:p="http://schemas.openxmlformats.org/presentationml/2006/main">
   <p:cSld>
+    <p:bg>
+      <p:bgPr>
+        <a:solidFill>
+          <a:schemeClr val="bg1"/>
+        </a:solidFill>
+        <a:effectLst/>
+      </p:bgPr>
+    </p:bg>
     <p:spTree>
       <p:nvGrpSpPr>
         <p:cNvPr id="1" name=""/>
@@ -10369,7 +10583,7 @@
           <p:cNvPr id="2" name="Title 1">
             <a:extLst>
               <a:ext uri="{FF2B5EF4-FFF2-40B4-BE49-F238E27FC236}">
-                <a16:creationId xmlns:a16="http://schemas.microsoft.com/office/drawing/2014/main" id="{C5F83A95-79F0-495D-B756-8FC9C567A10B}"/>
+                <a16:creationId xmlns:a16="http://schemas.microsoft.com/office/drawing/2014/main" id="{AFA3AD09-7FD8-4A45-AAD7-343A60A2E56F}"/>
               </a:ext>
             </a:extLst>
           </p:cNvPr>
@@ -10380,46 +10594,163 @@
             <p:ph type="title"/>
           </p:nvPr>
         </p:nvSpPr>
-        <p:spPr/>
-        <p:txBody>
-          <a:bodyPr/>
-          <a:lstStyle/>
-          <a:p>
-            <a:endParaRPr lang="es-ES"/>
-          </a:p>
-        </p:txBody>
-      </p:sp>
-      <p:sp>
-        <p:nvSpPr>
-          <p:cNvPr id="3" name="Content Placeholder 2">
-            <a:extLst>
-              <a:ext uri="{FF2B5EF4-FFF2-40B4-BE49-F238E27FC236}">
-                <a16:creationId xmlns:a16="http://schemas.microsoft.com/office/drawing/2014/main" id="{CECE9B75-B489-4D45-BC58-9111632F5A5B}"/>
-              </a:ext>
-            </a:extLst>
-          </p:cNvPr>
-          <p:cNvSpPr>
-            <a:spLocks noGrp="1"/>
-          </p:cNvSpPr>
-          <p:nvPr>
-            <p:ph idx="1"/>
-          </p:nvPr>
-        </p:nvSpPr>
-        <p:spPr/>
-        <p:txBody>
-          <a:bodyPr/>
-          <a:lstStyle/>
-          <a:p>
-            <a:endParaRPr lang="es-ES"/>
+        <p:spPr>
+          <a:xfrm>
+            <a:off x="1136428" y="627564"/>
+            <a:ext cx="7474172" cy="1325563"/>
+          </a:xfrm>
+        </p:spPr>
+        <p:txBody>
+          <a:bodyPr>
+            <a:normAutofit/>
+          </a:bodyPr>
+          <a:lstStyle/>
+          <a:p>
+            <a:r>
+              <a:rPr lang="es-ES" dirty="0" err="1"/>
+              <a:t>Esquio</a:t>
+            </a:r>
+            <a:r>
+              <a:rPr lang="es-ES" dirty="0"/>
+              <a:t> UI</a:t>
+            </a:r>
+          </a:p>
+        </p:txBody>
+      </p:sp>
+      <p:sp>
+        <p:nvSpPr>
+          <p:cNvPr id="10" name="Rectangle 9">
+            <a:extLst>
+              <a:ext uri="{FF2B5EF4-FFF2-40B4-BE49-F238E27FC236}">
+                <a16:creationId xmlns:a16="http://schemas.microsoft.com/office/drawing/2014/main" id="{59A309A7-1751-4ABE-A3C1-EEC40366AD89}"/>
+              </a:ext>
+              <a:ext uri="{C183D7F6-B498-43B3-948B-1728B52AA6E4}">
+                <adec:decorative xmlns:adec="http://schemas.microsoft.com/office/drawing/2017/decorative" val="1"/>
+              </a:ext>
+            </a:extLst>
+          </p:cNvPr>
+          <p:cNvSpPr>
+            <a:spLocks noGrp="1" noRot="1" noChangeAspect="1" noMove="1" noResize="1" noEditPoints="1" noAdjustHandles="1" noChangeArrowheads="1" noChangeShapeType="1" noTextEdit="1"/>
+          </p:cNvSpPr>
+          <p:nvPr>
+            <p:extLst>
+              <p:ext uri="{386F3935-93C4-4BCD-93E2-E3B085C9AB24}">
+                <p16:designElem xmlns:p16="http://schemas.microsoft.com/office/powerpoint/2015/main" val="1"/>
+              </p:ext>
+            </p:extLst>
+          </p:nvPr>
+        </p:nvSpPr>
+        <p:spPr>
+          <a:xfrm>
+            <a:off x="10088880" y="0"/>
+            <a:ext cx="2103120" cy="6858000"/>
+          </a:xfrm>
+          <a:prstGeom prst="rect">
+            <a:avLst/>
+          </a:prstGeom>
+          <a:solidFill>
+            <a:srgbClr val="1A5159"/>
+          </a:solidFill>
+          <a:ln>
+            <a:noFill/>
+          </a:ln>
+        </p:spPr>
+        <p:style>
+          <a:lnRef idx="2">
+            <a:schemeClr val="accent1">
+              <a:shade val="50000"/>
+            </a:schemeClr>
+          </a:lnRef>
+          <a:fillRef idx="1">
+            <a:schemeClr val="accent1"/>
+          </a:fillRef>
+          <a:effectRef idx="0">
+            <a:schemeClr val="accent1"/>
+          </a:effectRef>
+          <a:fontRef idx="minor">
+            <a:schemeClr val="lt1"/>
+          </a:fontRef>
+        </p:style>
+        <p:txBody>
+          <a:bodyPr rtlCol="0" anchor="ctr"/>
+          <a:lstStyle/>
+          <a:p>
+            <a:pPr algn="ctr"/>
+            <a:endParaRPr lang="en-US"/>
+          </a:p>
+        </p:txBody>
+      </p:sp>
+      <p:sp>
+        <p:nvSpPr>
+          <p:cNvPr id="12" name="Oval 11">
+            <a:extLst>
+              <a:ext uri="{FF2B5EF4-FFF2-40B4-BE49-F238E27FC236}">
+                <a16:creationId xmlns:a16="http://schemas.microsoft.com/office/drawing/2014/main" id="{967D8EB6-EAE1-4F9C-B398-83321E287204}"/>
+              </a:ext>
+              <a:ext uri="{C183D7F6-B498-43B3-948B-1728B52AA6E4}">
+                <adec:decorative xmlns:adec="http://schemas.microsoft.com/office/drawing/2017/decorative" val="1"/>
+              </a:ext>
+            </a:extLst>
+          </p:cNvPr>
+          <p:cNvSpPr>
+            <a:spLocks noGrp="1" noRot="1" noChangeAspect="1" noMove="1" noResize="1" noEditPoints="1" noAdjustHandles="1" noChangeArrowheads="1" noChangeShapeType="1" noTextEdit="1"/>
+          </p:cNvSpPr>
+          <p:nvPr>
+            <p:extLst>
+              <p:ext uri="{386F3935-93C4-4BCD-93E2-E3B085C9AB24}">
+                <p16:designElem xmlns:p16="http://schemas.microsoft.com/office/powerpoint/2015/main" val="1"/>
+              </p:ext>
+            </p:extLst>
+          </p:nvPr>
+        </p:nvSpPr>
+        <p:spPr>
+          <a:xfrm>
+            <a:off x="8915400" y="2358913"/>
+            <a:ext cx="2140172" cy="2140172"/>
+          </a:xfrm>
+          <a:prstGeom prst="ellipse">
+            <a:avLst/>
+          </a:prstGeom>
+          <a:solidFill>
+            <a:srgbClr val="FFFFFF"/>
+          </a:solidFill>
+          <a:ln w="22225">
+            <a:solidFill>
+              <a:srgbClr val="D5A556"/>
+            </a:solidFill>
+          </a:ln>
+        </p:spPr>
+        <p:style>
+          <a:lnRef idx="2">
+            <a:schemeClr val="accent1">
+              <a:shade val="50000"/>
+            </a:schemeClr>
+          </a:lnRef>
+          <a:fillRef idx="1">
+            <a:schemeClr val="accent1"/>
+          </a:fillRef>
+          <a:effectRef idx="0">
+            <a:schemeClr val="accent1"/>
+          </a:effectRef>
+          <a:fontRef idx="minor">
+            <a:schemeClr val="lt1"/>
+          </a:fontRef>
+        </p:style>
+        <p:txBody>
+          <a:bodyPr rtlCol="0" anchor="ctr"/>
+          <a:lstStyle/>
+          <a:p>
+            <a:pPr algn="ctr"/>
+            <a:endParaRPr lang="en-US"/>
           </a:p>
         </p:txBody>
       </p:sp>
       <p:pic>
         <p:nvPicPr>
-          <p:cNvPr id="4" name="Picture 3">
-            <a:extLst>
-              <a:ext uri="{FF2B5EF4-FFF2-40B4-BE49-F238E27FC236}">
-                <a16:creationId xmlns:a16="http://schemas.microsoft.com/office/drawing/2014/main" id="{3E752EC5-ED6E-45FF-A075-28DF1EA1185E}"/>
+          <p:cNvPr id="5" name="Picture 4" descr="A picture containing clipart&#10;&#10;Description automatically generated">
+            <a:extLst>
+              <a:ext uri="{FF2B5EF4-FFF2-40B4-BE49-F238E27FC236}">
+                <a16:creationId xmlns:a16="http://schemas.microsoft.com/office/drawing/2014/main" id="{4B98002B-827A-4805-ABAA-5A4E3B5F2B28}"/>
               </a:ext>
             </a:extLst>
           </p:cNvPr>
@@ -10429,25 +10760,282 @@
           <p:nvPr/>
         </p:nvPicPr>
         <p:blipFill>
-          <a:blip r:embed="rId2"/>
+          <a:blip r:embed="rId2">
+            <a:extLst>
+              <a:ext uri="{28A0092B-C50C-407E-A947-70E740481C1C}">
+                <a14:useLocalDpi xmlns:a14="http://schemas.microsoft.com/office/drawing/2010/main" val="0"/>
+              </a:ext>
+            </a:extLst>
+          </a:blip>
           <a:stretch>
             <a:fillRect/>
           </a:stretch>
         </p:blipFill>
         <p:spPr>
           <a:xfrm>
-            <a:off x="0" y="0"/>
-            <a:ext cx="12192000" cy="6858000"/>
+            <a:off x="9606868" y="2857501"/>
+            <a:ext cx="757236" cy="1142998"/>
           </a:xfrm>
           <a:prstGeom prst="rect">
             <a:avLst/>
           </a:prstGeom>
         </p:spPr>
       </p:pic>
+      <p:sp>
+        <p:nvSpPr>
+          <p:cNvPr id="13" name="Content Placeholder 2">
+            <a:extLst>
+              <a:ext uri="{FF2B5EF4-FFF2-40B4-BE49-F238E27FC236}">
+                <a16:creationId xmlns:a16="http://schemas.microsoft.com/office/drawing/2014/main" id="{E2C51F17-13DC-4F64-BCEF-91C2F0AFCBF4}"/>
+              </a:ext>
+            </a:extLst>
+          </p:cNvPr>
+          <p:cNvSpPr>
+            <a:spLocks noGrp="1"/>
+          </p:cNvSpPr>
+          <p:nvPr>
+            <p:ph idx="1"/>
+          </p:nvPr>
+        </p:nvSpPr>
+        <p:spPr>
+          <a:xfrm>
+            <a:off x="1136428" y="1750094"/>
+            <a:ext cx="7297358" cy="3567630"/>
+          </a:xfrm>
+        </p:spPr>
+        <p:txBody>
+          <a:bodyPr anchor="ctr">
+            <a:normAutofit/>
+          </a:bodyPr>
+          <a:lstStyle/>
+          <a:p>
+            <a:r>
+              <a:rPr lang="es-ES" sz="2400" i="1" dirty="0"/>
+              <a:t>Web App </a:t>
+            </a:r>
+            <a:r>
+              <a:rPr lang="es-ES" sz="2400" i="1" dirty="0" err="1"/>
+              <a:t>to</a:t>
+            </a:r>
+            <a:r>
+              <a:rPr lang="es-ES" sz="2400" i="1" dirty="0"/>
+              <a:t> </a:t>
+            </a:r>
+            <a:r>
+              <a:rPr lang="es-ES" sz="2400" i="1" dirty="0" err="1"/>
+              <a:t>manage</a:t>
+            </a:r>
+            <a:r>
+              <a:rPr lang="es-ES" sz="2400" i="1" dirty="0"/>
+              <a:t> </a:t>
+            </a:r>
+            <a:r>
+              <a:rPr lang="es-ES" sz="2400" i="1" dirty="0" err="1"/>
+              <a:t>Feature</a:t>
+            </a:r>
+            <a:r>
+              <a:rPr lang="es-ES" sz="2400" i="1" dirty="0"/>
+              <a:t> / </a:t>
+            </a:r>
+            <a:r>
+              <a:rPr lang="es-ES" sz="2400" i="1" dirty="0" err="1"/>
+              <a:t>Toggle</a:t>
+            </a:r>
+            <a:r>
+              <a:rPr lang="es-ES" sz="2400" i="1" dirty="0"/>
+              <a:t> / </a:t>
+            </a:r>
+            <a:r>
+              <a:rPr lang="es-ES" sz="2400" i="1" dirty="0" err="1"/>
+              <a:t>Parameters</a:t>
+            </a:r>
+            <a:r>
+              <a:rPr lang="es-ES" sz="2400" i="1" dirty="0"/>
+              <a:t> </a:t>
+            </a:r>
+            <a:r>
+              <a:rPr lang="es-ES" sz="2400" i="1" dirty="0" err="1"/>
+              <a:t>using</a:t>
+            </a:r>
+            <a:r>
+              <a:rPr lang="es-ES" sz="2400" i="1" dirty="0"/>
+              <a:t> </a:t>
+            </a:r>
+            <a:r>
+              <a:rPr lang="es-ES" sz="2400" i="1" dirty="0" err="1"/>
+              <a:t>the</a:t>
+            </a:r>
+            <a:r>
+              <a:rPr lang="es-ES" sz="2400" i="1" dirty="0"/>
+              <a:t> </a:t>
+            </a:r>
+            <a:r>
+              <a:rPr lang="es-ES" sz="2400" i="1" dirty="0" err="1"/>
+              <a:t>Entity</a:t>
+            </a:r>
+            <a:r>
+              <a:rPr lang="es-ES" sz="2400" i="1" dirty="0"/>
+              <a:t> Framework Store.</a:t>
+            </a:r>
+          </a:p>
+          <a:p>
+            <a:r>
+              <a:rPr lang="es-ES" sz="2400" i="1" dirty="0" err="1"/>
+              <a:t>Expose</a:t>
+            </a:r>
+            <a:r>
+              <a:rPr lang="es-ES" sz="2400" i="1" dirty="0"/>
+              <a:t> HTTP API for </a:t>
+            </a:r>
+            <a:r>
+              <a:rPr lang="es-ES" sz="2400" i="1" dirty="0" err="1"/>
+              <a:t>third</a:t>
+            </a:r>
+            <a:r>
+              <a:rPr lang="es-ES" sz="2400" i="1" dirty="0"/>
+              <a:t> </a:t>
+            </a:r>
+            <a:r>
+              <a:rPr lang="es-ES" sz="2400" i="1" dirty="0" err="1"/>
+              <a:t>party</a:t>
+            </a:r>
+            <a:r>
+              <a:rPr lang="es-ES" sz="2400" i="1" dirty="0"/>
+              <a:t> </a:t>
+            </a:r>
+            <a:r>
+              <a:rPr lang="es-ES" sz="2400" i="1" dirty="0" err="1"/>
+              <a:t>tools</a:t>
+            </a:r>
+            <a:r>
+              <a:rPr lang="es-ES" sz="2400" i="1" dirty="0"/>
+              <a:t> </a:t>
+            </a:r>
+            <a:r>
+              <a:rPr lang="es-ES" sz="2400" i="1" dirty="0" err="1"/>
+              <a:t>like</a:t>
+            </a:r>
+            <a:r>
+              <a:rPr lang="es-ES" sz="2400" i="1" dirty="0"/>
+              <a:t> Azure DevOps </a:t>
+            </a:r>
+            <a:r>
+              <a:rPr lang="es-ES" sz="2400" i="1" dirty="0" err="1"/>
+              <a:t>release</a:t>
+            </a:r>
+            <a:r>
+              <a:rPr lang="es-ES" sz="2400" i="1" dirty="0"/>
+              <a:t> </a:t>
+            </a:r>
+            <a:r>
+              <a:rPr lang="es-ES" sz="2400" i="1" dirty="0" err="1"/>
+              <a:t>tasks</a:t>
+            </a:r>
+            <a:r>
+              <a:rPr lang="es-ES" sz="2400" i="1" dirty="0"/>
+              <a:t>.</a:t>
+            </a:r>
+          </a:p>
+          <a:p>
+            <a:r>
+              <a:rPr lang="es-ES" sz="2400" i="1" dirty="0" err="1"/>
+              <a:t>Secured</a:t>
+            </a:r>
+            <a:r>
+              <a:rPr lang="es-ES" sz="2400" i="1" dirty="0"/>
+              <a:t> </a:t>
+            </a:r>
+            <a:r>
+              <a:rPr lang="es-ES" sz="2400" i="1" dirty="0" err="1"/>
+              <a:t>with</a:t>
+            </a:r>
+            <a:r>
+              <a:rPr lang="es-ES" sz="2400" i="1" dirty="0"/>
+              <a:t> </a:t>
+            </a:r>
+            <a:r>
+              <a:rPr lang="es-ES" sz="2400" i="1" dirty="0" err="1"/>
+              <a:t>OpenIdConnect</a:t>
+            </a:r>
+            <a:r>
+              <a:rPr lang="es-ES" sz="2400" i="1" dirty="0"/>
+              <a:t> and API Key</a:t>
+            </a:r>
+          </a:p>
+          <a:p>
+            <a:r>
+              <a:rPr lang="es-ES" sz="2400" i="1" dirty="0" err="1"/>
+              <a:t>Extend</a:t>
+            </a:r>
+            <a:r>
+              <a:rPr lang="es-ES" sz="2400" i="1" dirty="0"/>
+              <a:t> </a:t>
+            </a:r>
+            <a:r>
+              <a:rPr lang="es-ES" sz="2400" i="1" dirty="0" err="1"/>
+              <a:t>configuration</a:t>
+            </a:r>
+            <a:r>
+              <a:rPr lang="es-ES" sz="2400" i="1" dirty="0"/>
+              <a:t> store </a:t>
+            </a:r>
+            <a:r>
+              <a:rPr lang="es-ES" sz="2400" i="1" dirty="0" err="1"/>
+              <a:t>with</a:t>
+            </a:r>
+            <a:r>
+              <a:rPr lang="es-ES" sz="2400" i="1" dirty="0"/>
+              <a:t> new </a:t>
+            </a:r>
+            <a:r>
+              <a:rPr lang="es-ES" sz="2400" i="1" dirty="0" err="1"/>
+              <a:t>information</a:t>
+            </a:r>
+            <a:endParaRPr lang="es-ES" sz="2400" i="1" dirty="0"/>
+          </a:p>
+          <a:p>
+            <a:pPr lvl="1"/>
+            <a:r>
+              <a:rPr lang="es-ES" sz="2000" i="1" dirty="0" err="1"/>
+              <a:t>Feature</a:t>
+            </a:r>
+            <a:r>
+              <a:rPr lang="es-ES" sz="2000" i="1" dirty="0"/>
+              <a:t> tags</a:t>
+            </a:r>
+          </a:p>
+          <a:p>
+            <a:pPr lvl="1"/>
+            <a:r>
+              <a:rPr lang="es-ES" sz="2000" i="1" dirty="0"/>
+              <a:t>Change / </a:t>
+            </a:r>
+            <a:r>
+              <a:rPr lang="es-ES" sz="2000" i="1" dirty="0" err="1"/>
+              <a:t>Auditing</a:t>
+            </a:r>
+            <a:r>
+              <a:rPr lang="es-ES" sz="2000" i="1" dirty="0"/>
+              <a:t> </a:t>
+            </a:r>
+            <a:r>
+              <a:rPr lang="es-ES" sz="2000" i="1" dirty="0" err="1"/>
+              <a:t>History</a:t>
+            </a:r>
+            <a:endParaRPr lang="es-ES" sz="2000" i="1" dirty="0"/>
+          </a:p>
+          <a:p>
+            <a:pPr marL="0" indent="0">
+              <a:buNone/>
+            </a:pPr>
+            <a:endParaRPr lang="es-ES" sz="2000" i="1" dirty="0"/>
+          </a:p>
+        </p:txBody>
+      </p:sp>
     </p:spTree>
     <p:extLst>
       <p:ext uri="{BB962C8B-B14F-4D97-AF65-F5344CB8AC3E}">
-        <p14:creationId xmlns:p14="http://schemas.microsoft.com/office/powerpoint/2010/main" val="1951544989"/>
+        <p14:creationId xmlns:p14="http://schemas.microsoft.com/office/powerpoint/2010/main" val="2293670835"/>
       </p:ext>
     </p:extLst>
   </p:cSld>
@@ -10460,6 +11048,14 @@
 <file path=ppt/slides/slide29.xml><?xml version="1.0" encoding="utf-8"?>
 <p:sld xmlns:a="http://schemas.openxmlformats.org/drawingml/2006/main" xmlns:r="http://schemas.openxmlformats.org/officeDocument/2006/relationships" xmlns:p="http://schemas.openxmlformats.org/presentationml/2006/main">
   <p:cSld>
+    <p:bg>
+      <p:bgPr>
+        <a:solidFill>
+          <a:schemeClr val="bg1"/>
+        </a:solidFill>
+        <a:effectLst/>
+      </p:bgPr>
+    </p:bg>
     <p:spTree>
       <p:nvGrpSpPr>
         <p:cNvPr id="1" name=""/>
@@ -10476,48 +11072,129 @@
       </p:grpSpPr>
       <p:sp>
         <p:nvSpPr>
-          <p:cNvPr id="2" name="Title 1">
-            <a:extLst>
-              <a:ext uri="{FF2B5EF4-FFF2-40B4-BE49-F238E27FC236}">
-                <a16:creationId xmlns:a16="http://schemas.microsoft.com/office/drawing/2014/main" id="{AFA3AD09-7FD8-4A45-AAD7-343A60A2E56F}"/>
-              </a:ext>
-            </a:extLst>
-          </p:cNvPr>
-          <p:cNvSpPr>
-            <a:spLocks noGrp="1"/>
-          </p:cNvSpPr>
-          <p:nvPr>
-            <p:ph type="title"/>
-          </p:nvPr>
-        </p:nvSpPr>
-        <p:spPr>
-          <a:xfrm>
-            <a:off x="1136428" y="627564"/>
-            <a:ext cx="7474172" cy="1325563"/>
-          </a:xfrm>
-        </p:spPr>
-        <p:txBody>
-          <a:bodyPr>
-            <a:normAutofit/>
-          </a:bodyPr>
-          <a:lstStyle/>
-          <a:p>
-            <a:r>
-              <a:rPr lang="es-ES" dirty="0" err="1"/>
-              <a:t>Esquio</a:t>
-            </a:r>
-            <a:r>
-              <a:rPr lang="es-ES" dirty="0"/>
-              <a:t> and </a:t>
-            </a:r>
-            <a:r>
-              <a:rPr lang="es-ES" dirty="0" err="1"/>
-              <a:t>Application</a:t>
-            </a:r>
-            <a:r>
-              <a:rPr lang="es-ES" dirty="0"/>
-              <a:t> Insights</a:t>
-            </a:r>
+          <p:cNvPr id="10" name="Rectangle 9">
+            <a:extLst>
+              <a:ext uri="{FF2B5EF4-FFF2-40B4-BE49-F238E27FC236}">
+                <a16:creationId xmlns:a16="http://schemas.microsoft.com/office/drawing/2014/main" id="{59A309A7-1751-4ABE-A3C1-EEC40366AD89}"/>
+              </a:ext>
+              <a:ext uri="{C183D7F6-B498-43B3-948B-1728B52AA6E4}">
+                <adec:decorative xmlns:adec="http://schemas.microsoft.com/office/drawing/2017/decorative" val="1"/>
+              </a:ext>
+            </a:extLst>
+          </p:cNvPr>
+          <p:cNvSpPr>
+            <a:spLocks noGrp="1" noRot="1" noChangeAspect="1" noMove="1" noResize="1" noEditPoints="1" noAdjustHandles="1" noChangeArrowheads="1" noChangeShapeType="1" noTextEdit="1"/>
+          </p:cNvSpPr>
+          <p:nvPr>
+            <p:extLst>
+              <p:ext uri="{386F3935-93C4-4BCD-93E2-E3B085C9AB24}">
+                <p16:designElem xmlns:p16="http://schemas.microsoft.com/office/powerpoint/2015/main" val="1"/>
+              </p:ext>
+            </p:extLst>
+          </p:nvPr>
+        </p:nvSpPr>
+        <p:spPr>
+          <a:xfrm>
+            <a:off x="10088880" y="0"/>
+            <a:ext cx="2103120" cy="6858000"/>
+          </a:xfrm>
+          <a:prstGeom prst="rect">
+            <a:avLst/>
+          </a:prstGeom>
+          <a:solidFill>
+            <a:srgbClr val="1A5159"/>
+          </a:solidFill>
+          <a:ln>
+            <a:noFill/>
+          </a:ln>
+        </p:spPr>
+        <p:style>
+          <a:lnRef idx="2">
+            <a:schemeClr val="accent1">
+              <a:shade val="50000"/>
+            </a:schemeClr>
+          </a:lnRef>
+          <a:fillRef idx="1">
+            <a:schemeClr val="accent1"/>
+          </a:fillRef>
+          <a:effectRef idx="0">
+            <a:schemeClr val="accent1"/>
+          </a:effectRef>
+          <a:fontRef idx="minor">
+            <a:schemeClr val="lt1"/>
+          </a:fontRef>
+        </p:style>
+        <p:txBody>
+          <a:bodyPr rtlCol="0" anchor="ctr"/>
+          <a:lstStyle/>
+          <a:p>
+            <a:pPr algn="ctr"/>
+            <a:endParaRPr lang="en-US"/>
+          </a:p>
+        </p:txBody>
+      </p:sp>
+      <p:sp>
+        <p:nvSpPr>
+          <p:cNvPr id="12" name="Oval 11">
+            <a:extLst>
+              <a:ext uri="{FF2B5EF4-FFF2-40B4-BE49-F238E27FC236}">
+                <a16:creationId xmlns:a16="http://schemas.microsoft.com/office/drawing/2014/main" id="{967D8EB6-EAE1-4F9C-B398-83321E287204}"/>
+              </a:ext>
+              <a:ext uri="{C183D7F6-B498-43B3-948B-1728B52AA6E4}">
+                <adec:decorative xmlns:adec="http://schemas.microsoft.com/office/drawing/2017/decorative" val="1"/>
+              </a:ext>
+            </a:extLst>
+          </p:cNvPr>
+          <p:cNvSpPr>
+            <a:spLocks noGrp="1" noRot="1" noChangeAspect="1" noMove="1" noResize="1" noEditPoints="1" noAdjustHandles="1" noChangeArrowheads="1" noChangeShapeType="1" noTextEdit="1"/>
+          </p:cNvSpPr>
+          <p:nvPr>
+            <p:extLst>
+              <p:ext uri="{386F3935-93C4-4BCD-93E2-E3B085C9AB24}">
+                <p16:designElem xmlns:p16="http://schemas.microsoft.com/office/powerpoint/2015/main" val="1"/>
+              </p:ext>
+            </p:extLst>
+          </p:nvPr>
+        </p:nvSpPr>
+        <p:spPr>
+          <a:xfrm>
+            <a:off x="8915400" y="2358913"/>
+            <a:ext cx="2140172" cy="2140172"/>
+          </a:xfrm>
+          <a:prstGeom prst="ellipse">
+            <a:avLst/>
+          </a:prstGeom>
+          <a:solidFill>
+            <a:srgbClr val="FFFFFF"/>
+          </a:solidFill>
+          <a:ln w="22225">
+            <a:solidFill>
+              <a:srgbClr val="D5A556"/>
+            </a:solidFill>
+          </a:ln>
+        </p:spPr>
+        <p:style>
+          <a:lnRef idx="2">
+            <a:schemeClr val="accent1">
+              <a:shade val="50000"/>
+            </a:schemeClr>
+          </a:lnRef>
+          <a:fillRef idx="1">
+            <a:schemeClr val="accent1"/>
+          </a:fillRef>
+          <a:effectRef idx="0">
+            <a:schemeClr val="accent1"/>
+          </a:effectRef>
+          <a:fontRef idx="minor">
+            <a:schemeClr val="lt1"/>
+          </a:fontRef>
+        </p:style>
+        <p:txBody>
+          <a:bodyPr rtlCol="0" anchor="ctr"/>
+          <a:lstStyle/>
+          <a:p>
+            <a:pPr algn="ctr"/>
+            <a:endParaRPr lang="en-US"/>
           </a:p>
         </p:txBody>
       </p:sp>
@@ -10557,215 +11234,40 @@
           </a:prstGeom>
         </p:spPr>
       </p:pic>
-      <p:sp>
-        <p:nvSpPr>
-          <p:cNvPr id="13" name="Content Placeholder 2">
-            <a:extLst>
-              <a:ext uri="{FF2B5EF4-FFF2-40B4-BE49-F238E27FC236}">
-                <a16:creationId xmlns:a16="http://schemas.microsoft.com/office/drawing/2014/main" id="{E2C51F17-13DC-4F64-BCEF-91C2F0AFCBF4}"/>
-              </a:ext>
-            </a:extLst>
-          </p:cNvPr>
-          <p:cNvSpPr>
-            <a:spLocks noGrp="1"/>
-          </p:cNvSpPr>
-          <p:nvPr>
-            <p:ph idx="1"/>
-          </p:nvPr>
-        </p:nvSpPr>
-        <p:spPr>
-          <a:xfrm>
-            <a:off x="1136428" y="1750094"/>
-            <a:ext cx="7297358" cy="3567630"/>
-          </a:xfrm>
-        </p:spPr>
-        <p:txBody>
-          <a:bodyPr anchor="ctr">
-            <a:normAutofit/>
-          </a:bodyPr>
-          <a:lstStyle/>
-          <a:p>
-            <a:r>
-              <a:rPr lang="es-ES" sz="2400" i="1" dirty="0" err="1"/>
-              <a:t>Esquio</a:t>
-            </a:r>
-            <a:r>
-              <a:rPr lang="es-ES" sz="2400" i="1" dirty="0"/>
-              <a:t> </a:t>
-            </a:r>
-            <a:r>
-              <a:rPr lang="es-ES" sz="2400" i="1" dirty="0" err="1"/>
-              <a:t>will</a:t>
-            </a:r>
-            <a:r>
-              <a:rPr lang="es-ES" sz="2400" i="1" dirty="0"/>
-              <a:t> be </a:t>
-            </a:r>
-            <a:r>
-              <a:rPr lang="es-ES" sz="2400" i="1" dirty="0" err="1"/>
-              <a:t>integrated</a:t>
-            </a:r>
-            <a:r>
-              <a:rPr lang="es-ES" sz="2400" i="1" dirty="0"/>
-              <a:t> with </a:t>
-            </a:r>
-            <a:r>
-              <a:rPr lang="es-ES" sz="2400" i="1" dirty="0" err="1"/>
-              <a:t>application</a:t>
-            </a:r>
-            <a:r>
-              <a:rPr lang="es-ES" sz="2400" i="1" dirty="0"/>
-              <a:t> insights to include feature execution information as </a:t>
-            </a:r>
-            <a:r>
-              <a:rPr lang="es-ES" sz="2400" i="1" dirty="0" err="1"/>
-              <a:t>part</a:t>
-            </a:r>
-            <a:r>
-              <a:rPr lang="es-ES" sz="2400" i="1" dirty="0"/>
-              <a:t> </a:t>
-            </a:r>
-            <a:r>
-              <a:rPr lang="es-ES" sz="2400" i="1" dirty="0" err="1"/>
-              <a:t>of</a:t>
-            </a:r>
-            <a:r>
-              <a:rPr lang="es-ES" sz="2400" i="1" dirty="0"/>
-              <a:t> </a:t>
-            </a:r>
-            <a:r>
-              <a:rPr lang="es-ES" sz="2400" i="1" dirty="0" err="1"/>
-              <a:t>telemetry</a:t>
-            </a:r>
-            <a:r>
-              <a:rPr lang="es-ES" sz="2400" i="1" dirty="0"/>
-              <a:t> </a:t>
-            </a:r>
-            <a:r>
-              <a:rPr lang="es-ES" sz="2400" i="1" dirty="0" err="1"/>
-              <a:t>entries</a:t>
-            </a:r>
-            <a:r>
-              <a:rPr lang="es-ES" sz="2400" i="1" dirty="0"/>
-              <a:t>.</a:t>
-            </a:r>
-          </a:p>
-          <a:p>
-            <a:r>
-              <a:rPr lang="es-ES" sz="2400" i="1" dirty="0" err="1"/>
-              <a:t>All</a:t>
-            </a:r>
-            <a:r>
-              <a:rPr lang="es-ES" sz="2400" i="1" dirty="0"/>
-              <a:t> request </a:t>
-            </a:r>
-            <a:r>
-              <a:rPr lang="es-ES" sz="2400" i="1" dirty="0" err="1"/>
-              <a:t>contains</a:t>
-            </a:r>
-            <a:r>
-              <a:rPr lang="es-ES" sz="2400" i="1" dirty="0"/>
-              <a:t> </a:t>
-            </a:r>
-            <a:r>
-              <a:rPr lang="es-ES" sz="2400" i="1" dirty="0" err="1"/>
-              <a:t>property</a:t>
-            </a:r>
-            <a:r>
-              <a:rPr lang="es-ES" sz="2400" i="1" dirty="0"/>
-              <a:t> information for </a:t>
-            </a:r>
-            <a:r>
-              <a:rPr lang="es-ES" sz="2400" i="1" dirty="0" err="1"/>
-              <a:t>each</a:t>
-            </a:r>
-            <a:r>
-              <a:rPr lang="es-ES" sz="2400" i="1" dirty="0"/>
-              <a:t> </a:t>
-            </a:r>
-            <a:r>
-              <a:rPr lang="es-ES" sz="2400" i="1" dirty="0" err="1"/>
-              <a:t>evaluated</a:t>
-            </a:r>
-            <a:r>
-              <a:rPr lang="es-ES" sz="2400" i="1" dirty="0"/>
-              <a:t> feature.</a:t>
-            </a:r>
-          </a:p>
-          <a:p>
-            <a:r>
-              <a:rPr lang="es-ES" sz="2000" i="1" dirty="0"/>
-              <a:t>This information can be </a:t>
-            </a:r>
-            <a:r>
-              <a:rPr lang="es-ES" sz="2000" i="1" dirty="0" err="1"/>
-              <a:t>used</a:t>
-            </a:r>
-            <a:r>
-              <a:rPr lang="es-ES" sz="2000" i="1" dirty="0"/>
-              <a:t> to </a:t>
-            </a:r>
-            <a:r>
-              <a:rPr lang="es-ES" sz="2000" i="1" dirty="0" err="1"/>
-              <a:t>measure</a:t>
-            </a:r>
-            <a:r>
-              <a:rPr lang="es-ES" sz="2000" i="1" dirty="0"/>
-              <a:t> </a:t>
-            </a:r>
-            <a:r>
-              <a:rPr lang="es-ES" sz="2000" i="1" dirty="0" err="1"/>
-              <a:t>Goals</a:t>
-            </a:r>
-            <a:r>
-              <a:rPr lang="es-ES" sz="2000" i="1" dirty="0"/>
-              <a:t> and feature </a:t>
-            </a:r>
-            <a:r>
-              <a:rPr lang="es-ES" sz="2000" i="1" dirty="0" err="1"/>
-              <a:t>impact</a:t>
-            </a:r>
-            <a:r>
-              <a:rPr lang="es-ES" sz="2000" i="1" dirty="0"/>
-              <a:t> </a:t>
-            </a:r>
-            <a:r>
-              <a:rPr lang="es-ES" sz="2000" i="1" dirty="0" err="1"/>
-              <a:t>directly</a:t>
-            </a:r>
-            <a:r>
-              <a:rPr lang="es-ES" sz="2000" i="1" dirty="0"/>
-              <a:t> </a:t>
-            </a:r>
-            <a:r>
-              <a:rPr lang="es-ES" sz="2000" i="1" dirty="0" err="1"/>
-              <a:t>from</a:t>
-            </a:r>
-            <a:r>
-              <a:rPr lang="es-ES" sz="2000" i="1" dirty="0"/>
-              <a:t> </a:t>
-            </a:r>
-            <a:r>
-              <a:rPr lang="es-ES" sz="2000" i="1" dirty="0" err="1"/>
-              <a:t>Application</a:t>
-            </a:r>
-            <a:r>
-              <a:rPr lang="es-ES" sz="2000" i="1" dirty="0"/>
-              <a:t> Insights</a:t>
-            </a:r>
-          </a:p>
-          <a:p>
-            <a:pPr marL="0" indent="0">
-              <a:buNone/>
-            </a:pPr>
-            <a:endParaRPr lang="es-ES" sz="2000" i="1" dirty="0"/>
-          </a:p>
-        </p:txBody>
-      </p:sp>
+      <p:pic>
+        <p:nvPicPr>
+          <p:cNvPr id="3" name="Picture 2">
+            <a:extLst>
+              <a:ext uri="{FF2B5EF4-FFF2-40B4-BE49-F238E27FC236}">
+                <a16:creationId xmlns:a16="http://schemas.microsoft.com/office/drawing/2014/main" id="{C6F33A96-9E7E-4D67-820F-DF27C3605743}"/>
+              </a:ext>
+            </a:extLst>
+          </p:cNvPr>
+          <p:cNvPicPr>
+            <a:picLocks noChangeAspect="1"/>
+          </p:cNvPicPr>
+          <p:nvPr/>
+        </p:nvPicPr>
+        <p:blipFill>
+          <a:blip r:embed="rId3"/>
+          <a:stretch>
+            <a:fillRect/>
+          </a:stretch>
+        </p:blipFill>
+        <p:spPr>
+          <a:xfrm>
+            <a:off x="20858" y="0"/>
+            <a:ext cx="12171142" cy="6858000"/>
+          </a:xfrm>
+          <a:prstGeom prst="rect">
+            <a:avLst/>
+          </a:prstGeom>
+        </p:spPr>
+      </p:pic>
     </p:spTree>
     <p:extLst>
       <p:ext uri="{BB962C8B-B14F-4D97-AF65-F5344CB8AC3E}">
-        <p14:creationId xmlns:p14="http://schemas.microsoft.com/office/powerpoint/2010/main" val="304985182"/>
+        <p14:creationId xmlns:p14="http://schemas.microsoft.com/office/powerpoint/2010/main" val="2385487576"/>
       </p:ext>
     </p:extLst>
   </p:cSld>
@@ -10834,24 +11336,13 @@
             </a:r>
             <a:r>
               <a:rPr lang="es-ES" dirty="0"/>
-              <a:t> </a:t>
-            </a:r>
-            <a:r>
-              <a:rPr lang="es-ES" dirty="0" err="1"/>
-              <a:t>Feature</a:t>
-            </a:r>
-            <a:r>
-              <a:rPr lang="es-ES" dirty="0"/>
-              <a:t> </a:t>
+              <a:t> Feature </a:t>
             </a:r>
             <a:r>
               <a:rPr lang="es-ES" dirty="0" err="1"/>
               <a:t>Flags</a:t>
             </a:r>
-            <a:r>
-              <a:rPr lang="es-ES" dirty="0"/>
-              <a:t>?</a:t>
-            </a:r>
+            <a:endParaRPr lang="es-ES" dirty="0"/>
           </a:p>
         </p:txBody>
       </p:sp>
@@ -11522,6 +12013,226 @@
 </file>
 
 <file path=ppt/slides/slide30.xml><?xml version="1.0" encoding="utf-8"?>
+<p:sld xmlns:a="http://schemas.openxmlformats.org/drawingml/2006/main" xmlns:r="http://schemas.openxmlformats.org/officeDocument/2006/relationships" xmlns:p="http://schemas.openxmlformats.org/presentationml/2006/main">
+  <p:cSld>
+    <p:spTree>
+      <p:nvGrpSpPr>
+        <p:cNvPr id="1" name=""/>
+        <p:cNvGrpSpPr/>
+        <p:nvPr/>
+      </p:nvGrpSpPr>
+      <p:grpSpPr>
+        <a:xfrm>
+          <a:off x="0" y="0"/>
+          <a:ext cx="0" cy="0"/>
+          <a:chOff x="0" y="0"/>
+          <a:chExt cx="0" cy="0"/>
+        </a:xfrm>
+      </p:grpSpPr>
+      <p:sp>
+        <p:nvSpPr>
+          <p:cNvPr id="2" name="Title 1">
+            <a:extLst>
+              <a:ext uri="{FF2B5EF4-FFF2-40B4-BE49-F238E27FC236}">
+                <a16:creationId xmlns:a16="http://schemas.microsoft.com/office/drawing/2014/main" id="{77C820F3-4A66-4AD9-87A8-2CE6DB0780C2}"/>
+              </a:ext>
+            </a:extLst>
+          </p:cNvPr>
+          <p:cNvSpPr>
+            <a:spLocks noGrp="1"/>
+          </p:cNvSpPr>
+          <p:nvPr>
+            <p:ph type="title"/>
+          </p:nvPr>
+        </p:nvSpPr>
+        <p:spPr/>
+        <p:txBody>
+          <a:bodyPr/>
+          <a:lstStyle/>
+          <a:p>
+            <a:endParaRPr lang="es-ES"/>
+          </a:p>
+        </p:txBody>
+      </p:sp>
+      <p:sp>
+        <p:nvSpPr>
+          <p:cNvPr id="3" name="Content Placeholder 2">
+            <a:extLst>
+              <a:ext uri="{FF2B5EF4-FFF2-40B4-BE49-F238E27FC236}">
+                <a16:creationId xmlns:a16="http://schemas.microsoft.com/office/drawing/2014/main" id="{5988E06E-9AEF-4298-BB31-D14C5E05A2C3}"/>
+              </a:ext>
+            </a:extLst>
+          </p:cNvPr>
+          <p:cNvSpPr>
+            <a:spLocks noGrp="1"/>
+          </p:cNvSpPr>
+          <p:nvPr>
+            <p:ph idx="1"/>
+          </p:nvPr>
+        </p:nvSpPr>
+        <p:spPr/>
+        <p:txBody>
+          <a:bodyPr/>
+          <a:lstStyle/>
+          <a:p>
+            <a:endParaRPr lang="es-ES" dirty="0"/>
+          </a:p>
+        </p:txBody>
+      </p:sp>
+      <p:pic>
+        <p:nvPicPr>
+          <p:cNvPr id="4" name="Picture 3">
+            <a:extLst>
+              <a:ext uri="{FF2B5EF4-FFF2-40B4-BE49-F238E27FC236}">
+                <a16:creationId xmlns:a16="http://schemas.microsoft.com/office/drawing/2014/main" id="{CEDF0D01-FAC9-4EEA-8DA4-3E214162A50B}"/>
+              </a:ext>
+            </a:extLst>
+          </p:cNvPr>
+          <p:cNvPicPr>
+            <a:picLocks noChangeAspect="1"/>
+          </p:cNvPicPr>
+          <p:nvPr/>
+        </p:nvPicPr>
+        <p:blipFill>
+          <a:blip r:embed="rId2"/>
+          <a:stretch>
+            <a:fillRect/>
+          </a:stretch>
+        </p:blipFill>
+        <p:spPr>
+          <a:xfrm>
+            <a:off x="0" y="-1"/>
+            <a:ext cx="12192000" cy="6858001"/>
+          </a:xfrm>
+          <a:prstGeom prst="rect">
+            <a:avLst/>
+          </a:prstGeom>
+        </p:spPr>
+      </p:pic>
+    </p:spTree>
+    <p:extLst>
+      <p:ext uri="{BB962C8B-B14F-4D97-AF65-F5344CB8AC3E}">
+        <p14:creationId xmlns:p14="http://schemas.microsoft.com/office/powerpoint/2010/main" val="3085403622"/>
+      </p:ext>
+    </p:extLst>
+  </p:cSld>
+  <p:clrMapOvr>
+    <a:masterClrMapping/>
+  </p:clrMapOvr>
+</p:sld>
+</file>
+
+<file path=ppt/slides/slide31.xml><?xml version="1.0" encoding="utf-8"?>
+<p:sld xmlns:a="http://schemas.openxmlformats.org/drawingml/2006/main" xmlns:r="http://schemas.openxmlformats.org/officeDocument/2006/relationships" xmlns:p="http://schemas.openxmlformats.org/presentationml/2006/main">
+  <p:cSld>
+    <p:spTree>
+      <p:nvGrpSpPr>
+        <p:cNvPr id="1" name=""/>
+        <p:cNvGrpSpPr/>
+        <p:nvPr/>
+      </p:nvGrpSpPr>
+      <p:grpSpPr>
+        <a:xfrm>
+          <a:off x="0" y="0"/>
+          <a:ext cx="0" cy="0"/>
+          <a:chOff x="0" y="0"/>
+          <a:chExt cx="0" cy="0"/>
+        </a:xfrm>
+      </p:grpSpPr>
+      <p:sp>
+        <p:nvSpPr>
+          <p:cNvPr id="2" name="Title 1">
+            <a:extLst>
+              <a:ext uri="{FF2B5EF4-FFF2-40B4-BE49-F238E27FC236}">
+                <a16:creationId xmlns:a16="http://schemas.microsoft.com/office/drawing/2014/main" id="{C5F83A95-79F0-495D-B756-8FC9C567A10B}"/>
+              </a:ext>
+            </a:extLst>
+          </p:cNvPr>
+          <p:cNvSpPr>
+            <a:spLocks noGrp="1"/>
+          </p:cNvSpPr>
+          <p:nvPr>
+            <p:ph type="title"/>
+          </p:nvPr>
+        </p:nvSpPr>
+        <p:spPr/>
+        <p:txBody>
+          <a:bodyPr/>
+          <a:lstStyle/>
+          <a:p>
+            <a:endParaRPr lang="es-ES"/>
+          </a:p>
+        </p:txBody>
+      </p:sp>
+      <p:sp>
+        <p:nvSpPr>
+          <p:cNvPr id="3" name="Content Placeholder 2">
+            <a:extLst>
+              <a:ext uri="{FF2B5EF4-FFF2-40B4-BE49-F238E27FC236}">
+                <a16:creationId xmlns:a16="http://schemas.microsoft.com/office/drawing/2014/main" id="{CECE9B75-B489-4D45-BC58-9111632F5A5B}"/>
+              </a:ext>
+            </a:extLst>
+          </p:cNvPr>
+          <p:cNvSpPr>
+            <a:spLocks noGrp="1"/>
+          </p:cNvSpPr>
+          <p:nvPr>
+            <p:ph idx="1"/>
+          </p:nvPr>
+        </p:nvSpPr>
+        <p:spPr/>
+        <p:txBody>
+          <a:bodyPr/>
+          <a:lstStyle/>
+          <a:p>
+            <a:endParaRPr lang="es-ES"/>
+          </a:p>
+        </p:txBody>
+      </p:sp>
+      <p:pic>
+        <p:nvPicPr>
+          <p:cNvPr id="4" name="Picture 3">
+            <a:extLst>
+              <a:ext uri="{FF2B5EF4-FFF2-40B4-BE49-F238E27FC236}">
+                <a16:creationId xmlns:a16="http://schemas.microsoft.com/office/drawing/2014/main" id="{3E752EC5-ED6E-45FF-A075-28DF1EA1185E}"/>
+              </a:ext>
+            </a:extLst>
+          </p:cNvPr>
+          <p:cNvPicPr>
+            <a:picLocks noChangeAspect="1"/>
+          </p:cNvPicPr>
+          <p:nvPr/>
+        </p:nvPicPr>
+        <p:blipFill>
+          <a:blip r:embed="rId2"/>
+          <a:stretch>
+            <a:fillRect/>
+          </a:stretch>
+        </p:blipFill>
+        <p:spPr>
+          <a:xfrm>
+            <a:off x="0" y="0"/>
+            <a:ext cx="12192000" cy="6858000"/>
+          </a:xfrm>
+          <a:prstGeom prst="rect">
+            <a:avLst/>
+          </a:prstGeom>
+        </p:spPr>
+      </p:pic>
+    </p:spTree>
+    <p:extLst>
+      <p:ext uri="{BB962C8B-B14F-4D97-AF65-F5344CB8AC3E}">
+        <p14:creationId xmlns:p14="http://schemas.microsoft.com/office/powerpoint/2010/main" val="1951544989"/>
+      </p:ext>
+    </p:extLst>
+  </p:cSld>
+  <p:clrMapOvr>
+    <a:masterClrMapping/>
+  </p:clrMapOvr>
+</p:sld>
+</file>
+
+<file path=ppt/slides/slide32.xml><?xml version="1.0" encoding="utf-8"?>
 <p:sld xmlns:a="http://schemas.openxmlformats.org/drawingml/2006/main" xmlns:r="http://schemas.openxmlformats.org/officeDocument/2006/relationships" xmlns:p="http://schemas.openxmlformats.org/presentationml/2006/main">
   <p:cSld>
     <p:bg>
@@ -11757,6 +12468,476 @@
           </a:prstGeom>
         </p:spPr>
       </p:pic>
+      <p:sp>
+        <p:nvSpPr>
+          <p:cNvPr id="7" name="Content Placeholder 2">
+            <a:extLst>
+              <a:ext uri="{FF2B5EF4-FFF2-40B4-BE49-F238E27FC236}">
+                <a16:creationId xmlns:a16="http://schemas.microsoft.com/office/drawing/2014/main" id="{0D32CEDA-8A37-40FE-8D24-7212061A34DD}"/>
+              </a:ext>
+            </a:extLst>
+          </p:cNvPr>
+          <p:cNvSpPr>
+            <a:spLocks noGrp="1"/>
+          </p:cNvSpPr>
+          <p:nvPr>
+            <p:ph idx="1"/>
+          </p:nvPr>
+        </p:nvSpPr>
+        <p:spPr>
+          <a:xfrm>
+            <a:off x="1136428" y="1750094"/>
+            <a:ext cx="7297358" cy="3567630"/>
+          </a:xfrm>
+        </p:spPr>
+        <p:txBody>
+          <a:bodyPr anchor="ctr">
+            <a:normAutofit/>
+          </a:bodyPr>
+          <a:lstStyle/>
+          <a:p>
+            <a:r>
+              <a:rPr lang="es-ES" sz="2400" i="1" dirty="0" err="1"/>
+              <a:t>Esquio</a:t>
+            </a:r>
+            <a:r>
+              <a:rPr lang="es-ES" sz="2400" i="1" dirty="0"/>
+              <a:t> </a:t>
+            </a:r>
+            <a:r>
+              <a:rPr lang="es-ES" sz="2400" i="1" dirty="0" err="1"/>
+              <a:t>will</a:t>
+            </a:r>
+            <a:r>
+              <a:rPr lang="es-ES" sz="2400" i="1" dirty="0"/>
+              <a:t> be </a:t>
+            </a:r>
+            <a:r>
+              <a:rPr lang="es-ES" sz="2400" i="1" dirty="0" err="1"/>
+              <a:t>integrated</a:t>
+            </a:r>
+            <a:r>
+              <a:rPr lang="es-ES" sz="2400" i="1" dirty="0"/>
+              <a:t> with </a:t>
+            </a:r>
+            <a:r>
+              <a:rPr lang="es-ES" sz="2400" i="1" dirty="0" err="1"/>
+              <a:t>application</a:t>
+            </a:r>
+            <a:r>
+              <a:rPr lang="es-ES" sz="2400" i="1" dirty="0"/>
+              <a:t> insights to include feature </a:t>
+            </a:r>
+            <a:r>
+              <a:rPr lang="es-ES" sz="2400" i="1" dirty="0" err="1"/>
+              <a:t>evaluation</a:t>
+            </a:r>
+            <a:r>
+              <a:rPr lang="es-ES" sz="2400" i="1" dirty="0"/>
+              <a:t> </a:t>
+            </a:r>
+            <a:r>
+              <a:rPr lang="es-ES" sz="2400" i="1" dirty="0" err="1"/>
+              <a:t>results</a:t>
+            </a:r>
+            <a:r>
+              <a:rPr lang="es-ES" sz="2400" i="1" dirty="0"/>
+              <a:t> as </a:t>
+            </a:r>
+            <a:r>
+              <a:rPr lang="es-ES" sz="2400" i="1" dirty="0" err="1"/>
+              <a:t>part</a:t>
+            </a:r>
+            <a:r>
+              <a:rPr lang="es-ES" sz="2400" i="1" dirty="0"/>
+              <a:t> </a:t>
+            </a:r>
+            <a:r>
+              <a:rPr lang="es-ES" sz="2400" i="1" dirty="0" err="1"/>
+              <a:t>of</a:t>
+            </a:r>
+            <a:r>
+              <a:rPr lang="es-ES" sz="2400" i="1" dirty="0"/>
+              <a:t> </a:t>
+            </a:r>
+            <a:r>
+              <a:rPr lang="es-ES" sz="2400" i="1" dirty="0" err="1"/>
+              <a:t>telemetry</a:t>
+            </a:r>
+            <a:r>
+              <a:rPr lang="es-ES" sz="2400" i="1" dirty="0"/>
+              <a:t> </a:t>
+            </a:r>
+            <a:r>
+              <a:rPr lang="es-ES" sz="2400" i="1" dirty="0" err="1"/>
+              <a:t>entries</a:t>
+            </a:r>
+            <a:r>
+              <a:rPr lang="es-ES" sz="2400" i="1" dirty="0"/>
+              <a:t>.</a:t>
+            </a:r>
+          </a:p>
+          <a:p>
+            <a:r>
+              <a:rPr lang="es-ES" sz="2400" i="1" dirty="0" err="1"/>
+              <a:t>All</a:t>
+            </a:r>
+            <a:r>
+              <a:rPr lang="es-ES" sz="2400" i="1" dirty="0"/>
+              <a:t> request </a:t>
+            </a:r>
+            <a:r>
+              <a:rPr lang="es-ES" sz="2400" i="1" dirty="0" err="1"/>
+              <a:t>contains</a:t>
+            </a:r>
+            <a:r>
+              <a:rPr lang="es-ES" sz="2400" i="1" dirty="0"/>
+              <a:t> </a:t>
+            </a:r>
+            <a:r>
+              <a:rPr lang="es-ES" sz="2400" i="1" dirty="0" err="1"/>
+              <a:t>property</a:t>
+            </a:r>
+            <a:r>
+              <a:rPr lang="es-ES" sz="2400" i="1" dirty="0"/>
+              <a:t> information for </a:t>
+            </a:r>
+            <a:r>
+              <a:rPr lang="es-ES" sz="2400" i="1" dirty="0" err="1"/>
+              <a:t>each</a:t>
+            </a:r>
+            <a:r>
+              <a:rPr lang="es-ES" sz="2400" i="1" dirty="0"/>
+              <a:t> </a:t>
+            </a:r>
+            <a:r>
+              <a:rPr lang="es-ES" sz="2400" i="1" dirty="0" err="1"/>
+              <a:t>evaluated</a:t>
+            </a:r>
+            <a:r>
+              <a:rPr lang="es-ES" sz="2400" i="1" dirty="0"/>
+              <a:t> feature.</a:t>
+            </a:r>
+          </a:p>
+          <a:p>
+            <a:r>
+              <a:rPr lang="es-ES" sz="2000" i="1" dirty="0"/>
+              <a:t>This information can be </a:t>
+            </a:r>
+            <a:r>
+              <a:rPr lang="es-ES" sz="2000" i="1" dirty="0" err="1"/>
+              <a:t>used</a:t>
+            </a:r>
+            <a:r>
+              <a:rPr lang="es-ES" sz="2000" i="1" dirty="0"/>
+              <a:t> to </a:t>
+            </a:r>
+            <a:r>
+              <a:rPr lang="es-ES" sz="2000" i="1" dirty="0" err="1"/>
+              <a:t>measure</a:t>
+            </a:r>
+            <a:r>
+              <a:rPr lang="es-ES" sz="2000" i="1" dirty="0"/>
+              <a:t> </a:t>
+            </a:r>
+            <a:r>
+              <a:rPr lang="es-ES" sz="2000" i="1" dirty="0" err="1"/>
+              <a:t>Goals</a:t>
+            </a:r>
+            <a:r>
+              <a:rPr lang="es-ES" sz="2000" i="1" dirty="0"/>
+              <a:t> and feature </a:t>
+            </a:r>
+            <a:r>
+              <a:rPr lang="es-ES" sz="2000" i="1" dirty="0" err="1"/>
+              <a:t>impact</a:t>
+            </a:r>
+            <a:r>
+              <a:rPr lang="es-ES" sz="2000" i="1" dirty="0"/>
+              <a:t> </a:t>
+            </a:r>
+            <a:r>
+              <a:rPr lang="es-ES" sz="2000" i="1" dirty="0" err="1"/>
+              <a:t>directly</a:t>
+            </a:r>
+            <a:r>
+              <a:rPr lang="es-ES" sz="2000" i="1" dirty="0"/>
+              <a:t> </a:t>
+            </a:r>
+            <a:r>
+              <a:rPr lang="es-ES" sz="2000" i="1" dirty="0" err="1"/>
+              <a:t>from</a:t>
+            </a:r>
+            <a:r>
+              <a:rPr lang="es-ES" sz="2000" i="1" dirty="0"/>
+              <a:t> </a:t>
+            </a:r>
+            <a:r>
+              <a:rPr lang="es-ES" sz="2000" i="1" dirty="0" err="1"/>
+              <a:t>Application</a:t>
+            </a:r>
+            <a:r>
+              <a:rPr lang="es-ES" sz="2000" i="1" dirty="0"/>
+              <a:t> Insights</a:t>
+            </a:r>
+          </a:p>
+          <a:p>
+            <a:pPr marL="0" indent="0">
+              <a:buNone/>
+            </a:pPr>
+            <a:endParaRPr lang="es-ES" sz="2000" i="1" dirty="0"/>
+          </a:p>
+        </p:txBody>
+      </p:sp>
+    </p:spTree>
+    <p:extLst>
+      <p:ext uri="{BB962C8B-B14F-4D97-AF65-F5344CB8AC3E}">
+        <p14:creationId xmlns:p14="http://schemas.microsoft.com/office/powerpoint/2010/main" val="3968876032"/>
+      </p:ext>
+    </p:extLst>
+  </p:cSld>
+  <p:clrMapOvr>
+    <a:masterClrMapping/>
+  </p:clrMapOvr>
+</p:sld>
+</file>
+
+<file path=ppt/slides/slide33.xml><?xml version="1.0" encoding="utf-8"?>
+<p:sld xmlns:a="http://schemas.openxmlformats.org/drawingml/2006/main" xmlns:r="http://schemas.openxmlformats.org/officeDocument/2006/relationships" xmlns:p="http://schemas.openxmlformats.org/presentationml/2006/main">
+  <p:cSld>
+    <p:bg>
+      <p:bgPr>
+        <a:solidFill>
+          <a:schemeClr val="bg1"/>
+        </a:solidFill>
+        <a:effectLst/>
+      </p:bgPr>
+    </p:bg>
+    <p:spTree>
+      <p:nvGrpSpPr>
+        <p:cNvPr id="1" name=""/>
+        <p:cNvGrpSpPr/>
+        <p:nvPr/>
+      </p:nvGrpSpPr>
+      <p:grpSpPr>
+        <a:xfrm>
+          <a:off x="0" y="0"/>
+          <a:ext cx="0" cy="0"/>
+          <a:chOff x="0" y="0"/>
+          <a:chExt cx="0" cy="0"/>
+        </a:xfrm>
+      </p:grpSpPr>
+      <p:sp>
+        <p:nvSpPr>
+          <p:cNvPr id="2" name="Title 1">
+            <a:extLst>
+              <a:ext uri="{FF2B5EF4-FFF2-40B4-BE49-F238E27FC236}">
+                <a16:creationId xmlns:a16="http://schemas.microsoft.com/office/drawing/2014/main" id="{AFA3AD09-7FD8-4A45-AAD7-343A60A2E56F}"/>
+              </a:ext>
+            </a:extLst>
+          </p:cNvPr>
+          <p:cNvSpPr>
+            <a:spLocks noGrp="1"/>
+          </p:cNvSpPr>
+          <p:nvPr>
+            <p:ph type="title"/>
+          </p:nvPr>
+        </p:nvSpPr>
+        <p:spPr>
+          <a:xfrm>
+            <a:off x="1136428" y="627564"/>
+            <a:ext cx="7474172" cy="1325563"/>
+          </a:xfrm>
+        </p:spPr>
+        <p:txBody>
+          <a:bodyPr>
+            <a:normAutofit/>
+          </a:bodyPr>
+          <a:lstStyle/>
+          <a:p>
+            <a:r>
+              <a:rPr lang="es-ES" dirty="0" err="1"/>
+              <a:t>Esquio</a:t>
+            </a:r>
+            <a:r>
+              <a:rPr lang="es-ES" dirty="0"/>
+              <a:t> and </a:t>
+            </a:r>
+            <a:r>
+              <a:rPr lang="es-ES" dirty="0" err="1"/>
+              <a:t>Application</a:t>
+            </a:r>
+            <a:r>
+              <a:rPr lang="es-ES" dirty="0"/>
+              <a:t> Insights</a:t>
+            </a:r>
+          </a:p>
+        </p:txBody>
+      </p:sp>
+      <p:sp>
+        <p:nvSpPr>
+          <p:cNvPr id="10" name="Rectangle 9">
+            <a:extLst>
+              <a:ext uri="{FF2B5EF4-FFF2-40B4-BE49-F238E27FC236}">
+                <a16:creationId xmlns:a16="http://schemas.microsoft.com/office/drawing/2014/main" id="{59A309A7-1751-4ABE-A3C1-EEC40366AD89}"/>
+              </a:ext>
+              <a:ext uri="{C183D7F6-B498-43B3-948B-1728B52AA6E4}">
+                <adec:decorative xmlns:adec="http://schemas.microsoft.com/office/drawing/2017/decorative" val="1"/>
+              </a:ext>
+            </a:extLst>
+          </p:cNvPr>
+          <p:cNvSpPr>
+            <a:spLocks noGrp="1" noRot="1" noChangeAspect="1" noMove="1" noResize="1" noEditPoints="1" noAdjustHandles="1" noChangeArrowheads="1" noChangeShapeType="1" noTextEdit="1"/>
+          </p:cNvSpPr>
+          <p:nvPr>
+            <p:extLst>
+              <p:ext uri="{386F3935-93C4-4BCD-93E2-E3B085C9AB24}">
+                <p16:designElem xmlns:p16="http://schemas.microsoft.com/office/powerpoint/2015/main" val="1"/>
+              </p:ext>
+            </p:extLst>
+          </p:nvPr>
+        </p:nvSpPr>
+        <p:spPr>
+          <a:xfrm>
+            <a:off x="10088880" y="0"/>
+            <a:ext cx="2103120" cy="6858000"/>
+          </a:xfrm>
+          <a:prstGeom prst="rect">
+            <a:avLst/>
+          </a:prstGeom>
+          <a:solidFill>
+            <a:srgbClr val="1A5159"/>
+          </a:solidFill>
+          <a:ln>
+            <a:noFill/>
+          </a:ln>
+        </p:spPr>
+        <p:style>
+          <a:lnRef idx="2">
+            <a:schemeClr val="accent1">
+              <a:shade val="50000"/>
+            </a:schemeClr>
+          </a:lnRef>
+          <a:fillRef idx="1">
+            <a:schemeClr val="accent1"/>
+          </a:fillRef>
+          <a:effectRef idx="0">
+            <a:schemeClr val="accent1"/>
+          </a:effectRef>
+          <a:fontRef idx="minor">
+            <a:schemeClr val="lt1"/>
+          </a:fontRef>
+        </p:style>
+        <p:txBody>
+          <a:bodyPr rtlCol="0" anchor="ctr"/>
+          <a:lstStyle/>
+          <a:p>
+            <a:pPr algn="ctr"/>
+            <a:endParaRPr lang="en-US"/>
+          </a:p>
+        </p:txBody>
+      </p:sp>
+      <p:sp>
+        <p:nvSpPr>
+          <p:cNvPr id="12" name="Oval 11">
+            <a:extLst>
+              <a:ext uri="{FF2B5EF4-FFF2-40B4-BE49-F238E27FC236}">
+                <a16:creationId xmlns:a16="http://schemas.microsoft.com/office/drawing/2014/main" id="{967D8EB6-EAE1-4F9C-B398-83321E287204}"/>
+              </a:ext>
+              <a:ext uri="{C183D7F6-B498-43B3-948B-1728B52AA6E4}">
+                <adec:decorative xmlns:adec="http://schemas.microsoft.com/office/drawing/2017/decorative" val="1"/>
+              </a:ext>
+            </a:extLst>
+          </p:cNvPr>
+          <p:cNvSpPr>
+            <a:spLocks noGrp="1" noRot="1" noChangeAspect="1" noMove="1" noResize="1" noEditPoints="1" noAdjustHandles="1" noChangeArrowheads="1" noChangeShapeType="1" noTextEdit="1"/>
+          </p:cNvSpPr>
+          <p:nvPr>
+            <p:extLst>
+              <p:ext uri="{386F3935-93C4-4BCD-93E2-E3B085C9AB24}">
+                <p16:designElem xmlns:p16="http://schemas.microsoft.com/office/powerpoint/2015/main" val="1"/>
+              </p:ext>
+            </p:extLst>
+          </p:nvPr>
+        </p:nvSpPr>
+        <p:spPr>
+          <a:xfrm>
+            <a:off x="8915400" y="2358913"/>
+            <a:ext cx="2140172" cy="2140172"/>
+          </a:xfrm>
+          <a:prstGeom prst="ellipse">
+            <a:avLst/>
+          </a:prstGeom>
+          <a:solidFill>
+            <a:srgbClr val="FFFFFF"/>
+          </a:solidFill>
+          <a:ln w="22225">
+            <a:solidFill>
+              <a:srgbClr val="D5A556"/>
+            </a:solidFill>
+          </a:ln>
+        </p:spPr>
+        <p:style>
+          <a:lnRef idx="2">
+            <a:schemeClr val="accent1">
+              <a:shade val="50000"/>
+            </a:schemeClr>
+          </a:lnRef>
+          <a:fillRef idx="1">
+            <a:schemeClr val="accent1"/>
+          </a:fillRef>
+          <a:effectRef idx="0">
+            <a:schemeClr val="accent1"/>
+          </a:effectRef>
+          <a:fontRef idx="minor">
+            <a:schemeClr val="lt1"/>
+          </a:fontRef>
+        </p:style>
+        <p:txBody>
+          <a:bodyPr rtlCol="0" anchor="ctr"/>
+          <a:lstStyle/>
+          <a:p>
+            <a:pPr algn="ctr"/>
+            <a:endParaRPr lang="en-US"/>
+          </a:p>
+        </p:txBody>
+      </p:sp>
+      <p:pic>
+        <p:nvPicPr>
+          <p:cNvPr id="5" name="Picture 4" descr="A picture containing clipart&#10;&#10;Description automatically generated">
+            <a:extLst>
+              <a:ext uri="{FF2B5EF4-FFF2-40B4-BE49-F238E27FC236}">
+                <a16:creationId xmlns:a16="http://schemas.microsoft.com/office/drawing/2014/main" id="{4B98002B-827A-4805-ABAA-5A4E3B5F2B28}"/>
+              </a:ext>
+            </a:extLst>
+          </p:cNvPr>
+          <p:cNvPicPr>
+            <a:picLocks noChangeAspect="1"/>
+          </p:cNvPicPr>
+          <p:nvPr/>
+        </p:nvPicPr>
+        <p:blipFill>
+          <a:blip r:embed="rId2">
+            <a:extLst>
+              <a:ext uri="{28A0092B-C50C-407E-A947-70E740481C1C}">
+                <a14:useLocalDpi xmlns:a14="http://schemas.microsoft.com/office/drawing/2010/main" val="0"/>
+              </a:ext>
+            </a:extLst>
+          </a:blip>
+          <a:stretch>
+            <a:fillRect/>
+          </a:stretch>
+        </p:blipFill>
+        <p:spPr>
+          <a:xfrm>
+            <a:off x="9606868" y="2857501"/>
+            <a:ext cx="757236" cy="1142998"/>
+          </a:xfrm>
+          <a:prstGeom prst="rect">
+            <a:avLst/>
+          </a:prstGeom>
+        </p:spPr>
+      </p:pic>
       <p:pic>
         <p:nvPicPr>
           <p:cNvPr id="3" name="Picture 2">
@@ -11791,6 +12972,1092 @@
     <p:extLst>
       <p:ext uri="{BB962C8B-B14F-4D97-AF65-F5344CB8AC3E}">
         <p14:creationId xmlns:p14="http://schemas.microsoft.com/office/powerpoint/2010/main" val="745107956"/>
+      </p:ext>
+    </p:extLst>
+  </p:cSld>
+  <p:clrMapOvr>
+    <a:masterClrMapping/>
+  </p:clrMapOvr>
+</p:sld>
+</file>
+
+<file path=ppt/slides/slide34.xml><?xml version="1.0" encoding="utf-8"?>
+<p:sld xmlns:a="http://schemas.openxmlformats.org/drawingml/2006/main" xmlns:r="http://schemas.openxmlformats.org/officeDocument/2006/relationships" xmlns:p="http://schemas.openxmlformats.org/presentationml/2006/main">
+  <p:cSld>
+    <p:bg>
+      <p:bgPr>
+        <a:solidFill>
+          <a:schemeClr val="bg1"/>
+        </a:solidFill>
+        <a:effectLst/>
+      </p:bgPr>
+    </p:bg>
+    <p:spTree>
+      <p:nvGrpSpPr>
+        <p:cNvPr id="1" name=""/>
+        <p:cNvGrpSpPr/>
+        <p:nvPr/>
+      </p:nvGrpSpPr>
+      <p:grpSpPr>
+        <a:xfrm>
+          <a:off x="0" y="0"/>
+          <a:ext cx="0" cy="0"/>
+          <a:chOff x="0" y="0"/>
+          <a:chExt cx="0" cy="0"/>
+        </a:xfrm>
+      </p:grpSpPr>
+      <p:sp>
+        <p:nvSpPr>
+          <p:cNvPr id="2" name="Title 1">
+            <a:extLst>
+              <a:ext uri="{FF2B5EF4-FFF2-40B4-BE49-F238E27FC236}">
+                <a16:creationId xmlns:a16="http://schemas.microsoft.com/office/drawing/2014/main" id="{AFA3AD09-7FD8-4A45-AAD7-343A60A2E56F}"/>
+              </a:ext>
+            </a:extLst>
+          </p:cNvPr>
+          <p:cNvSpPr>
+            <a:spLocks noGrp="1"/>
+          </p:cNvSpPr>
+          <p:nvPr>
+            <p:ph type="title"/>
+          </p:nvPr>
+        </p:nvSpPr>
+        <p:spPr>
+          <a:xfrm>
+            <a:off x="1136428" y="627564"/>
+            <a:ext cx="7474172" cy="1325563"/>
+          </a:xfrm>
+        </p:spPr>
+        <p:txBody>
+          <a:bodyPr>
+            <a:normAutofit/>
+          </a:bodyPr>
+          <a:lstStyle/>
+          <a:p>
+            <a:r>
+              <a:rPr lang="es-ES" dirty="0" err="1"/>
+              <a:t>Esquio</a:t>
+            </a:r>
+            <a:r>
+              <a:rPr lang="es-ES" dirty="0"/>
+              <a:t> and </a:t>
+            </a:r>
+            <a:r>
+              <a:rPr lang="es-ES" dirty="0" err="1"/>
+              <a:t>Application</a:t>
+            </a:r>
+            <a:r>
+              <a:rPr lang="es-ES" dirty="0"/>
+              <a:t> Insights</a:t>
+            </a:r>
+          </a:p>
+        </p:txBody>
+      </p:sp>
+      <p:sp>
+        <p:nvSpPr>
+          <p:cNvPr id="10" name="Rectangle 9">
+            <a:extLst>
+              <a:ext uri="{FF2B5EF4-FFF2-40B4-BE49-F238E27FC236}">
+                <a16:creationId xmlns:a16="http://schemas.microsoft.com/office/drawing/2014/main" id="{59A309A7-1751-4ABE-A3C1-EEC40366AD89}"/>
+              </a:ext>
+              <a:ext uri="{C183D7F6-B498-43B3-948B-1728B52AA6E4}">
+                <adec:decorative xmlns:adec="http://schemas.microsoft.com/office/drawing/2017/decorative" val="1"/>
+              </a:ext>
+            </a:extLst>
+          </p:cNvPr>
+          <p:cNvSpPr>
+            <a:spLocks noGrp="1" noRot="1" noChangeAspect="1" noMove="1" noResize="1" noEditPoints="1" noAdjustHandles="1" noChangeArrowheads="1" noChangeShapeType="1" noTextEdit="1"/>
+          </p:cNvSpPr>
+          <p:nvPr>
+            <p:extLst>
+              <p:ext uri="{386F3935-93C4-4BCD-93E2-E3B085C9AB24}">
+                <p16:designElem xmlns:p16="http://schemas.microsoft.com/office/powerpoint/2015/main" val="1"/>
+              </p:ext>
+            </p:extLst>
+          </p:nvPr>
+        </p:nvSpPr>
+        <p:spPr>
+          <a:xfrm>
+            <a:off x="10088880" y="0"/>
+            <a:ext cx="2103120" cy="6858000"/>
+          </a:xfrm>
+          <a:prstGeom prst="rect">
+            <a:avLst/>
+          </a:prstGeom>
+          <a:solidFill>
+            <a:srgbClr val="1A5159"/>
+          </a:solidFill>
+          <a:ln>
+            <a:noFill/>
+          </a:ln>
+        </p:spPr>
+        <p:style>
+          <a:lnRef idx="2">
+            <a:schemeClr val="accent1">
+              <a:shade val="50000"/>
+            </a:schemeClr>
+          </a:lnRef>
+          <a:fillRef idx="1">
+            <a:schemeClr val="accent1"/>
+          </a:fillRef>
+          <a:effectRef idx="0">
+            <a:schemeClr val="accent1"/>
+          </a:effectRef>
+          <a:fontRef idx="minor">
+            <a:schemeClr val="lt1"/>
+          </a:fontRef>
+        </p:style>
+        <p:txBody>
+          <a:bodyPr rtlCol="0" anchor="ctr"/>
+          <a:lstStyle/>
+          <a:p>
+            <a:pPr algn="ctr"/>
+            <a:endParaRPr lang="en-US"/>
+          </a:p>
+        </p:txBody>
+      </p:sp>
+      <p:sp>
+        <p:nvSpPr>
+          <p:cNvPr id="12" name="Oval 11">
+            <a:extLst>
+              <a:ext uri="{FF2B5EF4-FFF2-40B4-BE49-F238E27FC236}">
+                <a16:creationId xmlns:a16="http://schemas.microsoft.com/office/drawing/2014/main" id="{967D8EB6-EAE1-4F9C-B398-83321E287204}"/>
+              </a:ext>
+              <a:ext uri="{C183D7F6-B498-43B3-948B-1728B52AA6E4}">
+                <adec:decorative xmlns:adec="http://schemas.microsoft.com/office/drawing/2017/decorative" val="1"/>
+              </a:ext>
+            </a:extLst>
+          </p:cNvPr>
+          <p:cNvSpPr>
+            <a:spLocks noGrp="1" noRot="1" noChangeAspect="1" noMove="1" noResize="1" noEditPoints="1" noAdjustHandles="1" noChangeArrowheads="1" noChangeShapeType="1" noTextEdit="1"/>
+          </p:cNvSpPr>
+          <p:nvPr>
+            <p:extLst>
+              <p:ext uri="{386F3935-93C4-4BCD-93E2-E3B085C9AB24}">
+                <p16:designElem xmlns:p16="http://schemas.microsoft.com/office/powerpoint/2015/main" val="1"/>
+              </p:ext>
+            </p:extLst>
+          </p:nvPr>
+        </p:nvSpPr>
+        <p:spPr>
+          <a:xfrm>
+            <a:off x="8915400" y="2358913"/>
+            <a:ext cx="2140172" cy="2140172"/>
+          </a:xfrm>
+          <a:prstGeom prst="ellipse">
+            <a:avLst/>
+          </a:prstGeom>
+          <a:solidFill>
+            <a:srgbClr val="FFFFFF"/>
+          </a:solidFill>
+          <a:ln w="22225">
+            <a:solidFill>
+              <a:srgbClr val="D5A556"/>
+            </a:solidFill>
+          </a:ln>
+        </p:spPr>
+        <p:style>
+          <a:lnRef idx="2">
+            <a:schemeClr val="accent1">
+              <a:shade val="50000"/>
+            </a:schemeClr>
+          </a:lnRef>
+          <a:fillRef idx="1">
+            <a:schemeClr val="accent1"/>
+          </a:fillRef>
+          <a:effectRef idx="0">
+            <a:schemeClr val="accent1"/>
+          </a:effectRef>
+          <a:fontRef idx="minor">
+            <a:schemeClr val="lt1"/>
+          </a:fontRef>
+        </p:style>
+        <p:txBody>
+          <a:bodyPr rtlCol="0" anchor="ctr"/>
+          <a:lstStyle/>
+          <a:p>
+            <a:pPr algn="ctr"/>
+            <a:endParaRPr lang="en-US"/>
+          </a:p>
+        </p:txBody>
+      </p:sp>
+      <p:pic>
+        <p:nvPicPr>
+          <p:cNvPr id="5" name="Picture 4" descr="A picture containing clipart&#10;&#10;Description automatically generated">
+            <a:extLst>
+              <a:ext uri="{FF2B5EF4-FFF2-40B4-BE49-F238E27FC236}">
+                <a16:creationId xmlns:a16="http://schemas.microsoft.com/office/drawing/2014/main" id="{4B98002B-827A-4805-ABAA-5A4E3B5F2B28}"/>
+              </a:ext>
+            </a:extLst>
+          </p:cNvPr>
+          <p:cNvPicPr>
+            <a:picLocks noChangeAspect="1"/>
+          </p:cNvPicPr>
+          <p:nvPr/>
+        </p:nvPicPr>
+        <p:blipFill>
+          <a:blip r:embed="rId2">
+            <a:extLst>
+              <a:ext uri="{28A0092B-C50C-407E-A947-70E740481C1C}">
+                <a14:useLocalDpi xmlns:a14="http://schemas.microsoft.com/office/drawing/2010/main" val="0"/>
+              </a:ext>
+            </a:extLst>
+          </a:blip>
+          <a:stretch>
+            <a:fillRect/>
+          </a:stretch>
+        </p:blipFill>
+        <p:spPr>
+          <a:xfrm>
+            <a:off x="9606868" y="2857501"/>
+            <a:ext cx="757236" cy="1142998"/>
+          </a:xfrm>
+          <a:prstGeom prst="rect">
+            <a:avLst/>
+          </a:prstGeom>
+        </p:spPr>
+      </p:pic>
+      <p:pic>
+        <p:nvPicPr>
+          <p:cNvPr id="4" name="Picture 3">
+            <a:extLst>
+              <a:ext uri="{FF2B5EF4-FFF2-40B4-BE49-F238E27FC236}">
+                <a16:creationId xmlns:a16="http://schemas.microsoft.com/office/drawing/2014/main" id="{2355972F-36B3-44F8-9420-2041EE7D4C3F}"/>
+              </a:ext>
+            </a:extLst>
+          </p:cNvPr>
+          <p:cNvPicPr>
+            <a:picLocks noChangeAspect="1"/>
+          </p:cNvPicPr>
+          <p:nvPr/>
+        </p:nvPicPr>
+        <p:blipFill>
+          <a:blip r:embed="rId3"/>
+          <a:stretch>
+            <a:fillRect/>
+          </a:stretch>
+        </p:blipFill>
+        <p:spPr>
+          <a:xfrm>
+            <a:off x="863941" y="2266449"/>
+            <a:ext cx="7705725" cy="2638425"/>
+          </a:xfrm>
+          <a:prstGeom prst="rect">
+            <a:avLst/>
+          </a:prstGeom>
+        </p:spPr>
+      </p:pic>
+    </p:spTree>
+    <p:extLst>
+      <p:ext uri="{BB962C8B-B14F-4D97-AF65-F5344CB8AC3E}">
+        <p14:creationId xmlns:p14="http://schemas.microsoft.com/office/powerpoint/2010/main" val="3166979672"/>
+      </p:ext>
+    </p:extLst>
+  </p:cSld>
+  <p:clrMapOvr>
+    <a:masterClrMapping/>
+  </p:clrMapOvr>
+</p:sld>
+</file>
+
+<file path=ppt/slides/slide35.xml><?xml version="1.0" encoding="utf-8"?>
+<p:sld xmlns:a="http://schemas.openxmlformats.org/drawingml/2006/main" xmlns:r="http://schemas.openxmlformats.org/officeDocument/2006/relationships" xmlns:p="http://schemas.openxmlformats.org/presentationml/2006/main">
+  <p:cSld>
+    <p:bg>
+      <p:bgPr>
+        <a:solidFill>
+          <a:schemeClr val="bg1"/>
+        </a:solidFill>
+        <a:effectLst/>
+      </p:bgPr>
+    </p:bg>
+    <p:spTree>
+      <p:nvGrpSpPr>
+        <p:cNvPr id="1" name=""/>
+        <p:cNvGrpSpPr/>
+        <p:nvPr/>
+      </p:nvGrpSpPr>
+      <p:grpSpPr>
+        <a:xfrm>
+          <a:off x="0" y="0"/>
+          <a:ext cx="0" cy="0"/>
+          <a:chOff x="0" y="0"/>
+          <a:chExt cx="0" cy="0"/>
+        </a:xfrm>
+      </p:grpSpPr>
+      <p:sp>
+        <p:nvSpPr>
+          <p:cNvPr id="2" name="Title 1">
+            <a:extLst>
+              <a:ext uri="{FF2B5EF4-FFF2-40B4-BE49-F238E27FC236}">
+                <a16:creationId xmlns:a16="http://schemas.microsoft.com/office/drawing/2014/main" id="{AFA3AD09-7FD8-4A45-AAD7-343A60A2E56F}"/>
+              </a:ext>
+            </a:extLst>
+          </p:cNvPr>
+          <p:cNvSpPr>
+            <a:spLocks noGrp="1"/>
+          </p:cNvSpPr>
+          <p:nvPr>
+            <p:ph type="title"/>
+          </p:nvPr>
+        </p:nvSpPr>
+        <p:spPr>
+          <a:xfrm>
+            <a:off x="1136428" y="627564"/>
+            <a:ext cx="7474172" cy="1325563"/>
+          </a:xfrm>
+        </p:spPr>
+        <p:txBody>
+          <a:bodyPr>
+            <a:normAutofit/>
+          </a:bodyPr>
+          <a:lstStyle/>
+          <a:p>
+            <a:r>
+              <a:rPr lang="es-ES" dirty="0" err="1"/>
+              <a:t>Esquio</a:t>
+            </a:r>
+            <a:r>
+              <a:rPr lang="es-ES" dirty="0"/>
+              <a:t> </a:t>
+            </a:r>
+            <a:r>
+              <a:rPr lang="es-ES" dirty="0" err="1"/>
+              <a:t>Instrumentation</a:t>
+            </a:r>
+            <a:endParaRPr lang="es-ES" dirty="0"/>
+          </a:p>
+        </p:txBody>
+      </p:sp>
+      <p:sp>
+        <p:nvSpPr>
+          <p:cNvPr id="10" name="Rectangle 9">
+            <a:extLst>
+              <a:ext uri="{FF2B5EF4-FFF2-40B4-BE49-F238E27FC236}">
+                <a16:creationId xmlns:a16="http://schemas.microsoft.com/office/drawing/2014/main" id="{59A309A7-1751-4ABE-A3C1-EEC40366AD89}"/>
+              </a:ext>
+              <a:ext uri="{C183D7F6-B498-43B3-948B-1728B52AA6E4}">
+                <adec:decorative xmlns:adec="http://schemas.microsoft.com/office/drawing/2017/decorative" val="1"/>
+              </a:ext>
+            </a:extLst>
+          </p:cNvPr>
+          <p:cNvSpPr>
+            <a:spLocks noGrp="1" noRot="1" noChangeAspect="1" noMove="1" noResize="1" noEditPoints="1" noAdjustHandles="1" noChangeArrowheads="1" noChangeShapeType="1" noTextEdit="1"/>
+          </p:cNvSpPr>
+          <p:nvPr>
+            <p:extLst>
+              <p:ext uri="{386F3935-93C4-4BCD-93E2-E3B085C9AB24}">
+                <p16:designElem xmlns:p16="http://schemas.microsoft.com/office/powerpoint/2015/main" val="1"/>
+              </p:ext>
+            </p:extLst>
+          </p:nvPr>
+        </p:nvSpPr>
+        <p:spPr>
+          <a:xfrm>
+            <a:off x="10088880" y="0"/>
+            <a:ext cx="2103120" cy="6858000"/>
+          </a:xfrm>
+          <a:prstGeom prst="rect">
+            <a:avLst/>
+          </a:prstGeom>
+          <a:solidFill>
+            <a:srgbClr val="1A5159"/>
+          </a:solidFill>
+          <a:ln>
+            <a:noFill/>
+          </a:ln>
+        </p:spPr>
+        <p:style>
+          <a:lnRef idx="2">
+            <a:schemeClr val="accent1">
+              <a:shade val="50000"/>
+            </a:schemeClr>
+          </a:lnRef>
+          <a:fillRef idx="1">
+            <a:schemeClr val="accent1"/>
+          </a:fillRef>
+          <a:effectRef idx="0">
+            <a:schemeClr val="accent1"/>
+          </a:effectRef>
+          <a:fontRef idx="minor">
+            <a:schemeClr val="lt1"/>
+          </a:fontRef>
+        </p:style>
+        <p:txBody>
+          <a:bodyPr rtlCol="0" anchor="ctr"/>
+          <a:lstStyle/>
+          <a:p>
+            <a:pPr algn="ctr"/>
+            <a:endParaRPr lang="en-US"/>
+          </a:p>
+        </p:txBody>
+      </p:sp>
+      <p:sp>
+        <p:nvSpPr>
+          <p:cNvPr id="12" name="Oval 11">
+            <a:extLst>
+              <a:ext uri="{FF2B5EF4-FFF2-40B4-BE49-F238E27FC236}">
+                <a16:creationId xmlns:a16="http://schemas.microsoft.com/office/drawing/2014/main" id="{967D8EB6-EAE1-4F9C-B398-83321E287204}"/>
+              </a:ext>
+              <a:ext uri="{C183D7F6-B498-43B3-948B-1728B52AA6E4}">
+                <adec:decorative xmlns:adec="http://schemas.microsoft.com/office/drawing/2017/decorative" val="1"/>
+              </a:ext>
+            </a:extLst>
+          </p:cNvPr>
+          <p:cNvSpPr>
+            <a:spLocks noGrp="1" noRot="1" noChangeAspect="1" noMove="1" noResize="1" noEditPoints="1" noAdjustHandles="1" noChangeArrowheads="1" noChangeShapeType="1" noTextEdit="1"/>
+          </p:cNvSpPr>
+          <p:nvPr>
+            <p:extLst>
+              <p:ext uri="{386F3935-93C4-4BCD-93E2-E3B085C9AB24}">
+                <p16:designElem xmlns:p16="http://schemas.microsoft.com/office/powerpoint/2015/main" val="1"/>
+              </p:ext>
+            </p:extLst>
+          </p:nvPr>
+        </p:nvSpPr>
+        <p:spPr>
+          <a:xfrm>
+            <a:off x="8915400" y="2358913"/>
+            <a:ext cx="2140172" cy="2140172"/>
+          </a:xfrm>
+          <a:prstGeom prst="ellipse">
+            <a:avLst/>
+          </a:prstGeom>
+          <a:solidFill>
+            <a:srgbClr val="FFFFFF"/>
+          </a:solidFill>
+          <a:ln w="22225">
+            <a:solidFill>
+              <a:srgbClr val="D5A556"/>
+            </a:solidFill>
+          </a:ln>
+        </p:spPr>
+        <p:style>
+          <a:lnRef idx="2">
+            <a:schemeClr val="accent1">
+              <a:shade val="50000"/>
+            </a:schemeClr>
+          </a:lnRef>
+          <a:fillRef idx="1">
+            <a:schemeClr val="accent1"/>
+          </a:fillRef>
+          <a:effectRef idx="0">
+            <a:schemeClr val="accent1"/>
+          </a:effectRef>
+          <a:fontRef idx="minor">
+            <a:schemeClr val="lt1"/>
+          </a:fontRef>
+        </p:style>
+        <p:txBody>
+          <a:bodyPr rtlCol="0" anchor="ctr"/>
+          <a:lstStyle/>
+          <a:p>
+            <a:pPr algn="ctr"/>
+            <a:endParaRPr lang="en-US"/>
+          </a:p>
+        </p:txBody>
+      </p:sp>
+      <p:pic>
+        <p:nvPicPr>
+          <p:cNvPr id="5" name="Picture 4" descr="A picture containing clipart&#10;&#10;Description automatically generated">
+            <a:extLst>
+              <a:ext uri="{FF2B5EF4-FFF2-40B4-BE49-F238E27FC236}">
+                <a16:creationId xmlns:a16="http://schemas.microsoft.com/office/drawing/2014/main" id="{4B98002B-827A-4805-ABAA-5A4E3B5F2B28}"/>
+              </a:ext>
+            </a:extLst>
+          </p:cNvPr>
+          <p:cNvPicPr>
+            <a:picLocks noChangeAspect="1"/>
+          </p:cNvPicPr>
+          <p:nvPr/>
+        </p:nvPicPr>
+        <p:blipFill>
+          <a:blip r:embed="rId2">
+            <a:extLst>
+              <a:ext uri="{28A0092B-C50C-407E-A947-70E740481C1C}">
+                <a14:useLocalDpi xmlns:a14="http://schemas.microsoft.com/office/drawing/2010/main" val="0"/>
+              </a:ext>
+            </a:extLst>
+          </a:blip>
+          <a:stretch>
+            <a:fillRect/>
+          </a:stretch>
+        </p:blipFill>
+        <p:spPr>
+          <a:xfrm>
+            <a:off x="9606868" y="2857501"/>
+            <a:ext cx="757236" cy="1142998"/>
+          </a:xfrm>
+          <a:prstGeom prst="rect">
+            <a:avLst/>
+          </a:prstGeom>
+        </p:spPr>
+      </p:pic>
+      <p:sp>
+        <p:nvSpPr>
+          <p:cNvPr id="7" name="Content Placeholder 2">
+            <a:extLst>
+              <a:ext uri="{FF2B5EF4-FFF2-40B4-BE49-F238E27FC236}">
+                <a16:creationId xmlns:a16="http://schemas.microsoft.com/office/drawing/2014/main" id="{0D32CEDA-8A37-40FE-8D24-7212061A34DD}"/>
+              </a:ext>
+            </a:extLst>
+          </p:cNvPr>
+          <p:cNvSpPr>
+            <a:spLocks noGrp="1"/>
+          </p:cNvSpPr>
+          <p:nvPr>
+            <p:ph idx="1"/>
+          </p:nvPr>
+        </p:nvSpPr>
+        <p:spPr>
+          <a:xfrm>
+            <a:off x="1136428" y="1953127"/>
+            <a:ext cx="7297358" cy="3567630"/>
+          </a:xfrm>
+        </p:spPr>
+        <p:txBody>
+          <a:bodyPr anchor="ctr">
+            <a:normAutofit fontScale="92500" lnSpcReduction="10000"/>
+          </a:bodyPr>
+          <a:lstStyle/>
+          <a:p>
+            <a:r>
+              <a:rPr lang="es-ES" sz="2400" i="1" dirty="0" err="1"/>
+              <a:t>Esquio</a:t>
+            </a:r>
+            <a:r>
+              <a:rPr lang="es-ES" sz="2400" i="1" dirty="0"/>
+              <a:t> </a:t>
+            </a:r>
+            <a:r>
+              <a:rPr lang="es-ES" sz="2400" i="1" dirty="0" err="1"/>
+              <a:t>instrumentation</a:t>
+            </a:r>
+            <a:r>
+              <a:rPr lang="es-ES" sz="2400" i="1" dirty="0"/>
+              <a:t> </a:t>
+            </a:r>
+            <a:r>
+              <a:rPr lang="es-ES" sz="2400" i="1" dirty="0" err="1"/>
+              <a:t>features</a:t>
+            </a:r>
+            <a:endParaRPr lang="es-ES" sz="2400" i="1" dirty="0"/>
+          </a:p>
+          <a:p>
+            <a:pPr lvl="1"/>
+            <a:r>
+              <a:rPr lang="es-ES" sz="1600" i="1" dirty="0"/>
+              <a:t>Performance </a:t>
+            </a:r>
+            <a:r>
+              <a:rPr lang="es-ES" sz="1600" i="1" dirty="0" err="1"/>
+              <a:t>Counters</a:t>
+            </a:r>
+            <a:endParaRPr lang="es-ES" sz="1600" i="1" dirty="0"/>
+          </a:p>
+          <a:p>
+            <a:pPr lvl="2"/>
+            <a:r>
+              <a:rPr lang="es-ES" sz="1200" i="1" dirty="0"/>
+              <a:t>Feature </a:t>
+            </a:r>
+            <a:r>
+              <a:rPr lang="es-ES" sz="1200" i="1" dirty="0" err="1"/>
+              <a:t>Evaluations</a:t>
+            </a:r>
+            <a:r>
+              <a:rPr lang="es-ES" sz="1200" i="1" dirty="0"/>
+              <a:t> per </a:t>
+            </a:r>
+            <a:r>
+              <a:rPr lang="es-ES" sz="1200" i="1" dirty="0" err="1"/>
+              <a:t>second</a:t>
+            </a:r>
+            <a:endParaRPr lang="es-ES" sz="1200" i="1" dirty="0"/>
+          </a:p>
+          <a:p>
+            <a:pPr lvl="2"/>
+            <a:r>
+              <a:rPr lang="es-ES" sz="1200" i="1" dirty="0"/>
+              <a:t>Feature </a:t>
+            </a:r>
+            <a:r>
+              <a:rPr lang="es-ES" sz="1200" i="1" dirty="0" err="1"/>
+              <a:t>Throws</a:t>
+            </a:r>
+            <a:r>
+              <a:rPr lang="es-ES" sz="1200" i="1" dirty="0"/>
+              <a:t> per </a:t>
+            </a:r>
+            <a:r>
+              <a:rPr lang="es-ES" sz="1200" i="1" dirty="0" err="1"/>
+              <a:t>second</a:t>
+            </a:r>
+            <a:endParaRPr lang="es-ES" sz="1200" i="1" dirty="0"/>
+          </a:p>
+          <a:p>
+            <a:pPr lvl="2"/>
+            <a:r>
+              <a:rPr lang="es-ES" sz="1200" i="1" dirty="0"/>
+              <a:t>Feature Not </a:t>
+            </a:r>
+            <a:r>
+              <a:rPr lang="es-ES" sz="1200" i="1" dirty="0" err="1"/>
+              <a:t>Found</a:t>
+            </a:r>
+            <a:r>
+              <a:rPr lang="es-ES" sz="1200" i="1" dirty="0"/>
+              <a:t> per </a:t>
+            </a:r>
+            <a:r>
+              <a:rPr lang="es-ES" sz="1200" i="1" dirty="0" err="1"/>
+              <a:t>second</a:t>
+            </a:r>
+            <a:endParaRPr lang="es-ES" sz="1200" i="1" dirty="0"/>
+          </a:p>
+          <a:p>
+            <a:pPr lvl="2"/>
+            <a:r>
+              <a:rPr lang="es-ES" sz="1200" i="1" dirty="0" err="1"/>
+              <a:t>Toggle</a:t>
+            </a:r>
+            <a:r>
+              <a:rPr lang="es-ES" sz="1200" i="1" dirty="0"/>
+              <a:t> </a:t>
+            </a:r>
+            <a:r>
+              <a:rPr lang="es-ES" sz="1200" i="1" dirty="0" err="1"/>
+              <a:t>Excutions</a:t>
+            </a:r>
+            <a:r>
+              <a:rPr lang="es-ES" sz="1200" i="1" dirty="0"/>
+              <a:t> </a:t>
+            </a:r>
+          </a:p>
+          <a:p>
+            <a:pPr lvl="2"/>
+            <a:r>
+              <a:rPr lang="es-ES" sz="1200" i="1" dirty="0" err="1"/>
+              <a:t>Toggle</a:t>
+            </a:r>
+            <a:r>
+              <a:rPr lang="es-ES" sz="1200" i="1" dirty="0"/>
+              <a:t> Execution </a:t>
+            </a:r>
+            <a:r>
+              <a:rPr lang="es-ES" sz="1200" i="1" dirty="0" err="1"/>
+              <a:t>Throws</a:t>
+            </a:r>
+            <a:endParaRPr lang="es-ES" sz="1200" i="1" dirty="0"/>
+          </a:p>
+          <a:p>
+            <a:pPr lvl="2"/>
+            <a:r>
+              <a:rPr lang="es-ES" sz="1200" i="1" dirty="0" err="1"/>
+              <a:t>Evaluation</a:t>
+            </a:r>
+            <a:r>
+              <a:rPr lang="es-ES" sz="1200" i="1" dirty="0"/>
+              <a:t> time for </a:t>
+            </a:r>
+            <a:r>
+              <a:rPr lang="es-ES" sz="1200" i="1" dirty="0" err="1"/>
+              <a:t>each</a:t>
+            </a:r>
+            <a:r>
+              <a:rPr lang="es-ES" sz="1200" i="1" dirty="0"/>
+              <a:t> feature</a:t>
+            </a:r>
+          </a:p>
+          <a:p>
+            <a:pPr lvl="1"/>
+            <a:r>
+              <a:rPr lang="es-ES" sz="1600" i="1" dirty="0" err="1"/>
+              <a:t>Diagnostics</a:t>
+            </a:r>
+            <a:r>
+              <a:rPr lang="es-ES" sz="1600" i="1" dirty="0"/>
+              <a:t> </a:t>
+            </a:r>
+            <a:r>
+              <a:rPr lang="es-ES" sz="1600" i="1" dirty="0" err="1"/>
+              <a:t>Source</a:t>
+            </a:r>
+            <a:endParaRPr lang="es-ES" sz="1600" i="1" dirty="0"/>
+          </a:p>
+          <a:p>
+            <a:pPr lvl="2"/>
+            <a:r>
+              <a:rPr lang="es-ES" sz="1200" i="1" dirty="0" err="1"/>
+              <a:t>FeatureEvaluationBegin</a:t>
+            </a:r>
+            <a:endParaRPr lang="es-ES" sz="1200" i="1" dirty="0"/>
+          </a:p>
+          <a:p>
+            <a:pPr lvl="2"/>
+            <a:r>
+              <a:rPr lang="es-ES" sz="1200" i="1" dirty="0" err="1"/>
+              <a:t>FeatureEvaluationEnd</a:t>
+            </a:r>
+            <a:endParaRPr lang="es-ES" sz="1200" i="1" dirty="0"/>
+          </a:p>
+          <a:p>
+            <a:pPr lvl="2"/>
+            <a:r>
+              <a:rPr lang="es-ES" sz="1200" i="1" dirty="0" err="1"/>
+              <a:t>FeatureEvaluationNotFound</a:t>
+            </a:r>
+            <a:endParaRPr lang="es-ES" sz="1200" i="1" dirty="0"/>
+          </a:p>
+          <a:p>
+            <a:pPr lvl="2"/>
+            <a:r>
+              <a:rPr lang="es-ES" sz="1200" i="1" dirty="0" err="1"/>
+              <a:t>FeatureEvaluationThrows</a:t>
+            </a:r>
+            <a:endParaRPr lang="es-ES" sz="1200" i="1" dirty="0"/>
+          </a:p>
+          <a:p>
+            <a:pPr lvl="2"/>
+            <a:r>
+              <a:rPr lang="es-ES" sz="1200" i="1" dirty="0" err="1"/>
+              <a:t>ToggleExecutionBegin</a:t>
+            </a:r>
+            <a:endParaRPr lang="es-ES" sz="1200" i="1" dirty="0"/>
+          </a:p>
+          <a:p>
+            <a:pPr lvl="2"/>
+            <a:r>
+              <a:rPr lang="es-ES" sz="1200" i="1" dirty="0" err="1"/>
+              <a:t>ToggleExecutionEnd</a:t>
+            </a:r>
+            <a:endParaRPr lang="es-ES" sz="1200" i="1" dirty="0"/>
+          </a:p>
+          <a:p>
+            <a:pPr lvl="1"/>
+            <a:r>
+              <a:rPr lang="es-ES" sz="1600" i="1" dirty="0"/>
+              <a:t>Event Trace for Windows</a:t>
+            </a:r>
+          </a:p>
+          <a:p>
+            <a:pPr marL="0" indent="0">
+              <a:buNone/>
+            </a:pPr>
+            <a:endParaRPr lang="es-ES" sz="2000" i="1" dirty="0"/>
+          </a:p>
+        </p:txBody>
+      </p:sp>
+    </p:spTree>
+    <p:extLst>
+      <p:ext uri="{BB962C8B-B14F-4D97-AF65-F5344CB8AC3E}">
+        <p14:creationId xmlns:p14="http://schemas.microsoft.com/office/powerpoint/2010/main" val="1873184600"/>
+      </p:ext>
+    </p:extLst>
+  </p:cSld>
+  <p:clrMapOvr>
+    <a:masterClrMapping/>
+  </p:clrMapOvr>
+</p:sld>
+</file>
+
+<file path=ppt/slides/slide36.xml><?xml version="1.0" encoding="utf-8"?>
+<p:sld xmlns:a="http://schemas.openxmlformats.org/drawingml/2006/main" xmlns:r="http://schemas.openxmlformats.org/officeDocument/2006/relationships" xmlns:p="http://schemas.openxmlformats.org/presentationml/2006/main">
+  <p:cSld>
+    <p:bg>
+      <p:bgPr>
+        <a:solidFill>
+          <a:schemeClr val="bg1"/>
+        </a:solidFill>
+        <a:effectLst/>
+      </p:bgPr>
+    </p:bg>
+    <p:spTree>
+      <p:nvGrpSpPr>
+        <p:cNvPr id="1" name=""/>
+        <p:cNvGrpSpPr/>
+        <p:nvPr/>
+      </p:nvGrpSpPr>
+      <p:grpSpPr>
+        <a:xfrm>
+          <a:off x="0" y="0"/>
+          <a:ext cx="0" cy="0"/>
+          <a:chOff x="0" y="0"/>
+          <a:chExt cx="0" cy="0"/>
+        </a:xfrm>
+      </p:grpSpPr>
+      <p:sp>
+        <p:nvSpPr>
+          <p:cNvPr id="2" name="Title 1">
+            <a:extLst>
+              <a:ext uri="{FF2B5EF4-FFF2-40B4-BE49-F238E27FC236}">
+                <a16:creationId xmlns:a16="http://schemas.microsoft.com/office/drawing/2014/main" id="{AFA3AD09-7FD8-4A45-AAD7-343A60A2E56F}"/>
+              </a:ext>
+            </a:extLst>
+          </p:cNvPr>
+          <p:cNvSpPr>
+            <a:spLocks noGrp="1"/>
+          </p:cNvSpPr>
+          <p:nvPr>
+            <p:ph type="title"/>
+          </p:nvPr>
+        </p:nvSpPr>
+        <p:spPr>
+          <a:xfrm>
+            <a:off x="1136428" y="627564"/>
+            <a:ext cx="7474172" cy="1325563"/>
+          </a:xfrm>
+        </p:spPr>
+        <p:txBody>
+          <a:bodyPr>
+            <a:normAutofit/>
+          </a:bodyPr>
+          <a:lstStyle/>
+          <a:p>
+            <a:r>
+              <a:rPr lang="es-ES" dirty="0" err="1"/>
+              <a:t>Esquio</a:t>
+            </a:r>
+            <a:r>
+              <a:rPr lang="es-ES" dirty="0"/>
+              <a:t> </a:t>
+            </a:r>
+            <a:r>
+              <a:rPr lang="es-ES" dirty="0" err="1"/>
+              <a:t>Instrumentation</a:t>
+            </a:r>
+            <a:endParaRPr lang="es-ES" dirty="0"/>
+          </a:p>
+        </p:txBody>
+      </p:sp>
+      <p:sp>
+        <p:nvSpPr>
+          <p:cNvPr id="10" name="Rectangle 9">
+            <a:extLst>
+              <a:ext uri="{FF2B5EF4-FFF2-40B4-BE49-F238E27FC236}">
+                <a16:creationId xmlns:a16="http://schemas.microsoft.com/office/drawing/2014/main" id="{59A309A7-1751-4ABE-A3C1-EEC40366AD89}"/>
+              </a:ext>
+              <a:ext uri="{C183D7F6-B498-43B3-948B-1728B52AA6E4}">
+                <adec:decorative xmlns:adec="http://schemas.microsoft.com/office/drawing/2017/decorative" val="1"/>
+              </a:ext>
+            </a:extLst>
+          </p:cNvPr>
+          <p:cNvSpPr>
+            <a:spLocks noGrp="1" noRot="1" noChangeAspect="1" noMove="1" noResize="1" noEditPoints="1" noAdjustHandles="1" noChangeArrowheads="1" noChangeShapeType="1" noTextEdit="1"/>
+          </p:cNvSpPr>
+          <p:nvPr>
+            <p:extLst>
+              <p:ext uri="{386F3935-93C4-4BCD-93E2-E3B085C9AB24}">
+                <p16:designElem xmlns:p16="http://schemas.microsoft.com/office/powerpoint/2015/main" val="1"/>
+              </p:ext>
+            </p:extLst>
+          </p:nvPr>
+        </p:nvSpPr>
+        <p:spPr>
+          <a:xfrm>
+            <a:off x="10088880" y="0"/>
+            <a:ext cx="2103120" cy="6858000"/>
+          </a:xfrm>
+          <a:prstGeom prst="rect">
+            <a:avLst/>
+          </a:prstGeom>
+          <a:solidFill>
+            <a:srgbClr val="1A5159"/>
+          </a:solidFill>
+          <a:ln>
+            <a:noFill/>
+          </a:ln>
+        </p:spPr>
+        <p:style>
+          <a:lnRef idx="2">
+            <a:schemeClr val="accent1">
+              <a:shade val="50000"/>
+            </a:schemeClr>
+          </a:lnRef>
+          <a:fillRef idx="1">
+            <a:schemeClr val="accent1"/>
+          </a:fillRef>
+          <a:effectRef idx="0">
+            <a:schemeClr val="accent1"/>
+          </a:effectRef>
+          <a:fontRef idx="minor">
+            <a:schemeClr val="lt1"/>
+          </a:fontRef>
+        </p:style>
+        <p:txBody>
+          <a:bodyPr rtlCol="0" anchor="ctr"/>
+          <a:lstStyle/>
+          <a:p>
+            <a:pPr algn="ctr"/>
+            <a:endParaRPr lang="en-US"/>
+          </a:p>
+        </p:txBody>
+      </p:sp>
+      <p:sp>
+        <p:nvSpPr>
+          <p:cNvPr id="12" name="Oval 11">
+            <a:extLst>
+              <a:ext uri="{FF2B5EF4-FFF2-40B4-BE49-F238E27FC236}">
+                <a16:creationId xmlns:a16="http://schemas.microsoft.com/office/drawing/2014/main" id="{967D8EB6-EAE1-4F9C-B398-83321E287204}"/>
+              </a:ext>
+              <a:ext uri="{C183D7F6-B498-43B3-948B-1728B52AA6E4}">
+                <adec:decorative xmlns:adec="http://schemas.microsoft.com/office/drawing/2017/decorative" val="1"/>
+              </a:ext>
+            </a:extLst>
+          </p:cNvPr>
+          <p:cNvSpPr>
+            <a:spLocks noGrp="1" noRot="1" noChangeAspect="1" noMove="1" noResize="1" noEditPoints="1" noAdjustHandles="1" noChangeArrowheads="1" noChangeShapeType="1" noTextEdit="1"/>
+          </p:cNvSpPr>
+          <p:nvPr>
+            <p:extLst>
+              <p:ext uri="{386F3935-93C4-4BCD-93E2-E3B085C9AB24}">
+                <p16:designElem xmlns:p16="http://schemas.microsoft.com/office/powerpoint/2015/main" val="1"/>
+              </p:ext>
+            </p:extLst>
+          </p:nvPr>
+        </p:nvSpPr>
+        <p:spPr>
+          <a:xfrm>
+            <a:off x="8915400" y="2358913"/>
+            <a:ext cx="2140172" cy="2140172"/>
+          </a:xfrm>
+          <a:prstGeom prst="ellipse">
+            <a:avLst/>
+          </a:prstGeom>
+          <a:solidFill>
+            <a:srgbClr val="FFFFFF"/>
+          </a:solidFill>
+          <a:ln w="22225">
+            <a:solidFill>
+              <a:srgbClr val="D5A556"/>
+            </a:solidFill>
+          </a:ln>
+        </p:spPr>
+        <p:style>
+          <a:lnRef idx="2">
+            <a:schemeClr val="accent1">
+              <a:shade val="50000"/>
+            </a:schemeClr>
+          </a:lnRef>
+          <a:fillRef idx="1">
+            <a:schemeClr val="accent1"/>
+          </a:fillRef>
+          <a:effectRef idx="0">
+            <a:schemeClr val="accent1"/>
+          </a:effectRef>
+          <a:fontRef idx="minor">
+            <a:schemeClr val="lt1"/>
+          </a:fontRef>
+        </p:style>
+        <p:txBody>
+          <a:bodyPr rtlCol="0" anchor="ctr"/>
+          <a:lstStyle/>
+          <a:p>
+            <a:pPr algn="ctr"/>
+            <a:endParaRPr lang="en-US"/>
+          </a:p>
+        </p:txBody>
+      </p:sp>
+      <p:pic>
+        <p:nvPicPr>
+          <p:cNvPr id="5" name="Picture 4" descr="A picture containing clipart&#10;&#10;Description automatically generated">
+            <a:extLst>
+              <a:ext uri="{FF2B5EF4-FFF2-40B4-BE49-F238E27FC236}">
+                <a16:creationId xmlns:a16="http://schemas.microsoft.com/office/drawing/2014/main" id="{4B98002B-827A-4805-ABAA-5A4E3B5F2B28}"/>
+              </a:ext>
+            </a:extLst>
+          </p:cNvPr>
+          <p:cNvPicPr>
+            <a:picLocks noChangeAspect="1"/>
+          </p:cNvPicPr>
+          <p:nvPr/>
+        </p:nvPicPr>
+        <p:blipFill>
+          <a:blip r:embed="rId2">
+            <a:extLst>
+              <a:ext uri="{28A0092B-C50C-407E-A947-70E740481C1C}">
+                <a14:useLocalDpi xmlns:a14="http://schemas.microsoft.com/office/drawing/2010/main" val="0"/>
+              </a:ext>
+            </a:extLst>
+          </a:blip>
+          <a:stretch>
+            <a:fillRect/>
+          </a:stretch>
+        </p:blipFill>
+        <p:spPr>
+          <a:xfrm>
+            <a:off x="9606868" y="2857501"/>
+            <a:ext cx="757236" cy="1142998"/>
+          </a:xfrm>
+          <a:prstGeom prst="rect">
+            <a:avLst/>
+          </a:prstGeom>
+        </p:spPr>
+      </p:pic>
+      <p:pic>
+        <p:nvPicPr>
+          <p:cNvPr id="3" name="Picture 2">
+            <a:extLst>
+              <a:ext uri="{FF2B5EF4-FFF2-40B4-BE49-F238E27FC236}">
+                <a16:creationId xmlns:a16="http://schemas.microsoft.com/office/drawing/2014/main" id="{B9F03463-30CB-4DAF-A2D8-BC81ACB4F388}"/>
+              </a:ext>
+            </a:extLst>
+          </p:cNvPr>
+          <p:cNvPicPr>
+            <a:picLocks noChangeAspect="1"/>
+          </p:cNvPicPr>
+          <p:nvPr/>
+        </p:nvPicPr>
+        <p:blipFill>
+          <a:blip r:embed="rId3"/>
+          <a:stretch>
+            <a:fillRect/>
+          </a:stretch>
+        </p:blipFill>
+        <p:spPr>
+          <a:xfrm>
+            <a:off x="2466376" y="1632432"/>
+            <a:ext cx="6449024" cy="2450138"/>
+          </a:xfrm>
+          <a:prstGeom prst="rect">
+            <a:avLst/>
+          </a:prstGeom>
+        </p:spPr>
+      </p:pic>
+      <p:pic>
+        <p:nvPicPr>
+          <p:cNvPr id="9" name="Picture 8">
+            <a:extLst>
+              <a:ext uri="{FF2B5EF4-FFF2-40B4-BE49-F238E27FC236}">
+                <a16:creationId xmlns:a16="http://schemas.microsoft.com/office/drawing/2014/main" id="{7747E908-E184-41A4-9AB4-AFC3003BE9DB}"/>
+              </a:ext>
+            </a:extLst>
+          </p:cNvPr>
+          <p:cNvPicPr>
+            <a:picLocks noChangeAspect="1"/>
+          </p:cNvPicPr>
+          <p:nvPr/>
+        </p:nvPicPr>
+        <p:blipFill>
+          <a:blip r:embed="rId4"/>
+          <a:stretch>
+            <a:fillRect/>
+          </a:stretch>
+        </p:blipFill>
+        <p:spPr>
+          <a:xfrm>
+            <a:off x="595902" y="3361858"/>
+            <a:ext cx="4788468" cy="3673052"/>
+          </a:xfrm>
+          <a:prstGeom prst="rect">
+            <a:avLst/>
+          </a:prstGeom>
+        </p:spPr>
+      </p:pic>
+    </p:spTree>
+    <p:extLst>
+      <p:ext uri="{BB962C8B-B14F-4D97-AF65-F5344CB8AC3E}">
+        <p14:creationId xmlns:p14="http://schemas.microsoft.com/office/powerpoint/2010/main" val="4275628497"/>
       </p:ext>
     </p:extLst>
   </p:cSld>
@@ -11859,24 +14126,13 @@
             </a:r>
             <a:r>
               <a:rPr lang="es-ES" dirty="0"/>
-              <a:t> </a:t>
-            </a:r>
-            <a:r>
-              <a:rPr lang="es-ES" dirty="0" err="1"/>
-              <a:t>Feature</a:t>
-            </a:r>
-            <a:r>
-              <a:rPr lang="es-ES" dirty="0"/>
-              <a:t> </a:t>
+              <a:t> Feature </a:t>
             </a:r>
             <a:r>
               <a:rPr lang="es-ES" dirty="0" err="1"/>
               <a:t>Flags</a:t>
             </a:r>
-            <a:r>
-              <a:rPr lang="es-ES" dirty="0"/>
-              <a:t>?</a:t>
-            </a:r>
+            <a:endParaRPr lang="es-ES" dirty="0"/>
           </a:p>
         </p:txBody>
       </p:sp>
@@ -11898,8 +14154,8 @@
         </p:nvSpPr>
         <p:spPr>
           <a:xfrm>
-            <a:off x="1136428" y="2663023"/>
-            <a:ext cx="8072022" cy="3672124"/>
+            <a:off x="1136428" y="2118375"/>
+            <a:ext cx="7160284" cy="4341148"/>
           </a:xfrm>
         </p:spPr>
         <p:txBody>
@@ -11909,28 +14165,53 @@
           <a:lstStyle/>
           <a:p>
             <a:r>
-              <a:rPr lang="es-ES" sz="2400" i="1" dirty="0" err="1"/>
-              <a:t>Our</a:t>
-            </a:r>
-            <a:r>
               <a:rPr lang="es-ES" sz="2400" i="1" dirty="0"/>
-              <a:t> </a:t>
-            </a:r>
-            <a:r>
-              <a:rPr lang="es-ES" sz="2400" i="1" dirty="0" err="1"/>
-              <a:t>vision</a:t>
-            </a:r>
-            <a:endParaRPr lang="es-ES" sz="2400" i="1" dirty="0"/>
+              <a:t>¿Easy?</a:t>
+            </a:r>
           </a:p>
           <a:p>
             <a:pPr lvl="1"/>
             <a:r>
+              <a:rPr lang="es-ES" sz="2000" i="1" dirty="0" err="1"/>
+              <a:t>Making</a:t>
+            </a:r>
+            <a:r>
               <a:rPr lang="es-ES" sz="2000" i="1" dirty="0"/>
-              <a:t>Is not </a:t>
+              <a:t> a </a:t>
             </a:r>
             <a:r>
               <a:rPr lang="es-ES" sz="2000" i="1" dirty="0" err="1"/>
-              <a:t>only</a:t>
+              <a:t>Flag|Feature</a:t>
+            </a:r>
+            <a:r>
+              <a:rPr lang="es-ES" sz="2000" i="1" dirty="0"/>
+              <a:t> Dynamic</a:t>
+            </a:r>
+          </a:p>
+          <a:p>
+            <a:pPr lvl="1"/>
+            <a:r>
+              <a:rPr lang="es-ES" sz="2000" i="1" dirty="0" err="1"/>
+              <a:t>Integrated</a:t>
+            </a:r>
+            <a:r>
+              <a:rPr lang="es-ES" sz="2000" i="1" dirty="0"/>
+              <a:t> with </a:t>
+            </a:r>
+            <a:r>
+              <a:rPr lang="es-ES" sz="2000" i="1" dirty="0" err="1"/>
+              <a:t>release</a:t>
+            </a:r>
+            <a:r>
+              <a:rPr lang="es-ES" sz="2000" i="1" dirty="0"/>
+              <a:t> pipelines</a:t>
+            </a:r>
+          </a:p>
+          <a:p>
+            <a:pPr lvl="1"/>
+            <a:r>
+              <a:rPr lang="es-ES" sz="2000" i="1" dirty="0" err="1"/>
+              <a:t>Allow</a:t>
             </a:r>
             <a:r>
               <a:rPr lang="es-ES" sz="2000" i="1" dirty="0"/>
@@ -11938,297 +14219,276 @@
             </a:r>
             <a:r>
               <a:rPr lang="es-ES" sz="2000" i="1" dirty="0" err="1"/>
-              <a:t>about</a:t>
-            </a:r>
-            <a:r>
-              <a:rPr lang="es-ES" sz="2000" i="1" dirty="0"/>
-              <a:t> development, is a deployment </a:t>
-            </a:r>
-            <a:r>
-              <a:rPr lang="es-ES" sz="2000" i="1" dirty="0" err="1"/>
-              <a:t>practice</a:t>
-            </a:r>
-            <a:r>
-              <a:rPr lang="es-ES" sz="2000" i="1" dirty="0"/>
-              <a:t>.</a:t>
-            </a:r>
-          </a:p>
-          <a:p>
-            <a:pPr lvl="1"/>
-            <a:r>
-              <a:rPr lang="es-ES" sz="2000" i="1" dirty="0"/>
-              <a:t>Will be </a:t>
-            </a:r>
-            <a:r>
-              <a:rPr lang="es-ES" sz="2000" i="1" dirty="0" err="1"/>
-              <a:t>integrated</a:t>
-            </a:r>
-            <a:r>
-              <a:rPr lang="es-ES" sz="2000" i="1" dirty="0"/>
-              <a:t> with </a:t>
-            </a:r>
-            <a:r>
-              <a:rPr lang="es-ES" sz="2000" i="1" dirty="0" err="1"/>
-              <a:t>release</a:t>
-            </a:r>
-            <a:r>
-              <a:rPr lang="es-ES" sz="2000" i="1" dirty="0"/>
-              <a:t> pipelines.</a:t>
-            </a:r>
-          </a:p>
-          <a:p>
-            <a:pPr lvl="1"/>
-            <a:r>
-              <a:rPr lang="es-ES" sz="2000" i="1" dirty="0"/>
-              <a:t>Observable and </a:t>
-            </a:r>
-            <a:r>
-              <a:rPr lang="es-ES" sz="2000" i="1" dirty="0" err="1"/>
-              <a:t>measurable</a:t>
+              <a:t>toggle</a:t>
             </a:r>
             <a:r>
               <a:rPr lang="es-ES" sz="2000" i="1" dirty="0"/>
               <a:t> </a:t>
             </a:r>
+            <a:r>
+              <a:rPr lang="es-ES" sz="2000" i="1" dirty="0" err="1"/>
+              <a:t>configurations</a:t>
+            </a:r>
+            <a:endParaRPr lang="es-ES" sz="2000" i="1" dirty="0"/>
+          </a:p>
+          <a:p>
+            <a:pPr lvl="2"/>
+            <a:r>
+              <a:rPr lang="es-ES" sz="1600" i="1" dirty="0" err="1"/>
+              <a:t>How</a:t>
+            </a:r>
+            <a:r>
+              <a:rPr lang="es-ES" sz="1600" i="1" dirty="0"/>
+              <a:t> do </a:t>
+            </a:r>
+            <a:r>
+              <a:rPr lang="es-ES" sz="1600" i="1" dirty="0" err="1"/>
+              <a:t>rolling</a:t>
+            </a:r>
+            <a:r>
+              <a:rPr lang="es-ES" sz="1600" i="1" dirty="0"/>
+              <a:t> </a:t>
+            </a:r>
+            <a:r>
+              <a:rPr lang="es-ES" sz="1600" i="1" dirty="0" err="1"/>
+              <a:t>out</a:t>
+            </a:r>
+            <a:r>
+              <a:rPr lang="es-ES" sz="1600" i="1" dirty="0"/>
+              <a:t> to a </a:t>
+            </a:r>
+            <a:r>
+              <a:rPr lang="es-ES" sz="1600" i="1" dirty="0" err="1"/>
+              <a:t>percentage</a:t>
+            </a:r>
+            <a:r>
+              <a:rPr lang="es-ES" sz="1600" i="1" dirty="0"/>
+              <a:t> or </a:t>
+            </a:r>
+            <a:r>
+              <a:rPr lang="es-ES" sz="1600" i="1" dirty="0" err="1"/>
+              <a:t>users</a:t>
+            </a:r>
+            <a:r>
+              <a:rPr lang="es-ES" sz="1600" i="1" dirty="0"/>
+              <a:t> / </a:t>
+            </a:r>
+            <a:r>
+              <a:rPr lang="es-ES" sz="1600" i="1" dirty="0" err="1"/>
+              <a:t>sessions</a:t>
+            </a:r>
+            <a:r>
+              <a:rPr lang="es-ES" sz="1600" i="1" dirty="0"/>
+              <a:t> </a:t>
+            </a:r>
+            <a:r>
+              <a:rPr lang="es-ES" sz="1600" i="1" dirty="0" err="1"/>
+              <a:t>etc</a:t>
+            </a:r>
+            <a:r>
+              <a:rPr lang="es-ES" sz="1600" i="1" dirty="0"/>
+              <a:t>?</a:t>
+            </a:r>
+          </a:p>
+          <a:p>
+            <a:pPr lvl="2"/>
+            <a:r>
+              <a:rPr lang="es-ES" sz="1600" i="1" dirty="0" err="1"/>
+              <a:t>How</a:t>
+            </a:r>
+            <a:r>
+              <a:rPr lang="es-ES" sz="1600" i="1" dirty="0"/>
+              <a:t> check </a:t>
+            </a:r>
+            <a:r>
+              <a:rPr lang="es-ES" sz="1600" i="1" dirty="0" err="1"/>
+              <a:t>complex</a:t>
+            </a:r>
+            <a:r>
+              <a:rPr lang="es-ES" sz="1600" i="1" dirty="0"/>
+              <a:t> </a:t>
+            </a:r>
+            <a:r>
+              <a:rPr lang="es-ES" sz="1600" i="1" dirty="0" err="1"/>
+              <a:t>criteria</a:t>
+            </a:r>
+            <a:endParaRPr lang="es-ES" sz="1600" i="1" dirty="0"/>
+          </a:p>
+          <a:p>
+            <a:pPr lvl="3"/>
+            <a:r>
+              <a:rPr lang="es-ES" sz="1000" i="1" dirty="0"/>
+              <a:t>Between dates</a:t>
+            </a:r>
+          </a:p>
+          <a:p>
+            <a:pPr lvl="3"/>
+            <a:r>
+              <a:rPr lang="es-ES" sz="1000" i="1" dirty="0" err="1"/>
+              <a:t>Only</a:t>
+            </a:r>
+            <a:r>
+              <a:rPr lang="es-ES" sz="1000" i="1" dirty="0"/>
+              <a:t> for </a:t>
+            </a:r>
+            <a:r>
+              <a:rPr lang="es-ES" sz="1000" i="1" dirty="0" err="1"/>
+              <a:t>certain</a:t>
+            </a:r>
+            <a:r>
+              <a:rPr lang="es-ES" sz="1000" i="1" dirty="0"/>
+              <a:t> </a:t>
+            </a:r>
+            <a:r>
+              <a:rPr lang="es-ES" sz="1000" i="1" dirty="0" err="1"/>
+              <a:t>security</a:t>
+            </a:r>
+            <a:r>
+              <a:rPr lang="es-ES" sz="1000" i="1" dirty="0"/>
+              <a:t> roles</a:t>
+            </a:r>
+          </a:p>
+          <a:p>
+            <a:pPr lvl="3"/>
+            <a:r>
+              <a:rPr lang="es-ES" sz="1000" i="1" dirty="0" err="1"/>
+              <a:t>Users</a:t>
+            </a:r>
+            <a:r>
+              <a:rPr lang="es-ES" sz="1000" i="1" dirty="0"/>
+              <a:t> </a:t>
+            </a:r>
+            <a:r>
+              <a:rPr lang="es-ES" sz="1000" i="1" dirty="0" err="1"/>
+              <a:t>from</a:t>
+            </a:r>
+            <a:r>
+              <a:rPr lang="es-ES" sz="1000" i="1" dirty="0"/>
+              <a:t> </a:t>
+            </a:r>
+            <a:r>
+              <a:rPr lang="es-ES" sz="1000" i="1" dirty="0" err="1"/>
+              <a:t>specified</a:t>
+            </a:r>
+            <a:r>
+              <a:rPr lang="es-ES" sz="1000" i="1" dirty="0"/>
+              <a:t> </a:t>
+            </a:r>
+            <a:r>
+              <a:rPr lang="es-ES" sz="1000" i="1" dirty="0" err="1"/>
+              <a:t>countries</a:t>
+            </a:r>
+            <a:endParaRPr lang="es-ES" sz="1000" i="1" dirty="0"/>
+          </a:p>
+          <a:p>
+            <a:pPr lvl="3"/>
+            <a:r>
+              <a:rPr lang="es-ES" sz="1000" i="1" dirty="0"/>
+              <a:t>…</a:t>
+            </a:r>
           </a:p>
           <a:p>
             <a:pPr lvl="1"/>
             <a:r>
-              <a:rPr lang="es-ES" sz="2000" i="1" dirty="0" err="1"/>
-              <a:t>Centralized</a:t>
-            </a:r>
-            <a:r>
-              <a:rPr lang="es-ES" sz="2000" i="1" dirty="0"/>
-              <a:t> multi </a:t>
-            </a:r>
-            <a:r>
-              <a:rPr lang="es-ES" sz="2000" i="1" dirty="0" err="1"/>
-              <a:t>solution</a:t>
-            </a:r>
-            <a:r>
-              <a:rPr lang="es-ES" sz="2000" i="1" dirty="0"/>
-              <a:t> feature </a:t>
-            </a:r>
-            <a:r>
-              <a:rPr lang="es-ES" sz="2000" i="1" dirty="0" err="1"/>
-              <a:t>configuration</a:t>
-            </a:r>
-            <a:r>
-              <a:rPr lang="es-ES" sz="2000" i="1" dirty="0"/>
-              <a:t>.</a:t>
-            </a:r>
-          </a:p>
-          <a:p>
-            <a:r>
-              <a:rPr lang="es-ES" sz="2400" i="1" dirty="0"/>
-              <a:t>..</a:t>
-            </a:r>
-            <a:r>
-              <a:rPr lang="es-ES" sz="2400" i="1" dirty="0" err="1"/>
-              <a:t>we</a:t>
-            </a:r>
-            <a:r>
-              <a:rPr lang="es-ES" sz="2400" i="1" dirty="0"/>
-              <a:t> use some this </a:t>
-            </a:r>
-            <a:r>
-              <a:rPr lang="es-ES" sz="2400" i="1" dirty="0" err="1"/>
-              <a:t>definitions</a:t>
-            </a:r>
-            <a:endParaRPr lang="es-ES" sz="2400" i="1" dirty="0"/>
+              <a:rPr lang="es-ES" sz="1600" i="1" dirty="0" err="1"/>
+              <a:t>De-coupling</a:t>
+            </a:r>
+            <a:r>
+              <a:rPr lang="es-ES" sz="1600" i="1" dirty="0"/>
+              <a:t> </a:t>
+            </a:r>
+            <a:r>
+              <a:rPr lang="es-ES" sz="1600" i="1" dirty="0" err="1"/>
+              <a:t>decision</a:t>
+            </a:r>
+            <a:r>
+              <a:rPr lang="es-ES" sz="1600" i="1" dirty="0"/>
+              <a:t> </a:t>
+            </a:r>
+            <a:r>
+              <a:rPr lang="es-ES" sz="1600" i="1" dirty="0" err="1"/>
+              <a:t>points</a:t>
+            </a:r>
+            <a:r>
+              <a:rPr lang="es-ES" sz="1600" i="1" dirty="0"/>
+              <a:t> </a:t>
+            </a:r>
+            <a:r>
+              <a:rPr lang="es-ES" sz="1600" i="1" dirty="0" err="1"/>
+              <a:t>from</a:t>
+            </a:r>
+            <a:r>
+              <a:rPr lang="es-ES" sz="1600" i="1" dirty="0"/>
+              <a:t> </a:t>
+            </a:r>
+            <a:r>
+              <a:rPr lang="es-ES" sz="1600" i="1" dirty="0" err="1"/>
+              <a:t>decision</a:t>
+            </a:r>
+            <a:r>
+              <a:rPr lang="es-ES" sz="1600" i="1" dirty="0"/>
+              <a:t> </a:t>
+            </a:r>
+            <a:r>
+              <a:rPr lang="es-ES" sz="1600" i="1" dirty="0" err="1"/>
+              <a:t>logic</a:t>
+            </a:r>
+            <a:endParaRPr lang="es-ES" sz="1600" i="1" dirty="0"/>
           </a:p>
           <a:p>
             <a:pPr lvl="1"/>
             <a:r>
-              <a:rPr lang="es-ES" sz="2000" b="1" i="1" dirty="0"/>
-              <a:t>Feature </a:t>
-            </a:r>
-            <a:r>
-              <a:rPr lang="es-ES" sz="2000" i="1" dirty="0"/>
-              <a:t>is</a:t>
-            </a:r>
-            <a:r>
-              <a:rPr lang="es-ES" sz="2000" b="1" i="1" dirty="0"/>
+              <a:rPr lang="es-ES" sz="1600" i="1" dirty="0" err="1"/>
+              <a:t>Avoid</a:t>
+            </a:r>
+            <a:r>
+              <a:rPr lang="es-ES" sz="1600" i="1" dirty="0"/>
               <a:t> </a:t>
             </a:r>
             <a:r>
-              <a:rPr lang="es-ES" sz="2000" i="1" dirty="0"/>
-              <a:t>some </a:t>
-            </a:r>
-            <a:r>
-              <a:rPr lang="es-ES" sz="2000" i="1" dirty="0" err="1"/>
-              <a:t>functionality</a:t>
-            </a:r>
-            <a:r>
-              <a:rPr lang="es-ES" sz="2000" i="1" dirty="0"/>
+              <a:rPr lang="es-ES" sz="1600" i="1" dirty="0" err="1"/>
+              <a:t>conditionals</a:t>
+            </a:r>
+            <a:endParaRPr lang="es-ES" sz="1600" i="1" dirty="0"/>
+          </a:p>
+          <a:p>
+            <a:pPr lvl="2"/>
+            <a:r>
+              <a:rPr lang="es-ES" sz="1200" i="1" dirty="0" err="1"/>
+              <a:t>Allow</a:t>
+            </a:r>
+            <a:r>
+              <a:rPr lang="es-ES" sz="1200" i="1" dirty="0"/>
               <a:t> </a:t>
             </a:r>
             <a:r>
-              <a:rPr lang="es-ES" sz="2000" i="1" dirty="0" err="1"/>
-              <a:t>that</a:t>
-            </a:r>
-            <a:r>
-              <a:rPr lang="es-ES" sz="2000" i="1" dirty="0"/>
-              <a:t> can be </a:t>
-            </a:r>
-            <a:r>
-              <a:rPr lang="es-ES" sz="2000" i="1" dirty="0" err="1"/>
-              <a:t>deployed</a:t>
-            </a:r>
-            <a:r>
-              <a:rPr lang="es-ES" sz="2000" i="1" dirty="0"/>
+              <a:rPr lang="es-ES" sz="1200" i="1" dirty="0" err="1"/>
+              <a:t>alternative</a:t>
+            </a:r>
+            <a:r>
+              <a:rPr lang="es-ES" sz="1200" i="1" dirty="0"/>
               <a:t> </a:t>
             </a:r>
             <a:r>
-              <a:rPr lang="es-ES" sz="2000" i="1" dirty="0" err="1"/>
-              <a:t>without</a:t>
-            </a:r>
-            <a:r>
-              <a:rPr lang="es-ES" sz="2000" i="1" dirty="0"/>
+              <a:rPr lang="es-ES" sz="1200" i="1" dirty="0" err="1"/>
+              <a:t>Code</a:t>
+            </a:r>
+            <a:r>
+              <a:rPr lang="es-ES" sz="1200" i="1" dirty="0"/>
               <a:t> </a:t>
             </a:r>
             <a:r>
-              <a:rPr lang="es-ES" sz="2000" i="1" dirty="0" err="1"/>
-              <a:t>release</a:t>
-            </a:r>
-            <a:r>
-              <a:rPr lang="es-ES" sz="2000" i="1" dirty="0"/>
-              <a:t> </a:t>
-            </a:r>
-            <a:r>
-              <a:rPr lang="es-ES" sz="2000" i="1" dirty="0" err="1"/>
-              <a:t>it</a:t>
-            </a:r>
-            <a:r>
-              <a:rPr lang="es-ES" sz="2000" i="1" dirty="0"/>
-              <a:t>.</a:t>
-            </a:r>
-          </a:p>
-          <a:p>
-            <a:pPr lvl="1"/>
-            <a:r>
-              <a:rPr lang="es-ES" sz="2000" b="1" i="1" dirty="0" err="1"/>
-              <a:t>Toggle</a:t>
-            </a:r>
-            <a:r>
-              <a:rPr lang="es-ES" sz="2000" b="1" i="1" dirty="0"/>
-              <a:t> </a:t>
-            </a:r>
-            <a:r>
-              <a:rPr lang="es-ES" sz="2000" i="1" dirty="0"/>
-              <a:t>is a filter </a:t>
-            </a:r>
-            <a:r>
-              <a:rPr lang="es-ES" sz="2000" i="1" dirty="0" err="1"/>
-              <a:t>used</a:t>
-            </a:r>
-            <a:r>
-              <a:rPr lang="es-ES" sz="2000" i="1" dirty="0"/>
-              <a:t> to enable or </a:t>
-            </a:r>
-            <a:r>
-              <a:rPr lang="es-ES" sz="2000" i="1" dirty="0" err="1"/>
-              <a:t>disable</a:t>
-            </a:r>
-            <a:r>
-              <a:rPr lang="es-ES" sz="2000" i="1" dirty="0"/>
-              <a:t> some feature on </a:t>
-            </a:r>
-            <a:r>
-              <a:rPr lang="es-ES" sz="2000" i="1" dirty="0" err="1"/>
-              <a:t>runtime</a:t>
-            </a:r>
-            <a:r>
-              <a:rPr lang="es-ES" sz="2000" i="1" dirty="0"/>
-              <a:t>.</a:t>
-            </a:r>
-          </a:p>
-          <a:p>
-            <a:pPr lvl="1"/>
-            <a:r>
-              <a:rPr lang="es-ES" sz="2000" b="1" i="1" dirty="0" err="1"/>
-              <a:t>Product</a:t>
-            </a:r>
-            <a:r>
-              <a:rPr lang="es-ES" sz="2000" b="1" i="1" dirty="0"/>
-              <a:t> </a:t>
-            </a:r>
-            <a:r>
-              <a:rPr lang="es-ES" sz="2000" i="1" dirty="0" err="1"/>
-              <a:t>represent</a:t>
-            </a:r>
-            <a:r>
-              <a:rPr lang="es-ES" sz="2000" i="1" dirty="0"/>
-              <a:t> a software </a:t>
-            </a:r>
-            <a:r>
-              <a:rPr lang="es-ES" sz="2000" i="1" dirty="0" err="1"/>
-              <a:t>product</a:t>
-            </a:r>
-            <a:r>
-              <a:rPr lang="es-ES" sz="2000" i="1" dirty="0"/>
-              <a:t> with </a:t>
-            </a:r>
-            <a:r>
-              <a:rPr lang="es-ES" sz="2000" i="1" dirty="0" err="1"/>
-              <a:t>one</a:t>
-            </a:r>
-            <a:r>
-              <a:rPr lang="es-ES" sz="2000" i="1" dirty="0"/>
-              <a:t> or </a:t>
-            </a:r>
-            <a:r>
-              <a:rPr lang="es-ES" sz="2000" i="1" dirty="0" err="1"/>
-              <a:t>many</a:t>
-            </a:r>
-            <a:r>
-              <a:rPr lang="es-ES" sz="2000" i="1" dirty="0"/>
-              <a:t> </a:t>
-            </a:r>
-            <a:r>
-              <a:rPr lang="es-ES" sz="2000" i="1" dirty="0" err="1"/>
-              <a:t>different</a:t>
-            </a:r>
-            <a:r>
-              <a:rPr lang="es-ES" sz="2000" i="1" dirty="0"/>
-              <a:t> Projects  Web </a:t>
-            </a:r>
-            <a:r>
-              <a:rPr lang="es-ES" sz="2000" i="1" dirty="0" err="1"/>
-              <a:t>Sites</a:t>
-            </a:r>
-            <a:r>
-              <a:rPr lang="es-ES" sz="2000" i="1" dirty="0"/>
-              <a:t>, </a:t>
-            </a:r>
-            <a:r>
-              <a:rPr lang="es-ES" sz="2000" i="1" dirty="0" err="1"/>
-              <a:t>Background</a:t>
-            </a:r>
-            <a:r>
-              <a:rPr lang="es-ES" sz="2000" i="1" dirty="0"/>
-              <a:t> Services, </a:t>
-            </a:r>
-            <a:r>
-              <a:rPr lang="es-ES" sz="2000" i="1" dirty="0" err="1"/>
-              <a:t>mobile</a:t>
-            </a:r>
-            <a:r>
-              <a:rPr lang="es-ES" sz="2000" i="1" dirty="0"/>
-              <a:t> </a:t>
-            </a:r>
-            <a:r>
-              <a:rPr lang="es-ES" sz="2000" i="1" dirty="0" err="1"/>
-              <a:t>devices</a:t>
-            </a:r>
-            <a:r>
-              <a:rPr lang="es-ES" sz="2000" i="1" dirty="0"/>
-              <a:t> etc.</a:t>
-            </a:r>
-            <a:endParaRPr lang="es-ES" sz="2000" b="1" i="1" dirty="0"/>
-          </a:p>
-          <a:p>
-            <a:endParaRPr lang="es-ES" sz="2400" i="1" dirty="0"/>
+              <a:rPr lang="es-ES" sz="1200" i="1" dirty="0" err="1"/>
+              <a:t>Paths</a:t>
+            </a:r>
+            <a:r>
+              <a:rPr lang="es-ES" sz="1200" i="1" dirty="0"/>
+              <a:t>	</a:t>
+            </a:r>
+          </a:p>
+          <a:p>
+            <a:pPr lvl="2"/>
+            <a:endParaRPr lang="es-ES" sz="1200" i="1" dirty="0"/>
           </a:p>
           <a:p>
             <a:endParaRPr lang="es-ES" sz="2400" i="1" dirty="0"/>
@@ -12405,7 +14665,7 @@
     </p:spTree>
     <p:extLst>
       <p:ext uri="{BB962C8B-B14F-4D97-AF65-F5344CB8AC3E}">
-        <p14:creationId xmlns:p14="http://schemas.microsoft.com/office/powerpoint/2010/main" val="3428751503"/>
+        <p14:creationId xmlns:p14="http://schemas.microsoft.com/office/powerpoint/2010/main" val="3619956932"/>
       </p:ext>
     </p:extLst>
   </p:cSld>
@@ -12470,12 +14730,17 @@
           <a:p>
             <a:r>
               <a:rPr lang="es-ES" dirty="0" err="1"/>
-              <a:t>Esquio</a:t>
+              <a:t>About</a:t>
             </a:r>
             <a:r>
               <a:rPr lang="es-ES" dirty="0"/>
-              <a:t>??</a:t>
-            </a:r>
+              <a:t> Feature </a:t>
+            </a:r>
+            <a:r>
+              <a:rPr lang="es-ES" dirty="0" err="1"/>
+              <a:t>Flags</a:t>
+            </a:r>
+            <a:endParaRPr lang="es-ES" dirty="0"/>
           </a:p>
         </p:txBody>
       </p:sp>
@@ -12497,128 +14762,125 @@
         </p:nvSpPr>
         <p:spPr>
           <a:xfrm>
-            <a:off x="1136429" y="2278173"/>
-            <a:ext cx="6467867" cy="3450613"/>
+            <a:off x="1136428" y="2118375"/>
+            <a:ext cx="7160284" cy="4341148"/>
           </a:xfrm>
         </p:spPr>
         <p:txBody>
           <a:bodyPr anchor="ctr">
-            <a:normAutofit fontScale="92500"/>
+            <a:normAutofit/>
           </a:bodyPr>
           <a:lstStyle/>
           <a:p>
             <a:r>
-              <a:rPr lang="es-ES" sz="2400" dirty="0"/>
-              <a:t>A </a:t>
+              <a:rPr lang="es-ES" sz="2400" i="1" dirty="0" err="1"/>
+              <a:t>Competence</a:t>
             </a:r>
             <a:r>
               <a:rPr lang="es-ES" sz="2400" i="1" dirty="0"/>
-              <a:t>“</a:t>
-            </a:r>
-            <a:r>
-              <a:rPr lang="es-ES" sz="2400" i="1" dirty="0" err="1"/>
-              <a:t>feature</a:t>
-            </a:r>
-            <a:r>
-              <a:rPr lang="es-ES" sz="2400" i="1" dirty="0"/>
-              <a:t> </a:t>
-            </a:r>
-            <a:r>
-              <a:rPr lang="es-ES" sz="2400" i="1" dirty="0" err="1"/>
-              <a:t>flags</a:t>
-            </a:r>
-            <a:r>
-              <a:rPr lang="es-ES" sz="2400" i="1" dirty="0"/>
-              <a:t>” </a:t>
-            </a:r>
-            <a:r>
-              <a:rPr lang="es-ES" sz="2400" dirty="0" err="1"/>
-              <a:t>library</a:t>
-            </a:r>
-            <a:r>
-              <a:rPr lang="es-ES" sz="2400" dirty="0"/>
-              <a:t> for .NET Core 3.X </a:t>
-            </a:r>
-            <a:r>
-              <a:rPr lang="es-ES" sz="2400" dirty="0" err="1"/>
-              <a:t>developers</a:t>
-            </a:r>
-            <a:endParaRPr lang="es-ES" sz="2400" dirty="0"/>
+              <a:t> ( OSS )</a:t>
+            </a:r>
           </a:p>
           <a:p>
             <a:pPr lvl="1"/>
             <a:r>
-              <a:rPr lang="es-ES" i="1" dirty="0"/>
-              <a:t>ASP .NET Core 3</a:t>
-            </a:r>
+              <a:rPr lang="es-ES" sz="2000" i="1" dirty="0"/>
+              <a:t>Spring </a:t>
+            </a:r>
+            <a:r>
+              <a:rPr lang="es-ES" sz="2000" i="1" dirty="0" err="1"/>
+              <a:t>Boot</a:t>
+            </a:r>
+            <a:endParaRPr lang="es-ES" sz="2000" i="1" dirty="0"/>
           </a:p>
           <a:p>
             <a:pPr lvl="2"/>
             <a:r>
-              <a:rPr lang="es-ES" sz="2400" i="1" dirty="0"/>
-              <a:t>MVC</a:t>
+              <a:rPr lang="es-ES" dirty="0" err="1"/>
+              <a:t>Togglz</a:t>
+            </a:r>
+            <a:endParaRPr lang="es-ES" dirty="0"/>
+          </a:p>
+          <a:p>
+            <a:pPr lvl="3"/>
+            <a:r>
+              <a:rPr lang="es-ES" dirty="0"/>
+              <a:t>https://www.togglz.org/ </a:t>
+            </a:r>
+          </a:p>
+          <a:p>
+            <a:pPr lvl="3"/>
+            <a:r>
+              <a:rPr lang="es-ES" sz="1400" i="1" dirty="0"/>
+              <a:t>~ 65K download per </a:t>
+            </a:r>
+            <a:r>
+              <a:rPr lang="es-ES" sz="1400" i="1" dirty="0" err="1"/>
+              <a:t>month</a:t>
+            </a:r>
+            <a:endParaRPr lang="es-ES" sz="1400" i="1" dirty="0"/>
+          </a:p>
+          <a:p>
+            <a:pPr lvl="1"/>
+            <a:r>
+              <a:rPr lang="es-ES" sz="2000" i="1" dirty="0"/>
+              <a:t>PHP</a:t>
             </a:r>
           </a:p>
           <a:p>
             <a:pPr lvl="2"/>
             <a:r>
-              <a:rPr lang="es-ES" sz="2400" i="1" dirty="0"/>
-              <a:t>SPA</a:t>
-            </a:r>
-          </a:p>
-          <a:p>
-            <a:pPr lvl="1"/>
-            <a:r>
-              <a:rPr lang="es-ES" i="1" dirty="0" err="1"/>
-              <a:t>Background</a:t>
-            </a:r>
-            <a:r>
-              <a:rPr lang="es-ES" i="1" dirty="0"/>
-              <a:t> / </a:t>
-            </a:r>
-            <a:r>
-              <a:rPr lang="es-ES" i="1" dirty="0" err="1"/>
-              <a:t>Console</a:t>
-            </a:r>
-            <a:r>
-              <a:rPr lang="es-ES" i="1" dirty="0"/>
-              <a:t> apps</a:t>
-            </a:r>
-          </a:p>
-          <a:p>
-            <a:pPr lvl="1"/>
-            <a:r>
-              <a:rPr lang="es-ES" i="1" dirty="0"/>
-              <a:t>Xamarin</a:t>
-            </a:r>
-          </a:p>
-          <a:p>
-            <a:pPr lvl="1"/>
-            <a:r>
-              <a:rPr lang="es-ES" sz="2400" i="1" dirty="0"/>
-              <a:t>OSS, Apache 2</a:t>
-            </a:r>
-          </a:p>
-          <a:p>
-            <a:r>
-              <a:rPr lang="es-ES" sz="2400" i="1" dirty="0" err="1"/>
-              <a:t>Learn</a:t>
-            </a:r>
-            <a:endParaRPr lang="es-ES" sz="2400" i="1" dirty="0"/>
-          </a:p>
-          <a:p>
-            <a:pPr lvl="1"/>
-            <a:r>
-              <a:rPr lang="es-ES" sz="2000" i="1">
+              <a:rPr lang="es-ES" sz="1600" i="1" dirty="0"/>
+              <a:t>Etsy</a:t>
+            </a:r>
+          </a:p>
+          <a:p>
+            <a:pPr lvl="3"/>
+            <a:r>
+              <a:rPr lang="es-ES" sz="1400" i="1" dirty="0">
                 <a:hlinkClick r:id="rId2"/>
               </a:rPr>
-              <a:t>https://esquio.readthedocs.io/en/latest/</a:t>
-            </a:r>
-            <a:r>
-              <a:rPr lang="es-ES" sz="2000" i="1"/>
+              <a:t>https://github.com/etsy/feature</a:t>
+            </a:r>
+            <a:r>
+              <a:rPr lang="es-ES" sz="1400" i="1" dirty="0"/>
               <a:t> </a:t>
             </a:r>
-            <a:endParaRPr lang="es-ES" sz="2000" i="1" dirty="0"/>
+          </a:p>
+          <a:p>
+            <a:pPr lvl="2"/>
+            <a:r>
+              <a:rPr lang="es-ES" sz="1600" i="1" dirty="0" err="1"/>
+              <a:t>Qandidate</a:t>
+            </a:r>
+            <a:endParaRPr lang="es-ES" sz="1600" i="1" dirty="0"/>
+          </a:p>
+          <a:p>
+            <a:pPr lvl="3"/>
+            <a:r>
+              <a:rPr lang="es-ES" sz="1400" i="1" dirty="0">
+                <a:hlinkClick r:id="rId3"/>
+              </a:rPr>
+              <a:t>http://labs.qandidate.com/blog/2014/08/18/a-new-feature-toggling-library-for-php/</a:t>
+            </a:r>
+            <a:r>
+              <a:rPr lang="es-ES" sz="1400" i="1" dirty="0"/>
+              <a:t> </a:t>
+            </a:r>
+            <a:r>
+              <a:rPr lang="es-ES" sz="1200" i="1" dirty="0"/>
+              <a:t>		</a:t>
+            </a:r>
+          </a:p>
+          <a:p>
+            <a:pPr lvl="2"/>
+            <a:endParaRPr lang="es-ES" sz="1200" i="1" dirty="0"/>
+          </a:p>
+          <a:p>
+            <a:endParaRPr lang="es-ES" sz="2400" i="1" dirty="0"/>
+          </a:p>
+          <a:p>
+            <a:endParaRPr lang="es-ES" sz="2400" i="1" dirty="0"/>
           </a:p>
         </p:txBody>
       </p:sp>
@@ -12765,7 +15027,7 @@
           <p:nvPr/>
         </p:nvPicPr>
         <p:blipFill>
-          <a:blip r:embed="rId3">
+          <a:blip r:embed="rId4">
             <a:extLst>
               <a:ext uri="{28A0092B-C50C-407E-A947-70E740481C1C}">
                 <a14:useLocalDpi xmlns:a14="http://schemas.microsoft.com/office/drawing/2010/main" val="0"/>
@@ -12789,7 +15051,7 @@
     </p:spTree>
     <p:extLst>
       <p:ext uri="{BB962C8B-B14F-4D97-AF65-F5344CB8AC3E}">
-        <p14:creationId xmlns:p14="http://schemas.microsoft.com/office/powerpoint/2010/main" val="2451453736"/>
+        <p14:creationId xmlns:p14="http://schemas.microsoft.com/office/powerpoint/2010/main" val="3028786223"/>
       </p:ext>
     </p:extLst>
   </p:cSld>
@@ -12853,14 +15115,141 @@
           <a:lstStyle/>
           <a:p>
             <a:r>
+              <a:rPr lang="es-ES" dirty="0" err="1"/>
+              <a:t>About</a:t>
+            </a:r>
+            <a:r>
               <a:rPr lang="es-ES" dirty="0"/>
-              <a:t>ASP.NET Core 3 + </a:t>
+              <a:t> Feature </a:t>
             </a:r>
             <a:r>
               <a:rPr lang="es-ES" dirty="0" err="1"/>
-              <a:t>Esquio</a:t>
+              <a:t>Flags</a:t>
             </a:r>
             <a:endParaRPr lang="es-ES" dirty="0"/>
+          </a:p>
+        </p:txBody>
+      </p:sp>
+      <p:sp>
+        <p:nvSpPr>
+          <p:cNvPr id="3" name="Content Placeholder 2">
+            <a:extLst>
+              <a:ext uri="{FF2B5EF4-FFF2-40B4-BE49-F238E27FC236}">
+                <a16:creationId xmlns:a16="http://schemas.microsoft.com/office/drawing/2014/main" id="{5F733276-76D8-4B5E-9D4D-DEC298CE4848}"/>
+              </a:ext>
+            </a:extLst>
+          </p:cNvPr>
+          <p:cNvSpPr>
+            <a:spLocks noGrp="1"/>
+          </p:cNvSpPr>
+          <p:nvPr>
+            <p:ph idx="1"/>
+          </p:nvPr>
+        </p:nvSpPr>
+        <p:spPr>
+          <a:xfrm>
+            <a:off x="1136428" y="1761914"/>
+            <a:ext cx="7160284" cy="4341148"/>
+          </a:xfrm>
+        </p:spPr>
+        <p:txBody>
+          <a:bodyPr anchor="ctr">
+            <a:normAutofit/>
+          </a:bodyPr>
+          <a:lstStyle/>
+          <a:p>
+            <a:r>
+              <a:rPr lang="es-ES" sz="2400" i="1" dirty="0" err="1"/>
+              <a:t>Competence</a:t>
+            </a:r>
+            <a:r>
+              <a:rPr lang="es-ES" sz="2400" i="1" dirty="0"/>
+              <a:t> ( Comercial )</a:t>
+            </a:r>
+          </a:p>
+          <a:p>
+            <a:pPr lvl="1"/>
+            <a:r>
+              <a:rPr lang="es-ES" sz="2000" i="1" dirty="0" err="1"/>
+              <a:t>Launch</a:t>
+            </a:r>
+            <a:r>
+              <a:rPr lang="es-ES" sz="2000" i="1" dirty="0"/>
+              <a:t> </a:t>
+            </a:r>
+            <a:r>
+              <a:rPr lang="es-ES" sz="2000" i="1" dirty="0" err="1"/>
+              <a:t>Darkly</a:t>
+            </a:r>
+            <a:endParaRPr lang="es-ES" sz="2000" i="1" dirty="0"/>
+          </a:p>
+          <a:p>
+            <a:pPr lvl="2"/>
+            <a:r>
+              <a:rPr lang="es-ES" sz="1600" i="1" dirty="0">
+                <a:hlinkClick r:id="rId2"/>
+              </a:rPr>
+              <a:t>https://launchdarkly.com/</a:t>
+            </a:r>
+            <a:r>
+              <a:rPr lang="es-ES" sz="1600" i="1" dirty="0"/>
+              <a:t> </a:t>
+            </a:r>
+          </a:p>
+          <a:p>
+            <a:pPr lvl="1"/>
+            <a:r>
+              <a:rPr lang="es-ES" sz="2000" i="1" dirty="0" err="1"/>
+              <a:t>Rollout</a:t>
+            </a:r>
+            <a:endParaRPr lang="es-ES" sz="2000" i="1" dirty="0"/>
+          </a:p>
+          <a:p>
+            <a:pPr lvl="2"/>
+            <a:r>
+              <a:rPr lang="es-ES" sz="1600" i="1" dirty="0">
+                <a:hlinkClick r:id="rId3"/>
+              </a:rPr>
+              <a:t>https://rollout.io</a:t>
+            </a:r>
+            <a:endParaRPr lang="es-ES" sz="1600" i="1" dirty="0"/>
+          </a:p>
+          <a:p>
+            <a:pPr lvl="1"/>
+            <a:r>
+              <a:rPr lang="es-ES" sz="2000" i="1" dirty="0" err="1"/>
+              <a:t>Unleash</a:t>
+            </a:r>
+            <a:endParaRPr lang="es-ES" sz="2000" i="1" dirty="0"/>
+          </a:p>
+          <a:p>
+            <a:pPr lvl="2"/>
+            <a:r>
+              <a:rPr lang="es-ES" sz="1600" i="1" dirty="0">
+                <a:hlinkClick r:id="rId4"/>
+              </a:rPr>
+              <a:t>https://unleash.github.io/</a:t>
+            </a:r>
+            <a:r>
+              <a:rPr lang="es-ES" sz="1600" i="1" dirty="0"/>
+              <a:t> </a:t>
+            </a:r>
+          </a:p>
+          <a:p>
+            <a:pPr marL="457200" lvl="1" indent="0">
+              <a:buNone/>
+            </a:pPr>
+            <a:endParaRPr lang="es-ES" sz="1200" i="1" dirty="0"/>
+          </a:p>
+          <a:p>
+            <a:pPr lvl="2"/>
+            <a:endParaRPr lang="es-ES" sz="1200" i="1" dirty="0"/>
+          </a:p>
+          <a:p>
+            <a:endParaRPr lang="es-ES" sz="2400" i="1" dirty="0"/>
+          </a:p>
+          <a:p>
+            <a:endParaRPr lang="es-ES" sz="2400" i="1" dirty="0"/>
           </a:p>
         </p:txBody>
       </p:sp>
@@ -13007,7 +15396,7 @@
           <p:nvPr/>
         </p:nvPicPr>
         <p:blipFill>
-          <a:blip r:embed="rId2">
+          <a:blip r:embed="rId5">
             <a:extLst>
               <a:ext uri="{28A0092B-C50C-407E-A947-70E740481C1C}">
                 <a14:useLocalDpi xmlns:a14="http://schemas.microsoft.com/office/drawing/2010/main" val="0"/>
@@ -13028,132 +15417,10 @@
           </a:prstGeom>
         </p:spPr>
       </p:pic>
-      <p:pic>
-        <p:nvPicPr>
-          <p:cNvPr id="9" name="Picture 8">
-            <a:extLst>
-              <a:ext uri="{FF2B5EF4-FFF2-40B4-BE49-F238E27FC236}">
-                <a16:creationId xmlns:a16="http://schemas.microsoft.com/office/drawing/2014/main" id="{32C88752-36D9-42F8-95F3-07698E2DEA5E}"/>
-              </a:ext>
-            </a:extLst>
-          </p:cNvPr>
-          <p:cNvPicPr>
-            <a:picLocks noChangeAspect="1"/>
-          </p:cNvPicPr>
-          <p:nvPr/>
-        </p:nvPicPr>
-        <p:blipFill>
-          <a:blip r:embed="rId3"/>
-          <a:stretch>
-            <a:fillRect/>
-          </a:stretch>
-        </p:blipFill>
-        <p:spPr>
-          <a:xfrm>
-            <a:off x="211380" y="4345129"/>
-            <a:ext cx="8953500" cy="1466850"/>
-          </a:xfrm>
-          <a:prstGeom prst="rect">
-            <a:avLst/>
-          </a:prstGeom>
-        </p:spPr>
-      </p:pic>
-      <p:sp>
-        <p:nvSpPr>
-          <p:cNvPr id="13" name="Content Placeholder 2">
-            <a:extLst>
-              <a:ext uri="{FF2B5EF4-FFF2-40B4-BE49-F238E27FC236}">
-                <a16:creationId xmlns:a16="http://schemas.microsoft.com/office/drawing/2014/main" id="{E2C51F17-13DC-4F64-BCEF-91C2F0AFCBF4}"/>
-              </a:ext>
-            </a:extLst>
-          </p:cNvPr>
-          <p:cNvSpPr>
-            <a:spLocks noGrp="1"/>
-          </p:cNvSpPr>
-          <p:nvPr>
-            <p:ph idx="1"/>
-          </p:nvPr>
-        </p:nvSpPr>
-        <p:spPr>
-          <a:xfrm>
-            <a:off x="1136428" y="1750094"/>
-            <a:ext cx="6467867" cy="3450613"/>
-          </a:xfrm>
-        </p:spPr>
-        <p:txBody>
-          <a:bodyPr anchor="ctr">
-            <a:normAutofit/>
-          </a:bodyPr>
-          <a:lstStyle/>
-          <a:p>
-            <a:r>
-              <a:rPr lang="es-ES" sz="2400" i="1" dirty="0"/>
-              <a:t>Register and configure </a:t>
-            </a:r>
-            <a:r>
-              <a:rPr lang="es-ES" sz="2400" i="1" dirty="0" err="1"/>
-              <a:t>Esquio</a:t>
-            </a:r>
-            <a:endParaRPr lang="es-ES" sz="2400" i="1" dirty="0"/>
-          </a:p>
-          <a:p>
-            <a:pPr lvl="1"/>
-            <a:r>
-              <a:rPr lang="es-ES" sz="2000" i="1" dirty="0"/>
-              <a:t>Add </a:t>
-            </a:r>
-            <a:r>
-              <a:rPr lang="es-ES" sz="2000" i="1" dirty="0" err="1"/>
-              <a:t>Esquio</a:t>
-            </a:r>
-            <a:r>
-              <a:rPr lang="es-ES" sz="2000" i="1" dirty="0"/>
-              <a:t> dependencies </a:t>
-            </a:r>
-          </a:p>
-          <a:p>
-            <a:pPr lvl="1"/>
-            <a:r>
-              <a:rPr lang="es-ES" sz="2000" i="1" dirty="0"/>
-              <a:t>Add ASP.NET Core 3 dependencies</a:t>
-            </a:r>
-          </a:p>
-          <a:p>
-            <a:pPr lvl="1"/>
-            <a:r>
-              <a:rPr lang="es-ES" sz="2000" i="1" dirty="0"/>
-              <a:t>Set the </a:t>
-            </a:r>
-            <a:r>
-              <a:rPr lang="es-ES" sz="2000" b="1" i="1" dirty="0" err="1"/>
-              <a:t>configuration</a:t>
-            </a:r>
-            <a:r>
-              <a:rPr lang="es-ES" sz="2000" b="1" i="1" dirty="0"/>
-              <a:t> store </a:t>
-            </a:r>
-            <a:r>
-              <a:rPr lang="es-ES" sz="2000" i="1" dirty="0"/>
-              <a:t>to be </a:t>
-            </a:r>
-            <a:r>
-              <a:rPr lang="es-ES" sz="2000" i="1" dirty="0" err="1"/>
-              <a:t>used</a:t>
-            </a:r>
-            <a:endParaRPr lang="es-ES" sz="1200" i="1" dirty="0"/>
-          </a:p>
-          <a:p>
-            <a:endParaRPr lang="es-ES" sz="2400" i="1" dirty="0"/>
-          </a:p>
-          <a:p>
-            <a:endParaRPr lang="es-ES" sz="2400" i="1" dirty="0"/>
-          </a:p>
-        </p:txBody>
-      </p:sp>
     </p:spTree>
     <p:extLst>
       <p:ext uri="{BB962C8B-B14F-4D97-AF65-F5344CB8AC3E}">
-        <p14:creationId xmlns:p14="http://schemas.microsoft.com/office/powerpoint/2010/main" val="1606014857"/>
+        <p14:creationId xmlns:p14="http://schemas.microsoft.com/office/powerpoint/2010/main" val="1361058430"/>
       </p:ext>
     </p:extLst>
   </p:cSld>
@@ -13217,14 +15484,284 @@
           <a:lstStyle/>
           <a:p>
             <a:r>
+              <a:rPr lang="es-ES" dirty="0" err="1"/>
+              <a:t>About</a:t>
+            </a:r>
+            <a:r>
               <a:rPr lang="es-ES" dirty="0"/>
-              <a:t>ASP.NET Core 3 + </a:t>
+              <a:t> Feature </a:t>
             </a:r>
             <a:r>
               <a:rPr lang="es-ES" dirty="0" err="1"/>
-              <a:t>Esquio</a:t>
+              <a:t>Flags</a:t>
             </a:r>
             <a:endParaRPr lang="es-ES" dirty="0"/>
+          </a:p>
+        </p:txBody>
+      </p:sp>
+      <p:sp>
+        <p:nvSpPr>
+          <p:cNvPr id="3" name="Content Placeholder 2">
+            <a:extLst>
+              <a:ext uri="{FF2B5EF4-FFF2-40B4-BE49-F238E27FC236}">
+                <a16:creationId xmlns:a16="http://schemas.microsoft.com/office/drawing/2014/main" id="{5F733276-76D8-4B5E-9D4D-DEC298CE4848}"/>
+              </a:ext>
+            </a:extLst>
+          </p:cNvPr>
+          <p:cNvSpPr>
+            <a:spLocks noGrp="1"/>
+          </p:cNvSpPr>
+          <p:nvPr>
+            <p:ph idx="1"/>
+          </p:nvPr>
+        </p:nvSpPr>
+        <p:spPr>
+          <a:xfrm>
+            <a:off x="1136428" y="2221322"/>
+            <a:ext cx="8072022" cy="3672124"/>
+          </a:xfrm>
+        </p:spPr>
+        <p:txBody>
+          <a:bodyPr anchor="ctr">
+            <a:normAutofit/>
+          </a:bodyPr>
+          <a:lstStyle/>
+          <a:p>
+            <a:r>
+              <a:rPr lang="es-ES" sz="2400" i="1" dirty="0" err="1"/>
+              <a:t>Our</a:t>
+            </a:r>
+            <a:r>
+              <a:rPr lang="es-ES" sz="2400" i="1" dirty="0"/>
+              <a:t> </a:t>
+            </a:r>
+            <a:r>
+              <a:rPr lang="es-ES" sz="2400" i="1" dirty="0" err="1"/>
+              <a:t>vision</a:t>
+            </a:r>
+            <a:endParaRPr lang="es-ES" sz="2400" i="1" dirty="0"/>
+          </a:p>
+          <a:p>
+            <a:pPr lvl="1"/>
+            <a:r>
+              <a:rPr lang="es-ES" sz="2000" i="1" dirty="0"/>
+              <a:t>Is not </a:t>
+            </a:r>
+            <a:r>
+              <a:rPr lang="es-ES" sz="2000" b="1" i="1" dirty="0" err="1"/>
+              <a:t>only</a:t>
+            </a:r>
+            <a:r>
+              <a:rPr lang="es-ES" sz="2000" i="1" dirty="0"/>
+              <a:t> </a:t>
+            </a:r>
+            <a:r>
+              <a:rPr lang="es-ES" sz="2000" i="1" dirty="0" err="1"/>
+              <a:t>about</a:t>
+            </a:r>
+            <a:r>
+              <a:rPr lang="es-ES" sz="2000" i="1" dirty="0"/>
+              <a:t> </a:t>
+            </a:r>
+            <a:r>
+              <a:rPr lang="es-ES" sz="2000" b="1" i="1" dirty="0"/>
+              <a:t>development</a:t>
+            </a:r>
+            <a:r>
+              <a:rPr lang="es-ES" sz="2000" i="1" dirty="0"/>
+              <a:t>, is a </a:t>
+            </a:r>
+            <a:r>
+              <a:rPr lang="es-ES" sz="2000" b="1" i="1" dirty="0"/>
+              <a:t>deployment</a:t>
+            </a:r>
+            <a:r>
+              <a:rPr lang="es-ES" sz="2000" i="1" dirty="0"/>
+              <a:t> </a:t>
+            </a:r>
+            <a:r>
+              <a:rPr lang="es-ES" sz="2000" i="1" dirty="0" err="1"/>
+              <a:t>practice</a:t>
+            </a:r>
+            <a:r>
+              <a:rPr lang="es-ES" sz="2000" i="1" dirty="0"/>
+              <a:t>.</a:t>
+            </a:r>
+          </a:p>
+          <a:p>
+            <a:pPr lvl="1"/>
+            <a:r>
+              <a:rPr lang="es-ES" sz="2000" i="1" dirty="0"/>
+              <a:t>Will be </a:t>
+            </a:r>
+            <a:r>
+              <a:rPr lang="es-ES" sz="2000" b="1" i="1" dirty="0" err="1"/>
+              <a:t>integrated</a:t>
+            </a:r>
+            <a:r>
+              <a:rPr lang="es-ES" sz="2000" i="1" dirty="0"/>
+              <a:t> with </a:t>
+            </a:r>
+            <a:r>
+              <a:rPr lang="es-ES" sz="2000" b="1" i="1" dirty="0" err="1"/>
+              <a:t>release</a:t>
+            </a:r>
+            <a:r>
+              <a:rPr lang="es-ES" sz="2000" i="1" dirty="0"/>
+              <a:t> pipelines.</a:t>
+            </a:r>
+          </a:p>
+          <a:p>
+            <a:pPr lvl="1"/>
+            <a:r>
+              <a:rPr lang="es-ES" sz="2000" b="1" i="1" dirty="0"/>
+              <a:t>Observable</a:t>
+            </a:r>
+            <a:r>
+              <a:rPr lang="es-ES" sz="2000" i="1" dirty="0"/>
+              <a:t> and </a:t>
+            </a:r>
+            <a:r>
+              <a:rPr lang="es-ES" sz="2000" b="1" i="1" dirty="0" err="1"/>
+              <a:t>measurable</a:t>
+            </a:r>
+            <a:r>
+              <a:rPr lang="es-ES" sz="2000" i="1" dirty="0"/>
+              <a:t> </a:t>
+            </a:r>
+          </a:p>
+          <a:p>
+            <a:pPr lvl="1"/>
+            <a:r>
+              <a:rPr lang="es-ES" sz="2000" i="1" dirty="0" err="1"/>
+              <a:t>Centralized</a:t>
+            </a:r>
+            <a:r>
+              <a:rPr lang="es-ES" sz="2000" i="1" dirty="0"/>
+              <a:t> feature </a:t>
+            </a:r>
+            <a:r>
+              <a:rPr lang="es-ES" sz="2000" i="1" dirty="0" err="1"/>
+              <a:t>configuration</a:t>
+            </a:r>
+            <a:r>
+              <a:rPr lang="es-ES" sz="2000" i="1" dirty="0"/>
+              <a:t>.</a:t>
+            </a:r>
+          </a:p>
+          <a:p>
+            <a:pPr lvl="2"/>
+            <a:r>
+              <a:rPr lang="es-ES" sz="1600" i="1" dirty="0"/>
+              <a:t>Share feature </a:t>
+            </a:r>
+            <a:r>
+              <a:rPr lang="es-ES" sz="1600" i="1" dirty="0" err="1"/>
+              <a:t>configuration</a:t>
+            </a:r>
+            <a:r>
+              <a:rPr lang="es-ES" sz="1600" i="1" dirty="0"/>
+              <a:t> </a:t>
+            </a:r>
+            <a:r>
+              <a:rPr lang="es-ES" sz="1600" i="1" dirty="0" err="1"/>
+              <a:t>between</a:t>
+            </a:r>
+            <a:r>
+              <a:rPr lang="es-ES" sz="1600" i="1" dirty="0"/>
+              <a:t> </a:t>
+            </a:r>
+            <a:r>
+              <a:rPr lang="es-ES" sz="1600" i="1" dirty="0" err="1"/>
+              <a:t>micro-services</a:t>
+            </a:r>
+            <a:endParaRPr lang="es-ES" sz="1600" i="1" dirty="0"/>
+          </a:p>
+          <a:p>
+            <a:pPr lvl="2"/>
+            <a:r>
+              <a:rPr lang="es-ES" sz="1600" i="1" dirty="0"/>
+              <a:t>Share feature </a:t>
+            </a:r>
+            <a:r>
+              <a:rPr lang="es-ES" sz="1600" i="1" dirty="0" err="1"/>
+              <a:t>configuration</a:t>
+            </a:r>
+            <a:r>
+              <a:rPr lang="es-ES" sz="1600" i="1" dirty="0"/>
+              <a:t> </a:t>
+            </a:r>
+            <a:r>
+              <a:rPr lang="es-ES" sz="1600" i="1" dirty="0" err="1"/>
+              <a:t>between</a:t>
+            </a:r>
+            <a:r>
+              <a:rPr lang="es-ES" sz="1600" i="1" dirty="0"/>
+              <a:t> </a:t>
+            </a:r>
+            <a:r>
+              <a:rPr lang="es-ES" sz="1600" i="1" dirty="0" err="1"/>
+              <a:t>different</a:t>
+            </a:r>
+            <a:r>
+              <a:rPr lang="es-ES" sz="1600" i="1" dirty="0"/>
+              <a:t> Projects </a:t>
+            </a:r>
+            <a:r>
+              <a:rPr lang="es-ES" sz="1600" i="1" dirty="0" err="1"/>
+              <a:t>of</a:t>
+            </a:r>
+            <a:r>
+              <a:rPr lang="es-ES" sz="1600" i="1" dirty="0"/>
+              <a:t> the </a:t>
+            </a:r>
+            <a:r>
+              <a:rPr lang="es-ES" sz="1600" i="1" dirty="0" err="1"/>
+              <a:t>same</a:t>
+            </a:r>
+            <a:r>
+              <a:rPr lang="es-ES" sz="1600" i="1" dirty="0"/>
+              <a:t> </a:t>
+            </a:r>
+            <a:r>
+              <a:rPr lang="es-ES" sz="1600" i="1" dirty="0" err="1"/>
+              <a:t>solution</a:t>
+            </a:r>
+            <a:endParaRPr lang="es-ES" sz="1400" i="1" dirty="0"/>
+          </a:p>
+          <a:p>
+            <a:pPr lvl="2"/>
+            <a:r>
+              <a:rPr lang="es-ES" sz="1600" i="1" dirty="0"/>
+              <a:t>Azure | On-</a:t>
+            </a:r>
+            <a:r>
+              <a:rPr lang="es-ES" sz="1600" i="1" dirty="0" err="1"/>
+              <a:t>Premise</a:t>
+            </a:r>
+            <a:r>
+              <a:rPr lang="es-ES" sz="1600" i="1" dirty="0"/>
+              <a:t> | </a:t>
+            </a:r>
+            <a:r>
+              <a:rPr lang="es-ES" sz="1600" i="1" dirty="0" err="1"/>
+              <a:t>Containers</a:t>
+            </a:r>
+            <a:endParaRPr lang="es-ES" sz="1600" i="1" dirty="0"/>
+          </a:p>
+          <a:p>
+            <a:pPr lvl="1"/>
+            <a:r>
+              <a:rPr lang="es-ES" sz="2000" b="1" i="1" dirty="0"/>
+              <a:t>Extensible</a:t>
+            </a:r>
+            <a:endParaRPr lang="es-ES" sz="1600" i="1" dirty="0"/>
+          </a:p>
+          <a:p>
+            <a:endParaRPr lang="es-ES" sz="2400" i="1" dirty="0"/>
+          </a:p>
+          <a:p>
+            <a:endParaRPr lang="es-ES" sz="2400" i="1" dirty="0"/>
           </a:p>
         </p:txBody>
       </p:sp>
@@ -13392,247 +15929,10 @@
           </a:prstGeom>
         </p:spPr>
       </p:pic>
-      <p:sp>
-        <p:nvSpPr>
-          <p:cNvPr id="13" name="Content Placeholder 2">
-            <a:extLst>
-              <a:ext uri="{FF2B5EF4-FFF2-40B4-BE49-F238E27FC236}">
-                <a16:creationId xmlns:a16="http://schemas.microsoft.com/office/drawing/2014/main" id="{E2C51F17-13DC-4F64-BCEF-91C2F0AFCBF4}"/>
-              </a:ext>
-            </a:extLst>
-          </p:cNvPr>
-          <p:cNvSpPr>
-            <a:spLocks noGrp="1"/>
-          </p:cNvSpPr>
-          <p:nvPr>
-            <p:ph idx="1"/>
-          </p:nvPr>
-        </p:nvSpPr>
-        <p:spPr>
-          <a:xfrm>
-            <a:off x="1136428" y="1703692"/>
-            <a:ext cx="6467867" cy="3450613"/>
-          </a:xfrm>
-        </p:spPr>
-        <p:txBody>
-          <a:bodyPr anchor="ctr">
-            <a:normAutofit/>
-          </a:bodyPr>
-          <a:lstStyle/>
-          <a:p>
-            <a:r>
-              <a:rPr lang="es-ES" sz="2400" i="1" dirty="0" err="1"/>
-              <a:t>FeatureTagHelper</a:t>
-            </a:r>
-            <a:r>
-              <a:rPr lang="es-ES" sz="2400" i="1" dirty="0"/>
-              <a:t> </a:t>
-            </a:r>
-          </a:p>
-          <a:p>
-            <a:pPr lvl="1"/>
-            <a:r>
-              <a:rPr lang="es-ES" sz="2000" i="1" dirty="0" err="1"/>
-              <a:t>Enable</a:t>
-            </a:r>
-            <a:r>
-              <a:rPr lang="es-ES" sz="2000" i="1" dirty="0"/>
-              <a:t> </a:t>
-            </a:r>
-            <a:r>
-              <a:rPr lang="es-ES" sz="2000" i="1" dirty="0" err="1"/>
-              <a:t>or</a:t>
-            </a:r>
-            <a:r>
-              <a:rPr lang="es-ES" sz="2000" i="1" dirty="0"/>
-              <a:t> </a:t>
-            </a:r>
-            <a:r>
-              <a:rPr lang="es-ES" sz="2000" i="1" dirty="0" err="1"/>
-              <a:t>disable</a:t>
-            </a:r>
-            <a:r>
-              <a:rPr lang="es-ES" sz="2000" i="1" dirty="0"/>
-              <a:t> </a:t>
-            </a:r>
-            <a:r>
-              <a:rPr lang="es-ES" sz="2000" b="1" i="1" dirty="0" err="1"/>
-              <a:t>Razor</a:t>
-            </a:r>
-            <a:r>
-              <a:rPr lang="es-ES" sz="2000" i="1" dirty="0"/>
-              <a:t> </a:t>
-            </a:r>
-            <a:r>
-              <a:rPr lang="es-ES" sz="2000" i="1" dirty="0" err="1"/>
-              <a:t>content</a:t>
-            </a:r>
-            <a:r>
-              <a:rPr lang="es-ES" sz="2000" i="1" dirty="0"/>
-              <a:t> </a:t>
-            </a:r>
-            <a:r>
-              <a:rPr lang="es-ES" sz="2000" i="1" dirty="0" err="1"/>
-              <a:t>depending</a:t>
-            </a:r>
-            <a:r>
-              <a:rPr lang="es-ES" sz="2000" i="1" dirty="0"/>
-              <a:t> </a:t>
-            </a:r>
-            <a:r>
-              <a:rPr lang="es-ES" sz="2000" i="1" dirty="0" err="1"/>
-              <a:t>on</a:t>
-            </a:r>
-            <a:r>
-              <a:rPr lang="es-ES" sz="2000" i="1" dirty="0"/>
-              <a:t> </a:t>
-            </a:r>
-            <a:r>
-              <a:rPr lang="es-ES" sz="2000" i="1" dirty="0" err="1"/>
-              <a:t>feature</a:t>
-            </a:r>
-            <a:r>
-              <a:rPr lang="es-ES" sz="2000" i="1" dirty="0"/>
-              <a:t>(s) </a:t>
-            </a:r>
-            <a:r>
-              <a:rPr lang="es-ES" sz="2000" i="1" dirty="0" err="1"/>
-              <a:t>state</a:t>
-            </a:r>
-            <a:r>
-              <a:rPr lang="es-ES" sz="2000" i="1" dirty="0"/>
-              <a:t>.</a:t>
-            </a:r>
-          </a:p>
-          <a:p>
-            <a:pPr lvl="1"/>
-            <a:r>
-              <a:rPr lang="es-ES" sz="2000" b="1" i="1" dirty="0" err="1"/>
-              <a:t>Names</a:t>
-            </a:r>
-            <a:r>
-              <a:rPr lang="es-ES" sz="2000" b="1" i="1" dirty="0"/>
-              <a:t>, </a:t>
-            </a:r>
-            <a:r>
-              <a:rPr lang="es-ES" sz="2000" b="1" i="1" dirty="0" err="1"/>
-              <a:t>Include</a:t>
-            </a:r>
-            <a:r>
-              <a:rPr lang="es-ES" sz="2000" b="1" i="1" dirty="0"/>
-              <a:t>, </a:t>
-            </a:r>
-            <a:r>
-              <a:rPr lang="es-ES" sz="2000" b="1" i="1" dirty="0" err="1"/>
-              <a:t>Exclude</a:t>
-            </a:r>
-            <a:r>
-              <a:rPr lang="es-ES" sz="2000" i="1" dirty="0"/>
-              <a:t> </a:t>
-            </a:r>
-            <a:r>
-              <a:rPr lang="es-ES" sz="2000" i="1" dirty="0" err="1"/>
-              <a:t>properties</a:t>
-            </a:r>
-            <a:r>
-              <a:rPr lang="es-ES" sz="2000" i="1" dirty="0"/>
-              <a:t> </a:t>
-            </a:r>
-            <a:r>
-              <a:rPr lang="es-ES" sz="2000" i="1" dirty="0" err="1"/>
-              <a:t>to</a:t>
-            </a:r>
-            <a:r>
-              <a:rPr lang="es-ES" sz="2000" i="1" dirty="0"/>
-              <a:t> </a:t>
-            </a:r>
-            <a:r>
-              <a:rPr lang="es-ES" sz="2000" i="1" dirty="0" err="1"/>
-              <a:t>specify</a:t>
-            </a:r>
-            <a:r>
-              <a:rPr lang="es-ES" sz="2000" i="1" dirty="0"/>
-              <a:t> </a:t>
-            </a:r>
-            <a:r>
-              <a:rPr lang="es-ES" sz="2000" i="1" dirty="0" err="1"/>
-              <a:t>one</a:t>
-            </a:r>
-            <a:r>
-              <a:rPr lang="es-ES" sz="2000" i="1" dirty="0"/>
-              <a:t> </a:t>
-            </a:r>
-            <a:r>
-              <a:rPr lang="es-ES" sz="2000" i="1" dirty="0" err="1"/>
-              <a:t>or</a:t>
-            </a:r>
-            <a:r>
-              <a:rPr lang="es-ES" sz="2000" i="1" dirty="0"/>
-              <a:t> </a:t>
-            </a:r>
-            <a:r>
-              <a:rPr lang="es-ES" sz="2000" i="1" dirty="0" err="1"/>
-              <a:t>many</a:t>
-            </a:r>
-            <a:r>
-              <a:rPr lang="es-ES" sz="2000" i="1" dirty="0"/>
-              <a:t> </a:t>
-            </a:r>
-            <a:r>
-              <a:rPr lang="es-ES" sz="2000" i="1" dirty="0" err="1"/>
-              <a:t>features</a:t>
-            </a:r>
-            <a:r>
-              <a:rPr lang="es-ES" sz="2000" i="1" dirty="0"/>
-              <a:t> </a:t>
-            </a:r>
-            <a:r>
-              <a:rPr lang="es-ES" sz="2000" i="1" dirty="0" err="1"/>
-              <a:t>to</a:t>
-            </a:r>
-            <a:r>
-              <a:rPr lang="es-ES" sz="2000" i="1" dirty="0"/>
-              <a:t> be </a:t>
-            </a:r>
-            <a:r>
-              <a:rPr lang="es-ES" sz="2000" i="1" dirty="0" err="1"/>
-              <a:t>evaluated</a:t>
-            </a:r>
-            <a:r>
-              <a:rPr lang="es-ES" sz="2000" i="1" dirty="0"/>
-              <a:t>.</a:t>
-            </a:r>
-          </a:p>
-          <a:p>
-            <a:pPr lvl="1"/>
-            <a:r>
-              <a:rPr lang="es-ES" sz="2000" b="1" i="1" dirty="0" err="1"/>
-              <a:t>Product</a:t>
-            </a:r>
-            <a:r>
-              <a:rPr lang="es-ES" sz="2000" b="1" i="1" dirty="0"/>
-              <a:t> </a:t>
-            </a:r>
-            <a:r>
-              <a:rPr lang="es-ES" sz="2000" i="1" dirty="0" err="1"/>
-              <a:t>is</a:t>
-            </a:r>
-            <a:r>
-              <a:rPr lang="es-ES" sz="2000" i="1" dirty="0"/>
-              <a:t> </a:t>
-            </a:r>
-            <a:r>
-              <a:rPr lang="es-ES" sz="2000" i="1" dirty="0" err="1"/>
-              <a:t>optional</a:t>
-            </a:r>
-            <a:endParaRPr lang="es-ES" sz="2000" b="1" i="1" dirty="0"/>
-          </a:p>
-        </p:txBody>
-      </p:sp>
     </p:spTree>
     <p:extLst>
       <p:ext uri="{BB962C8B-B14F-4D97-AF65-F5344CB8AC3E}">
-        <p14:creationId xmlns:p14="http://schemas.microsoft.com/office/powerpoint/2010/main" val="697742857"/>
+        <p14:creationId xmlns:p14="http://schemas.microsoft.com/office/powerpoint/2010/main" val="3428751503"/>
       </p:ext>
     </p:extLst>
   </p:cSld>
@@ -13696,14 +15996,152 @@
           <a:lstStyle/>
           <a:p>
             <a:r>
-              <a:rPr lang="es-ES" dirty="0"/>
-              <a:t>ASP.NET Core 3 + </a:t>
-            </a:r>
-            <a:r>
               <a:rPr lang="es-ES" dirty="0" err="1"/>
               <a:t>Esquio</a:t>
             </a:r>
             <a:endParaRPr lang="es-ES" dirty="0"/>
+          </a:p>
+        </p:txBody>
+      </p:sp>
+      <p:sp>
+        <p:nvSpPr>
+          <p:cNvPr id="3" name="Content Placeholder 2">
+            <a:extLst>
+              <a:ext uri="{FF2B5EF4-FFF2-40B4-BE49-F238E27FC236}">
+                <a16:creationId xmlns:a16="http://schemas.microsoft.com/office/drawing/2014/main" id="{5F733276-76D8-4B5E-9D4D-DEC298CE4848}"/>
+              </a:ext>
+            </a:extLst>
+          </p:cNvPr>
+          <p:cNvSpPr>
+            <a:spLocks noGrp="1"/>
+          </p:cNvSpPr>
+          <p:nvPr>
+            <p:ph idx="1"/>
+          </p:nvPr>
+        </p:nvSpPr>
+        <p:spPr>
+          <a:xfrm>
+            <a:off x="1136428" y="2092193"/>
+            <a:ext cx="6467867" cy="3450613"/>
+          </a:xfrm>
+        </p:spPr>
+        <p:txBody>
+          <a:bodyPr anchor="ctr">
+            <a:normAutofit fontScale="92500"/>
+          </a:bodyPr>
+          <a:lstStyle/>
+          <a:p>
+            <a:r>
+              <a:rPr lang="es-ES" sz="2400" dirty="0"/>
+              <a:t>A </a:t>
+            </a:r>
+            <a:r>
+              <a:rPr lang="es-ES" sz="2400" i="1" dirty="0"/>
+              <a:t>“</a:t>
+            </a:r>
+            <a:r>
+              <a:rPr lang="es-ES" sz="2400" i="1" dirty="0" err="1"/>
+              <a:t>feature</a:t>
+            </a:r>
+            <a:r>
+              <a:rPr lang="es-ES" sz="2400" i="1" dirty="0"/>
+              <a:t> </a:t>
+            </a:r>
+            <a:r>
+              <a:rPr lang="es-ES" sz="2400" i="1" dirty="0" err="1"/>
+              <a:t>flags</a:t>
+            </a:r>
+            <a:r>
+              <a:rPr lang="es-ES" sz="2400" i="1" dirty="0"/>
+              <a:t>” </a:t>
+            </a:r>
+            <a:r>
+              <a:rPr lang="es-ES" sz="2400" dirty="0" err="1"/>
+              <a:t>library</a:t>
+            </a:r>
+            <a:r>
+              <a:rPr lang="es-ES" sz="2400" dirty="0"/>
+              <a:t> for .NET Core 3.X </a:t>
+            </a:r>
+            <a:r>
+              <a:rPr lang="es-ES" sz="2400" dirty="0" err="1"/>
+              <a:t>developers</a:t>
+            </a:r>
+            <a:endParaRPr lang="es-ES" sz="2400" dirty="0"/>
+          </a:p>
+          <a:p>
+            <a:pPr lvl="1"/>
+            <a:r>
+              <a:rPr lang="es-ES" i="1" dirty="0"/>
+              <a:t>ASP .NET Core 3</a:t>
+            </a:r>
+          </a:p>
+          <a:p>
+            <a:pPr lvl="2"/>
+            <a:r>
+              <a:rPr lang="es-ES" sz="2400" i="1" dirty="0"/>
+              <a:t>MVC</a:t>
+            </a:r>
+          </a:p>
+          <a:p>
+            <a:pPr lvl="2"/>
+            <a:r>
+              <a:rPr lang="es-ES" sz="2400" i="1" dirty="0"/>
+              <a:t>SPA</a:t>
+            </a:r>
+          </a:p>
+          <a:p>
+            <a:pPr lvl="1"/>
+            <a:r>
+              <a:rPr lang="es-ES" i="1" dirty="0" err="1"/>
+              <a:t>Background</a:t>
+            </a:r>
+            <a:r>
+              <a:rPr lang="es-ES" i="1" dirty="0"/>
+              <a:t> / </a:t>
+            </a:r>
+            <a:r>
+              <a:rPr lang="es-ES" i="1" dirty="0" err="1"/>
+              <a:t>Console</a:t>
+            </a:r>
+            <a:r>
+              <a:rPr lang="es-ES" i="1" dirty="0"/>
+              <a:t> apps</a:t>
+            </a:r>
+          </a:p>
+          <a:p>
+            <a:pPr lvl="1"/>
+            <a:r>
+              <a:rPr lang="es-ES" i="1" dirty="0"/>
+              <a:t>Xamarin</a:t>
+            </a:r>
+          </a:p>
+          <a:p>
+            <a:pPr lvl="1"/>
+            <a:r>
+              <a:rPr lang="es-ES" sz="2400" i="1" dirty="0"/>
+              <a:t>OSS, Apache 2</a:t>
+            </a:r>
+          </a:p>
+          <a:p>
+            <a:r>
+              <a:rPr lang="es-ES" sz="2400" i="1" dirty="0" err="1"/>
+              <a:t>Learn</a:t>
+            </a:r>
+            <a:endParaRPr lang="es-ES" sz="2400" i="1" dirty="0"/>
+          </a:p>
+          <a:p>
+            <a:pPr lvl="1"/>
+            <a:r>
+              <a:rPr lang="es-ES" sz="2000" i="1" dirty="0">
+                <a:hlinkClick r:id="rId2"/>
+              </a:rPr>
+              <a:t>https://esquio.readthedocs.io/en/latest/</a:t>
+            </a:r>
+            <a:r>
+              <a:rPr lang="es-ES" sz="2000" i="1" dirty="0"/>
+              <a:t> </a:t>
+            </a:r>
           </a:p>
         </p:txBody>
       </p:sp>
@@ -13850,7 +16288,7 @@
           <p:nvPr/>
         </p:nvPicPr>
         <p:blipFill>
-          <a:blip r:embed="rId2">
+          <a:blip r:embed="rId3">
             <a:extLst>
               <a:ext uri="{28A0092B-C50C-407E-A947-70E740481C1C}">
                 <a14:useLocalDpi xmlns:a14="http://schemas.microsoft.com/office/drawing/2010/main" val="0"/>
@@ -13871,40 +16309,10 @@
           </a:prstGeom>
         </p:spPr>
       </p:pic>
-      <p:pic>
-        <p:nvPicPr>
-          <p:cNvPr id="9" name="Picture 8">
-            <a:extLst>
-              <a:ext uri="{FF2B5EF4-FFF2-40B4-BE49-F238E27FC236}">
-                <a16:creationId xmlns:a16="http://schemas.microsoft.com/office/drawing/2014/main" id="{B3668CC8-D29F-4B68-9C6E-59E00FC3D756}"/>
-              </a:ext>
-            </a:extLst>
-          </p:cNvPr>
-          <p:cNvPicPr>
-            <a:picLocks noChangeAspect="1"/>
-          </p:cNvPicPr>
-          <p:nvPr/>
-        </p:nvPicPr>
-        <p:blipFill>
-          <a:blip r:embed="rId3"/>
-          <a:stretch>
-            <a:fillRect/>
-          </a:stretch>
-        </p:blipFill>
-        <p:spPr>
-          <a:xfrm>
-            <a:off x="509919" y="2562227"/>
-            <a:ext cx="8164475" cy="2140172"/>
-          </a:xfrm>
-          <a:prstGeom prst="rect">
-            <a:avLst/>
-          </a:prstGeom>
-        </p:spPr>
-      </p:pic>
     </p:spTree>
     <p:extLst>
       <p:ext uri="{BB962C8B-B14F-4D97-AF65-F5344CB8AC3E}">
-        <p14:creationId xmlns:p14="http://schemas.microsoft.com/office/powerpoint/2010/main" val="1743945250"/>
+        <p14:creationId xmlns:p14="http://schemas.microsoft.com/office/powerpoint/2010/main" val="2451453736"/>
       </p:ext>
     </p:extLst>
   </p:cSld>
@@ -14145,10 +16553,10 @@
       </p:pic>
       <p:pic>
         <p:nvPicPr>
-          <p:cNvPr id="6" name="Picture 5">
-            <a:extLst>
-              <a:ext uri="{FF2B5EF4-FFF2-40B4-BE49-F238E27FC236}">
-                <a16:creationId xmlns:a16="http://schemas.microsoft.com/office/drawing/2014/main" id="{C8AB4A07-9E76-454F-9F68-A8F17456E697}"/>
+          <p:cNvPr id="9" name="Picture 8">
+            <a:extLst>
+              <a:ext uri="{FF2B5EF4-FFF2-40B4-BE49-F238E27FC236}">
+                <a16:creationId xmlns:a16="http://schemas.microsoft.com/office/drawing/2014/main" id="{32C88752-36D9-42F8-95F3-07698E2DEA5E}"/>
               </a:ext>
             </a:extLst>
           </p:cNvPr>
@@ -14165,18 +16573,110 @@
         </p:blipFill>
         <p:spPr>
           <a:xfrm>
-            <a:off x="0" y="2336870"/>
-            <a:ext cx="8685896" cy="2568004"/>
+            <a:off x="211380" y="4345129"/>
+            <a:ext cx="8953500" cy="1466850"/>
           </a:xfrm>
           <a:prstGeom prst="rect">
             <a:avLst/>
           </a:prstGeom>
         </p:spPr>
       </p:pic>
+      <p:sp>
+        <p:nvSpPr>
+          <p:cNvPr id="13" name="Content Placeholder 2">
+            <a:extLst>
+              <a:ext uri="{FF2B5EF4-FFF2-40B4-BE49-F238E27FC236}">
+                <a16:creationId xmlns:a16="http://schemas.microsoft.com/office/drawing/2014/main" id="{E2C51F17-13DC-4F64-BCEF-91C2F0AFCBF4}"/>
+              </a:ext>
+            </a:extLst>
+          </p:cNvPr>
+          <p:cNvSpPr>
+            <a:spLocks noGrp="1"/>
+          </p:cNvSpPr>
+          <p:nvPr>
+            <p:ph idx="1"/>
+          </p:nvPr>
+        </p:nvSpPr>
+        <p:spPr>
+          <a:xfrm>
+            <a:off x="1136428" y="1750094"/>
+            <a:ext cx="6467867" cy="3450613"/>
+          </a:xfrm>
+        </p:spPr>
+        <p:txBody>
+          <a:bodyPr anchor="ctr">
+            <a:normAutofit/>
+          </a:bodyPr>
+          <a:lstStyle/>
+          <a:p>
+            <a:r>
+              <a:rPr lang="es-ES" sz="2400" i="1" dirty="0"/>
+              <a:t>Register and configure </a:t>
+            </a:r>
+            <a:r>
+              <a:rPr lang="es-ES" sz="2400" i="1" dirty="0" err="1"/>
+              <a:t>Esquio</a:t>
+            </a:r>
+            <a:endParaRPr lang="es-ES" sz="2400" i="1" dirty="0"/>
+          </a:p>
+          <a:p>
+            <a:pPr lvl="1"/>
+            <a:r>
+              <a:rPr lang="es-ES" sz="2000" i="1" dirty="0"/>
+              <a:t>Add </a:t>
+            </a:r>
+            <a:r>
+              <a:rPr lang="es-ES" sz="2000" i="1" dirty="0" err="1"/>
+              <a:t>Esquio</a:t>
+            </a:r>
+            <a:r>
+              <a:rPr lang="es-ES" sz="2000" i="1" dirty="0"/>
+              <a:t> dependencies </a:t>
+            </a:r>
+          </a:p>
+          <a:p>
+            <a:pPr lvl="1"/>
+            <a:r>
+              <a:rPr lang="es-ES" sz="2000" i="1" dirty="0"/>
+              <a:t>Add ASP.NET Core 3 dependencies</a:t>
+            </a:r>
+          </a:p>
+          <a:p>
+            <a:pPr lvl="1"/>
+            <a:r>
+              <a:rPr lang="es-ES" sz="2000" i="1" dirty="0"/>
+              <a:t>Set the </a:t>
+            </a:r>
+            <a:r>
+              <a:rPr lang="es-ES" sz="2000" b="1" i="1" dirty="0" err="1"/>
+              <a:t>configuration</a:t>
+            </a:r>
+            <a:r>
+              <a:rPr lang="es-ES" sz="2000" b="1" i="1" dirty="0"/>
+              <a:t> store </a:t>
+            </a:r>
+            <a:r>
+              <a:rPr lang="es-ES" sz="2000" i="1" dirty="0"/>
+              <a:t>to be </a:t>
+            </a:r>
+            <a:r>
+              <a:rPr lang="es-ES" sz="2000" i="1" dirty="0" err="1"/>
+              <a:t>used</a:t>
+            </a:r>
+            <a:endParaRPr lang="es-ES" sz="1200" i="1" dirty="0"/>
+          </a:p>
+          <a:p>
+            <a:endParaRPr lang="es-ES" sz="2400" i="1" dirty="0"/>
+          </a:p>
+          <a:p>
+            <a:endParaRPr lang="es-ES" sz="2400" i="1" dirty="0"/>
+          </a:p>
+        </p:txBody>
+      </p:sp>
     </p:spTree>
     <p:extLst>
       <p:ext uri="{BB962C8B-B14F-4D97-AF65-F5344CB8AC3E}">
-        <p14:creationId xmlns:p14="http://schemas.microsoft.com/office/powerpoint/2010/main" val="2798875696"/>
+        <p14:creationId xmlns:p14="http://schemas.microsoft.com/office/powerpoint/2010/main" val="1606014857"/>
       </p:ext>
     </p:extLst>
   </p:cSld>

--- a/docs/slides/esquio-overview-101.pptx
+++ b/docs/slides/esquio-overview-101.pptx
@@ -360,7 +360,7 @@
           <a:p>
             <a:fld id="{C312A4EA-1502-4072-B979-7D64E5120D8C}" type="datetimeFigureOut">
               <a:rPr lang="es-ES" smtClean="0"/>
-              <a:t>18/09/2019</a:t>
+              <a:t>20/09/2019</a:t>
             </a:fld>
             <a:endParaRPr lang="es-ES"/>
           </a:p>
@@ -560,7 +560,7 @@
           <a:p>
             <a:fld id="{C312A4EA-1502-4072-B979-7D64E5120D8C}" type="datetimeFigureOut">
               <a:rPr lang="es-ES" smtClean="0"/>
-              <a:t>18/09/2019</a:t>
+              <a:t>20/09/2019</a:t>
             </a:fld>
             <a:endParaRPr lang="es-ES"/>
           </a:p>
@@ -770,7 +770,7 @@
           <a:p>
             <a:fld id="{C312A4EA-1502-4072-B979-7D64E5120D8C}" type="datetimeFigureOut">
               <a:rPr lang="es-ES" smtClean="0"/>
-              <a:t>18/09/2019</a:t>
+              <a:t>20/09/2019</a:t>
             </a:fld>
             <a:endParaRPr lang="es-ES"/>
           </a:p>
@@ -970,7 +970,7 @@
           <a:p>
             <a:fld id="{C312A4EA-1502-4072-B979-7D64E5120D8C}" type="datetimeFigureOut">
               <a:rPr lang="es-ES" smtClean="0"/>
-              <a:t>18/09/2019</a:t>
+              <a:t>20/09/2019</a:t>
             </a:fld>
             <a:endParaRPr lang="es-ES"/>
           </a:p>
@@ -1246,7 +1246,7 @@
           <a:p>
             <a:fld id="{C312A4EA-1502-4072-B979-7D64E5120D8C}" type="datetimeFigureOut">
               <a:rPr lang="es-ES" smtClean="0"/>
-              <a:t>18/09/2019</a:t>
+              <a:t>20/09/2019</a:t>
             </a:fld>
             <a:endParaRPr lang="es-ES"/>
           </a:p>
@@ -1514,7 +1514,7 @@
           <a:p>
             <a:fld id="{C312A4EA-1502-4072-B979-7D64E5120D8C}" type="datetimeFigureOut">
               <a:rPr lang="es-ES" smtClean="0"/>
-              <a:t>18/09/2019</a:t>
+              <a:t>20/09/2019</a:t>
             </a:fld>
             <a:endParaRPr lang="es-ES"/>
           </a:p>
@@ -1929,7 +1929,7 @@
           <a:p>
             <a:fld id="{C312A4EA-1502-4072-B979-7D64E5120D8C}" type="datetimeFigureOut">
               <a:rPr lang="es-ES" smtClean="0"/>
-              <a:t>18/09/2019</a:t>
+              <a:t>20/09/2019</a:t>
             </a:fld>
             <a:endParaRPr lang="es-ES"/>
           </a:p>
@@ -2071,7 +2071,7 @@
           <a:p>
             <a:fld id="{C312A4EA-1502-4072-B979-7D64E5120D8C}" type="datetimeFigureOut">
               <a:rPr lang="es-ES" smtClean="0"/>
-              <a:t>18/09/2019</a:t>
+              <a:t>20/09/2019</a:t>
             </a:fld>
             <a:endParaRPr lang="es-ES"/>
           </a:p>
@@ -2184,7 +2184,7 @@
           <a:p>
             <a:fld id="{C312A4EA-1502-4072-B979-7D64E5120D8C}" type="datetimeFigureOut">
               <a:rPr lang="es-ES" smtClean="0"/>
-              <a:t>18/09/2019</a:t>
+              <a:t>20/09/2019</a:t>
             </a:fld>
             <a:endParaRPr lang="es-ES"/>
           </a:p>
@@ -2497,7 +2497,7 @@
           <a:p>
             <a:fld id="{C312A4EA-1502-4072-B979-7D64E5120D8C}" type="datetimeFigureOut">
               <a:rPr lang="es-ES" smtClean="0"/>
-              <a:t>18/09/2019</a:t>
+              <a:t>20/09/2019</a:t>
             </a:fld>
             <a:endParaRPr lang="es-ES"/>
           </a:p>
@@ -2786,7 +2786,7 @@
           <a:p>
             <a:fld id="{C312A4EA-1502-4072-B979-7D64E5120D8C}" type="datetimeFigureOut">
               <a:rPr lang="es-ES" smtClean="0"/>
-              <a:t>18/09/2019</a:t>
+              <a:t>20/09/2019</a:t>
             </a:fld>
             <a:endParaRPr lang="es-ES"/>
           </a:p>
@@ -3029,7 +3029,7 @@
           <a:p>
             <a:fld id="{C312A4EA-1502-4072-B979-7D64E5120D8C}" type="datetimeFigureOut">
               <a:rPr lang="es-ES" smtClean="0"/>
-              <a:t>18/09/2019</a:t>
+              <a:t>20/09/2019</a:t>
             </a:fld>
             <a:endParaRPr lang="es-ES"/>
           </a:p>
@@ -8779,20 +8779,6 @@
           <a:p>
             <a:r>
               <a:rPr lang="es-ES" sz="2400" i="1" dirty="0" err="1"/>
-              <a:t>OnToggle</a:t>
-            </a:r>
-            <a:endParaRPr lang="es-ES" sz="2400" i="1" dirty="0"/>
-          </a:p>
-          <a:p>
-            <a:r>
-              <a:rPr lang="es-ES" sz="2400" i="1" dirty="0" err="1"/>
-              <a:t>OffToggle</a:t>
-            </a:r>
-            <a:endParaRPr lang="es-ES" sz="2400" i="1" dirty="0"/>
-          </a:p>
-          <a:p>
-            <a:r>
-              <a:rPr lang="es-ES" sz="2400" i="1" dirty="0" err="1"/>
               <a:t>FromToToggle</a:t>
             </a:r>
             <a:endParaRPr lang="es-ES" sz="2400" i="1" dirty="0"/>
@@ -15572,8 +15558,8 @@
               <a:t>, is a </a:t>
             </a:r>
             <a:r>
-              <a:rPr lang="es-ES" sz="2000" b="1" i="1" dirty="0"/>
-              <a:t>deployment</a:t>
+              <a:rPr lang="es-ES" sz="2000" b="1" i="1" dirty="0" err="1"/>
+              <a:t>delivery</a:t>
             </a:r>
             <a:r>
               <a:rPr lang="es-ES" sz="2000" i="1" dirty="0"/>
@@ -15581,7 +15567,7 @@
             </a:r>
             <a:r>
               <a:rPr lang="es-ES" sz="2000" i="1" dirty="0" err="1"/>
-              <a:t>practice</a:t>
+              <a:t>strategy</a:t>
             </a:r>
             <a:r>
               <a:rPr lang="es-ES" sz="2000" i="1" dirty="0"/>

--- a/docs/slides/esquio-overview-101.pptx
+++ b/docs/slides/esquio-overview-101.pptx
@@ -41,6 +41,8 @@
     <p:sldId id="292" r:id="rId35"/>
     <p:sldId id="298" r:id="rId36"/>
     <p:sldId id="300" r:id="rId37"/>
+    <p:sldId id="302" r:id="rId38"/>
+    <p:sldId id="303" r:id="rId39"/>
   </p:sldIdLst>
   <p:sldSz cx="12192000" cy="6858000"/>
   <p:notesSz cx="6858000" cy="9144000"/>
@@ -202,6 +204,12 @@
             <p14:sldId id="300"/>
           </p14:sldIdLst>
         </p14:section>
+        <p14:section name="Esquio DevOps" id="{9B94ADCF-70F6-4CD4-92C1-1C8DDDD1B8F5}">
+          <p14:sldIdLst>
+            <p14:sldId id="302"/>
+            <p14:sldId id="303"/>
+          </p14:sldIdLst>
+        </p14:section>
       </p14:sectionLst>
     </p:ext>
     <p:ext uri="{EFAFB233-063F-42B5-8137-9DF3F51BA10A}">
@@ -360,7 +368,7 @@
           <a:p>
             <a:fld id="{C312A4EA-1502-4072-B979-7D64E5120D8C}" type="datetimeFigureOut">
               <a:rPr lang="es-ES" smtClean="0"/>
-              <a:t>20/09/2019</a:t>
+              <a:t>22/09/2019</a:t>
             </a:fld>
             <a:endParaRPr lang="es-ES"/>
           </a:p>
@@ -560,7 +568,7 @@
           <a:p>
             <a:fld id="{C312A4EA-1502-4072-B979-7D64E5120D8C}" type="datetimeFigureOut">
               <a:rPr lang="es-ES" smtClean="0"/>
-              <a:t>20/09/2019</a:t>
+              <a:t>22/09/2019</a:t>
             </a:fld>
             <a:endParaRPr lang="es-ES"/>
           </a:p>
@@ -770,7 +778,7 @@
           <a:p>
             <a:fld id="{C312A4EA-1502-4072-B979-7D64E5120D8C}" type="datetimeFigureOut">
               <a:rPr lang="es-ES" smtClean="0"/>
-              <a:t>20/09/2019</a:t>
+              <a:t>22/09/2019</a:t>
             </a:fld>
             <a:endParaRPr lang="es-ES"/>
           </a:p>
@@ -970,7 +978,7 @@
           <a:p>
             <a:fld id="{C312A4EA-1502-4072-B979-7D64E5120D8C}" type="datetimeFigureOut">
               <a:rPr lang="es-ES" smtClean="0"/>
-              <a:t>20/09/2019</a:t>
+              <a:t>22/09/2019</a:t>
             </a:fld>
             <a:endParaRPr lang="es-ES"/>
           </a:p>
@@ -1246,7 +1254,7 @@
           <a:p>
             <a:fld id="{C312A4EA-1502-4072-B979-7D64E5120D8C}" type="datetimeFigureOut">
               <a:rPr lang="es-ES" smtClean="0"/>
-              <a:t>20/09/2019</a:t>
+              <a:t>22/09/2019</a:t>
             </a:fld>
             <a:endParaRPr lang="es-ES"/>
           </a:p>
@@ -1514,7 +1522,7 @@
           <a:p>
             <a:fld id="{C312A4EA-1502-4072-B979-7D64E5120D8C}" type="datetimeFigureOut">
               <a:rPr lang="es-ES" smtClean="0"/>
-              <a:t>20/09/2019</a:t>
+              <a:t>22/09/2019</a:t>
             </a:fld>
             <a:endParaRPr lang="es-ES"/>
           </a:p>
@@ -1929,7 +1937,7 @@
           <a:p>
             <a:fld id="{C312A4EA-1502-4072-B979-7D64E5120D8C}" type="datetimeFigureOut">
               <a:rPr lang="es-ES" smtClean="0"/>
-              <a:t>20/09/2019</a:t>
+              <a:t>22/09/2019</a:t>
             </a:fld>
             <a:endParaRPr lang="es-ES"/>
           </a:p>
@@ -2071,7 +2079,7 @@
           <a:p>
             <a:fld id="{C312A4EA-1502-4072-B979-7D64E5120D8C}" type="datetimeFigureOut">
               <a:rPr lang="es-ES" smtClean="0"/>
-              <a:t>20/09/2019</a:t>
+              <a:t>22/09/2019</a:t>
             </a:fld>
             <a:endParaRPr lang="es-ES"/>
           </a:p>
@@ -2184,7 +2192,7 @@
           <a:p>
             <a:fld id="{C312A4EA-1502-4072-B979-7D64E5120D8C}" type="datetimeFigureOut">
               <a:rPr lang="es-ES" smtClean="0"/>
-              <a:t>20/09/2019</a:t>
+              <a:t>22/09/2019</a:t>
             </a:fld>
             <a:endParaRPr lang="es-ES"/>
           </a:p>
@@ -2497,7 +2505,7 @@
           <a:p>
             <a:fld id="{C312A4EA-1502-4072-B979-7D64E5120D8C}" type="datetimeFigureOut">
               <a:rPr lang="es-ES" smtClean="0"/>
-              <a:t>20/09/2019</a:t>
+              <a:t>22/09/2019</a:t>
             </a:fld>
             <a:endParaRPr lang="es-ES"/>
           </a:p>
@@ -2786,7 +2794,7 @@
           <a:p>
             <a:fld id="{C312A4EA-1502-4072-B979-7D64E5120D8C}" type="datetimeFigureOut">
               <a:rPr lang="es-ES" smtClean="0"/>
-              <a:t>20/09/2019</a:t>
+              <a:t>22/09/2019</a:t>
             </a:fld>
             <a:endParaRPr lang="es-ES"/>
           </a:p>
@@ -3029,7 +3037,7 @@
           <a:p>
             <a:fld id="{C312A4EA-1502-4072-B979-7D64E5120D8C}" type="datetimeFigureOut">
               <a:rPr lang="es-ES" smtClean="0"/>
-              <a:t>20/09/2019</a:t>
+              <a:t>22/09/2019</a:t>
             </a:fld>
             <a:endParaRPr lang="es-ES"/>
           </a:p>
@@ -14053,6 +14061,1055 @@
 </p:sld>
 </file>
 
+<file path=ppt/slides/slide37.xml><?xml version="1.0" encoding="utf-8"?>
+<p:sld xmlns:a="http://schemas.openxmlformats.org/drawingml/2006/main" xmlns:r="http://schemas.openxmlformats.org/officeDocument/2006/relationships" xmlns:p="http://schemas.openxmlformats.org/presentationml/2006/main">
+  <p:cSld>
+    <p:bg>
+      <p:bgPr>
+        <a:solidFill>
+          <a:schemeClr val="bg1"/>
+        </a:solidFill>
+        <a:effectLst/>
+      </p:bgPr>
+    </p:bg>
+    <p:spTree>
+      <p:nvGrpSpPr>
+        <p:cNvPr id="1" name=""/>
+        <p:cNvGrpSpPr/>
+        <p:nvPr/>
+      </p:nvGrpSpPr>
+      <p:grpSpPr>
+        <a:xfrm>
+          <a:off x="0" y="0"/>
+          <a:ext cx="0" cy="0"/>
+          <a:chOff x="0" y="0"/>
+          <a:chExt cx="0" cy="0"/>
+        </a:xfrm>
+      </p:grpSpPr>
+      <p:sp>
+        <p:nvSpPr>
+          <p:cNvPr id="2" name="Title 1">
+            <a:extLst>
+              <a:ext uri="{FF2B5EF4-FFF2-40B4-BE49-F238E27FC236}">
+                <a16:creationId xmlns:a16="http://schemas.microsoft.com/office/drawing/2014/main" id="{AFA3AD09-7FD8-4A45-AAD7-343A60A2E56F}"/>
+              </a:ext>
+            </a:extLst>
+          </p:cNvPr>
+          <p:cNvSpPr>
+            <a:spLocks noGrp="1"/>
+          </p:cNvSpPr>
+          <p:nvPr>
+            <p:ph type="title"/>
+          </p:nvPr>
+        </p:nvSpPr>
+        <p:spPr>
+          <a:xfrm>
+            <a:off x="1136428" y="627564"/>
+            <a:ext cx="7474172" cy="1325563"/>
+          </a:xfrm>
+        </p:spPr>
+        <p:txBody>
+          <a:bodyPr>
+            <a:normAutofit/>
+          </a:bodyPr>
+          <a:lstStyle/>
+          <a:p>
+            <a:r>
+              <a:rPr lang="es-ES" dirty="0" err="1"/>
+              <a:t>Esquio</a:t>
+            </a:r>
+            <a:r>
+              <a:rPr lang="es-ES" dirty="0"/>
+              <a:t> DevOps</a:t>
+            </a:r>
+          </a:p>
+        </p:txBody>
+      </p:sp>
+      <p:sp>
+        <p:nvSpPr>
+          <p:cNvPr id="10" name="Rectangle 9">
+            <a:extLst>
+              <a:ext uri="{FF2B5EF4-FFF2-40B4-BE49-F238E27FC236}">
+                <a16:creationId xmlns:a16="http://schemas.microsoft.com/office/drawing/2014/main" id="{59A309A7-1751-4ABE-A3C1-EEC40366AD89}"/>
+              </a:ext>
+              <a:ext uri="{C183D7F6-B498-43B3-948B-1728B52AA6E4}">
+                <adec:decorative xmlns:adec="http://schemas.microsoft.com/office/drawing/2017/decorative" val="1"/>
+              </a:ext>
+            </a:extLst>
+          </p:cNvPr>
+          <p:cNvSpPr>
+            <a:spLocks noGrp="1" noRot="1" noChangeAspect="1" noMove="1" noResize="1" noEditPoints="1" noAdjustHandles="1" noChangeArrowheads="1" noChangeShapeType="1" noTextEdit="1"/>
+          </p:cNvSpPr>
+          <p:nvPr>
+            <p:extLst>
+              <p:ext uri="{386F3935-93C4-4BCD-93E2-E3B085C9AB24}">
+                <p16:designElem xmlns:p16="http://schemas.microsoft.com/office/powerpoint/2015/main" val="1"/>
+              </p:ext>
+            </p:extLst>
+          </p:nvPr>
+        </p:nvSpPr>
+        <p:spPr>
+          <a:xfrm>
+            <a:off x="10088880" y="0"/>
+            <a:ext cx="2103120" cy="6858000"/>
+          </a:xfrm>
+          <a:prstGeom prst="rect">
+            <a:avLst/>
+          </a:prstGeom>
+          <a:solidFill>
+            <a:srgbClr val="1A5159"/>
+          </a:solidFill>
+          <a:ln>
+            <a:noFill/>
+          </a:ln>
+        </p:spPr>
+        <p:style>
+          <a:lnRef idx="2">
+            <a:schemeClr val="accent1">
+              <a:shade val="50000"/>
+            </a:schemeClr>
+          </a:lnRef>
+          <a:fillRef idx="1">
+            <a:schemeClr val="accent1"/>
+          </a:fillRef>
+          <a:effectRef idx="0">
+            <a:schemeClr val="accent1"/>
+          </a:effectRef>
+          <a:fontRef idx="minor">
+            <a:schemeClr val="lt1"/>
+          </a:fontRef>
+        </p:style>
+        <p:txBody>
+          <a:bodyPr rtlCol="0" anchor="ctr"/>
+          <a:lstStyle/>
+          <a:p>
+            <a:pPr algn="ctr"/>
+            <a:endParaRPr lang="en-US"/>
+          </a:p>
+        </p:txBody>
+      </p:sp>
+      <p:sp>
+        <p:nvSpPr>
+          <p:cNvPr id="12" name="Oval 11">
+            <a:extLst>
+              <a:ext uri="{FF2B5EF4-FFF2-40B4-BE49-F238E27FC236}">
+                <a16:creationId xmlns:a16="http://schemas.microsoft.com/office/drawing/2014/main" id="{967D8EB6-EAE1-4F9C-B398-83321E287204}"/>
+              </a:ext>
+              <a:ext uri="{C183D7F6-B498-43B3-948B-1728B52AA6E4}">
+                <adec:decorative xmlns:adec="http://schemas.microsoft.com/office/drawing/2017/decorative" val="1"/>
+              </a:ext>
+            </a:extLst>
+          </p:cNvPr>
+          <p:cNvSpPr>
+            <a:spLocks noGrp="1" noRot="1" noChangeAspect="1" noMove="1" noResize="1" noEditPoints="1" noAdjustHandles="1" noChangeArrowheads="1" noChangeShapeType="1" noTextEdit="1"/>
+          </p:cNvSpPr>
+          <p:nvPr>
+            <p:extLst>
+              <p:ext uri="{386F3935-93C4-4BCD-93E2-E3B085C9AB24}">
+                <p16:designElem xmlns:p16="http://schemas.microsoft.com/office/powerpoint/2015/main" val="1"/>
+              </p:ext>
+            </p:extLst>
+          </p:nvPr>
+        </p:nvSpPr>
+        <p:spPr>
+          <a:xfrm>
+            <a:off x="8915400" y="2358913"/>
+            <a:ext cx="2140172" cy="2140172"/>
+          </a:xfrm>
+          <a:prstGeom prst="ellipse">
+            <a:avLst/>
+          </a:prstGeom>
+          <a:solidFill>
+            <a:srgbClr val="FFFFFF"/>
+          </a:solidFill>
+          <a:ln w="22225">
+            <a:solidFill>
+              <a:srgbClr val="D5A556"/>
+            </a:solidFill>
+          </a:ln>
+        </p:spPr>
+        <p:style>
+          <a:lnRef idx="2">
+            <a:schemeClr val="accent1">
+              <a:shade val="50000"/>
+            </a:schemeClr>
+          </a:lnRef>
+          <a:fillRef idx="1">
+            <a:schemeClr val="accent1"/>
+          </a:fillRef>
+          <a:effectRef idx="0">
+            <a:schemeClr val="accent1"/>
+          </a:effectRef>
+          <a:fontRef idx="minor">
+            <a:schemeClr val="lt1"/>
+          </a:fontRef>
+        </p:style>
+        <p:txBody>
+          <a:bodyPr rtlCol="0" anchor="ctr"/>
+          <a:lstStyle/>
+          <a:p>
+            <a:pPr algn="ctr"/>
+            <a:endParaRPr lang="en-US"/>
+          </a:p>
+        </p:txBody>
+      </p:sp>
+      <p:pic>
+        <p:nvPicPr>
+          <p:cNvPr id="5" name="Picture 4" descr="A picture containing clipart&#10;&#10;Description automatically generated">
+            <a:extLst>
+              <a:ext uri="{FF2B5EF4-FFF2-40B4-BE49-F238E27FC236}">
+                <a16:creationId xmlns:a16="http://schemas.microsoft.com/office/drawing/2014/main" id="{4B98002B-827A-4805-ABAA-5A4E3B5F2B28}"/>
+              </a:ext>
+            </a:extLst>
+          </p:cNvPr>
+          <p:cNvPicPr>
+            <a:picLocks noChangeAspect="1"/>
+          </p:cNvPicPr>
+          <p:nvPr/>
+        </p:nvPicPr>
+        <p:blipFill>
+          <a:blip r:embed="rId2">
+            <a:extLst>
+              <a:ext uri="{28A0092B-C50C-407E-A947-70E740481C1C}">
+                <a14:useLocalDpi xmlns:a14="http://schemas.microsoft.com/office/drawing/2010/main" val="0"/>
+              </a:ext>
+            </a:extLst>
+          </a:blip>
+          <a:stretch>
+            <a:fillRect/>
+          </a:stretch>
+        </p:blipFill>
+        <p:spPr>
+          <a:xfrm>
+            <a:off x="9606868" y="2857501"/>
+            <a:ext cx="757236" cy="1142998"/>
+          </a:xfrm>
+          <a:prstGeom prst="rect">
+            <a:avLst/>
+          </a:prstGeom>
+        </p:spPr>
+      </p:pic>
+      <p:sp>
+        <p:nvSpPr>
+          <p:cNvPr id="7" name="Content Placeholder 2">
+            <a:extLst>
+              <a:ext uri="{FF2B5EF4-FFF2-40B4-BE49-F238E27FC236}">
+                <a16:creationId xmlns:a16="http://schemas.microsoft.com/office/drawing/2014/main" id="{0D32CEDA-8A37-40FE-8D24-7212061A34DD}"/>
+              </a:ext>
+            </a:extLst>
+          </p:cNvPr>
+          <p:cNvSpPr>
+            <a:spLocks noGrp="1"/>
+          </p:cNvSpPr>
+          <p:nvPr>
+            <p:ph idx="1"/>
+          </p:nvPr>
+        </p:nvSpPr>
+        <p:spPr>
+          <a:xfrm>
+            <a:off x="1136428" y="1953127"/>
+            <a:ext cx="7297358" cy="3567630"/>
+          </a:xfrm>
+        </p:spPr>
+        <p:txBody>
+          <a:bodyPr anchor="ctr">
+            <a:normAutofit/>
+          </a:bodyPr>
+          <a:lstStyle/>
+          <a:p>
+            <a:r>
+              <a:rPr lang="es-ES" sz="2400" dirty="0"/>
+              <a:t>In </a:t>
+            </a:r>
+            <a:r>
+              <a:rPr lang="es-ES" sz="2400" dirty="0" err="1"/>
+              <a:t>Esquio</a:t>
+            </a:r>
+            <a:r>
+              <a:rPr lang="es-ES" sz="2400" dirty="0"/>
+              <a:t> </a:t>
+            </a:r>
+            <a:r>
+              <a:rPr lang="es-ES" sz="2400" dirty="0" err="1"/>
+              <a:t>we</a:t>
+            </a:r>
+            <a:r>
+              <a:rPr lang="es-ES" sz="2400" dirty="0"/>
+              <a:t> </a:t>
+            </a:r>
+            <a:r>
+              <a:rPr lang="es-ES" sz="2400" dirty="0" err="1"/>
+              <a:t>believe</a:t>
+            </a:r>
+            <a:r>
+              <a:rPr lang="es-ES" sz="2400" dirty="0"/>
+              <a:t> </a:t>
+            </a:r>
+            <a:r>
+              <a:rPr lang="es-ES" sz="2400" dirty="0" err="1"/>
+              <a:t>Feature</a:t>
+            </a:r>
+            <a:r>
+              <a:rPr lang="es-ES" sz="2400" dirty="0"/>
+              <a:t> </a:t>
+            </a:r>
+            <a:r>
+              <a:rPr lang="es-ES" sz="2400" dirty="0" err="1"/>
+              <a:t>Toggles</a:t>
+            </a:r>
+            <a:r>
+              <a:rPr lang="es-ES" sz="2400" dirty="0"/>
+              <a:t> </a:t>
+            </a:r>
+            <a:r>
+              <a:rPr lang="es-ES" sz="2400" dirty="0" err="1"/>
+              <a:t>is</a:t>
+            </a:r>
+            <a:r>
+              <a:rPr lang="es-ES" sz="2400" dirty="0"/>
+              <a:t> </a:t>
+            </a:r>
+            <a:r>
+              <a:rPr lang="es-ES" sz="2400" dirty="0" err="1"/>
+              <a:t>not</a:t>
+            </a:r>
+            <a:r>
+              <a:rPr lang="es-ES" sz="2400" dirty="0"/>
+              <a:t> </a:t>
+            </a:r>
+            <a:r>
+              <a:rPr lang="es-ES" sz="2400" dirty="0" err="1"/>
+              <a:t>only</a:t>
+            </a:r>
+            <a:r>
+              <a:rPr lang="es-ES" sz="2400" dirty="0"/>
+              <a:t> a </a:t>
+            </a:r>
+            <a:r>
+              <a:rPr lang="es-ES" sz="2400" dirty="0" err="1"/>
+              <a:t>development</a:t>
+            </a:r>
+            <a:r>
+              <a:rPr lang="es-ES" sz="2400" dirty="0"/>
+              <a:t> </a:t>
+            </a:r>
+            <a:r>
+              <a:rPr lang="es-ES" sz="2400" dirty="0" err="1"/>
+              <a:t>strategy</a:t>
+            </a:r>
+            <a:r>
+              <a:rPr lang="es-ES" sz="2400" dirty="0"/>
+              <a:t>, </a:t>
+            </a:r>
+            <a:r>
+              <a:rPr lang="es-ES" sz="2400" dirty="0" err="1"/>
+              <a:t>but</a:t>
+            </a:r>
+            <a:r>
+              <a:rPr lang="es-ES" sz="2400" dirty="0"/>
+              <a:t> a </a:t>
+            </a:r>
+            <a:r>
+              <a:rPr lang="es-ES" sz="2400" dirty="0" err="1"/>
+              <a:t>delivery</a:t>
+            </a:r>
+            <a:r>
+              <a:rPr lang="es-ES" sz="2400" dirty="0"/>
+              <a:t> </a:t>
+            </a:r>
+            <a:r>
+              <a:rPr lang="es-ES" sz="2400" dirty="0" err="1"/>
+              <a:t>strategy</a:t>
+            </a:r>
+            <a:endParaRPr lang="es-ES" sz="2400" dirty="0"/>
+          </a:p>
+          <a:p>
+            <a:r>
+              <a:rPr lang="es-ES" sz="2400" dirty="0" err="1"/>
+              <a:t>One</a:t>
+            </a:r>
+            <a:r>
+              <a:rPr lang="es-ES" sz="2400" dirty="0"/>
+              <a:t> </a:t>
+            </a:r>
+            <a:r>
+              <a:rPr lang="es-ES" sz="2400" dirty="0" err="1"/>
+              <a:t>of</a:t>
+            </a:r>
+            <a:r>
+              <a:rPr lang="es-ES" sz="2400" dirty="0"/>
+              <a:t> </a:t>
+            </a:r>
+            <a:r>
+              <a:rPr lang="es-ES" sz="2400" dirty="0" err="1"/>
+              <a:t>the</a:t>
+            </a:r>
+            <a:r>
+              <a:rPr lang="es-ES" sz="2400" dirty="0"/>
+              <a:t> </a:t>
+            </a:r>
+            <a:r>
+              <a:rPr lang="es-ES" sz="2400" dirty="0" err="1"/>
+              <a:t>most</a:t>
+            </a:r>
+            <a:r>
+              <a:rPr lang="es-ES" sz="2400" dirty="0"/>
+              <a:t> </a:t>
+            </a:r>
+            <a:r>
+              <a:rPr lang="es-ES" sz="2400" dirty="0" err="1"/>
+              <a:t>important</a:t>
+            </a:r>
+            <a:r>
+              <a:rPr lang="es-ES" sz="2400" dirty="0"/>
+              <a:t> </a:t>
+            </a:r>
+            <a:r>
+              <a:rPr lang="es-ES" sz="2400" dirty="0" err="1"/>
+              <a:t>parts</a:t>
+            </a:r>
+            <a:r>
+              <a:rPr lang="es-ES" sz="2400" dirty="0"/>
+              <a:t> </a:t>
+            </a:r>
+            <a:r>
+              <a:rPr lang="es-ES" sz="2400" dirty="0" err="1"/>
+              <a:t>is</a:t>
+            </a:r>
+            <a:r>
+              <a:rPr lang="es-ES" sz="2400" dirty="0"/>
+              <a:t> </a:t>
+            </a:r>
+            <a:r>
+              <a:rPr lang="es-ES" sz="2400" dirty="0" err="1"/>
+              <a:t>when</a:t>
+            </a:r>
+            <a:r>
+              <a:rPr lang="es-ES" sz="2400" dirty="0"/>
+              <a:t> and </a:t>
+            </a:r>
+            <a:r>
+              <a:rPr lang="es-ES" sz="2400" dirty="0" err="1"/>
+              <a:t>how</a:t>
+            </a:r>
+            <a:r>
+              <a:rPr lang="es-ES" sz="2400" dirty="0"/>
+              <a:t> </a:t>
+            </a:r>
+            <a:r>
+              <a:rPr lang="es-ES" sz="2400" dirty="0" err="1"/>
+              <a:t>features</a:t>
+            </a:r>
+            <a:r>
+              <a:rPr lang="es-ES" sz="2400" dirty="0"/>
+              <a:t> </a:t>
+            </a:r>
+            <a:r>
+              <a:rPr lang="es-ES" sz="2400" dirty="0" err="1"/>
+              <a:t>gets</a:t>
+            </a:r>
+            <a:r>
+              <a:rPr lang="es-ES" sz="2400" dirty="0"/>
+              <a:t> </a:t>
+            </a:r>
+            <a:r>
+              <a:rPr lang="es-ES" sz="2400" dirty="0" err="1"/>
+              <a:t>activated</a:t>
+            </a:r>
+            <a:endParaRPr lang="es-ES" sz="2400" dirty="0"/>
+          </a:p>
+          <a:p>
+            <a:r>
+              <a:rPr lang="es-ES" sz="2400" dirty="0" err="1"/>
+              <a:t>Because</a:t>
+            </a:r>
+            <a:r>
+              <a:rPr lang="es-ES" sz="2400" dirty="0"/>
+              <a:t> </a:t>
+            </a:r>
+            <a:r>
+              <a:rPr lang="es-ES" sz="2400" dirty="0" err="1"/>
+              <a:t>of</a:t>
+            </a:r>
+            <a:r>
+              <a:rPr lang="es-ES" sz="2400" dirty="0"/>
+              <a:t> </a:t>
+            </a:r>
+            <a:r>
+              <a:rPr lang="es-ES" sz="2400" dirty="0" err="1"/>
+              <a:t>that</a:t>
+            </a:r>
+            <a:r>
+              <a:rPr lang="es-ES" sz="2400" dirty="0"/>
+              <a:t> </a:t>
+            </a:r>
+            <a:r>
+              <a:rPr lang="es-ES" sz="2400" dirty="0" err="1"/>
+              <a:t>we</a:t>
+            </a:r>
+            <a:r>
+              <a:rPr lang="es-ES" sz="2400" dirty="0"/>
+              <a:t> </a:t>
+            </a:r>
+            <a:r>
+              <a:rPr lang="es-ES" sz="2400" dirty="0" err="1"/>
+              <a:t>developed</a:t>
+            </a:r>
+            <a:r>
+              <a:rPr lang="es-ES" sz="2400" dirty="0"/>
+              <a:t> </a:t>
+            </a:r>
+            <a:r>
+              <a:rPr lang="es-ES" sz="2400" dirty="0" err="1"/>
+              <a:t>the</a:t>
+            </a:r>
+            <a:r>
+              <a:rPr lang="es-ES" sz="2400" dirty="0"/>
+              <a:t> </a:t>
+            </a:r>
+            <a:r>
+              <a:rPr lang="es-ES" sz="2400" dirty="0" err="1"/>
+              <a:t>Esquio</a:t>
+            </a:r>
+            <a:r>
+              <a:rPr lang="es-ES" sz="2400" dirty="0"/>
+              <a:t> Azure DevOps </a:t>
+            </a:r>
+            <a:r>
+              <a:rPr lang="es-ES" sz="2400" dirty="0" err="1"/>
+              <a:t>tasks</a:t>
+            </a:r>
+            <a:endParaRPr lang="es-ES" sz="1600" dirty="0"/>
+          </a:p>
+          <a:p>
+            <a:pPr marL="0" indent="0">
+              <a:buNone/>
+            </a:pPr>
+            <a:endParaRPr lang="es-ES" sz="2000" i="1" dirty="0"/>
+          </a:p>
+        </p:txBody>
+      </p:sp>
+    </p:spTree>
+    <p:extLst>
+      <p:ext uri="{BB962C8B-B14F-4D97-AF65-F5344CB8AC3E}">
+        <p14:creationId xmlns:p14="http://schemas.microsoft.com/office/powerpoint/2010/main" val="851465468"/>
+      </p:ext>
+    </p:extLst>
+  </p:cSld>
+  <p:clrMapOvr>
+    <a:masterClrMapping/>
+  </p:clrMapOvr>
+</p:sld>
+</file>
+
+<file path=ppt/slides/slide38.xml><?xml version="1.0" encoding="utf-8"?>
+<p:sld xmlns:a="http://schemas.openxmlformats.org/drawingml/2006/main" xmlns:r="http://schemas.openxmlformats.org/officeDocument/2006/relationships" xmlns:p="http://schemas.openxmlformats.org/presentationml/2006/main">
+  <p:cSld>
+    <p:bg>
+      <p:bgPr>
+        <a:solidFill>
+          <a:schemeClr val="bg1"/>
+        </a:solidFill>
+        <a:effectLst/>
+      </p:bgPr>
+    </p:bg>
+    <p:spTree>
+      <p:nvGrpSpPr>
+        <p:cNvPr id="1" name=""/>
+        <p:cNvGrpSpPr/>
+        <p:nvPr/>
+      </p:nvGrpSpPr>
+      <p:grpSpPr>
+        <a:xfrm>
+          <a:off x="0" y="0"/>
+          <a:ext cx="0" cy="0"/>
+          <a:chOff x="0" y="0"/>
+          <a:chExt cx="0" cy="0"/>
+        </a:xfrm>
+      </p:grpSpPr>
+      <p:pic>
+        <p:nvPicPr>
+          <p:cNvPr id="4" name="Picture 3" descr="A screenshot of a cell phone&#10;&#10;Description automatically generated">
+            <a:extLst>
+              <a:ext uri="{FF2B5EF4-FFF2-40B4-BE49-F238E27FC236}">
+                <a16:creationId xmlns:a16="http://schemas.microsoft.com/office/drawing/2014/main" id="{7899758A-C29F-4E91-92D6-511622392049}"/>
+              </a:ext>
+            </a:extLst>
+          </p:cNvPr>
+          <p:cNvPicPr>
+            <a:picLocks noChangeAspect="1"/>
+          </p:cNvPicPr>
+          <p:nvPr/>
+        </p:nvPicPr>
+        <p:blipFill>
+          <a:blip r:embed="rId2">
+            <a:extLst>
+              <a:ext uri="{28A0092B-C50C-407E-A947-70E740481C1C}">
+                <a14:useLocalDpi xmlns:a14="http://schemas.microsoft.com/office/drawing/2010/main" val="0"/>
+              </a:ext>
+            </a:extLst>
+          </a:blip>
+          <a:stretch>
+            <a:fillRect/>
+          </a:stretch>
+        </p:blipFill>
+        <p:spPr>
+          <a:xfrm>
+            <a:off x="6234545" y="687205"/>
+            <a:ext cx="3436983" cy="2411176"/>
+          </a:xfrm>
+          <a:prstGeom prst="rect">
+            <a:avLst/>
+          </a:prstGeom>
+        </p:spPr>
+      </p:pic>
+      <p:sp>
+        <p:nvSpPr>
+          <p:cNvPr id="2" name="Title 1">
+            <a:extLst>
+              <a:ext uri="{FF2B5EF4-FFF2-40B4-BE49-F238E27FC236}">
+                <a16:creationId xmlns:a16="http://schemas.microsoft.com/office/drawing/2014/main" id="{AFA3AD09-7FD8-4A45-AAD7-343A60A2E56F}"/>
+              </a:ext>
+            </a:extLst>
+          </p:cNvPr>
+          <p:cNvSpPr>
+            <a:spLocks noGrp="1"/>
+          </p:cNvSpPr>
+          <p:nvPr>
+            <p:ph type="title"/>
+          </p:nvPr>
+        </p:nvSpPr>
+        <p:spPr>
+          <a:xfrm>
+            <a:off x="1136428" y="627564"/>
+            <a:ext cx="7474172" cy="1325563"/>
+          </a:xfrm>
+        </p:spPr>
+        <p:txBody>
+          <a:bodyPr>
+            <a:normAutofit/>
+          </a:bodyPr>
+          <a:lstStyle/>
+          <a:p>
+            <a:r>
+              <a:rPr lang="es-ES" dirty="0" err="1"/>
+              <a:t>Esquio</a:t>
+            </a:r>
+            <a:r>
+              <a:rPr lang="es-ES" dirty="0"/>
+              <a:t> DevOps </a:t>
+            </a:r>
+            <a:r>
+              <a:rPr lang="es-ES" dirty="0" err="1"/>
+              <a:t>Tasks</a:t>
+            </a:r>
+            <a:endParaRPr lang="es-ES" dirty="0"/>
+          </a:p>
+        </p:txBody>
+      </p:sp>
+      <p:sp>
+        <p:nvSpPr>
+          <p:cNvPr id="10" name="Rectangle 9">
+            <a:extLst>
+              <a:ext uri="{FF2B5EF4-FFF2-40B4-BE49-F238E27FC236}">
+                <a16:creationId xmlns:a16="http://schemas.microsoft.com/office/drawing/2014/main" id="{59A309A7-1751-4ABE-A3C1-EEC40366AD89}"/>
+              </a:ext>
+              <a:ext uri="{C183D7F6-B498-43B3-948B-1728B52AA6E4}">
+                <adec:decorative xmlns:adec="http://schemas.microsoft.com/office/drawing/2017/decorative" val="1"/>
+              </a:ext>
+            </a:extLst>
+          </p:cNvPr>
+          <p:cNvSpPr>
+            <a:spLocks noGrp="1" noRot="1" noChangeAspect="1" noMove="1" noResize="1" noEditPoints="1" noAdjustHandles="1" noChangeArrowheads="1" noChangeShapeType="1" noTextEdit="1"/>
+          </p:cNvSpPr>
+          <p:nvPr>
+            <p:extLst>
+              <p:ext uri="{386F3935-93C4-4BCD-93E2-E3B085C9AB24}">
+                <p16:designElem xmlns:p16="http://schemas.microsoft.com/office/powerpoint/2015/main" val="1"/>
+              </p:ext>
+            </p:extLst>
+          </p:nvPr>
+        </p:nvSpPr>
+        <p:spPr>
+          <a:xfrm>
+            <a:off x="10088880" y="0"/>
+            <a:ext cx="2103120" cy="6858000"/>
+          </a:xfrm>
+          <a:prstGeom prst="rect">
+            <a:avLst/>
+          </a:prstGeom>
+          <a:solidFill>
+            <a:srgbClr val="1A5159"/>
+          </a:solidFill>
+          <a:ln>
+            <a:noFill/>
+          </a:ln>
+        </p:spPr>
+        <p:style>
+          <a:lnRef idx="2">
+            <a:schemeClr val="accent1">
+              <a:shade val="50000"/>
+            </a:schemeClr>
+          </a:lnRef>
+          <a:fillRef idx="1">
+            <a:schemeClr val="accent1"/>
+          </a:fillRef>
+          <a:effectRef idx="0">
+            <a:schemeClr val="accent1"/>
+          </a:effectRef>
+          <a:fontRef idx="minor">
+            <a:schemeClr val="lt1"/>
+          </a:fontRef>
+        </p:style>
+        <p:txBody>
+          <a:bodyPr rtlCol="0" anchor="ctr"/>
+          <a:lstStyle/>
+          <a:p>
+            <a:pPr algn="ctr"/>
+            <a:endParaRPr lang="en-US"/>
+          </a:p>
+        </p:txBody>
+      </p:sp>
+      <p:sp>
+        <p:nvSpPr>
+          <p:cNvPr id="12" name="Oval 11">
+            <a:extLst>
+              <a:ext uri="{FF2B5EF4-FFF2-40B4-BE49-F238E27FC236}">
+                <a16:creationId xmlns:a16="http://schemas.microsoft.com/office/drawing/2014/main" id="{967D8EB6-EAE1-4F9C-B398-83321E287204}"/>
+              </a:ext>
+              <a:ext uri="{C183D7F6-B498-43B3-948B-1728B52AA6E4}">
+                <adec:decorative xmlns:adec="http://schemas.microsoft.com/office/drawing/2017/decorative" val="1"/>
+              </a:ext>
+            </a:extLst>
+          </p:cNvPr>
+          <p:cNvSpPr>
+            <a:spLocks noGrp="1" noRot="1" noChangeAspect="1" noMove="1" noResize="1" noEditPoints="1" noAdjustHandles="1" noChangeArrowheads="1" noChangeShapeType="1" noTextEdit="1"/>
+          </p:cNvSpPr>
+          <p:nvPr>
+            <p:extLst>
+              <p:ext uri="{386F3935-93C4-4BCD-93E2-E3B085C9AB24}">
+                <p16:designElem xmlns:p16="http://schemas.microsoft.com/office/powerpoint/2015/main" val="1"/>
+              </p:ext>
+            </p:extLst>
+          </p:nvPr>
+        </p:nvSpPr>
+        <p:spPr>
+          <a:xfrm>
+            <a:off x="8915400" y="2358913"/>
+            <a:ext cx="2140172" cy="2140172"/>
+          </a:xfrm>
+          <a:prstGeom prst="ellipse">
+            <a:avLst/>
+          </a:prstGeom>
+          <a:solidFill>
+            <a:srgbClr val="FFFFFF"/>
+          </a:solidFill>
+          <a:ln w="22225">
+            <a:solidFill>
+              <a:srgbClr val="D5A556"/>
+            </a:solidFill>
+          </a:ln>
+        </p:spPr>
+        <p:style>
+          <a:lnRef idx="2">
+            <a:schemeClr val="accent1">
+              <a:shade val="50000"/>
+            </a:schemeClr>
+          </a:lnRef>
+          <a:fillRef idx="1">
+            <a:schemeClr val="accent1"/>
+          </a:fillRef>
+          <a:effectRef idx="0">
+            <a:schemeClr val="accent1"/>
+          </a:effectRef>
+          <a:fontRef idx="minor">
+            <a:schemeClr val="lt1"/>
+          </a:fontRef>
+        </p:style>
+        <p:txBody>
+          <a:bodyPr rtlCol="0" anchor="ctr"/>
+          <a:lstStyle/>
+          <a:p>
+            <a:pPr algn="ctr"/>
+            <a:endParaRPr lang="en-US"/>
+          </a:p>
+        </p:txBody>
+      </p:sp>
+      <p:pic>
+        <p:nvPicPr>
+          <p:cNvPr id="5" name="Picture 4" descr="A picture containing clipart&#10;&#10;Description automatically generated">
+            <a:extLst>
+              <a:ext uri="{FF2B5EF4-FFF2-40B4-BE49-F238E27FC236}">
+                <a16:creationId xmlns:a16="http://schemas.microsoft.com/office/drawing/2014/main" id="{4B98002B-827A-4805-ABAA-5A4E3B5F2B28}"/>
+              </a:ext>
+            </a:extLst>
+          </p:cNvPr>
+          <p:cNvPicPr>
+            <a:picLocks noChangeAspect="1"/>
+          </p:cNvPicPr>
+          <p:nvPr/>
+        </p:nvPicPr>
+        <p:blipFill>
+          <a:blip r:embed="rId3">
+            <a:extLst>
+              <a:ext uri="{28A0092B-C50C-407E-A947-70E740481C1C}">
+                <a14:useLocalDpi xmlns:a14="http://schemas.microsoft.com/office/drawing/2010/main" val="0"/>
+              </a:ext>
+            </a:extLst>
+          </a:blip>
+          <a:stretch>
+            <a:fillRect/>
+          </a:stretch>
+        </p:blipFill>
+        <p:spPr>
+          <a:xfrm>
+            <a:off x="9606868" y="2857501"/>
+            <a:ext cx="757236" cy="1142998"/>
+          </a:xfrm>
+          <a:prstGeom prst="rect">
+            <a:avLst/>
+          </a:prstGeom>
+        </p:spPr>
+      </p:pic>
+      <p:sp>
+        <p:nvSpPr>
+          <p:cNvPr id="7" name="Content Placeholder 2">
+            <a:extLst>
+              <a:ext uri="{FF2B5EF4-FFF2-40B4-BE49-F238E27FC236}">
+                <a16:creationId xmlns:a16="http://schemas.microsoft.com/office/drawing/2014/main" id="{0D32CEDA-8A37-40FE-8D24-7212061A34DD}"/>
+              </a:ext>
+            </a:extLst>
+          </p:cNvPr>
+          <p:cNvSpPr>
+            <a:spLocks noGrp="1"/>
+          </p:cNvSpPr>
+          <p:nvPr>
+            <p:ph idx="1"/>
+          </p:nvPr>
+        </p:nvSpPr>
+        <p:spPr>
+          <a:xfrm>
+            <a:off x="1136428" y="1953127"/>
+            <a:ext cx="7297358" cy="3567630"/>
+          </a:xfrm>
+        </p:spPr>
+        <p:txBody>
+          <a:bodyPr anchor="ctr">
+            <a:normAutofit/>
+          </a:bodyPr>
+          <a:lstStyle/>
+          <a:p>
+            <a:r>
+              <a:rPr lang="es-ES" sz="1600" dirty="0" err="1"/>
+              <a:t>This</a:t>
+            </a:r>
+            <a:r>
+              <a:rPr lang="es-ES" sz="1600" dirty="0"/>
+              <a:t> </a:t>
+            </a:r>
+            <a:r>
+              <a:rPr lang="es-ES" sz="1600" dirty="0" err="1"/>
+              <a:t>tasks</a:t>
+            </a:r>
+            <a:r>
+              <a:rPr lang="es-ES" sz="1600" dirty="0"/>
+              <a:t> can be </a:t>
+            </a:r>
+            <a:r>
+              <a:rPr lang="es-ES" sz="1600" dirty="0" err="1"/>
+              <a:t>installed</a:t>
+            </a:r>
+            <a:r>
+              <a:rPr lang="es-ES" sz="1600" dirty="0"/>
+              <a:t> </a:t>
+            </a:r>
+            <a:r>
+              <a:rPr lang="es-ES" sz="1600" dirty="0" err="1"/>
+              <a:t>from</a:t>
+            </a:r>
+            <a:r>
+              <a:rPr lang="es-ES" sz="1600" dirty="0"/>
+              <a:t> Visual Studio Marketplace:</a:t>
+            </a:r>
+          </a:p>
+          <a:p>
+            <a:pPr lvl="1"/>
+            <a:r>
+              <a:rPr lang="es-ES" sz="1200" dirty="0">
+                <a:hlinkClick r:id="rId4"/>
+              </a:rPr>
+              <a:t>https://marketplace.visualstudio.com/items?itemName=xabaril.esquio-extensions</a:t>
+            </a:r>
+            <a:r>
+              <a:rPr lang="es-ES" sz="1200" dirty="0"/>
+              <a:t> </a:t>
+            </a:r>
+          </a:p>
+          <a:p>
+            <a:r>
+              <a:rPr lang="es-ES" sz="1600" dirty="0" err="1"/>
+              <a:t>This</a:t>
+            </a:r>
+            <a:r>
+              <a:rPr lang="es-ES" sz="1600" dirty="0"/>
+              <a:t> </a:t>
+            </a:r>
+            <a:r>
+              <a:rPr lang="es-ES" sz="1600" dirty="0" err="1"/>
+              <a:t>includes</a:t>
+            </a:r>
+            <a:r>
+              <a:rPr lang="es-ES" sz="1600" dirty="0"/>
+              <a:t> </a:t>
+            </a:r>
+            <a:r>
+              <a:rPr lang="es-ES" sz="1600" dirty="0" err="1"/>
+              <a:t>several</a:t>
+            </a:r>
+            <a:r>
+              <a:rPr lang="es-ES" sz="1600" dirty="0"/>
+              <a:t> </a:t>
+            </a:r>
+            <a:r>
+              <a:rPr lang="es-ES" sz="1600" dirty="0" err="1"/>
+              <a:t>extensibility</a:t>
+            </a:r>
+            <a:r>
+              <a:rPr lang="es-ES" sz="1600" dirty="0"/>
+              <a:t> </a:t>
+            </a:r>
+            <a:r>
+              <a:rPr lang="es-ES" sz="1600" dirty="0" err="1"/>
+              <a:t>points</a:t>
+            </a:r>
+            <a:r>
+              <a:rPr lang="es-ES" sz="1600" dirty="0"/>
+              <a:t>:</a:t>
+            </a:r>
+          </a:p>
+          <a:p>
+            <a:pPr lvl="1"/>
+            <a:r>
+              <a:rPr lang="es-ES" sz="1200" dirty="0"/>
+              <a:t>Service </a:t>
+            </a:r>
+            <a:r>
+              <a:rPr lang="es-ES" sz="1200" dirty="0" err="1"/>
+              <a:t>Connection</a:t>
+            </a:r>
+            <a:r>
+              <a:rPr lang="es-ES" sz="1200" dirty="0"/>
+              <a:t>: </a:t>
+            </a:r>
+            <a:r>
+              <a:rPr lang="es-ES" sz="1200" dirty="0" err="1"/>
+              <a:t>to</a:t>
+            </a:r>
+            <a:r>
+              <a:rPr lang="es-ES" sz="1200" dirty="0"/>
+              <a:t> define </a:t>
+            </a:r>
+            <a:r>
+              <a:rPr lang="es-ES" sz="1200" dirty="0" err="1"/>
+              <a:t>connections</a:t>
+            </a:r>
+            <a:r>
+              <a:rPr lang="es-ES" sz="1200" dirty="0"/>
+              <a:t> </a:t>
+            </a:r>
+            <a:r>
+              <a:rPr lang="es-ES" sz="1200" dirty="0" err="1"/>
+              <a:t>to</a:t>
+            </a:r>
+            <a:r>
+              <a:rPr lang="es-ES" sz="1200" dirty="0"/>
+              <a:t> </a:t>
+            </a:r>
+            <a:r>
+              <a:rPr lang="es-ES" sz="1200" dirty="0" err="1"/>
+              <a:t>Esquio</a:t>
+            </a:r>
+            <a:r>
+              <a:rPr lang="es-ES" sz="1200" dirty="0"/>
+              <a:t> API</a:t>
+            </a:r>
+          </a:p>
+          <a:p>
+            <a:pPr lvl="1"/>
+            <a:r>
+              <a:rPr lang="en-US" sz="1200" dirty="0"/>
+              <a:t>Rollout feature with </a:t>
+            </a:r>
+            <a:r>
+              <a:rPr lang="en-US" sz="1200" dirty="0" err="1"/>
+              <a:t>Esquio</a:t>
+            </a:r>
+            <a:r>
+              <a:rPr lang="en-US" sz="1200" dirty="0"/>
+              <a:t> task: to enable a particular feature Toggle</a:t>
+            </a:r>
+          </a:p>
+          <a:p>
+            <a:pPr lvl="1"/>
+            <a:r>
+              <a:rPr lang="en-US" sz="1200" dirty="0"/>
+              <a:t>Rollback feature with </a:t>
+            </a:r>
+            <a:r>
+              <a:rPr lang="en-US" sz="1200" dirty="0" err="1"/>
+              <a:t>Esquio</a:t>
+            </a:r>
+            <a:r>
+              <a:rPr lang="en-US" sz="1200" dirty="0"/>
+              <a:t> task: to disable a particular feature</a:t>
+            </a:r>
+          </a:p>
+          <a:p>
+            <a:pPr lvl="1"/>
+            <a:r>
+              <a:rPr lang="en-US" sz="1200" dirty="0"/>
+              <a:t>Set toggle parameter with </a:t>
+            </a:r>
+            <a:r>
+              <a:rPr lang="en-US" sz="1200" dirty="0" err="1"/>
+              <a:t>Esquio</a:t>
+            </a:r>
+            <a:r>
+              <a:rPr lang="en-US" sz="1200" dirty="0"/>
+              <a:t>: some toggles accept parameters to evaluate them. With this task we can set the value for any parameter.</a:t>
+            </a:r>
+          </a:p>
+          <a:p>
+            <a:r>
+              <a:rPr lang="en-US" sz="1600" dirty="0"/>
+              <a:t>All this tasks can be used in any Azure DevOps pipeline to work in our deployment strategies</a:t>
+            </a:r>
+          </a:p>
+          <a:p>
+            <a:pPr lvl="1"/>
+            <a:endParaRPr lang="es-ES" sz="1200" dirty="0"/>
+          </a:p>
+          <a:p>
+            <a:pPr marL="0" indent="0">
+              <a:buNone/>
+            </a:pPr>
+            <a:endParaRPr lang="es-ES" sz="2000" i="1" dirty="0"/>
+          </a:p>
+        </p:txBody>
+      </p:sp>
+    </p:spTree>
+    <p:extLst>
+      <p:ext uri="{BB962C8B-B14F-4D97-AF65-F5344CB8AC3E}">
+        <p14:creationId xmlns:p14="http://schemas.microsoft.com/office/powerpoint/2010/main" val="4126422138"/>
+      </p:ext>
+    </p:extLst>
+  </p:cSld>
+  <p:clrMapOvr>
+    <a:masterClrMapping/>
+  </p:clrMapOvr>
+</p:sld>
+</file>
+
 <file path=ppt/slides/slide4.xml><?xml version="1.0" encoding="utf-8"?>
 <p:sld xmlns:a="http://schemas.openxmlformats.org/drawingml/2006/main" xmlns:r="http://schemas.openxmlformats.org/officeDocument/2006/relationships" xmlns:p="http://schemas.openxmlformats.org/presentationml/2006/main">
   <p:cSld>

--- a/docs/slides/esquio-overview-101.pptx
+++ b/docs/slides/esquio-overview-101.pptx
@@ -41,6 +41,9 @@
     <p:sldId id="292" r:id="rId35"/>
     <p:sldId id="298" r:id="rId36"/>
     <p:sldId id="300" r:id="rId37"/>
+    <p:sldId id="303" r:id="rId38"/>
+    <p:sldId id="301" r:id="rId39"/>
+    <p:sldId id="302" r:id="rId40"/>
   </p:sldIdLst>
   <p:sldSz cx="12192000" cy="6858000"/>
   <p:notesSz cx="6858000" cy="9144000"/>
@@ -200,6 +203,13 @@
             <p14:sldId id="292"/>
             <p14:sldId id="298"/>
             <p14:sldId id="300"/>
+            <p14:sldId id="303"/>
+          </p14:sldIdLst>
+        </p14:section>
+        <p14:section name="Roadmap" id="{B320E862-357F-4CF4-9C60-A29E1273F1A5}">
+          <p14:sldIdLst>
+            <p14:sldId id="301"/>
+            <p14:sldId id="302"/>
           </p14:sldIdLst>
         </p14:section>
       </p14:sectionLst>
@@ -360,7 +370,7 @@
           <a:p>
             <a:fld id="{C312A4EA-1502-4072-B979-7D64E5120D8C}" type="datetimeFigureOut">
               <a:rPr lang="es-ES" smtClean="0"/>
-              <a:t>20/09/2019</a:t>
+              <a:t>01/10/2019</a:t>
             </a:fld>
             <a:endParaRPr lang="es-ES"/>
           </a:p>
@@ -560,7 +570,7 @@
           <a:p>
             <a:fld id="{C312A4EA-1502-4072-B979-7D64E5120D8C}" type="datetimeFigureOut">
               <a:rPr lang="es-ES" smtClean="0"/>
-              <a:t>20/09/2019</a:t>
+              <a:t>01/10/2019</a:t>
             </a:fld>
             <a:endParaRPr lang="es-ES"/>
           </a:p>
@@ -770,7 +780,7 @@
           <a:p>
             <a:fld id="{C312A4EA-1502-4072-B979-7D64E5120D8C}" type="datetimeFigureOut">
               <a:rPr lang="es-ES" smtClean="0"/>
-              <a:t>20/09/2019</a:t>
+              <a:t>01/10/2019</a:t>
             </a:fld>
             <a:endParaRPr lang="es-ES"/>
           </a:p>
@@ -970,7 +980,7 @@
           <a:p>
             <a:fld id="{C312A4EA-1502-4072-B979-7D64E5120D8C}" type="datetimeFigureOut">
               <a:rPr lang="es-ES" smtClean="0"/>
-              <a:t>20/09/2019</a:t>
+              <a:t>01/10/2019</a:t>
             </a:fld>
             <a:endParaRPr lang="es-ES"/>
           </a:p>
@@ -1246,7 +1256,7 @@
           <a:p>
             <a:fld id="{C312A4EA-1502-4072-B979-7D64E5120D8C}" type="datetimeFigureOut">
               <a:rPr lang="es-ES" smtClean="0"/>
-              <a:t>20/09/2019</a:t>
+              <a:t>01/10/2019</a:t>
             </a:fld>
             <a:endParaRPr lang="es-ES"/>
           </a:p>
@@ -1514,7 +1524,7 @@
           <a:p>
             <a:fld id="{C312A4EA-1502-4072-B979-7D64E5120D8C}" type="datetimeFigureOut">
               <a:rPr lang="es-ES" smtClean="0"/>
-              <a:t>20/09/2019</a:t>
+              <a:t>01/10/2019</a:t>
             </a:fld>
             <a:endParaRPr lang="es-ES"/>
           </a:p>
@@ -1929,7 +1939,7 @@
           <a:p>
             <a:fld id="{C312A4EA-1502-4072-B979-7D64E5120D8C}" type="datetimeFigureOut">
               <a:rPr lang="es-ES" smtClean="0"/>
-              <a:t>20/09/2019</a:t>
+              <a:t>01/10/2019</a:t>
             </a:fld>
             <a:endParaRPr lang="es-ES"/>
           </a:p>
@@ -2071,7 +2081,7 @@
           <a:p>
             <a:fld id="{C312A4EA-1502-4072-B979-7D64E5120D8C}" type="datetimeFigureOut">
               <a:rPr lang="es-ES" smtClean="0"/>
-              <a:t>20/09/2019</a:t>
+              <a:t>01/10/2019</a:t>
             </a:fld>
             <a:endParaRPr lang="es-ES"/>
           </a:p>
@@ -2184,7 +2194,7 @@
           <a:p>
             <a:fld id="{C312A4EA-1502-4072-B979-7D64E5120D8C}" type="datetimeFigureOut">
               <a:rPr lang="es-ES" smtClean="0"/>
-              <a:t>20/09/2019</a:t>
+              <a:t>01/10/2019</a:t>
             </a:fld>
             <a:endParaRPr lang="es-ES"/>
           </a:p>
@@ -2497,7 +2507,7 @@
           <a:p>
             <a:fld id="{C312A4EA-1502-4072-B979-7D64E5120D8C}" type="datetimeFigureOut">
               <a:rPr lang="es-ES" smtClean="0"/>
-              <a:t>20/09/2019</a:t>
+              <a:t>01/10/2019</a:t>
             </a:fld>
             <a:endParaRPr lang="es-ES"/>
           </a:p>
@@ -2786,7 +2796,7 @@
           <a:p>
             <a:fld id="{C312A4EA-1502-4072-B979-7D64E5120D8C}" type="datetimeFigureOut">
               <a:rPr lang="es-ES" smtClean="0"/>
-              <a:t>20/09/2019</a:t>
+              <a:t>01/10/2019</a:t>
             </a:fld>
             <a:endParaRPr lang="es-ES"/>
           </a:p>
@@ -3029,7 +3039,7 @@
           <a:p>
             <a:fld id="{C312A4EA-1502-4072-B979-7D64E5120D8C}" type="datetimeFigureOut">
               <a:rPr lang="es-ES" smtClean="0"/>
-              <a:t>20/09/2019</a:t>
+              <a:t>01/10/2019</a:t>
             </a:fld>
             <a:endParaRPr lang="es-ES"/>
           </a:p>
@@ -5096,7 +5106,7 @@
         </p:blipFill>
         <p:spPr>
           <a:xfrm>
-            <a:off x="0" y="2336870"/>
+            <a:off x="229504" y="2385331"/>
             <a:ext cx="8685896" cy="2568004"/>
           </a:xfrm>
           <a:prstGeom prst="rect">
@@ -6056,7 +6066,7 @@
         </p:blipFill>
         <p:spPr>
           <a:xfrm>
-            <a:off x="444960" y="1619249"/>
+            <a:off x="591803" y="1688991"/>
             <a:ext cx="7096260" cy="4762500"/>
           </a:xfrm>
           <a:prstGeom prst="rect">
@@ -7398,7 +7408,7 @@
         </p:blipFill>
         <p:spPr>
           <a:xfrm>
-            <a:off x="215823" y="4000499"/>
+            <a:off x="161579" y="3791678"/>
             <a:ext cx="6872124" cy="2859264"/>
           </a:xfrm>
           <a:prstGeom prst="rect">
@@ -7468,7 +7478,7 @@
         </p:blipFill>
         <p:spPr>
           <a:xfrm>
-            <a:off x="0" y="1690934"/>
+            <a:off x="-49892" y="1636690"/>
             <a:ext cx="8226152" cy="1990314"/>
           </a:xfrm>
           <a:prstGeom prst="rect">
@@ -12087,7 +12097,7 @@
         </p:blipFill>
         <p:spPr>
           <a:xfrm>
-            <a:off x="0" y="-1"/>
+            <a:off x="0" y="27121"/>
             <a:ext cx="12192000" cy="6858001"/>
           </a:xfrm>
           <a:prstGeom prst="rect">
@@ -13503,7 +13513,7 @@
         </p:spPr>
         <p:txBody>
           <a:bodyPr anchor="ctr">
-            <a:normAutofit fontScale="92500" lnSpcReduction="10000"/>
+            <a:normAutofit lnSpcReduction="10000"/>
           </a:bodyPr>
           <a:lstStyle/>
           <a:p>
@@ -13718,13 +13728,6 @@
               <a:t>ToggleExecutionEnd</a:t>
             </a:r>
             <a:endParaRPr lang="es-ES" sz="1200" i="1" dirty="0"/>
-          </a:p>
-          <a:p>
-            <a:pPr lvl="1"/>
-            <a:r>
-              <a:rPr lang="es-ES" sz="1600" i="1" dirty="0"/>
-              <a:t>Event Trace for Windows</a:t>
-            </a:r>
           </a:p>
           <a:p>
             <a:pPr marL="0" indent="0">
@@ -14032,8 +14035,8 @@
         </p:blipFill>
         <p:spPr>
           <a:xfrm>
-            <a:off x="595902" y="3361858"/>
-            <a:ext cx="4788468" cy="3673052"/>
+            <a:off x="565687" y="3325513"/>
+            <a:ext cx="4593957" cy="3523850"/>
           </a:xfrm>
           <a:prstGeom prst="rect">
             <a:avLst/>
@@ -14044,6 +14047,1195 @@
     <p:extLst>
       <p:ext uri="{BB962C8B-B14F-4D97-AF65-F5344CB8AC3E}">
         <p14:creationId xmlns:p14="http://schemas.microsoft.com/office/powerpoint/2010/main" val="4275628497"/>
+      </p:ext>
+    </p:extLst>
+  </p:cSld>
+  <p:clrMapOvr>
+    <a:masterClrMapping/>
+  </p:clrMapOvr>
+</p:sld>
+</file>
+
+<file path=ppt/slides/slide37.xml><?xml version="1.0" encoding="utf-8"?>
+<p:sld xmlns:a="http://schemas.openxmlformats.org/drawingml/2006/main" xmlns:r="http://schemas.openxmlformats.org/officeDocument/2006/relationships" xmlns:p="http://schemas.openxmlformats.org/presentationml/2006/main">
+  <p:cSld>
+    <p:bg>
+      <p:bgPr>
+        <a:solidFill>
+          <a:schemeClr val="bg1"/>
+        </a:solidFill>
+        <a:effectLst/>
+      </p:bgPr>
+    </p:bg>
+    <p:spTree>
+      <p:nvGrpSpPr>
+        <p:cNvPr id="1" name=""/>
+        <p:cNvGrpSpPr/>
+        <p:nvPr/>
+      </p:nvGrpSpPr>
+      <p:grpSpPr>
+        <a:xfrm>
+          <a:off x="0" y="0"/>
+          <a:ext cx="0" cy="0"/>
+          <a:chOff x="0" y="0"/>
+          <a:chExt cx="0" cy="0"/>
+        </a:xfrm>
+      </p:grpSpPr>
+      <p:sp>
+        <p:nvSpPr>
+          <p:cNvPr id="2" name="Title 1">
+            <a:extLst>
+              <a:ext uri="{FF2B5EF4-FFF2-40B4-BE49-F238E27FC236}">
+                <a16:creationId xmlns:a16="http://schemas.microsoft.com/office/drawing/2014/main" id="{AFA3AD09-7FD8-4A45-AAD7-343A60A2E56F}"/>
+              </a:ext>
+            </a:extLst>
+          </p:cNvPr>
+          <p:cNvSpPr>
+            <a:spLocks noGrp="1"/>
+          </p:cNvSpPr>
+          <p:nvPr>
+            <p:ph type="title"/>
+          </p:nvPr>
+        </p:nvSpPr>
+        <p:spPr>
+          <a:xfrm>
+            <a:off x="1136428" y="627564"/>
+            <a:ext cx="7474172" cy="1325563"/>
+          </a:xfrm>
+        </p:spPr>
+        <p:txBody>
+          <a:bodyPr>
+            <a:normAutofit/>
+          </a:bodyPr>
+          <a:lstStyle/>
+          <a:p>
+            <a:r>
+              <a:rPr lang="es-ES" dirty="0" err="1"/>
+              <a:t>Esquio</a:t>
+            </a:r>
+            <a:r>
+              <a:rPr lang="es-ES" dirty="0"/>
+              <a:t> </a:t>
+            </a:r>
+            <a:r>
+              <a:rPr lang="es-ES" dirty="0" err="1"/>
+              <a:t>Instrumentation</a:t>
+            </a:r>
+            <a:endParaRPr lang="es-ES" dirty="0"/>
+          </a:p>
+        </p:txBody>
+      </p:sp>
+      <p:sp>
+        <p:nvSpPr>
+          <p:cNvPr id="10" name="Rectangle 9">
+            <a:extLst>
+              <a:ext uri="{FF2B5EF4-FFF2-40B4-BE49-F238E27FC236}">
+                <a16:creationId xmlns:a16="http://schemas.microsoft.com/office/drawing/2014/main" id="{59A309A7-1751-4ABE-A3C1-EEC40366AD89}"/>
+              </a:ext>
+              <a:ext uri="{C183D7F6-B498-43B3-948B-1728B52AA6E4}">
+                <adec:decorative xmlns:adec="http://schemas.microsoft.com/office/drawing/2017/decorative" val="1"/>
+              </a:ext>
+            </a:extLst>
+          </p:cNvPr>
+          <p:cNvSpPr>
+            <a:spLocks noGrp="1" noRot="1" noChangeAspect="1" noMove="1" noResize="1" noEditPoints="1" noAdjustHandles="1" noChangeArrowheads="1" noChangeShapeType="1" noTextEdit="1"/>
+          </p:cNvSpPr>
+          <p:nvPr>
+            <p:extLst>
+              <p:ext uri="{386F3935-93C4-4BCD-93E2-E3B085C9AB24}">
+                <p16:designElem xmlns:p16="http://schemas.microsoft.com/office/powerpoint/2015/main" val="1"/>
+              </p:ext>
+            </p:extLst>
+          </p:nvPr>
+        </p:nvSpPr>
+        <p:spPr>
+          <a:xfrm>
+            <a:off x="10088880" y="0"/>
+            <a:ext cx="2103120" cy="6858000"/>
+          </a:xfrm>
+          <a:prstGeom prst="rect">
+            <a:avLst/>
+          </a:prstGeom>
+          <a:solidFill>
+            <a:srgbClr val="1A5159"/>
+          </a:solidFill>
+          <a:ln>
+            <a:noFill/>
+          </a:ln>
+        </p:spPr>
+        <p:style>
+          <a:lnRef idx="2">
+            <a:schemeClr val="accent1">
+              <a:shade val="50000"/>
+            </a:schemeClr>
+          </a:lnRef>
+          <a:fillRef idx="1">
+            <a:schemeClr val="accent1"/>
+          </a:fillRef>
+          <a:effectRef idx="0">
+            <a:schemeClr val="accent1"/>
+          </a:effectRef>
+          <a:fontRef idx="minor">
+            <a:schemeClr val="lt1"/>
+          </a:fontRef>
+        </p:style>
+        <p:txBody>
+          <a:bodyPr rtlCol="0" anchor="ctr"/>
+          <a:lstStyle/>
+          <a:p>
+            <a:pPr algn="ctr"/>
+            <a:endParaRPr lang="en-US"/>
+          </a:p>
+        </p:txBody>
+      </p:sp>
+      <p:sp>
+        <p:nvSpPr>
+          <p:cNvPr id="12" name="Oval 11">
+            <a:extLst>
+              <a:ext uri="{FF2B5EF4-FFF2-40B4-BE49-F238E27FC236}">
+                <a16:creationId xmlns:a16="http://schemas.microsoft.com/office/drawing/2014/main" id="{967D8EB6-EAE1-4F9C-B398-83321E287204}"/>
+              </a:ext>
+              <a:ext uri="{C183D7F6-B498-43B3-948B-1728B52AA6E4}">
+                <adec:decorative xmlns:adec="http://schemas.microsoft.com/office/drawing/2017/decorative" val="1"/>
+              </a:ext>
+            </a:extLst>
+          </p:cNvPr>
+          <p:cNvSpPr>
+            <a:spLocks noGrp="1" noRot="1" noChangeAspect="1" noMove="1" noResize="1" noEditPoints="1" noAdjustHandles="1" noChangeArrowheads="1" noChangeShapeType="1" noTextEdit="1"/>
+          </p:cNvSpPr>
+          <p:nvPr>
+            <p:extLst>
+              <p:ext uri="{386F3935-93C4-4BCD-93E2-E3B085C9AB24}">
+                <p16:designElem xmlns:p16="http://schemas.microsoft.com/office/powerpoint/2015/main" val="1"/>
+              </p:ext>
+            </p:extLst>
+          </p:nvPr>
+        </p:nvSpPr>
+        <p:spPr>
+          <a:xfrm>
+            <a:off x="8915400" y="2358913"/>
+            <a:ext cx="2140172" cy="2140172"/>
+          </a:xfrm>
+          <a:prstGeom prst="ellipse">
+            <a:avLst/>
+          </a:prstGeom>
+          <a:solidFill>
+            <a:srgbClr val="FFFFFF"/>
+          </a:solidFill>
+          <a:ln w="22225">
+            <a:solidFill>
+              <a:srgbClr val="D5A556"/>
+            </a:solidFill>
+          </a:ln>
+        </p:spPr>
+        <p:style>
+          <a:lnRef idx="2">
+            <a:schemeClr val="accent1">
+              <a:shade val="50000"/>
+            </a:schemeClr>
+          </a:lnRef>
+          <a:fillRef idx="1">
+            <a:schemeClr val="accent1"/>
+          </a:fillRef>
+          <a:effectRef idx="0">
+            <a:schemeClr val="accent1"/>
+          </a:effectRef>
+          <a:fontRef idx="minor">
+            <a:schemeClr val="lt1"/>
+          </a:fontRef>
+        </p:style>
+        <p:txBody>
+          <a:bodyPr rtlCol="0" anchor="ctr"/>
+          <a:lstStyle/>
+          <a:p>
+            <a:pPr algn="ctr"/>
+            <a:endParaRPr lang="en-US"/>
+          </a:p>
+        </p:txBody>
+      </p:sp>
+      <p:pic>
+        <p:nvPicPr>
+          <p:cNvPr id="5" name="Picture 4" descr="A picture containing clipart&#10;&#10;Description automatically generated">
+            <a:extLst>
+              <a:ext uri="{FF2B5EF4-FFF2-40B4-BE49-F238E27FC236}">
+                <a16:creationId xmlns:a16="http://schemas.microsoft.com/office/drawing/2014/main" id="{4B98002B-827A-4805-ABAA-5A4E3B5F2B28}"/>
+              </a:ext>
+            </a:extLst>
+          </p:cNvPr>
+          <p:cNvPicPr>
+            <a:picLocks noChangeAspect="1"/>
+          </p:cNvPicPr>
+          <p:nvPr/>
+        </p:nvPicPr>
+        <p:blipFill>
+          <a:blip r:embed="rId2">
+            <a:extLst>
+              <a:ext uri="{28A0092B-C50C-407E-A947-70E740481C1C}">
+                <a14:useLocalDpi xmlns:a14="http://schemas.microsoft.com/office/drawing/2010/main" val="0"/>
+              </a:ext>
+            </a:extLst>
+          </a:blip>
+          <a:stretch>
+            <a:fillRect/>
+          </a:stretch>
+        </p:blipFill>
+        <p:spPr>
+          <a:xfrm>
+            <a:off x="9606868" y="2857501"/>
+            <a:ext cx="757236" cy="1142998"/>
+          </a:xfrm>
+          <a:prstGeom prst="rect">
+            <a:avLst/>
+          </a:prstGeom>
+        </p:spPr>
+      </p:pic>
+      <p:pic>
+        <p:nvPicPr>
+          <p:cNvPr id="6" name="Picture 5">
+            <a:extLst>
+              <a:ext uri="{FF2B5EF4-FFF2-40B4-BE49-F238E27FC236}">
+                <a16:creationId xmlns:a16="http://schemas.microsoft.com/office/drawing/2014/main" id="{0B9D36AB-795C-4682-A9C8-1BDA5CA550BC}"/>
+              </a:ext>
+            </a:extLst>
+          </p:cNvPr>
+          <p:cNvPicPr>
+            <a:picLocks noChangeAspect="1"/>
+          </p:cNvPicPr>
+          <p:nvPr/>
+        </p:nvPicPr>
+        <p:blipFill>
+          <a:blip r:embed="rId3">
+            <a:extLst>
+              <a:ext uri="{28A0092B-C50C-407E-A947-70E740481C1C}">
+                <a14:useLocalDpi xmlns:a14="http://schemas.microsoft.com/office/drawing/2010/main" val="0"/>
+              </a:ext>
+            </a:extLst>
+          </a:blip>
+          <a:stretch>
+            <a:fillRect/>
+          </a:stretch>
+        </p:blipFill>
+        <p:spPr>
+          <a:xfrm>
+            <a:off x="1373476" y="1829472"/>
+            <a:ext cx="6850456" cy="3377352"/>
+          </a:xfrm>
+          <a:prstGeom prst="rect">
+            <a:avLst/>
+          </a:prstGeom>
+        </p:spPr>
+      </p:pic>
+      <p:pic>
+        <p:nvPicPr>
+          <p:cNvPr id="8" name="Picture 7">
+            <a:extLst>
+              <a:ext uri="{FF2B5EF4-FFF2-40B4-BE49-F238E27FC236}">
+                <a16:creationId xmlns:a16="http://schemas.microsoft.com/office/drawing/2014/main" id="{E5498952-B67B-4960-87DD-C4F9DAA0FAFA}"/>
+              </a:ext>
+            </a:extLst>
+          </p:cNvPr>
+          <p:cNvPicPr>
+            <a:picLocks noChangeAspect="1"/>
+          </p:cNvPicPr>
+          <p:nvPr/>
+        </p:nvPicPr>
+        <p:blipFill>
+          <a:blip r:embed="rId4">
+            <a:extLst>
+              <a:ext uri="{28A0092B-C50C-407E-A947-70E740481C1C}">
+                <a14:useLocalDpi xmlns:a14="http://schemas.microsoft.com/office/drawing/2010/main" val="0"/>
+              </a:ext>
+            </a:extLst>
+          </a:blip>
+          <a:stretch>
+            <a:fillRect/>
+          </a:stretch>
+        </p:blipFill>
+        <p:spPr>
+          <a:xfrm>
+            <a:off x="141874" y="4068304"/>
+            <a:ext cx="7786808" cy="2843940"/>
+          </a:xfrm>
+          <a:prstGeom prst="rect">
+            <a:avLst/>
+          </a:prstGeom>
+        </p:spPr>
+      </p:pic>
+    </p:spTree>
+    <p:extLst>
+      <p:ext uri="{BB962C8B-B14F-4D97-AF65-F5344CB8AC3E}">
+        <p14:creationId xmlns:p14="http://schemas.microsoft.com/office/powerpoint/2010/main" val="1411709644"/>
+      </p:ext>
+    </p:extLst>
+  </p:cSld>
+  <p:clrMapOvr>
+    <a:masterClrMapping/>
+  </p:clrMapOvr>
+</p:sld>
+</file>
+
+<file path=ppt/slides/slide38.xml><?xml version="1.0" encoding="utf-8"?>
+<p:sld xmlns:a="http://schemas.openxmlformats.org/drawingml/2006/main" xmlns:r="http://schemas.openxmlformats.org/officeDocument/2006/relationships" xmlns:p="http://schemas.openxmlformats.org/presentationml/2006/main">
+  <p:cSld>
+    <p:bg>
+      <p:bgPr>
+        <a:solidFill>
+          <a:schemeClr val="bg1"/>
+        </a:solidFill>
+        <a:effectLst/>
+      </p:bgPr>
+    </p:bg>
+    <p:spTree>
+      <p:nvGrpSpPr>
+        <p:cNvPr id="1" name=""/>
+        <p:cNvGrpSpPr/>
+        <p:nvPr/>
+      </p:nvGrpSpPr>
+      <p:grpSpPr>
+        <a:xfrm>
+          <a:off x="0" y="0"/>
+          <a:ext cx="0" cy="0"/>
+          <a:chOff x="0" y="0"/>
+          <a:chExt cx="0" cy="0"/>
+        </a:xfrm>
+      </p:grpSpPr>
+      <p:sp>
+        <p:nvSpPr>
+          <p:cNvPr id="2" name="Title 1">
+            <a:extLst>
+              <a:ext uri="{FF2B5EF4-FFF2-40B4-BE49-F238E27FC236}">
+                <a16:creationId xmlns:a16="http://schemas.microsoft.com/office/drawing/2014/main" id="{AFA3AD09-7FD8-4A45-AAD7-343A60A2E56F}"/>
+              </a:ext>
+            </a:extLst>
+          </p:cNvPr>
+          <p:cNvSpPr>
+            <a:spLocks noGrp="1"/>
+          </p:cNvSpPr>
+          <p:nvPr>
+            <p:ph type="title"/>
+          </p:nvPr>
+        </p:nvSpPr>
+        <p:spPr>
+          <a:xfrm>
+            <a:off x="1136428" y="627564"/>
+            <a:ext cx="7474172" cy="1325563"/>
+          </a:xfrm>
+        </p:spPr>
+        <p:txBody>
+          <a:bodyPr>
+            <a:normAutofit/>
+          </a:bodyPr>
+          <a:lstStyle/>
+          <a:p>
+            <a:r>
+              <a:rPr lang="es-ES" dirty="0" err="1"/>
+              <a:t>Roadmap</a:t>
+            </a:r>
+            <a:endParaRPr lang="es-ES" dirty="0"/>
+          </a:p>
+        </p:txBody>
+      </p:sp>
+      <p:sp>
+        <p:nvSpPr>
+          <p:cNvPr id="10" name="Rectangle 9">
+            <a:extLst>
+              <a:ext uri="{FF2B5EF4-FFF2-40B4-BE49-F238E27FC236}">
+                <a16:creationId xmlns:a16="http://schemas.microsoft.com/office/drawing/2014/main" id="{59A309A7-1751-4ABE-A3C1-EEC40366AD89}"/>
+              </a:ext>
+              <a:ext uri="{C183D7F6-B498-43B3-948B-1728B52AA6E4}">
+                <adec:decorative xmlns:adec="http://schemas.microsoft.com/office/drawing/2017/decorative" val="1"/>
+              </a:ext>
+            </a:extLst>
+          </p:cNvPr>
+          <p:cNvSpPr>
+            <a:spLocks noGrp="1" noRot="1" noChangeAspect="1" noMove="1" noResize="1" noEditPoints="1" noAdjustHandles="1" noChangeArrowheads="1" noChangeShapeType="1" noTextEdit="1"/>
+          </p:cNvSpPr>
+          <p:nvPr>
+            <p:extLst>
+              <p:ext uri="{386F3935-93C4-4BCD-93E2-E3B085C9AB24}">
+                <p16:designElem xmlns:p16="http://schemas.microsoft.com/office/powerpoint/2015/main" val="1"/>
+              </p:ext>
+            </p:extLst>
+          </p:nvPr>
+        </p:nvSpPr>
+        <p:spPr>
+          <a:xfrm>
+            <a:off x="10088880" y="0"/>
+            <a:ext cx="2103120" cy="6858000"/>
+          </a:xfrm>
+          <a:prstGeom prst="rect">
+            <a:avLst/>
+          </a:prstGeom>
+          <a:solidFill>
+            <a:srgbClr val="1A5159"/>
+          </a:solidFill>
+          <a:ln>
+            <a:noFill/>
+          </a:ln>
+        </p:spPr>
+        <p:style>
+          <a:lnRef idx="2">
+            <a:schemeClr val="accent1">
+              <a:shade val="50000"/>
+            </a:schemeClr>
+          </a:lnRef>
+          <a:fillRef idx="1">
+            <a:schemeClr val="accent1"/>
+          </a:fillRef>
+          <a:effectRef idx="0">
+            <a:schemeClr val="accent1"/>
+          </a:effectRef>
+          <a:fontRef idx="minor">
+            <a:schemeClr val="lt1"/>
+          </a:fontRef>
+        </p:style>
+        <p:txBody>
+          <a:bodyPr rtlCol="0" anchor="ctr"/>
+          <a:lstStyle/>
+          <a:p>
+            <a:pPr algn="ctr"/>
+            <a:endParaRPr lang="en-US"/>
+          </a:p>
+        </p:txBody>
+      </p:sp>
+      <p:sp>
+        <p:nvSpPr>
+          <p:cNvPr id="12" name="Oval 11">
+            <a:extLst>
+              <a:ext uri="{FF2B5EF4-FFF2-40B4-BE49-F238E27FC236}">
+                <a16:creationId xmlns:a16="http://schemas.microsoft.com/office/drawing/2014/main" id="{967D8EB6-EAE1-4F9C-B398-83321E287204}"/>
+              </a:ext>
+              <a:ext uri="{C183D7F6-B498-43B3-948B-1728B52AA6E4}">
+                <adec:decorative xmlns:adec="http://schemas.microsoft.com/office/drawing/2017/decorative" val="1"/>
+              </a:ext>
+            </a:extLst>
+          </p:cNvPr>
+          <p:cNvSpPr>
+            <a:spLocks noGrp="1" noRot="1" noChangeAspect="1" noMove="1" noResize="1" noEditPoints="1" noAdjustHandles="1" noChangeArrowheads="1" noChangeShapeType="1" noTextEdit="1"/>
+          </p:cNvSpPr>
+          <p:nvPr>
+            <p:extLst>
+              <p:ext uri="{386F3935-93C4-4BCD-93E2-E3B085C9AB24}">
+                <p16:designElem xmlns:p16="http://schemas.microsoft.com/office/powerpoint/2015/main" val="1"/>
+              </p:ext>
+            </p:extLst>
+          </p:nvPr>
+        </p:nvSpPr>
+        <p:spPr>
+          <a:xfrm>
+            <a:off x="8915400" y="2358913"/>
+            <a:ext cx="2140172" cy="2140172"/>
+          </a:xfrm>
+          <a:prstGeom prst="ellipse">
+            <a:avLst/>
+          </a:prstGeom>
+          <a:solidFill>
+            <a:srgbClr val="FFFFFF"/>
+          </a:solidFill>
+          <a:ln w="22225">
+            <a:solidFill>
+              <a:srgbClr val="D5A556"/>
+            </a:solidFill>
+          </a:ln>
+        </p:spPr>
+        <p:style>
+          <a:lnRef idx="2">
+            <a:schemeClr val="accent1">
+              <a:shade val="50000"/>
+            </a:schemeClr>
+          </a:lnRef>
+          <a:fillRef idx="1">
+            <a:schemeClr val="accent1"/>
+          </a:fillRef>
+          <a:effectRef idx="0">
+            <a:schemeClr val="accent1"/>
+          </a:effectRef>
+          <a:fontRef idx="minor">
+            <a:schemeClr val="lt1"/>
+          </a:fontRef>
+        </p:style>
+        <p:txBody>
+          <a:bodyPr rtlCol="0" anchor="ctr"/>
+          <a:lstStyle/>
+          <a:p>
+            <a:pPr algn="ctr"/>
+            <a:endParaRPr lang="en-US"/>
+          </a:p>
+        </p:txBody>
+      </p:sp>
+      <p:pic>
+        <p:nvPicPr>
+          <p:cNvPr id="5" name="Picture 4" descr="A picture containing clipart&#10;&#10;Description automatically generated">
+            <a:extLst>
+              <a:ext uri="{FF2B5EF4-FFF2-40B4-BE49-F238E27FC236}">
+                <a16:creationId xmlns:a16="http://schemas.microsoft.com/office/drawing/2014/main" id="{4B98002B-827A-4805-ABAA-5A4E3B5F2B28}"/>
+              </a:ext>
+            </a:extLst>
+          </p:cNvPr>
+          <p:cNvPicPr>
+            <a:picLocks noChangeAspect="1"/>
+          </p:cNvPicPr>
+          <p:nvPr/>
+        </p:nvPicPr>
+        <p:blipFill>
+          <a:blip r:embed="rId2">
+            <a:extLst>
+              <a:ext uri="{28A0092B-C50C-407E-A947-70E740481C1C}">
+                <a14:useLocalDpi xmlns:a14="http://schemas.microsoft.com/office/drawing/2010/main" val="0"/>
+              </a:ext>
+            </a:extLst>
+          </a:blip>
+          <a:stretch>
+            <a:fillRect/>
+          </a:stretch>
+        </p:blipFill>
+        <p:spPr>
+          <a:xfrm>
+            <a:off x="9606868" y="2857501"/>
+            <a:ext cx="757236" cy="1142998"/>
+          </a:xfrm>
+          <a:prstGeom prst="rect">
+            <a:avLst/>
+          </a:prstGeom>
+        </p:spPr>
+      </p:pic>
+      <p:sp>
+        <p:nvSpPr>
+          <p:cNvPr id="7" name="Content Placeholder 2">
+            <a:extLst>
+              <a:ext uri="{FF2B5EF4-FFF2-40B4-BE49-F238E27FC236}">
+                <a16:creationId xmlns:a16="http://schemas.microsoft.com/office/drawing/2014/main" id="{0D32CEDA-8A37-40FE-8D24-7212061A34DD}"/>
+              </a:ext>
+            </a:extLst>
+          </p:cNvPr>
+          <p:cNvSpPr>
+            <a:spLocks noGrp="1"/>
+          </p:cNvSpPr>
+          <p:nvPr>
+            <p:ph idx="1"/>
+          </p:nvPr>
+        </p:nvSpPr>
+        <p:spPr>
+          <a:xfrm>
+            <a:off x="1136428" y="1750094"/>
+            <a:ext cx="7297358" cy="3567630"/>
+          </a:xfrm>
+        </p:spPr>
+        <p:txBody>
+          <a:bodyPr anchor="ctr">
+            <a:normAutofit/>
+          </a:bodyPr>
+          <a:lstStyle/>
+          <a:p>
+            <a:r>
+              <a:rPr lang="es-ES" sz="2400" i="1" dirty="0" err="1"/>
+              <a:t>Esquio</a:t>
+            </a:r>
+            <a:r>
+              <a:rPr lang="es-ES" sz="2400" i="1" dirty="0"/>
+              <a:t> 1.1 </a:t>
+            </a:r>
+            <a:r>
+              <a:rPr lang="es-ES" sz="2400" i="1" dirty="0" err="1"/>
+              <a:t>November</a:t>
+            </a:r>
+            <a:r>
+              <a:rPr lang="es-ES" sz="2400" i="1" dirty="0"/>
+              <a:t> 2019 </a:t>
+            </a:r>
+          </a:p>
+          <a:p>
+            <a:pPr lvl="1"/>
+            <a:r>
+              <a:rPr lang="es-ES" sz="1600" i="1" dirty="0" err="1"/>
+              <a:t>Plugable</a:t>
+            </a:r>
+            <a:r>
+              <a:rPr lang="es-ES" sz="1600" i="1" dirty="0"/>
+              <a:t> </a:t>
+            </a:r>
+            <a:r>
+              <a:rPr lang="es-ES" sz="1600" i="1" dirty="0" err="1"/>
+              <a:t>Partitioner</a:t>
+            </a:r>
+            <a:r>
+              <a:rPr lang="es-ES" sz="1600" i="1" dirty="0"/>
+              <a:t>. </a:t>
+            </a:r>
+            <a:r>
+              <a:rPr lang="es-ES" sz="1600" b="1" i="1" dirty="0"/>
+              <a:t>[done]</a:t>
+            </a:r>
+          </a:p>
+          <a:p>
+            <a:pPr lvl="1"/>
+            <a:r>
+              <a:rPr lang="es-ES" sz="1600" i="1" dirty="0"/>
+              <a:t>New ASP.NET Core </a:t>
+            </a:r>
+            <a:r>
+              <a:rPr lang="es-ES" sz="1600" i="1" dirty="0" err="1"/>
+              <a:t>Toggles</a:t>
+            </a:r>
+            <a:r>
+              <a:rPr lang="es-ES" sz="1600" i="1" dirty="0"/>
+              <a:t>. </a:t>
+            </a:r>
+            <a:r>
+              <a:rPr lang="es-ES" sz="1600" b="1" i="1" dirty="0"/>
+              <a:t>[done]</a:t>
+            </a:r>
+          </a:p>
+          <a:p>
+            <a:pPr lvl="1"/>
+            <a:r>
+              <a:rPr lang="es-ES" sz="1600" i="1" dirty="0" err="1"/>
+              <a:t>Added</a:t>
+            </a:r>
+            <a:r>
+              <a:rPr lang="es-ES" sz="1600" i="1" dirty="0"/>
+              <a:t> </a:t>
+            </a:r>
+            <a:r>
+              <a:rPr lang="es-ES" sz="1600" i="1" dirty="0" err="1"/>
+              <a:t>typed</a:t>
+            </a:r>
+            <a:r>
+              <a:rPr lang="es-ES" sz="1600" i="1" dirty="0"/>
+              <a:t> “</a:t>
+            </a:r>
+            <a:r>
+              <a:rPr lang="es-ES" sz="1600" i="1" dirty="0" err="1"/>
+              <a:t>EventData</a:t>
+            </a:r>
+            <a:r>
+              <a:rPr lang="es-ES" sz="1600" i="1" dirty="0"/>
+              <a:t>” on </a:t>
+            </a:r>
+            <a:r>
+              <a:rPr lang="es-ES" sz="1600" i="1" dirty="0" err="1"/>
+              <a:t>DiagnosticSource</a:t>
+            </a:r>
+            <a:r>
+              <a:rPr lang="es-ES" sz="1600" i="1" dirty="0"/>
+              <a:t> </a:t>
+            </a:r>
+            <a:r>
+              <a:rPr lang="es-ES" sz="1600" i="1" dirty="0" err="1"/>
+              <a:t>events</a:t>
+            </a:r>
+            <a:r>
+              <a:rPr lang="es-ES" sz="1600" i="1" dirty="0"/>
+              <a:t>. </a:t>
+            </a:r>
+            <a:r>
+              <a:rPr lang="es-ES" sz="1600" b="1" i="1" dirty="0"/>
+              <a:t>[done]</a:t>
+            </a:r>
+          </a:p>
+          <a:p>
+            <a:pPr lvl="1"/>
+            <a:r>
+              <a:rPr lang="es-ES" sz="1600" i="1" dirty="0" err="1"/>
+              <a:t>MiniProfiler</a:t>
+            </a:r>
+            <a:r>
+              <a:rPr lang="es-ES" sz="1600" i="1" dirty="0"/>
+              <a:t> </a:t>
+            </a:r>
+            <a:r>
+              <a:rPr lang="es-ES" sz="1600" i="1" dirty="0" err="1"/>
+              <a:t>tool</a:t>
+            </a:r>
+            <a:r>
+              <a:rPr lang="es-ES" sz="1600" i="1" dirty="0"/>
+              <a:t> for </a:t>
+            </a:r>
+            <a:r>
+              <a:rPr lang="es-ES" sz="1600" i="1" dirty="0" err="1"/>
+              <a:t>Esquio</a:t>
+            </a:r>
+            <a:r>
+              <a:rPr lang="es-ES" sz="1600" i="1" dirty="0"/>
+              <a:t> </a:t>
+            </a:r>
+            <a:r>
+              <a:rPr lang="es-ES" sz="1600" i="1" dirty="0" err="1"/>
+              <a:t>features</a:t>
+            </a:r>
+            <a:r>
+              <a:rPr lang="es-ES" sz="1600" i="1" dirty="0"/>
+              <a:t> </a:t>
+            </a:r>
+            <a:r>
+              <a:rPr lang="es-ES" sz="1600" i="1" dirty="0" err="1"/>
+              <a:t>profiling</a:t>
+            </a:r>
+            <a:r>
+              <a:rPr lang="es-ES" sz="1600" i="1" dirty="0"/>
+              <a:t>. </a:t>
+            </a:r>
+            <a:r>
+              <a:rPr lang="es-ES" sz="1600" b="1" i="1" dirty="0"/>
+              <a:t>[done]</a:t>
+            </a:r>
+          </a:p>
+          <a:p>
+            <a:pPr lvl="1"/>
+            <a:r>
+              <a:rPr lang="es-ES" sz="1600" i="1" dirty="0"/>
+              <a:t>UI </a:t>
+            </a:r>
+            <a:r>
+              <a:rPr lang="es-ES" sz="1600" i="1" dirty="0" err="1"/>
+              <a:t>improvements</a:t>
+            </a:r>
+            <a:r>
+              <a:rPr lang="es-ES" sz="1600" i="1" dirty="0"/>
+              <a:t> </a:t>
+            </a:r>
+          </a:p>
+          <a:p>
+            <a:pPr lvl="2"/>
+            <a:r>
+              <a:rPr lang="es-ES" sz="1600" i="1" dirty="0" err="1"/>
+              <a:t>Authorization</a:t>
+            </a:r>
+            <a:r>
+              <a:rPr lang="es-ES" sz="1600" i="1" dirty="0"/>
+              <a:t> ( Reader, Contributor, Management ).</a:t>
+            </a:r>
+          </a:p>
+          <a:p>
+            <a:pPr lvl="2"/>
+            <a:r>
+              <a:rPr lang="es-ES" sz="1600" i="1" dirty="0" err="1"/>
+              <a:t>Improve</a:t>
+            </a:r>
+            <a:r>
+              <a:rPr lang="es-ES" sz="1600" i="1" dirty="0"/>
+              <a:t> Api Key </a:t>
+            </a:r>
+            <a:r>
+              <a:rPr lang="es-ES" sz="1600" i="1" dirty="0" err="1"/>
+              <a:t>management</a:t>
+            </a:r>
+            <a:r>
+              <a:rPr lang="es-ES" sz="1600" i="1" dirty="0"/>
+              <a:t>.</a:t>
+            </a:r>
+          </a:p>
+        </p:txBody>
+      </p:sp>
+    </p:spTree>
+    <p:extLst>
+      <p:ext uri="{BB962C8B-B14F-4D97-AF65-F5344CB8AC3E}">
+        <p14:creationId xmlns:p14="http://schemas.microsoft.com/office/powerpoint/2010/main" val="355640064"/>
+      </p:ext>
+    </p:extLst>
+  </p:cSld>
+  <p:clrMapOvr>
+    <a:masterClrMapping/>
+  </p:clrMapOvr>
+</p:sld>
+</file>
+
+<file path=ppt/slides/slide39.xml><?xml version="1.0" encoding="utf-8"?>
+<p:sld xmlns:a="http://schemas.openxmlformats.org/drawingml/2006/main" xmlns:r="http://schemas.openxmlformats.org/officeDocument/2006/relationships" xmlns:p="http://schemas.openxmlformats.org/presentationml/2006/main">
+  <p:cSld>
+    <p:bg>
+      <p:bgPr>
+        <a:solidFill>
+          <a:schemeClr val="bg1"/>
+        </a:solidFill>
+        <a:effectLst/>
+      </p:bgPr>
+    </p:bg>
+    <p:spTree>
+      <p:nvGrpSpPr>
+        <p:cNvPr id="1" name=""/>
+        <p:cNvGrpSpPr/>
+        <p:nvPr/>
+      </p:nvGrpSpPr>
+      <p:grpSpPr>
+        <a:xfrm>
+          <a:off x="0" y="0"/>
+          <a:ext cx="0" cy="0"/>
+          <a:chOff x="0" y="0"/>
+          <a:chExt cx="0" cy="0"/>
+        </a:xfrm>
+      </p:grpSpPr>
+      <p:sp>
+        <p:nvSpPr>
+          <p:cNvPr id="2" name="Title 1">
+            <a:extLst>
+              <a:ext uri="{FF2B5EF4-FFF2-40B4-BE49-F238E27FC236}">
+                <a16:creationId xmlns:a16="http://schemas.microsoft.com/office/drawing/2014/main" id="{AFA3AD09-7FD8-4A45-AAD7-343A60A2E56F}"/>
+              </a:ext>
+            </a:extLst>
+          </p:cNvPr>
+          <p:cNvSpPr>
+            <a:spLocks noGrp="1"/>
+          </p:cNvSpPr>
+          <p:nvPr>
+            <p:ph type="title"/>
+          </p:nvPr>
+        </p:nvSpPr>
+        <p:spPr>
+          <a:xfrm>
+            <a:off x="1136428" y="627564"/>
+            <a:ext cx="7474172" cy="1325563"/>
+          </a:xfrm>
+        </p:spPr>
+        <p:txBody>
+          <a:bodyPr>
+            <a:normAutofit/>
+          </a:bodyPr>
+          <a:lstStyle/>
+          <a:p>
+            <a:r>
+              <a:rPr lang="es-ES" dirty="0" err="1"/>
+              <a:t>Roadmap</a:t>
+            </a:r>
+            <a:endParaRPr lang="es-ES" dirty="0"/>
+          </a:p>
+        </p:txBody>
+      </p:sp>
+      <p:sp>
+        <p:nvSpPr>
+          <p:cNvPr id="10" name="Rectangle 9">
+            <a:extLst>
+              <a:ext uri="{FF2B5EF4-FFF2-40B4-BE49-F238E27FC236}">
+                <a16:creationId xmlns:a16="http://schemas.microsoft.com/office/drawing/2014/main" id="{59A309A7-1751-4ABE-A3C1-EEC40366AD89}"/>
+              </a:ext>
+              <a:ext uri="{C183D7F6-B498-43B3-948B-1728B52AA6E4}">
+                <adec:decorative xmlns:adec="http://schemas.microsoft.com/office/drawing/2017/decorative" val="1"/>
+              </a:ext>
+            </a:extLst>
+          </p:cNvPr>
+          <p:cNvSpPr>
+            <a:spLocks noGrp="1" noRot="1" noChangeAspect="1" noMove="1" noResize="1" noEditPoints="1" noAdjustHandles="1" noChangeArrowheads="1" noChangeShapeType="1" noTextEdit="1"/>
+          </p:cNvSpPr>
+          <p:nvPr>
+            <p:extLst>
+              <p:ext uri="{386F3935-93C4-4BCD-93E2-E3B085C9AB24}">
+                <p16:designElem xmlns:p16="http://schemas.microsoft.com/office/powerpoint/2015/main" val="1"/>
+              </p:ext>
+            </p:extLst>
+          </p:nvPr>
+        </p:nvSpPr>
+        <p:spPr>
+          <a:xfrm>
+            <a:off x="10088880" y="0"/>
+            <a:ext cx="2103120" cy="6858000"/>
+          </a:xfrm>
+          <a:prstGeom prst="rect">
+            <a:avLst/>
+          </a:prstGeom>
+          <a:solidFill>
+            <a:srgbClr val="1A5159"/>
+          </a:solidFill>
+          <a:ln>
+            <a:noFill/>
+          </a:ln>
+        </p:spPr>
+        <p:style>
+          <a:lnRef idx="2">
+            <a:schemeClr val="accent1">
+              <a:shade val="50000"/>
+            </a:schemeClr>
+          </a:lnRef>
+          <a:fillRef idx="1">
+            <a:schemeClr val="accent1"/>
+          </a:fillRef>
+          <a:effectRef idx="0">
+            <a:schemeClr val="accent1"/>
+          </a:effectRef>
+          <a:fontRef idx="minor">
+            <a:schemeClr val="lt1"/>
+          </a:fontRef>
+        </p:style>
+        <p:txBody>
+          <a:bodyPr rtlCol="0" anchor="ctr"/>
+          <a:lstStyle/>
+          <a:p>
+            <a:pPr algn="ctr"/>
+            <a:endParaRPr lang="en-US"/>
+          </a:p>
+        </p:txBody>
+      </p:sp>
+      <p:sp>
+        <p:nvSpPr>
+          <p:cNvPr id="12" name="Oval 11">
+            <a:extLst>
+              <a:ext uri="{FF2B5EF4-FFF2-40B4-BE49-F238E27FC236}">
+                <a16:creationId xmlns:a16="http://schemas.microsoft.com/office/drawing/2014/main" id="{967D8EB6-EAE1-4F9C-B398-83321E287204}"/>
+              </a:ext>
+              <a:ext uri="{C183D7F6-B498-43B3-948B-1728B52AA6E4}">
+                <adec:decorative xmlns:adec="http://schemas.microsoft.com/office/drawing/2017/decorative" val="1"/>
+              </a:ext>
+            </a:extLst>
+          </p:cNvPr>
+          <p:cNvSpPr>
+            <a:spLocks noGrp="1" noRot="1" noChangeAspect="1" noMove="1" noResize="1" noEditPoints="1" noAdjustHandles="1" noChangeArrowheads="1" noChangeShapeType="1" noTextEdit="1"/>
+          </p:cNvSpPr>
+          <p:nvPr>
+            <p:extLst>
+              <p:ext uri="{386F3935-93C4-4BCD-93E2-E3B085C9AB24}">
+                <p16:designElem xmlns:p16="http://schemas.microsoft.com/office/powerpoint/2015/main" val="1"/>
+              </p:ext>
+            </p:extLst>
+          </p:nvPr>
+        </p:nvSpPr>
+        <p:spPr>
+          <a:xfrm>
+            <a:off x="8915400" y="2358913"/>
+            <a:ext cx="2140172" cy="2140172"/>
+          </a:xfrm>
+          <a:prstGeom prst="ellipse">
+            <a:avLst/>
+          </a:prstGeom>
+          <a:solidFill>
+            <a:srgbClr val="FFFFFF"/>
+          </a:solidFill>
+          <a:ln w="22225">
+            <a:solidFill>
+              <a:srgbClr val="D5A556"/>
+            </a:solidFill>
+          </a:ln>
+        </p:spPr>
+        <p:style>
+          <a:lnRef idx="2">
+            <a:schemeClr val="accent1">
+              <a:shade val="50000"/>
+            </a:schemeClr>
+          </a:lnRef>
+          <a:fillRef idx="1">
+            <a:schemeClr val="accent1"/>
+          </a:fillRef>
+          <a:effectRef idx="0">
+            <a:schemeClr val="accent1"/>
+          </a:effectRef>
+          <a:fontRef idx="minor">
+            <a:schemeClr val="lt1"/>
+          </a:fontRef>
+        </p:style>
+        <p:txBody>
+          <a:bodyPr rtlCol="0" anchor="ctr"/>
+          <a:lstStyle/>
+          <a:p>
+            <a:pPr algn="ctr"/>
+            <a:endParaRPr lang="en-US"/>
+          </a:p>
+        </p:txBody>
+      </p:sp>
+      <p:pic>
+        <p:nvPicPr>
+          <p:cNvPr id="5" name="Picture 4" descr="A picture containing clipart&#10;&#10;Description automatically generated">
+            <a:extLst>
+              <a:ext uri="{FF2B5EF4-FFF2-40B4-BE49-F238E27FC236}">
+                <a16:creationId xmlns:a16="http://schemas.microsoft.com/office/drawing/2014/main" id="{4B98002B-827A-4805-ABAA-5A4E3B5F2B28}"/>
+              </a:ext>
+            </a:extLst>
+          </p:cNvPr>
+          <p:cNvPicPr>
+            <a:picLocks noChangeAspect="1"/>
+          </p:cNvPicPr>
+          <p:nvPr/>
+        </p:nvPicPr>
+        <p:blipFill>
+          <a:blip r:embed="rId2">
+            <a:extLst>
+              <a:ext uri="{28A0092B-C50C-407E-A947-70E740481C1C}">
+                <a14:useLocalDpi xmlns:a14="http://schemas.microsoft.com/office/drawing/2010/main" val="0"/>
+              </a:ext>
+            </a:extLst>
+          </a:blip>
+          <a:stretch>
+            <a:fillRect/>
+          </a:stretch>
+        </p:blipFill>
+        <p:spPr>
+          <a:xfrm>
+            <a:off x="9606868" y="2857501"/>
+            <a:ext cx="757236" cy="1142998"/>
+          </a:xfrm>
+          <a:prstGeom prst="rect">
+            <a:avLst/>
+          </a:prstGeom>
+        </p:spPr>
+      </p:pic>
+      <p:sp>
+        <p:nvSpPr>
+          <p:cNvPr id="7" name="Content Placeholder 2">
+            <a:extLst>
+              <a:ext uri="{FF2B5EF4-FFF2-40B4-BE49-F238E27FC236}">
+                <a16:creationId xmlns:a16="http://schemas.microsoft.com/office/drawing/2014/main" id="{0D32CEDA-8A37-40FE-8D24-7212061A34DD}"/>
+              </a:ext>
+            </a:extLst>
+          </p:cNvPr>
+          <p:cNvSpPr>
+            <a:spLocks noGrp="1"/>
+          </p:cNvSpPr>
+          <p:nvPr>
+            <p:ph idx="1"/>
+          </p:nvPr>
+        </p:nvSpPr>
+        <p:spPr>
+          <a:xfrm>
+            <a:off x="1136428" y="1750094"/>
+            <a:ext cx="7297358" cy="3567630"/>
+          </a:xfrm>
+        </p:spPr>
+        <p:txBody>
+          <a:bodyPr anchor="ctr">
+            <a:normAutofit/>
+          </a:bodyPr>
+          <a:lstStyle/>
+          <a:p>
+            <a:r>
+              <a:rPr lang="es-ES" sz="2400" i="1" dirty="0" err="1"/>
+              <a:t>Esquio</a:t>
+            </a:r>
+            <a:r>
+              <a:rPr lang="es-ES" sz="2400" i="1" dirty="0"/>
+              <a:t> </a:t>
+            </a:r>
+            <a:r>
+              <a:rPr lang="es-ES" sz="2400" i="1" dirty="0" err="1"/>
+              <a:t>vNext</a:t>
+            </a:r>
+            <a:endParaRPr lang="es-ES" sz="2400" i="1" dirty="0"/>
+          </a:p>
+          <a:p>
+            <a:pPr lvl="1"/>
+            <a:r>
+              <a:rPr lang="es-ES" sz="1600" i="1" dirty="0" err="1"/>
+              <a:t>Endpoint</a:t>
+            </a:r>
+            <a:r>
+              <a:rPr lang="es-ES" sz="1600" i="1" dirty="0"/>
+              <a:t> </a:t>
+            </a:r>
+            <a:r>
+              <a:rPr lang="es-ES" sz="1600" i="1" dirty="0" err="1"/>
+              <a:t>fallback</a:t>
+            </a:r>
+            <a:r>
+              <a:rPr lang="es-ES" sz="1600" i="1" dirty="0"/>
+              <a:t> fine </a:t>
+            </a:r>
+            <a:r>
+              <a:rPr lang="es-ES" sz="1600" i="1" dirty="0" err="1"/>
+              <a:t>grain</a:t>
+            </a:r>
+            <a:r>
+              <a:rPr lang="es-ES" sz="1600" i="1" dirty="0"/>
+              <a:t>.</a:t>
+            </a:r>
+          </a:p>
+          <a:p>
+            <a:pPr lvl="1"/>
+            <a:r>
+              <a:rPr lang="es-ES" sz="1600" i="1" dirty="0"/>
+              <a:t>Redis </a:t>
+            </a:r>
+            <a:r>
+              <a:rPr lang="es-ES" sz="1600" i="1" dirty="0" err="1"/>
+              <a:t>configuration</a:t>
+            </a:r>
+            <a:r>
+              <a:rPr lang="es-ES" sz="1600" i="1" dirty="0"/>
+              <a:t> store.</a:t>
+            </a:r>
+          </a:p>
+          <a:p>
+            <a:pPr lvl="1"/>
+            <a:r>
+              <a:rPr lang="es-ES" sz="1600" i="1" dirty="0" err="1"/>
+              <a:t>Hard</a:t>
+            </a:r>
+            <a:r>
+              <a:rPr lang="es-ES" sz="1600" i="1" dirty="0"/>
+              <a:t> </a:t>
+            </a:r>
+            <a:r>
+              <a:rPr lang="es-ES" sz="1600" i="1" dirty="0" err="1"/>
+              <a:t>dependency</a:t>
+            </a:r>
+            <a:r>
+              <a:rPr lang="es-ES" sz="1600" i="1" dirty="0"/>
+              <a:t> on Store </a:t>
+            </a:r>
+            <a:r>
+              <a:rPr lang="es-ES" sz="1600" i="1" dirty="0" err="1"/>
+              <a:t>Context</a:t>
+            </a:r>
+            <a:r>
+              <a:rPr lang="es-ES" sz="1600" i="1" dirty="0"/>
+              <a:t>.</a:t>
+            </a:r>
+          </a:p>
+          <a:p>
+            <a:pPr lvl="1"/>
+            <a:r>
+              <a:rPr lang="es-ES" sz="1600" i="1" dirty="0"/>
+              <a:t>UI </a:t>
+            </a:r>
+            <a:r>
+              <a:rPr lang="es-ES" sz="1600" i="1" dirty="0" err="1"/>
+              <a:t>improvements</a:t>
+            </a:r>
+            <a:endParaRPr lang="es-ES" sz="1600" i="1" dirty="0"/>
+          </a:p>
+          <a:p>
+            <a:pPr lvl="1"/>
+            <a:r>
+              <a:rPr lang="es-ES" sz="1600" i="1" dirty="0"/>
+              <a:t>New Azure DevOps </a:t>
+            </a:r>
+            <a:r>
+              <a:rPr lang="es-ES" sz="1600" i="1" dirty="0" err="1"/>
+              <a:t>tasks</a:t>
+            </a:r>
+            <a:endParaRPr lang="es-ES" sz="1600" i="1" dirty="0"/>
+          </a:p>
+          <a:p>
+            <a:pPr lvl="1"/>
+            <a:r>
+              <a:rPr lang="es-ES" sz="1600" i="1" dirty="0"/>
+              <a:t>Feature change notifications</a:t>
+            </a:r>
+          </a:p>
+          <a:p>
+            <a:pPr lvl="1"/>
+            <a:r>
+              <a:rPr lang="es-ES" sz="1600" i="1" dirty="0"/>
+              <a:t>Feature </a:t>
+            </a:r>
+            <a:r>
+              <a:rPr lang="es-ES" sz="1600" i="1" dirty="0" err="1"/>
+              <a:t>state</a:t>
+            </a:r>
+            <a:r>
+              <a:rPr lang="es-ES" sz="1600" i="1" dirty="0"/>
+              <a:t> http </a:t>
+            </a:r>
+            <a:r>
+              <a:rPr lang="es-ES" sz="1600" i="1" dirty="0" err="1"/>
+              <a:t>context</a:t>
+            </a:r>
+            <a:r>
+              <a:rPr lang="es-ES" sz="1600" i="1" dirty="0"/>
+              <a:t> request cache</a:t>
+            </a:r>
+          </a:p>
+        </p:txBody>
+      </p:sp>
+    </p:spTree>
+    <p:extLst>
+      <p:ext uri="{BB962C8B-B14F-4D97-AF65-F5344CB8AC3E}">
+        <p14:creationId xmlns:p14="http://schemas.microsoft.com/office/powerpoint/2010/main" val="1613570036"/>
       </p:ext>
     </p:extLst>
   </p:cSld>
@@ -14812,40 +16004,21 @@
               <a:rPr lang="es-ES" sz="2000" i="1" dirty="0"/>
               <a:t>PHP</a:t>
             </a:r>
+            <a:endParaRPr lang="es-ES" sz="1400" i="1" dirty="0"/>
           </a:p>
           <a:p>
             <a:pPr lvl="2"/>
             <a:r>
-              <a:rPr lang="es-ES" sz="1600" i="1" dirty="0"/>
-              <a:t>Etsy</a:t>
-            </a:r>
+              <a:rPr lang="es-ES" i="1" dirty="0" err="1"/>
+              <a:t>Qandidate</a:t>
+            </a:r>
+            <a:endParaRPr lang="es-ES" i="1" dirty="0"/>
           </a:p>
           <a:p>
             <a:pPr lvl="3"/>
             <a:r>
               <a:rPr lang="es-ES" sz="1400" i="1" dirty="0">
                 <a:hlinkClick r:id="rId2"/>
-              </a:rPr>
-              <a:t>https://github.com/etsy/feature</a:t>
-            </a:r>
-            <a:r>
-              <a:rPr lang="es-ES" sz="1400" i="1" dirty="0"/>
-              <a:t> </a:t>
-            </a:r>
-          </a:p>
-          <a:p>
-            <a:pPr lvl="2"/>
-            <a:r>
-              <a:rPr lang="es-ES" sz="1600" i="1" dirty="0" err="1"/>
-              <a:t>Qandidate</a:t>
-            </a:r>
-            <a:endParaRPr lang="es-ES" sz="1600" i="1" dirty="0"/>
-          </a:p>
-          <a:p>
-            <a:pPr lvl="3"/>
-            <a:r>
-              <a:rPr lang="es-ES" sz="1400" i="1" dirty="0">
-                <a:hlinkClick r:id="rId3"/>
               </a:rPr>
               <a:t>http://labs.qandidate.com/blog/2014/08/18/a-new-feature-toggling-library-for-php/</a:t>
             </a:r>
@@ -15013,7 +16186,7 @@
           <p:nvPr/>
         </p:nvPicPr>
         <p:blipFill>
-          <a:blip r:embed="rId4">
+          <a:blip r:embed="rId3">
             <a:extLst>
               <a:ext uri="{28A0092B-C50C-407E-A947-70E740481C1C}">
                 <a14:useLocalDpi xmlns:a14="http://schemas.microsoft.com/office/drawing/2010/main" val="0"/>
@@ -16023,15 +17196,7 @@
             </a:r>
             <a:r>
               <a:rPr lang="es-ES" sz="2400" i="1" dirty="0"/>
-              <a:t>“</a:t>
-            </a:r>
-            <a:r>
-              <a:rPr lang="es-ES" sz="2400" i="1" dirty="0" err="1"/>
-              <a:t>feature</a:t>
-            </a:r>
-            <a:r>
-              <a:rPr lang="es-ES" sz="2400" i="1" dirty="0"/>
-              <a:t> </a:t>
+              <a:t>“feature </a:t>
             </a:r>
             <a:r>
               <a:rPr lang="es-ES" sz="2400" i="1" dirty="0" err="1"/>

--- a/docs/slides/esquio-overview-101.pptx
+++ b/docs/slides/esquio-overview-101.pptx
@@ -15111,6 +15111,22 @@
             <a:pPr lvl="1"/>
             <a:r>
               <a:rPr lang="es-ES" sz="1600" i="1" dirty="0" err="1"/>
+              <a:t>MultiVariate</a:t>
+            </a:r>
+            <a:r>
+              <a:rPr lang="es-ES" sz="1600" i="1" dirty="0"/>
+              <a:t> Feature </a:t>
+            </a:r>
+            <a:r>
+              <a:rPr lang="es-ES" sz="1600" i="1" dirty="0" err="1"/>
+              <a:t>toggle</a:t>
+            </a:r>
+            <a:endParaRPr lang="es-ES" sz="1600" i="1" dirty="0"/>
+          </a:p>
+          <a:p>
+            <a:pPr lvl="1"/>
+            <a:r>
+              <a:rPr lang="es-ES" sz="1600" i="1" dirty="0" err="1"/>
               <a:t>Endpoint</a:t>
             </a:r>
             <a:r>
